--- a/영화소개 프로젝트.pptx
+++ b/영화소개 프로젝트.pptx
@@ -10,39 +10,43 @@
     <p:sldId id="258" r:id="rId4"/>
     <p:sldId id="259" r:id="rId5"/>
     <p:sldId id="260" r:id="rId6"/>
-    <p:sldId id="261" r:id="rId7"/>
-    <p:sldId id="262" r:id="rId8"/>
-    <p:sldId id="263" r:id="rId9"/>
-    <p:sldId id="296" r:id="rId10"/>
-    <p:sldId id="297" r:id="rId11"/>
-    <p:sldId id="298" r:id="rId12"/>
-    <p:sldId id="274" r:id="rId13"/>
-    <p:sldId id="275" r:id="rId14"/>
-    <p:sldId id="276" r:id="rId15"/>
-    <p:sldId id="267" r:id="rId16"/>
-    <p:sldId id="268" r:id="rId17"/>
-    <p:sldId id="269" r:id="rId18"/>
-    <p:sldId id="270" r:id="rId19"/>
-    <p:sldId id="271" r:id="rId20"/>
-    <p:sldId id="272" r:id="rId21"/>
-    <p:sldId id="304" r:id="rId22"/>
-    <p:sldId id="303" r:id="rId23"/>
-    <p:sldId id="280" r:id="rId24"/>
-    <p:sldId id="281" r:id="rId25"/>
-    <p:sldId id="282" r:id="rId26"/>
-    <p:sldId id="273" r:id="rId27"/>
-    <p:sldId id="302" r:id="rId28"/>
-    <p:sldId id="299" r:id="rId29"/>
-    <p:sldId id="300" r:id="rId30"/>
-    <p:sldId id="301" r:id="rId31"/>
-    <p:sldId id="283" r:id="rId32"/>
-    <p:sldId id="294" r:id="rId33"/>
-    <p:sldId id="295" r:id="rId34"/>
-    <p:sldId id="285" r:id="rId35"/>
-    <p:sldId id="286" r:id="rId36"/>
-    <p:sldId id="287" r:id="rId37"/>
-    <p:sldId id="288" r:id="rId38"/>
-    <p:sldId id="293" r:id="rId39"/>
+    <p:sldId id="305" r:id="rId7"/>
+    <p:sldId id="261" r:id="rId8"/>
+    <p:sldId id="306" r:id="rId9"/>
+    <p:sldId id="262" r:id="rId10"/>
+    <p:sldId id="263" r:id="rId11"/>
+    <p:sldId id="296" r:id="rId12"/>
+    <p:sldId id="297" r:id="rId13"/>
+    <p:sldId id="298" r:id="rId14"/>
+    <p:sldId id="274" r:id="rId15"/>
+    <p:sldId id="275" r:id="rId16"/>
+    <p:sldId id="276" r:id="rId17"/>
+    <p:sldId id="267" r:id="rId18"/>
+    <p:sldId id="268" r:id="rId19"/>
+    <p:sldId id="269" r:id="rId20"/>
+    <p:sldId id="270" r:id="rId21"/>
+    <p:sldId id="271" r:id="rId22"/>
+    <p:sldId id="272" r:id="rId23"/>
+    <p:sldId id="304" r:id="rId24"/>
+    <p:sldId id="303" r:id="rId25"/>
+    <p:sldId id="280" r:id="rId26"/>
+    <p:sldId id="281" r:id="rId27"/>
+    <p:sldId id="273" r:id="rId28"/>
+    <p:sldId id="302" r:id="rId29"/>
+    <p:sldId id="299" r:id="rId30"/>
+    <p:sldId id="300" r:id="rId31"/>
+    <p:sldId id="301" r:id="rId32"/>
+    <p:sldId id="283" r:id="rId33"/>
+    <p:sldId id="294" r:id="rId34"/>
+    <p:sldId id="295" r:id="rId35"/>
+    <p:sldId id="285" r:id="rId36"/>
+    <p:sldId id="286" r:id="rId37"/>
+    <p:sldId id="287" r:id="rId38"/>
+    <p:sldId id="288" r:id="rId39"/>
+    <p:sldId id="293" r:id="rId40"/>
+    <p:sldId id="307" r:id="rId41"/>
+    <p:sldId id="308" r:id="rId42"/>
+    <p:sldId id="309" r:id="rId43"/>
   </p:sldIdLst>
   <p:sldSz cx="9144000" cy="6858000" type="screen4x3"/>
   <p:notesSz cx="6858000" cy="9144000"/>
@@ -5064,8 +5068,16 @@
           <a:lstStyle/>
           <a:p>
             <a:r>
+              <a:rPr lang="en-US" altLang="ko-KR" sz="6600" dirty="0" smtClean="0"/>
+              <a:t>MGG</a:t>
+            </a:r>
+            <a:r>
               <a:rPr lang="ko-KR" altLang="en-US" sz="6600" dirty="0" smtClean="0"/>
-              <a:t>영화소개 프로젝트</a:t>
+              <a:t> </a:t>
+            </a:r>
+            <a:r>
+              <a:rPr lang="ko-KR" altLang="en-US" sz="6600" dirty="0" smtClean="0"/>
+              <a:t>프로젝트</a:t>
             </a:r>
             <a:endParaRPr lang="ko-KR" altLang="en-US" sz="6600" dirty="0"/>
           </a:p>
@@ -5195,6 +5207,124 @@
           <a:p>
             <a:r>
               <a:rPr lang="ko-KR" altLang="en-US" dirty="0" smtClean="0"/>
+              <a:t>주요기능</a:t>
+            </a:r>
+            <a:endParaRPr lang="ko-KR" altLang="en-US" dirty="0"/>
+          </a:p>
+        </p:txBody>
+      </p:sp>
+      <p:sp>
+        <p:nvSpPr>
+          <p:cNvPr id="3" name="내용 개체 틀 2"/>
+          <p:cNvSpPr>
+            <a:spLocks noGrp="1"/>
+          </p:cNvSpPr>
+          <p:nvPr>
+            <p:ph sz="quarter" idx="1"/>
+          </p:nvPr>
+        </p:nvSpPr>
+        <p:spPr/>
+        <p:txBody>
+          <a:bodyPr/>
+          <a:lstStyle/>
+          <a:p>
+            <a:r>
+              <a:rPr lang="ko-KR" altLang="en-US" dirty="0" smtClean="0"/>
+              <a:t>회원가입</a:t>
+            </a:r>
+            <a:endParaRPr lang="en-US" altLang="ko-KR" dirty="0" smtClean="0"/>
+          </a:p>
+          <a:p>
+            <a:r>
+              <a:rPr lang="ko-KR" altLang="en-US" dirty="0" smtClean="0"/>
+              <a:t>로그</a:t>
+            </a:r>
+            <a:r>
+              <a:rPr lang="ko-KR" altLang="en-US" dirty="0"/>
+              <a:t>인</a:t>
+            </a:r>
+            <a:endParaRPr lang="en-US" altLang="ko-KR" dirty="0" smtClean="0"/>
+          </a:p>
+          <a:p>
+            <a:r>
+              <a:rPr lang="ko-KR" altLang="en-US" dirty="0" smtClean="0"/>
+              <a:t>영화목록</a:t>
+            </a:r>
+            <a:endParaRPr lang="en-US" altLang="ko-KR" dirty="0" smtClean="0"/>
+          </a:p>
+          <a:p>
+            <a:r>
+              <a:rPr lang="ko-KR" altLang="en-US" dirty="0" smtClean="0"/>
+              <a:t>영화검색</a:t>
+            </a:r>
+            <a:endParaRPr lang="en-US" altLang="ko-KR" dirty="0" smtClean="0"/>
+          </a:p>
+          <a:p>
+            <a:r>
+              <a:rPr lang="ko-KR" altLang="en-US" dirty="0" smtClean="0"/>
+              <a:t>랭킹목</a:t>
+            </a:r>
+            <a:r>
+              <a:rPr lang="ko-KR" altLang="en-US" dirty="0"/>
+              <a:t>록</a:t>
+            </a:r>
+          </a:p>
+        </p:txBody>
+      </p:sp>
+    </p:spTree>
+    <p:extLst>
+      <p:ext uri="{BB962C8B-B14F-4D97-AF65-F5344CB8AC3E}">
+        <p14:creationId xmlns:p14="http://schemas.microsoft.com/office/powerpoint/2010/main" val="3918389736"/>
+      </p:ext>
+    </p:extLst>
+  </p:cSld>
+  <p:clrMapOvr>
+    <a:masterClrMapping/>
+  </p:clrMapOvr>
+  <p:timing>
+    <p:tnLst>
+      <p:par>
+        <p:cTn id="1" dur="indefinite" restart="never" nodeType="tmRoot"/>
+      </p:par>
+    </p:tnLst>
+  </p:timing>
+</p:sld>
+</file>
+
+<file path=ppt/slides/slide11.xml><?xml version="1.0" encoding="utf-8"?>
+<p:sld xmlns:a="http://schemas.openxmlformats.org/drawingml/2006/main" xmlns:r="http://schemas.openxmlformats.org/officeDocument/2006/relationships" xmlns:p="http://schemas.openxmlformats.org/presentationml/2006/main">
+  <p:cSld>
+    <p:spTree>
+      <p:nvGrpSpPr>
+        <p:cNvPr id="1" name=""/>
+        <p:cNvGrpSpPr/>
+        <p:nvPr/>
+      </p:nvGrpSpPr>
+      <p:grpSpPr>
+        <a:xfrm>
+          <a:off x="0" y="0"/>
+          <a:ext cx="0" cy="0"/>
+          <a:chOff x="0" y="0"/>
+          <a:chExt cx="0" cy="0"/>
+        </a:xfrm>
+      </p:grpSpPr>
+      <p:sp>
+        <p:nvSpPr>
+          <p:cNvPr id="2" name="제목 1"/>
+          <p:cNvSpPr>
+            <a:spLocks noGrp="1"/>
+          </p:cNvSpPr>
+          <p:nvPr>
+            <p:ph type="title"/>
+          </p:nvPr>
+        </p:nvSpPr>
+        <p:spPr/>
+        <p:txBody>
+          <a:bodyPr/>
+          <a:lstStyle/>
+          <a:p>
+            <a:r>
+              <a:rPr lang="ko-KR" altLang="en-US" dirty="0" smtClean="0"/>
               <a:t>구현</a:t>
             </a:r>
             <a:endParaRPr lang="ko-KR" altLang="en-US" dirty="0"/>
@@ -5218,7 +5348,11 @@
           <a:p>
             <a:r>
               <a:rPr lang="ko-KR" altLang="en-US" dirty="0" smtClean="0"/>
-              <a:t>회원가입 컨트롤러</a:t>
+              <a:t>회원가입 </a:t>
+            </a:r>
+            <a:r>
+              <a:rPr lang="ko-KR" altLang="en-US" dirty="0" err="1" smtClean="0"/>
+              <a:t>뷰</a:t>
             </a:r>
             <a:endParaRPr lang="ko-KR" altLang="en-US" dirty="0"/>
           </a:p>
@@ -5226,7 +5360,7 @@
       </p:sp>
       <p:pic>
         <p:nvPicPr>
-          <p:cNvPr id="5122" name="Picture 2"/>
+          <p:cNvPr id="4098" name="Picture 2"/>
           <p:cNvPicPr>
             <a:picLocks noChangeAspect="1" noChangeArrowheads="1"/>
           </p:cNvPicPr>
@@ -5247,8 +5381,8 @@
         </p:blipFill>
         <p:spPr bwMode="auto">
           <a:xfrm>
-            <a:off x="858466" y="2132856"/>
-            <a:ext cx="6120680" cy="4096058"/>
+            <a:off x="899592" y="2132856"/>
+            <a:ext cx="6840000" cy="3744416"/>
           </a:xfrm>
           <a:prstGeom prst="rect">
             <a:avLst/>
@@ -5281,17 +5415,24 @@
     </p:spTree>
     <p:extLst>
       <p:ext uri="{BB962C8B-B14F-4D97-AF65-F5344CB8AC3E}">
-        <p14:creationId xmlns:p14="http://schemas.microsoft.com/office/powerpoint/2010/main" val="3170454304"/>
+        <p14:creationId xmlns:p14="http://schemas.microsoft.com/office/powerpoint/2010/main" val="968223399"/>
       </p:ext>
     </p:extLst>
   </p:cSld>
   <p:clrMapOvr>
     <a:masterClrMapping/>
   </p:clrMapOvr>
+  <p:timing>
+    <p:tnLst>
+      <p:par>
+        <p:cTn id="1" dur="indefinite" restart="never" nodeType="tmRoot"/>
+      </p:par>
+    </p:tnLst>
+  </p:timing>
 </p:sld>
 </file>
 
-<file path=ppt/slides/slide11.xml><?xml version="1.0" encoding="utf-8"?>
+<file path=ppt/slides/slide12.xml><?xml version="1.0" encoding="utf-8"?>
 <p:sld xmlns:a="http://schemas.openxmlformats.org/drawingml/2006/main" xmlns:r="http://schemas.openxmlformats.org/officeDocument/2006/relationships" xmlns:p="http://schemas.openxmlformats.org/presentationml/2006/main">
   <p:cSld>
     <p:spTree>
@@ -5348,7 +5489,7 @@
           <a:p>
             <a:r>
               <a:rPr lang="ko-KR" altLang="en-US" dirty="0" smtClean="0"/>
-              <a:t>회원가입 모델링</a:t>
+              <a:t>회원가입 컨트롤러</a:t>
             </a:r>
             <a:endParaRPr lang="ko-KR" altLang="en-US" dirty="0"/>
           </a:p>
@@ -5356,7 +5497,7 @@
       </p:sp>
       <p:pic>
         <p:nvPicPr>
-          <p:cNvPr id="4" name="Picture 2"/>
+          <p:cNvPr id="5122" name="Picture 2"/>
           <p:cNvPicPr>
             <a:picLocks noChangeAspect="1" noChangeArrowheads="1"/>
           </p:cNvPicPr>
@@ -5377,8 +5518,8 @@
         </p:blipFill>
         <p:spPr bwMode="auto">
           <a:xfrm>
-            <a:off x="899592" y="2132856"/>
-            <a:ext cx="3903950" cy="4315197"/>
+            <a:off x="858466" y="2132856"/>
+            <a:ext cx="6120680" cy="4096058"/>
           </a:xfrm>
           <a:prstGeom prst="rect">
             <a:avLst/>
@@ -5411,6 +5552,153 @@
     </p:spTree>
     <p:extLst>
       <p:ext uri="{BB962C8B-B14F-4D97-AF65-F5344CB8AC3E}">
+        <p14:creationId xmlns:p14="http://schemas.microsoft.com/office/powerpoint/2010/main" val="3170454304"/>
+      </p:ext>
+    </p:extLst>
+  </p:cSld>
+  <p:clrMapOvr>
+    <a:masterClrMapping/>
+  </p:clrMapOvr>
+  <p:timing>
+    <p:tnLst>
+      <p:par>
+        <p:cTn id="1" dur="indefinite" restart="never" nodeType="tmRoot"/>
+      </p:par>
+    </p:tnLst>
+  </p:timing>
+</p:sld>
+</file>
+
+<file path=ppt/slides/slide13.xml><?xml version="1.0" encoding="utf-8"?>
+<p:sld xmlns:a="http://schemas.openxmlformats.org/drawingml/2006/main" xmlns:r="http://schemas.openxmlformats.org/officeDocument/2006/relationships" xmlns:p="http://schemas.openxmlformats.org/presentationml/2006/main">
+  <p:cSld>
+    <p:spTree>
+      <p:nvGrpSpPr>
+        <p:cNvPr id="1" name=""/>
+        <p:cNvGrpSpPr/>
+        <p:nvPr/>
+      </p:nvGrpSpPr>
+      <p:grpSpPr>
+        <a:xfrm>
+          <a:off x="0" y="0"/>
+          <a:ext cx="0" cy="0"/>
+          <a:chOff x="0" y="0"/>
+          <a:chExt cx="0" cy="0"/>
+        </a:xfrm>
+      </p:grpSpPr>
+      <p:sp>
+        <p:nvSpPr>
+          <p:cNvPr id="2" name="제목 1"/>
+          <p:cNvSpPr>
+            <a:spLocks noGrp="1"/>
+          </p:cNvSpPr>
+          <p:nvPr>
+            <p:ph type="title"/>
+          </p:nvPr>
+        </p:nvSpPr>
+        <p:spPr/>
+        <p:txBody>
+          <a:bodyPr/>
+          <a:lstStyle/>
+          <a:p>
+            <a:r>
+              <a:rPr lang="ko-KR" altLang="en-US" dirty="0" smtClean="0"/>
+              <a:t>구현</a:t>
+            </a:r>
+            <a:endParaRPr lang="ko-KR" altLang="en-US" dirty="0"/>
+          </a:p>
+        </p:txBody>
+      </p:sp>
+      <p:sp>
+        <p:nvSpPr>
+          <p:cNvPr id="3" name="내용 개체 틀 2"/>
+          <p:cNvSpPr>
+            <a:spLocks noGrp="1"/>
+          </p:cNvSpPr>
+          <p:nvPr>
+            <p:ph sz="quarter" idx="1"/>
+          </p:nvPr>
+        </p:nvSpPr>
+        <p:spPr/>
+        <p:txBody>
+          <a:bodyPr/>
+          <a:lstStyle/>
+          <a:p>
+            <a:r>
+              <a:rPr lang="ko-KR" altLang="en-US" dirty="0" smtClean="0"/>
+              <a:t>회원가입 모델링</a:t>
+            </a:r>
+            <a:endParaRPr lang="ko-KR" altLang="en-US" dirty="0"/>
+          </a:p>
+        </p:txBody>
+      </p:sp>
+      <p:pic>
+        <p:nvPicPr>
+          <p:cNvPr id="2050" name="Picture 2"/>
+          <p:cNvPicPr>
+            <a:picLocks noChangeArrowheads="1"/>
+          </p:cNvPicPr>
+          <p:nvPr/>
+        </p:nvPicPr>
+        <p:blipFill>
+          <a:blip r:embed="rId2">
+            <a:extLst>
+              <a:ext uri="{28A0092B-C50C-407E-A947-70E740481C1C}">
+                <a14:useLocalDpi xmlns:a14="http://schemas.microsoft.com/office/drawing/2010/main" val="0"/>
+              </a:ext>
+            </a:extLst>
+          </a:blip>
+          <a:srcRect/>
+          <a:stretch>
+            <a:fillRect/>
+          </a:stretch>
+        </p:blipFill>
+        <p:spPr bwMode="auto">
+          <a:xfrm>
+            <a:off x="971600" y="2132856"/>
+            <a:ext cx="6480000" cy="3240000"/>
+          </a:xfrm>
+          <a:prstGeom prst="rect">
+            <a:avLst/>
+          </a:prstGeom>
+          <a:noFill/>
+          <a:ln>
+            <a:noFill/>
+          </a:ln>
+          <a:effectLst/>
+          <a:extLst>
+            <a:ext uri="{909E8E84-426E-40DD-AFC4-6F175D3DCCD1}">
+              <a14:hiddenFill xmlns:a14="http://schemas.microsoft.com/office/drawing/2010/main">
+                <a:solidFill>
+                  <a:schemeClr val="accent1"/>
+                </a:solidFill>
+              </a14:hiddenFill>
+            </a:ext>
+            <a:ext uri="{91240B29-F687-4F45-9708-019B960494DF}">
+              <a14:hiddenLine xmlns:a14="http://schemas.microsoft.com/office/drawing/2010/main" w="9525">
+                <a:solidFill>
+                  <a:schemeClr val="tx1"/>
+                </a:solidFill>
+                <a:miter lim="800000"/>
+                <a:headEnd/>
+                <a:tailEnd/>
+              </a14:hiddenLine>
+            </a:ext>
+            <a:ext uri="{AF507438-7753-43E0-B8FC-AC1667EBCBE1}">
+              <a14:hiddenEffects xmlns:a14="http://schemas.microsoft.com/office/drawing/2010/main">
+                <a:effectLst>
+                  <a:outerShdw dist="35921" dir="2700000" algn="ctr" rotWithShape="0">
+                    <a:schemeClr val="bg2"/>
+                  </a:outerShdw>
+                </a:effectLst>
+              </a14:hiddenEffects>
+            </a:ext>
+          </a:extLst>
+        </p:spPr>
+      </p:pic>
+    </p:spTree>
+    <p:extLst>
+      <p:ext uri="{BB962C8B-B14F-4D97-AF65-F5344CB8AC3E}">
         <p14:creationId xmlns:p14="http://schemas.microsoft.com/office/powerpoint/2010/main" val="1391633537"/>
       </p:ext>
     </p:extLst>
@@ -5421,7 +5709,7 @@
 </p:sld>
 </file>
 
-<file path=ppt/slides/slide12.xml><?xml version="1.0" encoding="utf-8"?>
+<file path=ppt/slides/slide14.xml><?xml version="1.0" encoding="utf-8"?>
 <p:sld xmlns:a="http://schemas.openxmlformats.org/drawingml/2006/main" xmlns:r="http://schemas.openxmlformats.org/officeDocument/2006/relationships" xmlns:p="http://schemas.openxmlformats.org/presentationml/2006/main">
   <p:cSld>
     <p:spTree>
@@ -5555,7 +5843,7 @@
 </p:sld>
 </file>
 
-<file path=ppt/slides/slide13.xml><?xml version="1.0" encoding="utf-8"?>
+<file path=ppt/slides/slide15.xml><?xml version="1.0" encoding="utf-8"?>
 <p:sld xmlns:a="http://schemas.openxmlformats.org/drawingml/2006/main" xmlns:r="http://schemas.openxmlformats.org/officeDocument/2006/relationships" xmlns:p="http://schemas.openxmlformats.org/presentationml/2006/main">
   <p:cSld>
     <p:spTree>
@@ -5685,7 +5973,7 @@
 </p:sld>
 </file>
 
-<file path=ppt/slides/slide14.xml><?xml version="1.0" encoding="utf-8"?>
+<file path=ppt/slides/slide16.xml><?xml version="1.0" encoding="utf-8"?>
 <p:sld xmlns:a="http://schemas.openxmlformats.org/drawingml/2006/main" xmlns:r="http://schemas.openxmlformats.org/officeDocument/2006/relationships" xmlns:p="http://schemas.openxmlformats.org/presentationml/2006/main">
   <p:cSld>
     <p:spTree>
@@ -5750,7 +6038,151 @@
       </p:sp>
       <p:pic>
         <p:nvPicPr>
-          <p:cNvPr id="3074" name="Picture 2"/>
+          <p:cNvPr id="4" name="Picture 2"/>
+          <p:cNvPicPr>
+            <a:picLocks noChangeArrowheads="1"/>
+          </p:cNvPicPr>
+          <p:nvPr/>
+        </p:nvPicPr>
+        <p:blipFill>
+          <a:blip r:embed="rId2">
+            <a:extLst>
+              <a:ext uri="{28A0092B-C50C-407E-A947-70E740481C1C}">
+                <a14:useLocalDpi xmlns:a14="http://schemas.microsoft.com/office/drawing/2010/main" val="0"/>
+              </a:ext>
+            </a:extLst>
+          </a:blip>
+          <a:srcRect/>
+          <a:stretch>
+            <a:fillRect/>
+          </a:stretch>
+        </p:blipFill>
+        <p:spPr bwMode="auto">
+          <a:xfrm>
+            <a:off x="971599" y="2060848"/>
+            <a:ext cx="6480000" cy="2880000"/>
+          </a:xfrm>
+          <a:prstGeom prst="rect">
+            <a:avLst/>
+          </a:prstGeom>
+          <a:noFill/>
+          <a:ln>
+            <a:noFill/>
+          </a:ln>
+          <a:effectLst/>
+          <a:extLst>
+            <a:ext uri="{909E8E84-426E-40DD-AFC4-6F175D3DCCD1}">
+              <a14:hiddenFill xmlns:a14="http://schemas.microsoft.com/office/drawing/2010/main">
+                <a:solidFill>
+                  <a:schemeClr val="accent1"/>
+                </a:solidFill>
+              </a14:hiddenFill>
+            </a:ext>
+            <a:ext uri="{91240B29-F687-4F45-9708-019B960494DF}">
+              <a14:hiddenLine xmlns:a14="http://schemas.microsoft.com/office/drawing/2010/main" w="9525">
+                <a:solidFill>
+                  <a:schemeClr val="tx1"/>
+                </a:solidFill>
+                <a:miter lim="800000"/>
+                <a:headEnd/>
+                <a:tailEnd/>
+              </a14:hiddenLine>
+            </a:ext>
+            <a:ext uri="{AF507438-7753-43E0-B8FC-AC1667EBCBE1}">
+              <a14:hiddenEffects xmlns:a14="http://schemas.microsoft.com/office/drawing/2010/main">
+                <a:effectLst>
+                  <a:outerShdw dist="35921" dir="2700000" algn="ctr" rotWithShape="0">
+                    <a:schemeClr val="bg2"/>
+                  </a:outerShdw>
+                </a:effectLst>
+              </a14:hiddenEffects>
+            </a:ext>
+          </a:extLst>
+        </p:spPr>
+      </p:pic>
+    </p:spTree>
+    <p:extLst>
+      <p:ext uri="{BB962C8B-B14F-4D97-AF65-F5344CB8AC3E}">
+        <p14:creationId xmlns:p14="http://schemas.microsoft.com/office/powerpoint/2010/main" val="1554188797"/>
+      </p:ext>
+    </p:extLst>
+  </p:cSld>
+  <p:clrMapOvr>
+    <a:masterClrMapping/>
+  </p:clrMapOvr>
+</p:sld>
+</file>
+
+<file path=ppt/slides/slide17.xml><?xml version="1.0" encoding="utf-8"?>
+<p:sld xmlns:a="http://schemas.openxmlformats.org/drawingml/2006/main" xmlns:r="http://schemas.openxmlformats.org/officeDocument/2006/relationships" xmlns:p="http://schemas.openxmlformats.org/presentationml/2006/main">
+  <p:cSld>
+    <p:spTree>
+      <p:nvGrpSpPr>
+        <p:cNvPr id="1" name=""/>
+        <p:cNvGrpSpPr/>
+        <p:nvPr/>
+      </p:nvGrpSpPr>
+      <p:grpSpPr>
+        <a:xfrm>
+          <a:off x="0" y="0"/>
+          <a:ext cx="0" cy="0"/>
+          <a:chOff x="0" y="0"/>
+          <a:chExt cx="0" cy="0"/>
+        </a:xfrm>
+      </p:grpSpPr>
+      <p:sp>
+        <p:nvSpPr>
+          <p:cNvPr id="2" name="제목 1"/>
+          <p:cNvSpPr>
+            <a:spLocks noGrp="1"/>
+          </p:cNvSpPr>
+          <p:nvPr>
+            <p:ph type="title"/>
+          </p:nvPr>
+        </p:nvSpPr>
+        <p:spPr/>
+        <p:txBody>
+          <a:bodyPr/>
+          <a:lstStyle/>
+          <a:p>
+            <a:r>
+              <a:rPr lang="ko-KR" altLang="en-US" dirty="0" smtClean="0"/>
+              <a:t>구현</a:t>
+            </a:r>
+            <a:endParaRPr lang="ko-KR" altLang="en-US" dirty="0"/>
+          </a:p>
+        </p:txBody>
+      </p:sp>
+      <p:sp>
+        <p:nvSpPr>
+          <p:cNvPr id="3" name="내용 개체 틀 2"/>
+          <p:cNvSpPr>
+            <a:spLocks noGrp="1"/>
+          </p:cNvSpPr>
+          <p:nvPr>
+            <p:ph sz="quarter" idx="1"/>
+          </p:nvPr>
+        </p:nvSpPr>
+        <p:spPr/>
+        <p:txBody>
+          <a:bodyPr/>
+          <a:lstStyle/>
+          <a:p>
+            <a:r>
+              <a:rPr lang="ko-KR" altLang="en-US" dirty="0" smtClean="0"/>
+              <a:t>영화목록 </a:t>
+            </a:r>
+            <a:r>
+              <a:rPr lang="ko-KR" altLang="en-US" dirty="0" err="1" smtClean="0"/>
+              <a:t>뷰</a:t>
+            </a:r>
+            <a:endParaRPr lang="ko-KR" altLang="en-US" dirty="0"/>
+          </a:p>
+        </p:txBody>
+      </p:sp>
+      <p:pic>
+        <p:nvPicPr>
+          <p:cNvPr id="6146" name="Picture 2"/>
           <p:cNvPicPr>
             <a:picLocks noChangeAspect="1" noChangeArrowheads="1"/>
           </p:cNvPicPr>
@@ -5771,8 +6203,8 @@
         </p:blipFill>
         <p:spPr bwMode="auto">
           <a:xfrm>
-            <a:off x="899592" y="2132856"/>
-            <a:ext cx="3903950" cy="4315197"/>
+            <a:off x="755576" y="2060848"/>
+            <a:ext cx="6840000" cy="4385647"/>
           </a:xfrm>
           <a:prstGeom prst="rect">
             <a:avLst/>
@@ -5805,415 +6237,7 @@
     </p:spTree>
     <p:extLst>
       <p:ext uri="{BB962C8B-B14F-4D97-AF65-F5344CB8AC3E}">
-        <p14:creationId xmlns:p14="http://schemas.microsoft.com/office/powerpoint/2010/main" val="1554188797"/>
-      </p:ext>
-    </p:extLst>
-  </p:cSld>
-  <p:clrMapOvr>
-    <a:masterClrMapping/>
-  </p:clrMapOvr>
-</p:sld>
-</file>
-
-<file path=ppt/slides/slide15.xml><?xml version="1.0" encoding="utf-8"?>
-<p:sld xmlns:a="http://schemas.openxmlformats.org/drawingml/2006/main" xmlns:r="http://schemas.openxmlformats.org/officeDocument/2006/relationships" xmlns:p="http://schemas.openxmlformats.org/presentationml/2006/main">
-  <p:cSld>
-    <p:spTree>
-      <p:nvGrpSpPr>
-        <p:cNvPr id="1" name=""/>
-        <p:cNvGrpSpPr/>
-        <p:nvPr/>
-      </p:nvGrpSpPr>
-      <p:grpSpPr>
-        <a:xfrm>
-          <a:off x="0" y="0"/>
-          <a:ext cx="0" cy="0"/>
-          <a:chOff x="0" y="0"/>
-          <a:chExt cx="0" cy="0"/>
-        </a:xfrm>
-      </p:grpSpPr>
-      <p:sp>
-        <p:nvSpPr>
-          <p:cNvPr id="2" name="제목 1"/>
-          <p:cNvSpPr>
-            <a:spLocks noGrp="1"/>
-          </p:cNvSpPr>
-          <p:nvPr>
-            <p:ph type="title"/>
-          </p:nvPr>
-        </p:nvSpPr>
-        <p:spPr/>
-        <p:txBody>
-          <a:bodyPr/>
-          <a:lstStyle/>
-          <a:p>
-            <a:r>
-              <a:rPr lang="ko-KR" altLang="en-US" dirty="0" smtClean="0"/>
-              <a:t>구현</a:t>
-            </a:r>
-            <a:endParaRPr lang="ko-KR" altLang="en-US" dirty="0"/>
-          </a:p>
-        </p:txBody>
-      </p:sp>
-      <p:sp>
-        <p:nvSpPr>
-          <p:cNvPr id="3" name="내용 개체 틀 2"/>
-          <p:cNvSpPr>
-            <a:spLocks noGrp="1"/>
-          </p:cNvSpPr>
-          <p:nvPr>
-            <p:ph sz="quarter" idx="1"/>
-          </p:nvPr>
-        </p:nvSpPr>
-        <p:spPr/>
-        <p:txBody>
-          <a:bodyPr/>
-          <a:lstStyle/>
-          <a:p>
-            <a:r>
-              <a:rPr lang="ko-KR" altLang="en-US" dirty="0" smtClean="0"/>
-              <a:t>영화목록 </a:t>
-            </a:r>
-            <a:r>
-              <a:rPr lang="ko-KR" altLang="en-US" dirty="0" err="1" smtClean="0"/>
-              <a:t>뷰</a:t>
-            </a:r>
-            <a:endParaRPr lang="ko-KR" altLang="en-US" dirty="0"/>
-          </a:p>
-        </p:txBody>
-      </p:sp>
-      <p:pic>
-        <p:nvPicPr>
-          <p:cNvPr id="6146" name="Picture 2"/>
-          <p:cNvPicPr>
-            <a:picLocks noChangeAspect="1" noChangeArrowheads="1"/>
-          </p:cNvPicPr>
-          <p:nvPr/>
-        </p:nvPicPr>
-        <p:blipFill>
-          <a:blip r:embed="rId2">
-            <a:extLst>
-              <a:ext uri="{28A0092B-C50C-407E-A947-70E740481C1C}">
-                <a14:useLocalDpi xmlns:a14="http://schemas.microsoft.com/office/drawing/2010/main" val="0"/>
-              </a:ext>
-            </a:extLst>
-          </a:blip>
-          <a:srcRect/>
-          <a:stretch>
-            <a:fillRect/>
-          </a:stretch>
-        </p:blipFill>
-        <p:spPr bwMode="auto">
-          <a:xfrm>
-            <a:off x="755576" y="2060848"/>
-            <a:ext cx="6840000" cy="4385647"/>
-          </a:xfrm>
-          <a:prstGeom prst="rect">
-            <a:avLst/>
-          </a:prstGeom>
-          <a:noFill/>
-          <a:ln>
-            <a:noFill/>
-          </a:ln>
-          <a:extLst>
-            <a:ext uri="{909E8E84-426E-40DD-AFC4-6F175D3DCCD1}">
-              <a14:hiddenFill xmlns:a14="http://schemas.microsoft.com/office/drawing/2010/main">
-                <a:solidFill>
-                  <a:schemeClr val="accent1"/>
-                </a:solidFill>
-              </a14:hiddenFill>
-            </a:ext>
-            <a:ext uri="{91240B29-F687-4F45-9708-019B960494DF}">
-              <a14:hiddenLine xmlns:a14="http://schemas.microsoft.com/office/drawing/2010/main" w="9525">
-                <a:solidFill>
-                  <a:schemeClr val="tx1"/>
-                </a:solidFill>
-                <a:miter lim="800000"/>
-                <a:headEnd/>
-                <a:tailEnd/>
-              </a14:hiddenLine>
-            </a:ext>
-          </a:extLst>
-        </p:spPr>
-      </p:pic>
-    </p:spTree>
-    <p:extLst>
-      <p:ext uri="{BB962C8B-B14F-4D97-AF65-F5344CB8AC3E}">
         <p14:creationId xmlns:p14="http://schemas.microsoft.com/office/powerpoint/2010/main" val="2168746585"/>
-      </p:ext>
-    </p:extLst>
-  </p:cSld>
-  <p:clrMapOvr>
-    <a:masterClrMapping/>
-  </p:clrMapOvr>
-  <p:timing>
-    <p:tnLst>
-      <p:par>
-        <p:cTn id="1" dur="indefinite" restart="never" nodeType="tmRoot"/>
-      </p:par>
-    </p:tnLst>
-  </p:timing>
-</p:sld>
-</file>
-
-<file path=ppt/slides/slide16.xml><?xml version="1.0" encoding="utf-8"?>
-<p:sld xmlns:a="http://schemas.openxmlformats.org/drawingml/2006/main" xmlns:r="http://schemas.openxmlformats.org/officeDocument/2006/relationships" xmlns:p="http://schemas.openxmlformats.org/presentationml/2006/main">
-  <p:cSld>
-    <p:spTree>
-      <p:nvGrpSpPr>
-        <p:cNvPr id="1" name=""/>
-        <p:cNvGrpSpPr/>
-        <p:nvPr/>
-      </p:nvGrpSpPr>
-      <p:grpSpPr>
-        <a:xfrm>
-          <a:off x="0" y="0"/>
-          <a:ext cx="0" cy="0"/>
-          <a:chOff x="0" y="0"/>
-          <a:chExt cx="0" cy="0"/>
-        </a:xfrm>
-      </p:grpSpPr>
-      <p:sp>
-        <p:nvSpPr>
-          <p:cNvPr id="2" name="제목 1"/>
-          <p:cNvSpPr>
-            <a:spLocks noGrp="1"/>
-          </p:cNvSpPr>
-          <p:nvPr>
-            <p:ph type="title"/>
-          </p:nvPr>
-        </p:nvSpPr>
-        <p:spPr/>
-        <p:txBody>
-          <a:bodyPr/>
-          <a:lstStyle/>
-          <a:p>
-            <a:r>
-              <a:rPr lang="ko-KR" altLang="en-US" dirty="0" smtClean="0"/>
-              <a:t>구현</a:t>
-            </a:r>
-            <a:endParaRPr lang="ko-KR" altLang="en-US" dirty="0"/>
-          </a:p>
-        </p:txBody>
-      </p:sp>
-      <p:sp>
-        <p:nvSpPr>
-          <p:cNvPr id="3" name="내용 개체 틀 2"/>
-          <p:cNvSpPr>
-            <a:spLocks noGrp="1"/>
-          </p:cNvSpPr>
-          <p:nvPr>
-            <p:ph sz="quarter" idx="1"/>
-          </p:nvPr>
-        </p:nvSpPr>
-        <p:spPr/>
-        <p:txBody>
-          <a:bodyPr/>
-          <a:lstStyle/>
-          <a:p>
-            <a:r>
-              <a:rPr lang="ko-KR" altLang="en-US" dirty="0" smtClean="0"/>
-              <a:t>영화목록 컨트롤러</a:t>
-            </a:r>
-            <a:endParaRPr lang="ko-KR" altLang="en-US" dirty="0"/>
-          </a:p>
-        </p:txBody>
-      </p:sp>
-      <p:pic>
-        <p:nvPicPr>
-          <p:cNvPr id="7170" name="Picture 2"/>
-          <p:cNvPicPr>
-            <a:picLocks noChangeAspect="1" noChangeArrowheads="1"/>
-          </p:cNvPicPr>
-          <p:nvPr/>
-        </p:nvPicPr>
-        <p:blipFill>
-          <a:blip r:embed="rId2">
-            <a:extLst>
-              <a:ext uri="{28A0092B-C50C-407E-A947-70E740481C1C}">
-                <a14:useLocalDpi xmlns:a14="http://schemas.microsoft.com/office/drawing/2010/main" val="0"/>
-              </a:ext>
-            </a:extLst>
-          </a:blip>
-          <a:srcRect/>
-          <a:stretch>
-            <a:fillRect/>
-          </a:stretch>
-        </p:blipFill>
-        <p:spPr bwMode="auto">
-          <a:xfrm>
-            <a:off x="611560" y="2060848"/>
-            <a:ext cx="7200000" cy="1367088"/>
-          </a:xfrm>
-          <a:prstGeom prst="rect">
-            <a:avLst/>
-          </a:prstGeom>
-          <a:noFill/>
-          <a:ln>
-            <a:noFill/>
-          </a:ln>
-          <a:extLst>
-            <a:ext uri="{909E8E84-426E-40DD-AFC4-6F175D3DCCD1}">
-              <a14:hiddenFill xmlns:a14="http://schemas.microsoft.com/office/drawing/2010/main">
-                <a:solidFill>
-                  <a:schemeClr val="accent1"/>
-                </a:solidFill>
-              </a14:hiddenFill>
-            </a:ext>
-            <a:ext uri="{91240B29-F687-4F45-9708-019B960494DF}">
-              <a14:hiddenLine xmlns:a14="http://schemas.microsoft.com/office/drawing/2010/main" w="9525">
-                <a:solidFill>
-                  <a:schemeClr val="tx1"/>
-                </a:solidFill>
-                <a:miter lim="800000"/>
-                <a:headEnd/>
-                <a:tailEnd/>
-              </a14:hiddenLine>
-            </a:ext>
-          </a:extLst>
-        </p:spPr>
-      </p:pic>
-    </p:spTree>
-    <p:extLst>
-      <p:ext uri="{BB962C8B-B14F-4D97-AF65-F5344CB8AC3E}">
-        <p14:creationId xmlns:p14="http://schemas.microsoft.com/office/powerpoint/2010/main" val="335113774"/>
-      </p:ext>
-    </p:extLst>
-  </p:cSld>
-  <p:clrMapOvr>
-    <a:masterClrMapping/>
-  </p:clrMapOvr>
-  <p:timing>
-    <p:tnLst>
-      <p:par>
-        <p:cTn id="1" dur="indefinite" restart="never" nodeType="tmRoot"/>
-      </p:par>
-    </p:tnLst>
-  </p:timing>
-</p:sld>
-</file>
-
-<file path=ppt/slides/slide17.xml><?xml version="1.0" encoding="utf-8"?>
-<p:sld xmlns:a="http://schemas.openxmlformats.org/drawingml/2006/main" xmlns:r="http://schemas.openxmlformats.org/officeDocument/2006/relationships" xmlns:p="http://schemas.openxmlformats.org/presentationml/2006/main">
-  <p:cSld>
-    <p:spTree>
-      <p:nvGrpSpPr>
-        <p:cNvPr id="1" name=""/>
-        <p:cNvGrpSpPr/>
-        <p:nvPr/>
-      </p:nvGrpSpPr>
-      <p:grpSpPr>
-        <a:xfrm>
-          <a:off x="0" y="0"/>
-          <a:ext cx="0" cy="0"/>
-          <a:chOff x="0" y="0"/>
-          <a:chExt cx="0" cy="0"/>
-        </a:xfrm>
-      </p:grpSpPr>
-      <p:sp>
-        <p:nvSpPr>
-          <p:cNvPr id="2" name="제목 1"/>
-          <p:cNvSpPr>
-            <a:spLocks noGrp="1"/>
-          </p:cNvSpPr>
-          <p:nvPr>
-            <p:ph type="title"/>
-          </p:nvPr>
-        </p:nvSpPr>
-        <p:spPr/>
-        <p:txBody>
-          <a:bodyPr/>
-          <a:lstStyle/>
-          <a:p>
-            <a:r>
-              <a:rPr lang="ko-KR" altLang="en-US" dirty="0" smtClean="0"/>
-              <a:t>구현</a:t>
-            </a:r>
-            <a:endParaRPr lang="ko-KR" altLang="en-US" dirty="0"/>
-          </a:p>
-        </p:txBody>
-      </p:sp>
-      <p:sp>
-        <p:nvSpPr>
-          <p:cNvPr id="3" name="내용 개체 틀 2"/>
-          <p:cNvSpPr>
-            <a:spLocks noGrp="1"/>
-          </p:cNvSpPr>
-          <p:nvPr>
-            <p:ph sz="quarter" idx="1"/>
-          </p:nvPr>
-        </p:nvSpPr>
-        <p:spPr/>
-        <p:txBody>
-          <a:bodyPr/>
-          <a:lstStyle/>
-          <a:p>
-            <a:r>
-              <a:rPr lang="ko-KR" altLang="en-US" dirty="0" smtClean="0"/>
-              <a:t>영화목록 모델링</a:t>
-            </a:r>
-            <a:endParaRPr lang="ko-KR" altLang="en-US" dirty="0"/>
-          </a:p>
-        </p:txBody>
-      </p:sp>
-      <p:pic>
-        <p:nvPicPr>
-          <p:cNvPr id="8194" name="Picture 2"/>
-          <p:cNvPicPr>
-            <a:picLocks noChangeAspect="1" noChangeArrowheads="1"/>
-          </p:cNvPicPr>
-          <p:nvPr/>
-        </p:nvPicPr>
-        <p:blipFill>
-          <a:blip r:embed="rId2">
-            <a:extLst>
-              <a:ext uri="{28A0092B-C50C-407E-A947-70E740481C1C}">
-                <a14:useLocalDpi xmlns:a14="http://schemas.microsoft.com/office/drawing/2010/main" val="0"/>
-              </a:ext>
-            </a:extLst>
-          </a:blip>
-          <a:srcRect/>
-          <a:stretch>
-            <a:fillRect/>
-          </a:stretch>
-        </p:blipFill>
-        <p:spPr bwMode="auto">
-          <a:xfrm>
-            <a:off x="899592" y="2060848"/>
-            <a:ext cx="3240360" cy="4231854"/>
-          </a:xfrm>
-          <a:prstGeom prst="rect">
-            <a:avLst/>
-          </a:prstGeom>
-          <a:noFill/>
-          <a:ln>
-            <a:noFill/>
-          </a:ln>
-          <a:extLst>
-            <a:ext uri="{909E8E84-426E-40DD-AFC4-6F175D3DCCD1}">
-              <a14:hiddenFill xmlns:a14="http://schemas.microsoft.com/office/drawing/2010/main">
-                <a:solidFill>
-                  <a:schemeClr val="accent1"/>
-                </a:solidFill>
-              </a14:hiddenFill>
-            </a:ext>
-            <a:ext uri="{91240B29-F687-4F45-9708-019B960494DF}">
-              <a14:hiddenLine xmlns:a14="http://schemas.microsoft.com/office/drawing/2010/main" w="9525">
-                <a:solidFill>
-                  <a:schemeClr val="tx1"/>
-                </a:solidFill>
-                <a:miter lim="800000"/>
-                <a:headEnd/>
-                <a:tailEnd/>
-              </a14:hiddenLine>
-            </a:ext>
-          </a:extLst>
-        </p:spPr>
-      </p:pic>
-    </p:spTree>
-    <p:extLst>
-      <p:ext uri="{BB962C8B-B14F-4D97-AF65-F5344CB8AC3E}">
-        <p14:creationId xmlns:p14="http://schemas.microsoft.com/office/powerpoint/2010/main" val="513856760"/>
       </p:ext>
     </p:extLst>
   </p:cSld>
@@ -6287,11 +6311,7 @@
           <a:p>
             <a:r>
               <a:rPr lang="ko-KR" altLang="en-US" dirty="0" smtClean="0"/>
-              <a:t>영화검색 </a:t>
-            </a:r>
-            <a:r>
-              <a:rPr lang="ko-KR" altLang="en-US" dirty="0" err="1" smtClean="0"/>
-              <a:t>뷰</a:t>
+              <a:t>영화목록 컨트롤러</a:t>
             </a:r>
             <a:endParaRPr lang="ko-KR" altLang="en-US" dirty="0"/>
           </a:p>
@@ -6299,7 +6319,7 @@
       </p:sp>
       <p:pic>
         <p:nvPicPr>
-          <p:cNvPr id="9218" name="Picture 2"/>
+          <p:cNvPr id="7170" name="Picture 2"/>
           <p:cNvPicPr>
             <a:picLocks noChangeAspect="1" noChangeArrowheads="1"/>
           </p:cNvPicPr>
@@ -6320,8 +6340,8 @@
         </p:blipFill>
         <p:spPr bwMode="auto">
           <a:xfrm>
-            <a:off x="899592" y="2119155"/>
-            <a:ext cx="6192688" cy="4200857"/>
+            <a:off x="611560" y="2060848"/>
+            <a:ext cx="7200000" cy="2664296"/>
           </a:xfrm>
           <a:prstGeom prst="rect">
             <a:avLst/>
@@ -6354,7 +6374,7 @@
     </p:spTree>
     <p:extLst>
       <p:ext uri="{BB962C8B-B14F-4D97-AF65-F5344CB8AC3E}">
-        <p14:creationId xmlns:p14="http://schemas.microsoft.com/office/powerpoint/2010/main" val="908077699"/>
+        <p14:creationId xmlns:p14="http://schemas.microsoft.com/office/powerpoint/2010/main" val="335113774"/>
       </p:ext>
     </p:extLst>
   </p:cSld>
@@ -6428,7 +6448,7 @@
           <a:p>
             <a:r>
               <a:rPr lang="ko-KR" altLang="en-US" dirty="0" smtClean="0"/>
-              <a:t>영화검색 컨트롤러</a:t>
+              <a:t>영화목록 모델링</a:t>
             </a:r>
             <a:endParaRPr lang="ko-KR" altLang="en-US" dirty="0"/>
           </a:p>
@@ -6436,9 +6456,9 @@
       </p:sp>
       <p:pic>
         <p:nvPicPr>
-          <p:cNvPr id="10242" name="Picture 2"/>
+          <p:cNvPr id="4098" name="Picture 2"/>
           <p:cNvPicPr>
-            <a:picLocks noChangeAspect="1" noChangeArrowheads="1"/>
+            <a:picLocks noChangeArrowheads="1"/>
           </p:cNvPicPr>
           <p:nvPr/>
         </p:nvPicPr>
@@ -6457,8 +6477,8 @@
         </p:blipFill>
         <p:spPr bwMode="auto">
           <a:xfrm>
-            <a:off x="755577" y="2132857"/>
-            <a:ext cx="7272808" cy="3987312"/>
+            <a:off x="899592" y="2204864"/>
+            <a:ext cx="6480000" cy="2160240"/>
           </a:xfrm>
           <a:prstGeom prst="rect">
             <a:avLst/>
@@ -6467,6 +6487,7 @@
           <a:ln>
             <a:noFill/>
           </a:ln>
+          <a:effectLst/>
           <a:extLst>
             <a:ext uri="{909E8E84-426E-40DD-AFC4-6F175D3DCCD1}">
               <a14:hiddenFill xmlns:a14="http://schemas.microsoft.com/office/drawing/2010/main">
@@ -6485,13 +6506,22 @@
                 <a:tailEnd/>
               </a14:hiddenLine>
             </a:ext>
+            <a:ext uri="{AF507438-7753-43E0-B8FC-AC1667EBCBE1}">
+              <a14:hiddenEffects xmlns:a14="http://schemas.microsoft.com/office/drawing/2010/main">
+                <a:effectLst>
+                  <a:outerShdw dist="35921" dir="2700000" algn="ctr" rotWithShape="0">
+                    <a:schemeClr val="bg2"/>
+                  </a:outerShdw>
+                </a:effectLst>
+              </a14:hiddenEffects>
+            </a:ext>
           </a:extLst>
         </p:spPr>
       </p:pic>
     </p:spTree>
     <p:extLst>
       <p:ext uri="{BB962C8B-B14F-4D97-AF65-F5344CB8AC3E}">
-        <p14:creationId xmlns:p14="http://schemas.microsoft.com/office/powerpoint/2010/main" val="2155613309"/>
+        <p14:creationId xmlns:p14="http://schemas.microsoft.com/office/powerpoint/2010/main" val="513856760"/>
       </p:ext>
     </p:extLst>
   </p:cSld>
@@ -6701,7 +6731,11 @@
           <a:p>
             <a:r>
               <a:rPr lang="ko-KR" altLang="en-US" dirty="0" smtClean="0"/>
-              <a:t>영화검색 모델링</a:t>
+              <a:t>영화검색 </a:t>
+            </a:r>
+            <a:r>
+              <a:rPr lang="ko-KR" altLang="en-US" dirty="0" err="1" smtClean="0"/>
+              <a:t>뷰</a:t>
             </a:r>
             <a:endParaRPr lang="ko-KR" altLang="en-US" dirty="0"/>
           </a:p>
@@ -6709,7 +6743,7 @@
       </p:sp>
       <p:pic>
         <p:nvPicPr>
-          <p:cNvPr id="4" name="Picture 2"/>
+          <p:cNvPr id="9218" name="Picture 2"/>
           <p:cNvPicPr>
             <a:picLocks noChangeAspect="1" noChangeArrowheads="1"/>
           </p:cNvPicPr>
@@ -6730,8 +6764,8 @@
         </p:blipFill>
         <p:spPr bwMode="auto">
           <a:xfrm>
-            <a:off x="899592" y="2060848"/>
-            <a:ext cx="3240360" cy="4231854"/>
+            <a:off x="899592" y="2119155"/>
+            <a:ext cx="6192688" cy="4200857"/>
           </a:xfrm>
           <a:prstGeom prst="rect">
             <a:avLst/>
@@ -6764,7 +6798,7 @@
     </p:spTree>
     <p:extLst>
       <p:ext uri="{BB962C8B-B14F-4D97-AF65-F5344CB8AC3E}">
-        <p14:creationId xmlns:p14="http://schemas.microsoft.com/office/powerpoint/2010/main" val="968054418"/>
+        <p14:creationId xmlns:p14="http://schemas.microsoft.com/office/powerpoint/2010/main" val="908077699"/>
       </p:ext>
     </p:extLst>
   </p:cSld>
@@ -6838,11 +6872,7 @@
           <a:p>
             <a:r>
               <a:rPr lang="ko-KR" altLang="en-US" dirty="0" smtClean="0"/>
-              <a:t>랭킹목록 </a:t>
-            </a:r>
-            <a:r>
-              <a:rPr lang="ko-KR" altLang="en-US" dirty="0" err="1" smtClean="0"/>
-              <a:t>뷰</a:t>
+              <a:t>영화검색 컨트롤러</a:t>
             </a:r>
             <a:endParaRPr lang="ko-KR" altLang="en-US" dirty="0"/>
           </a:p>
@@ -6850,9 +6880,9 @@
       </p:sp>
       <p:pic>
         <p:nvPicPr>
-          <p:cNvPr id="19458" name="Picture 2"/>
+          <p:cNvPr id="10242" name="Picture 2"/>
           <p:cNvPicPr>
-            <a:picLocks noChangeArrowheads="1"/>
+            <a:picLocks noChangeAspect="1" noChangeArrowheads="1"/>
           </p:cNvPicPr>
           <p:nvPr/>
         </p:nvPicPr>
@@ -6871,8 +6901,8 @@
         </p:blipFill>
         <p:spPr bwMode="auto">
           <a:xfrm>
-            <a:off x="827584" y="2198671"/>
-            <a:ext cx="6480000" cy="4320000"/>
+            <a:off x="755577" y="2132857"/>
+            <a:ext cx="7272808" cy="3987312"/>
           </a:xfrm>
           <a:prstGeom prst="rect">
             <a:avLst/>
@@ -6905,13 +6935,20 @@
     </p:spTree>
     <p:extLst>
       <p:ext uri="{BB962C8B-B14F-4D97-AF65-F5344CB8AC3E}">
-        <p14:creationId xmlns:p14="http://schemas.microsoft.com/office/powerpoint/2010/main" val="3017620134"/>
+        <p14:creationId xmlns:p14="http://schemas.microsoft.com/office/powerpoint/2010/main" val="2155613309"/>
       </p:ext>
     </p:extLst>
   </p:cSld>
   <p:clrMapOvr>
     <a:masterClrMapping/>
   </p:clrMapOvr>
+  <p:timing>
+    <p:tnLst>
+      <p:par>
+        <p:cTn id="1" dur="indefinite" restart="never" nodeType="tmRoot"/>
+      </p:par>
+    </p:tnLst>
+  </p:timing>
 </p:sld>
 </file>
 
@@ -6972,18 +7009,15 @@
           <a:p>
             <a:r>
               <a:rPr lang="ko-KR" altLang="en-US" dirty="0" smtClean="0"/>
-              <a:t>랭킹목록 컨트롤</a:t>
-            </a:r>
-            <a:r>
-              <a:rPr lang="ko-KR" altLang="en-US" dirty="0"/>
-              <a:t>러</a:t>
-            </a:r>
+              <a:t>영화검색 모델링</a:t>
+            </a:r>
+            <a:endParaRPr lang="ko-KR" altLang="en-US" dirty="0"/>
           </a:p>
         </p:txBody>
       </p:sp>
       <p:pic>
         <p:nvPicPr>
-          <p:cNvPr id="18434" name="Picture 2"/>
+          <p:cNvPr id="5122" name="Picture 2"/>
           <p:cNvPicPr>
             <a:picLocks noChangeArrowheads="1"/>
           </p:cNvPicPr>
@@ -7004,7 +7038,158 @@
         </p:blipFill>
         <p:spPr bwMode="auto">
           <a:xfrm>
-            <a:off x="912158" y="2132856"/>
+            <a:off x="971600" y="2179411"/>
+            <a:ext cx="6076950" cy="2088232"/>
+          </a:xfrm>
+          <a:prstGeom prst="rect">
+            <a:avLst/>
+          </a:prstGeom>
+          <a:noFill/>
+          <a:ln>
+            <a:noFill/>
+          </a:ln>
+          <a:effectLst/>
+          <a:extLst>
+            <a:ext uri="{909E8E84-426E-40DD-AFC4-6F175D3DCCD1}">
+              <a14:hiddenFill xmlns:a14="http://schemas.microsoft.com/office/drawing/2010/main">
+                <a:solidFill>
+                  <a:schemeClr val="accent1"/>
+                </a:solidFill>
+              </a14:hiddenFill>
+            </a:ext>
+            <a:ext uri="{91240B29-F687-4F45-9708-019B960494DF}">
+              <a14:hiddenLine xmlns:a14="http://schemas.microsoft.com/office/drawing/2010/main" w="9525">
+                <a:solidFill>
+                  <a:schemeClr val="tx1"/>
+                </a:solidFill>
+                <a:miter lim="800000"/>
+                <a:headEnd/>
+                <a:tailEnd/>
+              </a14:hiddenLine>
+            </a:ext>
+            <a:ext uri="{AF507438-7753-43E0-B8FC-AC1667EBCBE1}">
+              <a14:hiddenEffects xmlns:a14="http://schemas.microsoft.com/office/drawing/2010/main">
+                <a:effectLst>
+                  <a:outerShdw dist="35921" dir="2700000" algn="ctr" rotWithShape="0">
+                    <a:schemeClr val="bg2"/>
+                  </a:outerShdw>
+                </a:effectLst>
+              </a14:hiddenEffects>
+            </a:ext>
+          </a:extLst>
+        </p:spPr>
+      </p:pic>
+    </p:spTree>
+    <p:extLst>
+      <p:ext uri="{BB962C8B-B14F-4D97-AF65-F5344CB8AC3E}">
+        <p14:creationId xmlns:p14="http://schemas.microsoft.com/office/powerpoint/2010/main" val="968054418"/>
+      </p:ext>
+    </p:extLst>
+  </p:cSld>
+  <p:clrMapOvr>
+    <a:masterClrMapping/>
+  </p:clrMapOvr>
+  <p:timing>
+    <p:tnLst>
+      <p:par>
+        <p:cTn id="1" dur="indefinite" restart="never" nodeType="tmRoot"/>
+      </p:par>
+    </p:tnLst>
+  </p:timing>
+</p:sld>
+</file>
+
+<file path=ppt/slides/slide23.xml><?xml version="1.0" encoding="utf-8"?>
+<p:sld xmlns:a="http://schemas.openxmlformats.org/drawingml/2006/main" xmlns:r="http://schemas.openxmlformats.org/officeDocument/2006/relationships" xmlns:p="http://schemas.openxmlformats.org/presentationml/2006/main">
+  <p:cSld>
+    <p:spTree>
+      <p:nvGrpSpPr>
+        <p:cNvPr id="1" name=""/>
+        <p:cNvGrpSpPr/>
+        <p:nvPr/>
+      </p:nvGrpSpPr>
+      <p:grpSpPr>
+        <a:xfrm>
+          <a:off x="0" y="0"/>
+          <a:ext cx="0" cy="0"/>
+          <a:chOff x="0" y="0"/>
+          <a:chExt cx="0" cy="0"/>
+        </a:xfrm>
+      </p:grpSpPr>
+      <p:sp>
+        <p:nvSpPr>
+          <p:cNvPr id="2" name="제목 1"/>
+          <p:cNvSpPr>
+            <a:spLocks noGrp="1"/>
+          </p:cNvSpPr>
+          <p:nvPr>
+            <p:ph type="title"/>
+          </p:nvPr>
+        </p:nvSpPr>
+        <p:spPr/>
+        <p:txBody>
+          <a:bodyPr/>
+          <a:lstStyle/>
+          <a:p>
+            <a:r>
+              <a:rPr lang="ko-KR" altLang="en-US" dirty="0" smtClean="0"/>
+              <a:t>구현</a:t>
+            </a:r>
+            <a:endParaRPr lang="ko-KR" altLang="en-US" dirty="0"/>
+          </a:p>
+        </p:txBody>
+      </p:sp>
+      <p:sp>
+        <p:nvSpPr>
+          <p:cNvPr id="3" name="내용 개체 틀 2"/>
+          <p:cNvSpPr>
+            <a:spLocks noGrp="1"/>
+          </p:cNvSpPr>
+          <p:nvPr>
+            <p:ph sz="quarter" idx="1"/>
+          </p:nvPr>
+        </p:nvSpPr>
+        <p:spPr/>
+        <p:txBody>
+          <a:bodyPr/>
+          <a:lstStyle/>
+          <a:p>
+            <a:r>
+              <a:rPr lang="ko-KR" altLang="en-US" dirty="0" smtClean="0"/>
+              <a:t>랭킹목록 </a:t>
+            </a:r>
+            <a:r>
+              <a:rPr lang="ko-KR" altLang="en-US" dirty="0" err="1" smtClean="0"/>
+              <a:t>뷰</a:t>
+            </a:r>
+            <a:endParaRPr lang="ko-KR" altLang="en-US" dirty="0"/>
+          </a:p>
+        </p:txBody>
+      </p:sp>
+      <p:pic>
+        <p:nvPicPr>
+          <p:cNvPr id="19458" name="Picture 2"/>
+          <p:cNvPicPr>
+            <a:picLocks noChangeArrowheads="1"/>
+          </p:cNvPicPr>
+          <p:nvPr/>
+        </p:nvPicPr>
+        <p:blipFill>
+          <a:blip r:embed="rId2">
+            <a:extLst>
+              <a:ext uri="{28A0092B-C50C-407E-A947-70E740481C1C}">
+                <a14:useLocalDpi xmlns:a14="http://schemas.microsoft.com/office/drawing/2010/main" val="0"/>
+              </a:ext>
+            </a:extLst>
+          </a:blip>
+          <a:srcRect/>
+          <a:stretch>
+            <a:fillRect/>
+          </a:stretch>
+        </p:blipFill>
+        <p:spPr bwMode="auto">
+          <a:xfrm>
+            <a:off x="827584" y="2198671"/>
             <a:ext cx="6480000" cy="4320000"/>
           </a:xfrm>
           <a:prstGeom prst="rect">
@@ -7038,7 +7223,7 @@
     </p:spTree>
     <p:extLst>
       <p:ext uri="{BB962C8B-B14F-4D97-AF65-F5344CB8AC3E}">
-        <p14:creationId xmlns:p14="http://schemas.microsoft.com/office/powerpoint/2010/main" val="3216516729"/>
+        <p14:creationId xmlns:p14="http://schemas.microsoft.com/office/powerpoint/2010/main" val="3017620134"/>
       </p:ext>
     </p:extLst>
   </p:cSld>
@@ -7048,7 +7233,7 @@
 </p:sld>
 </file>
 
-<file path=ppt/slides/slide23.xml><?xml version="1.0" encoding="utf-8"?>
+<file path=ppt/slides/slide24.xml><?xml version="1.0" encoding="utf-8"?>
 <p:sld xmlns:a="http://schemas.openxmlformats.org/drawingml/2006/main" xmlns:r="http://schemas.openxmlformats.org/officeDocument/2006/relationships" xmlns:p="http://schemas.openxmlformats.org/presentationml/2006/main">
   <p:cSld>
     <p:spTree>
@@ -7105,21 +7290,20 @@
           <a:p>
             <a:r>
               <a:rPr lang="ko-KR" altLang="en-US" dirty="0" smtClean="0"/>
-              <a:t>홈페이지 </a:t>
-            </a:r>
-            <a:r>
-              <a:rPr lang="ko-KR" altLang="en-US" dirty="0" err="1" smtClean="0"/>
-              <a:t>뷰</a:t>
-            </a:r>
-            <a:endParaRPr lang="ko-KR" altLang="en-US" dirty="0"/>
+              <a:t>랭킹목록 컨트롤</a:t>
+            </a:r>
+            <a:r>
+              <a:rPr lang="ko-KR" altLang="en-US" dirty="0"/>
+              <a:t>러</a:t>
+            </a:r>
           </a:p>
         </p:txBody>
       </p:sp>
       <p:pic>
         <p:nvPicPr>
-          <p:cNvPr id="3075" name="Picture 3"/>
+          <p:cNvPr id="18434" name="Picture 2"/>
           <p:cNvPicPr>
-            <a:picLocks noChangeAspect="1" noChangeArrowheads="1"/>
+            <a:picLocks noChangeArrowheads="1"/>
           </p:cNvPicPr>
           <p:nvPr/>
         </p:nvPicPr>
@@ -7138,8 +7322,8 @@
         </p:blipFill>
         <p:spPr bwMode="auto">
           <a:xfrm>
-            <a:off x="899592" y="2204864"/>
-            <a:ext cx="6840000" cy="3630688"/>
+            <a:off x="912158" y="2132856"/>
+            <a:ext cx="6480000" cy="4320000"/>
           </a:xfrm>
           <a:prstGeom prst="rect">
             <a:avLst/>
@@ -7172,24 +7356,17 @@
     </p:spTree>
     <p:extLst>
       <p:ext uri="{BB962C8B-B14F-4D97-AF65-F5344CB8AC3E}">
-        <p14:creationId xmlns:p14="http://schemas.microsoft.com/office/powerpoint/2010/main" val="3641578536"/>
+        <p14:creationId xmlns:p14="http://schemas.microsoft.com/office/powerpoint/2010/main" val="3216516729"/>
       </p:ext>
     </p:extLst>
   </p:cSld>
   <p:clrMapOvr>
     <a:masterClrMapping/>
   </p:clrMapOvr>
-  <p:timing>
-    <p:tnLst>
-      <p:par>
-        <p:cTn id="1" dur="indefinite" restart="never" nodeType="tmRoot"/>
-      </p:par>
-    </p:tnLst>
-  </p:timing>
 </p:sld>
 </file>
 
-<file path=ppt/slides/slide24.xml><?xml version="1.0" encoding="utf-8"?>
+<file path=ppt/slides/slide25.xml><?xml version="1.0" encoding="utf-8"?>
 <p:sld xmlns:a="http://schemas.openxmlformats.org/drawingml/2006/main" xmlns:r="http://schemas.openxmlformats.org/officeDocument/2006/relationships" xmlns:p="http://schemas.openxmlformats.org/presentationml/2006/main">
   <p:cSld>
     <p:spTree>
@@ -7246,7 +7423,11 @@
           <a:p>
             <a:r>
               <a:rPr lang="ko-KR" altLang="en-US" dirty="0" smtClean="0"/>
-              <a:t>홈페이지 컨트롤러 </a:t>
+              <a:t>홈페이지 </a:t>
+            </a:r>
+            <a:r>
+              <a:rPr lang="ko-KR" altLang="en-US" dirty="0" err="1" smtClean="0"/>
+              <a:t>뷰</a:t>
             </a:r>
             <a:endParaRPr lang="ko-KR" altLang="en-US" dirty="0"/>
           </a:p>
@@ -7254,7 +7435,7 @@
       </p:sp>
       <p:pic>
         <p:nvPicPr>
-          <p:cNvPr id="4098" name="Picture 2"/>
+          <p:cNvPr id="3075" name="Picture 3"/>
           <p:cNvPicPr>
             <a:picLocks noChangeAspect="1" noChangeArrowheads="1"/>
           </p:cNvPicPr>
@@ -7275,8 +7456,8 @@
         </p:blipFill>
         <p:spPr bwMode="auto">
           <a:xfrm>
-            <a:off x="899592" y="2132855"/>
-            <a:ext cx="7242654" cy="3240000"/>
+            <a:off x="899592" y="2204864"/>
+            <a:ext cx="6840000" cy="3630688"/>
           </a:xfrm>
           <a:prstGeom prst="rect">
             <a:avLst/>
@@ -7309,144 +7490,7 @@
     </p:spTree>
     <p:extLst>
       <p:ext uri="{BB962C8B-B14F-4D97-AF65-F5344CB8AC3E}">
-        <p14:creationId xmlns:p14="http://schemas.microsoft.com/office/powerpoint/2010/main" val="3142326955"/>
-      </p:ext>
-    </p:extLst>
-  </p:cSld>
-  <p:clrMapOvr>
-    <a:masterClrMapping/>
-  </p:clrMapOvr>
-  <p:timing>
-    <p:tnLst>
-      <p:par>
-        <p:cTn id="1" dur="indefinite" restart="never" nodeType="tmRoot"/>
-      </p:par>
-    </p:tnLst>
-  </p:timing>
-</p:sld>
-</file>
-
-<file path=ppt/slides/slide25.xml><?xml version="1.0" encoding="utf-8"?>
-<p:sld xmlns:a="http://schemas.openxmlformats.org/drawingml/2006/main" xmlns:r="http://schemas.openxmlformats.org/officeDocument/2006/relationships" xmlns:p="http://schemas.openxmlformats.org/presentationml/2006/main">
-  <p:cSld>
-    <p:spTree>
-      <p:nvGrpSpPr>
-        <p:cNvPr id="1" name=""/>
-        <p:cNvGrpSpPr/>
-        <p:nvPr/>
-      </p:nvGrpSpPr>
-      <p:grpSpPr>
-        <a:xfrm>
-          <a:off x="0" y="0"/>
-          <a:ext cx="0" cy="0"/>
-          <a:chOff x="0" y="0"/>
-          <a:chExt cx="0" cy="0"/>
-        </a:xfrm>
-      </p:grpSpPr>
-      <p:sp>
-        <p:nvSpPr>
-          <p:cNvPr id="2" name="제목 1"/>
-          <p:cNvSpPr>
-            <a:spLocks noGrp="1"/>
-          </p:cNvSpPr>
-          <p:nvPr>
-            <p:ph type="title"/>
-          </p:nvPr>
-        </p:nvSpPr>
-        <p:spPr/>
-        <p:txBody>
-          <a:bodyPr/>
-          <a:lstStyle/>
-          <a:p>
-            <a:r>
-              <a:rPr lang="ko-KR" altLang="en-US" dirty="0" smtClean="0"/>
-              <a:t>구현</a:t>
-            </a:r>
-            <a:endParaRPr lang="ko-KR" altLang="en-US" dirty="0"/>
-          </a:p>
-        </p:txBody>
-      </p:sp>
-      <p:sp>
-        <p:nvSpPr>
-          <p:cNvPr id="3" name="내용 개체 틀 2"/>
-          <p:cNvSpPr>
-            <a:spLocks noGrp="1"/>
-          </p:cNvSpPr>
-          <p:nvPr>
-            <p:ph sz="quarter" idx="1"/>
-          </p:nvPr>
-        </p:nvSpPr>
-        <p:spPr/>
-        <p:txBody>
-          <a:bodyPr/>
-          <a:lstStyle/>
-          <a:p>
-            <a:r>
-              <a:rPr lang="ko-KR" altLang="en-US" dirty="0" smtClean="0"/>
-              <a:t>홈페이지 모델링</a:t>
-            </a:r>
-            <a:endParaRPr lang="ko-KR" altLang="en-US" dirty="0"/>
-          </a:p>
-        </p:txBody>
-      </p:sp>
-      <p:pic>
-        <p:nvPicPr>
-          <p:cNvPr id="5122" name="Picture 2"/>
-          <p:cNvPicPr>
-            <a:picLocks noChangeAspect="1" noChangeArrowheads="1"/>
-          </p:cNvPicPr>
-          <p:nvPr/>
-        </p:nvPicPr>
-        <p:blipFill>
-          <a:blip r:embed="rId2">
-            <a:extLst>
-              <a:ext uri="{28A0092B-C50C-407E-A947-70E740481C1C}">
-                <a14:useLocalDpi xmlns:a14="http://schemas.microsoft.com/office/drawing/2010/main" val="0"/>
-              </a:ext>
-            </a:extLst>
-          </a:blip>
-          <a:srcRect/>
-          <a:stretch>
-            <a:fillRect/>
-          </a:stretch>
-        </p:blipFill>
-        <p:spPr bwMode="auto">
-          <a:xfrm>
-            <a:off x="899593" y="2132856"/>
-            <a:ext cx="5184576" cy="4320480"/>
-          </a:xfrm>
-          <a:prstGeom prst="rect">
-            <a:avLst/>
-          </a:prstGeom>
-          <a:noFill/>
-          <a:ln>
-            <a:noFill/>
-          </a:ln>
-          <a:extLst>
-            <a:ext uri="{909E8E84-426E-40DD-AFC4-6F175D3DCCD1}">
-              <a14:hiddenFill xmlns:a14="http://schemas.microsoft.com/office/drawing/2010/main">
-                <a:solidFill>
-                  <a:schemeClr val="accent1"/>
-                </a:solidFill>
-              </a14:hiddenFill>
-            </a:ext>
-            <a:ext uri="{91240B29-F687-4F45-9708-019B960494DF}">
-              <a14:hiddenLine xmlns:a14="http://schemas.microsoft.com/office/drawing/2010/main" w="9525">
-                <a:solidFill>
-                  <a:schemeClr val="tx1"/>
-                </a:solidFill>
-                <a:miter lim="800000"/>
-                <a:headEnd/>
-                <a:tailEnd/>
-              </a14:hiddenLine>
-            </a:ext>
-          </a:extLst>
-        </p:spPr>
-      </p:pic>
-    </p:spTree>
-    <p:extLst>
-      <p:ext uri="{BB962C8B-B14F-4D97-AF65-F5344CB8AC3E}">
-        <p14:creationId xmlns:p14="http://schemas.microsoft.com/office/powerpoint/2010/main" val="2039639492"/>
+        <p14:creationId xmlns:p14="http://schemas.microsoft.com/office/powerpoint/2010/main" val="3641578536"/>
       </p:ext>
     </p:extLst>
   </p:cSld>
@@ -7497,7 +7541,7 @@
           <a:p>
             <a:r>
               <a:rPr lang="ko-KR" altLang="en-US" dirty="0" smtClean="0"/>
-              <a:t>결과화면</a:t>
+              <a:t>구현</a:t>
             </a:r>
             <a:endParaRPr lang="ko-KR" altLang="en-US" dirty="0"/>
           </a:p>
@@ -7520,7 +7564,7 @@
           <a:p>
             <a:r>
               <a:rPr lang="ko-KR" altLang="en-US" dirty="0" smtClean="0"/>
-              <a:t>메인 화면</a:t>
+              <a:t>홈페이지 컨트롤러 </a:t>
             </a:r>
             <a:endParaRPr lang="ko-KR" altLang="en-US" dirty="0"/>
           </a:p>
@@ -7528,14 +7572,14 @@
       </p:sp>
       <p:pic>
         <p:nvPicPr>
-          <p:cNvPr id="6146" name="Picture 2"/>
+          <p:cNvPr id="4098" name="Picture 2"/>
           <p:cNvPicPr>
-            <a:picLocks noChangeArrowheads="1"/>
+            <a:picLocks noChangeAspect="1" noChangeArrowheads="1"/>
           </p:cNvPicPr>
           <p:nvPr/>
         </p:nvPicPr>
         <p:blipFill>
-          <a:blip r:embed="rId2" cstate="print">
+          <a:blip r:embed="rId2">
             <a:extLst>
               <a:ext uri="{28A0092B-C50C-407E-A947-70E740481C1C}">
                 <a14:useLocalDpi xmlns:a14="http://schemas.microsoft.com/office/drawing/2010/main" val="0"/>
@@ -7549,8 +7593,8 @@
         </p:blipFill>
         <p:spPr bwMode="auto">
           <a:xfrm>
-            <a:off x="971600" y="2060848"/>
-            <a:ext cx="6480000" cy="4320000"/>
+            <a:off x="899592" y="2132855"/>
+            <a:ext cx="7242654" cy="3240000"/>
           </a:xfrm>
           <a:prstGeom prst="rect">
             <a:avLst/>
@@ -7583,7 +7627,7 @@
     </p:spTree>
     <p:extLst>
       <p:ext uri="{BB962C8B-B14F-4D97-AF65-F5344CB8AC3E}">
-        <p14:creationId xmlns:p14="http://schemas.microsoft.com/office/powerpoint/2010/main" val="2337814375"/>
+        <p14:creationId xmlns:p14="http://schemas.microsoft.com/office/powerpoint/2010/main" val="3142326955"/>
       </p:ext>
     </p:extLst>
   </p:cSld>
@@ -7657,7 +7701,7 @@
           <a:p>
             <a:r>
               <a:rPr lang="ko-KR" altLang="en-US" dirty="0" smtClean="0"/>
-              <a:t>회원가입 화면</a:t>
+              <a:t>메인 화면</a:t>
             </a:r>
             <a:endParaRPr lang="ko-KR" altLang="en-US" dirty="0"/>
           </a:p>
@@ -7665,7 +7709,7 @@
       </p:sp>
       <p:pic>
         <p:nvPicPr>
-          <p:cNvPr id="8194" name="Picture 2"/>
+          <p:cNvPr id="6146" name="Picture 2"/>
           <p:cNvPicPr>
             <a:picLocks noChangeArrowheads="1"/>
           </p:cNvPicPr>
@@ -7686,7 +7730,7 @@
         </p:blipFill>
         <p:spPr bwMode="auto">
           <a:xfrm>
-            <a:off x="899592" y="2132856"/>
+            <a:off x="971600" y="2060848"/>
             <a:ext cx="6480000" cy="4320000"/>
           </a:xfrm>
           <a:prstGeom prst="rect">
@@ -7720,13 +7764,20 @@
     </p:spTree>
     <p:extLst>
       <p:ext uri="{BB962C8B-B14F-4D97-AF65-F5344CB8AC3E}">
-        <p14:creationId xmlns:p14="http://schemas.microsoft.com/office/powerpoint/2010/main" val="1186847705"/>
+        <p14:creationId xmlns:p14="http://schemas.microsoft.com/office/powerpoint/2010/main" val="2337814375"/>
       </p:ext>
     </p:extLst>
   </p:cSld>
   <p:clrMapOvr>
     <a:masterClrMapping/>
   </p:clrMapOvr>
+  <p:timing>
+    <p:tnLst>
+      <p:par>
+        <p:cTn id="1" dur="indefinite" restart="never" nodeType="tmRoot"/>
+      </p:par>
+    </p:tnLst>
+  </p:timing>
 </p:sld>
 </file>
 
@@ -7787,23 +7838,7 @@
           <a:p>
             <a:r>
               <a:rPr lang="ko-KR" altLang="en-US" dirty="0" smtClean="0"/>
-              <a:t>회원가입</a:t>
-            </a:r>
-            <a:r>
-              <a:rPr lang="en-US" altLang="ko-KR" dirty="0" smtClean="0"/>
-              <a:t>(</a:t>
-            </a:r>
-            <a:r>
-              <a:rPr lang="ko-KR" altLang="en-US" dirty="0" smtClean="0"/>
-              <a:t>중복체크</a:t>
-            </a:r>
-            <a:r>
-              <a:rPr lang="en-US" altLang="ko-KR" dirty="0" smtClean="0"/>
-              <a:t>)</a:t>
-            </a:r>
-            <a:r>
-              <a:rPr lang="ko-KR" altLang="en-US" dirty="0" smtClean="0"/>
-              <a:t> </a:t>
+              <a:t>회원가입 화면</a:t>
             </a:r>
             <a:endParaRPr lang="ko-KR" altLang="en-US" dirty="0"/>
           </a:p>
@@ -7811,14 +7846,14 @@
       </p:sp>
       <p:pic>
         <p:nvPicPr>
-          <p:cNvPr id="10242" name="Picture 2"/>
+          <p:cNvPr id="8194" name="Picture 2"/>
           <p:cNvPicPr>
-            <a:picLocks noChangeAspect="1" noChangeArrowheads="1"/>
+            <a:picLocks noChangeArrowheads="1"/>
           </p:cNvPicPr>
           <p:nvPr/>
         </p:nvPicPr>
         <p:blipFill>
-          <a:blip r:embed="rId2">
+          <a:blip r:embed="rId2" cstate="print">
             <a:extLst>
               <a:ext uri="{28A0092B-C50C-407E-A947-70E740481C1C}">
                 <a14:useLocalDpi xmlns:a14="http://schemas.microsoft.com/office/drawing/2010/main" val="0"/>
@@ -7832,8 +7867,8 @@
         </p:blipFill>
         <p:spPr bwMode="auto">
           <a:xfrm>
-            <a:off x="827584" y="2132856"/>
-            <a:ext cx="4305300" cy="2476500"/>
+            <a:off x="899592" y="2132856"/>
+            <a:ext cx="6480000" cy="4320000"/>
           </a:xfrm>
           <a:prstGeom prst="rect">
             <a:avLst/>
@@ -7863,16 +7898,108 @@
           </a:extLst>
         </p:spPr>
       </p:pic>
+    </p:spTree>
+    <p:extLst>
+      <p:ext uri="{BB962C8B-B14F-4D97-AF65-F5344CB8AC3E}">
+        <p14:creationId xmlns:p14="http://schemas.microsoft.com/office/powerpoint/2010/main" val="1186847705"/>
+      </p:ext>
+    </p:extLst>
+  </p:cSld>
+  <p:clrMapOvr>
+    <a:masterClrMapping/>
+  </p:clrMapOvr>
+</p:sld>
+</file>
+
+<file path=ppt/slides/slide29.xml><?xml version="1.0" encoding="utf-8"?>
+<p:sld xmlns:a="http://schemas.openxmlformats.org/drawingml/2006/main" xmlns:r="http://schemas.openxmlformats.org/officeDocument/2006/relationships" xmlns:p="http://schemas.openxmlformats.org/presentationml/2006/main">
+  <p:cSld>
+    <p:spTree>
+      <p:nvGrpSpPr>
+        <p:cNvPr id="1" name=""/>
+        <p:cNvGrpSpPr/>
+        <p:nvPr/>
+      </p:nvGrpSpPr>
+      <p:grpSpPr>
+        <a:xfrm>
+          <a:off x="0" y="0"/>
+          <a:ext cx="0" cy="0"/>
+          <a:chOff x="0" y="0"/>
+          <a:chExt cx="0" cy="0"/>
+        </a:xfrm>
+      </p:grpSpPr>
+      <p:sp>
+        <p:nvSpPr>
+          <p:cNvPr id="2" name="제목 1"/>
+          <p:cNvSpPr>
+            <a:spLocks noGrp="1"/>
+          </p:cNvSpPr>
+          <p:nvPr>
+            <p:ph type="title"/>
+          </p:nvPr>
+        </p:nvSpPr>
+        <p:spPr/>
+        <p:txBody>
+          <a:bodyPr/>
+          <a:lstStyle/>
+          <a:p>
+            <a:r>
+              <a:rPr lang="ko-KR" altLang="en-US" dirty="0" smtClean="0"/>
+              <a:t>결과화면</a:t>
+            </a:r>
+            <a:endParaRPr lang="ko-KR" altLang="en-US" dirty="0"/>
+          </a:p>
+        </p:txBody>
+      </p:sp>
+      <p:sp>
+        <p:nvSpPr>
+          <p:cNvPr id="3" name="내용 개체 틀 2"/>
+          <p:cNvSpPr>
+            <a:spLocks noGrp="1"/>
+          </p:cNvSpPr>
+          <p:nvPr>
+            <p:ph sz="quarter" idx="1"/>
+          </p:nvPr>
+        </p:nvSpPr>
+        <p:spPr/>
+        <p:txBody>
+          <a:bodyPr/>
+          <a:lstStyle/>
+          <a:p>
+            <a:r>
+              <a:rPr lang="ko-KR" altLang="en-US" dirty="0" smtClean="0"/>
+              <a:t>회원가입</a:t>
+            </a:r>
+            <a:r>
+              <a:rPr lang="en-US" altLang="ko-KR" dirty="0" smtClean="0"/>
+              <a:t>(</a:t>
+            </a:r>
+            <a:r>
+              <a:rPr lang="ko-KR" altLang="en-US" dirty="0" smtClean="0"/>
+              <a:t>중복체크</a:t>
+            </a:r>
+            <a:r>
+              <a:rPr lang="en-US" altLang="ko-KR" dirty="0" smtClean="0"/>
+              <a:t>)</a:t>
+            </a:r>
+            <a:r>
+              <a:rPr lang="ko-KR" altLang="en-US" dirty="0" smtClean="0"/>
+              <a:t> </a:t>
+            </a:r>
+            <a:endParaRPr lang="ko-KR" altLang="en-US" dirty="0"/>
+          </a:p>
+        </p:txBody>
+      </p:sp>
       <p:pic>
         <p:nvPicPr>
-          <p:cNvPr id="10243" name="Picture 3"/>
+          <p:cNvPr id="10242" name="Picture 2"/>
           <p:cNvPicPr>
             <a:picLocks noChangeAspect="1" noChangeArrowheads="1"/>
           </p:cNvPicPr>
           <p:nvPr/>
         </p:nvPicPr>
         <p:blipFill>
-          <a:blip r:embed="rId3">
+          <a:blip r:embed="rId2">
             <a:extLst>
               <a:ext uri="{28A0092B-C50C-407E-A947-70E740481C1C}">
                 <a14:useLocalDpi xmlns:a14="http://schemas.microsoft.com/office/drawing/2010/main" val="0"/>
@@ -7886,7 +8013,7 @@
         </p:blipFill>
         <p:spPr bwMode="auto">
           <a:xfrm>
-            <a:off x="3347864" y="3861048"/>
+            <a:off x="827584" y="2132856"/>
             <a:ext cx="4305300" cy="2476500"/>
           </a:xfrm>
           <a:prstGeom prst="rect">
@@ -7917,104 +8044,16 @@
           </a:extLst>
         </p:spPr>
       </p:pic>
-    </p:spTree>
-    <p:extLst>
-      <p:ext uri="{BB962C8B-B14F-4D97-AF65-F5344CB8AC3E}">
-        <p14:creationId xmlns:p14="http://schemas.microsoft.com/office/powerpoint/2010/main" val="1232256268"/>
-      </p:ext>
-    </p:extLst>
-  </p:cSld>
-  <p:clrMapOvr>
-    <a:masterClrMapping/>
-  </p:clrMapOvr>
-</p:sld>
-</file>
-
-<file path=ppt/slides/slide29.xml><?xml version="1.0" encoding="utf-8"?>
-<p:sld xmlns:a="http://schemas.openxmlformats.org/drawingml/2006/main" xmlns:r="http://schemas.openxmlformats.org/officeDocument/2006/relationships" xmlns:p="http://schemas.openxmlformats.org/presentationml/2006/main">
-  <p:cSld>
-    <p:spTree>
-      <p:nvGrpSpPr>
-        <p:cNvPr id="1" name=""/>
-        <p:cNvGrpSpPr/>
-        <p:nvPr/>
-      </p:nvGrpSpPr>
-      <p:grpSpPr>
-        <a:xfrm>
-          <a:off x="0" y="0"/>
-          <a:ext cx="0" cy="0"/>
-          <a:chOff x="0" y="0"/>
-          <a:chExt cx="0" cy="0"/>
-        </a:xfrm>
-      </p:grpSpPr>
-      <p:sp>
-        <p:nvSpPr>
-          <p:cNvPr id="2" name="제목 1"/>
-          <p:cNvSpPr>
-            <a:spLocks noGrp="1"/>
-          </p:cNvSpPr>
-          <p:nvPr>
-            <p:ph type="title"/>
-          </p:nvPr>
-        </p:nvSpPr>
-        <p:spPr/>
-        <p:txBody>
-          <a:bodyPr/>
-          <a:lstStyle/>
-          <a:p>
-            <a:r>
-              <a:rPr lang="ko-KR" altLang="en-US" dirty="0" smtClean="0"/>
-              <a:t>결과화면</a:t>
-            </a:r>
-            <a:endParaRPr lang="ko-KR" altLang="en-US" dirty="0"/>
-          </a:p>
-        </p:txBody>
-      </p:sp>
-      <p:sp>
-        <p:nvSpPr>
-          <p:cNvPr id="3" name="내용 개체 틀 2"/>
-          <p:cNvSpPr>
-            <a:spLocks noGrp="1"/>
-          </p:cNvSpPr>
-          <p:nvPr>
-            <p:ph sz="quarter" idx="1"/>
-          </p:nvPr>
-        </p:nvSpPr>
-        <p:spPr/>
-        <p:txBody>
-          <a:bodyPr/>
-          <a:lstStyle/>
-          <a:p>
-            <a:r>
-              <a:rPr lang="ko-KR" altLang="en-US" dirty="0" smtClean="0"/>
-              <a:t>회원가입</a:t>
-            </a:r>
-            <a:r>
-              <a:rPr lang="en-US" altLang="ko-KR" dirty="0" smtClean="0"/>
-              <a:t>(</a:t>
-            </a:r>
-            <a:r>
-              <a:rPr lang="ko-KR" altLang="en-US" dirty="0" smtClean="0"/>
-              <a:t>우편번호검색</a:t>
-            </a:r>
-            <a:r>
-              <a:rPr lang="en-US" altLang="ko-KR" dirty="0" smtClean="0"/>
-              <a:t>)</a:t>
-            </a:r>
-            <a:endParaRPr lang="ko-KR" altLang="en-US" dirty="0"/>
-          </a:p>
-        </p:txBody>
-      </p:sp>
       <p:pic>
         <p:nvPicPr>
-          <p:cNvPr id="11266" name="Picture 2"/>
+          <p:cNvPr id="10243" name="Picture 3"/>
           <p:cNvPicPr>
             <a:picLocks noChangeAspect="1" noChangeArrowheads="1"/>
           </p:cNvPicPr>
           <p:nvPr/>
         </p:nvPicPr>
         <p:blipFill>
-          <a:blip r:embed="rId2">
+          <a:blip r:embed="rId3">
             <a:extLst>
               <a:ext uri="{28A0092B-C50C-407E-A947-70E740481C1C}">
                 <a14:useLocalDpi xmlns:a14="http://schemas.microsoft.com/office/drawing/2010/main" val="0"/>
@@ -8028,8 +8067,8 @@
         </p:blipFill>
         <p:spPr bwMode="auto">
           <a:xfrm>
-            <a:off x="971600" y="2204864"/>
-            <a:ext cx="3617226" cy="4035152"/>
+            <a:off x="3347864" y="3861048"/>
+            <a:ext cx="4305300" cy="2476500"/>
           </a:xfrm>
           <a:prstGeom prst="rect">
             <a:avLst/>
@@ -8155,6 +8194,17 @@
               <a:rPr lang="ko-KR" altLang="en-US" dirty="0" smtClean="0"/>
               <a:t>디버깅</a:t>
             </a:r>
+            <a:r>
+              <a:rPr lang="en-US" altLang="ko-KR" dirty="0" smtClean="0"/>
+              <a:t>, </a:t>
+            </a:r>
+            <a:r>
+              <a:rPr lang="en-US" altLang="ko-KR" dirty="0" err="1" smtClean="0"/>
+              <a:t>ppt</a:t>
+            </a:r>
+            <a:endParaRPr lang="en-US" altLang="ko-KR" dirty="0" smtClean="0"/>
+          </a:p>
+          <a:p>
             <a:endParaRPr lang="en-US" altLang="ko-KR" dirty="0" smtClean="0"/>
           </a:p>
           <a:p>
@@ -8172,7 +8222,11 @@
             </a:r>
             <a:r>
               <a:rPr lang="en-US" altLang="ko-KR" dirty="0" smtClean="0"/>
-              <a:t>) : </a:t>
+              <a:t>) </a:t>
+            </a:r>
+            <a:r>
+              <a:rPr lang="en-US" altLang="ko-KR" dirty="0"/>
+              <a:t>:</a:t>
             </a:r>
             <a:r>
               <a:rPr lang="ko-KR" altLang="en-US" dirty="0" err="1" smtClean="0"/>
@@ -8186,6 +8240,17 @@
               <a:rPr lang="ko-KR" altLang="en-US" dirty="0" smtClean="0"/>
               <a:t>자료수집</a:t>
             </a:r>
+            <a:r>
+              <a:rPr lang="en-US" altLang="ko-KR" dirty="0" smtClean="0"/>
+              <a:t>, </a:t>
+            </a:r>
+            <a:r>
+              <a:rPr lang="ko-KR" altLang="en-US" dirty="0" smtClean="0"/>
+              <a:t>기능구상</a:t>
+            </a:r>
+            <a:endParaRPr lang="en-US" altLang="ko-KR" dirty="0" smtClean="0"/>
+          </a:p>
+          <a:p>
             <a:endParaRPr lang="en-US" altLang="ko-KR" dirty="0" smtClean="0"/>
           </a:p>
           <a:p>
@@ -8217,6 +8282,9 @@
               <a:rPr lang="en-US" altLang="ko-KR" dirty="0" err="1" smtClean="0"/>
               <a:t>ppt</a:t>
             </a:r>
+            <a:endParaRPr lang="en-US" altLang="ko-KR" dirty="0" smtClean="0"/>
+          </a:p>
+          <a:p>
             <a:endParaRPr lang="en-US" altLang="ko-KR" dirty="0" smtClean="0"/>
           </a:p>
           <a:p>
@@ -8337,7 +8405,7 @@
             </a:r>
             <a:r>
               <a:rPr lang="ko-KR" altLang="en-US" dirty="0" smtClean="0"/>
-              <a:t>성공</a:t>
+              <a:t>우편번호검색</a:t>
             </a:r>
             <a:r>
               <a:rPr lang="en-US" altLang="ko-KR" dirty="0" smtClean="0"/>
@@ -8349,14 +8417,14 @@
       </p:sp>
       <p:pic>
         <p:nvPicPr>
-          <p:cNvPr id="12290" name="Picture 2"/>
+          <p:cNvPr id="11266" name="Picture 2"/>
           <p:cNvPicPr>
-            <a:picLocks noChangeArrowheads="1"/>
+            <a:picLocks noChangeAspect="1" noChangeArrowheads="1"/>
           </p:cNvPicPr>
           <p:nvPr/>
         </p:nvPicPr>
         <p:blipFill>
-          <a:blip r:embed="rId2" cstate="print">
+          <a:blip r:embed="rId2">
             <a:extLst>
               <a:ext uri="{28A0092B-C50C-407E-A947-70E740481C1C}">
                 <a14:useLocalDpi xmlns:a14="http://schemas.microsoft.com/office/drawing/2010/main" val="0"/>
@@ -8370,8 +8438,8 @@
         </p:blipFill>
         <p:spPr bwMode="auto">
           <a:xfrm>
-            <a:off x="827584" y="1999114"/>
-            <a:ext cx="6480000" cy="4320000"/>
+            <a:off x="971600" y="2204864"/>
+            <a:ext cx="3617226" cy="4035152"/>
           </a:xfrm>
           <a:prstGeom prst="rect">
             <a:avLst/>
@@ -8471,7 +8539,19 @@
           <a:p>
             <a:r>
               <a:rPr lang="ko-KR" altLang="en-US" dirty="0" smtClean="0"/>
-              <a:t>로그인 화면</a:t>
+              <a:t>회원가입</a:t>
+            </a:r>
+            <a:r>
+              <a:rPr lang="en-US" altLang="ko-KR" dirty="0" smtClean="0"/>
+              <a:t>(</a:t>
+            </a:r>
+            <a:r>
+              <a:rPr lang="ko-KR" altLang="en-US" dirty="0" smtClean="0"/>
+              <a:t>성공</a:t>
+            </a:r>
+            <a:r>
+              <a:rPr lang="en-US" altLang="ko-KR" dirty="0" smtClean="0"/>
+              <a:t>)</a:t>
             </a:r>
             <a:endParaRPr lang="ko-KR" altLang="en-US" dirty="0"/>
           </a:p>
@@ -8479,7 +8559,7 @@
       </p:sp>
       <p:pic>
         <p:nvPicPr>
-          <p:cNvPr id="7170" name="Picture 2"/>
+          <p:cNvPr id="12290" name="Picture 2"/>
           <p:cNvPicPr>
             <a:picLocks noChangeArrowheads="1"/>
           </p:cNvPicPr>
@@ -8500,7 +8580,7 @@
         </p:blipFill>
         <p:spPr bwMode="auto">
           <a:xfrm>
-            <a:off x="1043608" y="2060848"/>
+            <a:off x="827584" y="1999114"/>
             <a:ext cx="6480000" cy="4320000"/>
           </a:xfrm>
           <a:prstGeom prst="rect">
@@ -8534,7 +8614,7 @@
     </p:spTree>
     <p:extLst>
       <p:ext uri="{BB962C8B-B14F-4D97-AF65-F5344CB8AC3E}">
-        <p14:creationId xmlns:p14="http://schemas.microsoft.com/office/powerpoint/2010/main" val="1614594509"/>
+        <p14:creationId xmlns:p14="http://schemas.microsoft.com/office/powerpoint/2010/main" val="1232256268"/>
       </p:ext>
     </p:extLst>
   </p:cSld>
@@ -8603,25 +8683,13 @@
               <a:rPr lang="ko-KR" altLang="en-US" dirty="0" smtClean="0"/>
               <a:t>로그인 화면</a:t>
             </a:r>
-            <a:r>
-              <a:rPr lang="en-US" altLang="ko-KR" dirty="0" smtClean="0"/>
-              <a:t>(</a:t>
-            </a:r>
-            <a:r>
-              <a:rPr lang="ko-KR" altLang="en-US" dirty="0" smtClean="0"/>
-              <a:t>실패</a:t>
-            </a:r>
-            <a:r>
-              <a:rPr lang="en-US" altLang="ko-KR" dirty="0" smtClean="0"/>
-              <a:t>)</a:t>
-            </a:r>
             <a:endParaRPr lang="ko-KR" altLang="en-US" dirty="0"/>
           </a:p>
         </p:txBody>
       </p:sp>
       <p:pic>
         <p:nvPicPr>
-          <p:cNvPr id="9218" name="Picture 2"/>
+          <p:cNvPr id="7170" name="Picture 2"/>
           <p:cNvPicPr>
             <a:picLocks noChangeArrowheads="1"/>
           </p:cNvPicPr>
@@ -8642,7 +8710,7 @@
         </p:blipFill>
         <p:spPr bwMode="auto">
           <a:xfrm>
-            <a:off x="971600" y="2060848"/>
+            <a:off x="1043608" y="2060848"/>
             <a:ext cx="6480000" cy="4320000"/>
           </a:xfrm>
           <a:prstGeom prst="rect">
@@ -8676,7 +8744,7 @@
     </p:spTree>
     <p:extLst>
       <p:ext uri="{BB962C8B-B14F-4D97-AF65-F5344CB8AC3E}">
-        <p14:creationId xmlns:p14="http://schemas.microsoft.com/office/powerpoint/2010/main" val="1393509405"/>
+        <p14:creationId xmlns:p14="http://schemas.microsoft.com/office/powerpoint/2010/main" val="1614594509"/>
       </p:ext>
     </p:extLst>
   </p:cSld>
@@ -8751,7 +8819,7 @@
             </a:r>
             <a:r>
               <a:rPr lang="ko-KR" altLang="en-US" dirty="0" smtClean="0"/>
-              <a:t>성공</a:t>
+              <a:t>실패</a:t>
             </a:r>
             <a:r>
               <a:rPr lang="en-US" altLang="ko-KR" dirty="0" smtClean="0"/>
@@ -8763,7 +8831,7 @@
       </p:sp>
       <p:pic>
         <p:nvPicPr>
-          <p:cNvPr id="13314" name="Picture 2"/>
+          <p:cNvPr id="9218" name="Picture 2"/>
           <p:cNvPicPr>
             <a:picLocks noChangeArrowheads="1"/>
           </p:cNvPicPr>
@@ -8784,7 +8852,7 @@
         </p:blipFill>
         <p:spPr bwMode="auto">
           <a:xfrm>
-            <a:off x="971600" y="2132856"/>
+            <a:off x="971600" y="2060848"/>
             <a:ext cx="6480000" cy="4320000"/>
           </a:xfrm>
           <a:prstGeom prst="rect">
@@ -8818,7 +8886,7 @@
     </p:spTree>
     <p:extLst>
       <p:ext uri="{BB962C8B-B14F-4D97-AF65-F5344CB8AC3E}">
-        <p14:creationId xmlns:p14="http://schemas.microsoft.com/office/powerpoint/2010/main" val="4153717285"/>
+        <p14:creationId xmlns:p14="http://schemas.microsoft.com/office/powerpoint/2010/main" val="1393509405"/>
       </p:ext>
     </p:extLst>
   </p:cSld>
@@ -8885,7 +8953,19 @@
           <a:p>
             <a:r>
               <a:rPr lang="ko-KR" altLang="en-US" dirty="0" smtClean="0"/>
-              <a:t>영화목록</a:t>
+              <a:t>로그인 화면</a:t>
+            </a:r>
+            <a:r>
+              <a:rPr lang="en-US" altLang="ko-KR" dirty="0" smtClean="0"/>
+              <a:t>(</a:t>
+            </a:r>
+            <a:r>
+              <a:rPr lang="ko-KR" altLang="en-US" dirty="0" smtClean="0"/>
+              <a:t>성공</a:t>
+            </a:r>
+            <a:r>
+              <a:rPr lang="en-US" altLang="ko-KR" dirty="0" smtClean="0"/>
+              <a:t>)</a:t>
             </a:r>
             <a:endParaRPr lang="ko-KR" altLang="en-US" dirty="0"/>
           </a:p>
@@ -8893,7 +8973,7 @@
       </p:sp>
       <p:pic>
         <p:nvPicPr>
-          <p:cNvPr id="14338" name="Picture 2"/>
+          <p:cNvPr id="13314" name="Picture 2"/>
           <p:cNvPicPr>
             <a:picLocks noChangeArrowheads="1"/>
           </p:cNvPicPr>
@@ -8914,7 +8994,7 @@
         </p:blipFill>
         <p:spPr bwMode="auto">
           <a:xfrm>
-            <a:off x="971600" y="2160000"/>
+            <a:off x="971600" y="2132856"/>
             <a:ext cx="6480000" cy="4320000"/>
           </a:xfrm>
           <a:prstGeom prst="rect">
@@ -8948,7 +9028,7 @@
     </p:spTree>
     <p:extLst>
       <p:ext uri="{BB962C8B-B14F-4D97-AF65-F5344CB8AC3E}">
-        <p14:creationId xmlns:p14="http://schemas.microsoft.com/office/powerpoint/2010/main" val="1804919878"/>
+        <p14:creationId xmlns:p14="http://schemas.microsoft.com/office/powerpoint/2010/main" val="4153717285"/>
       </p:ext>
     </p:extLst>
   </p:cSld>
@@ -9017,25 +9097,13 @@
               <a:rPr lang="ko-KR" altLang="en-US" dirty="0" smtClean="0"/>
               <a:t>영화목록</a:t>
             </a:r>
-            <a:r>
-              <a:rPr lang="en-US" altLang="ko-KR" dirty="0" smtClean="0"/>
-              <a:t>(</a:t>
-            </a:r>
-            <a:r>
-              <a:rPr lang="ko-KR" altLang="en-US" dirty="0" smtClean="0"/>
-              <a:t>상세정보 및 리뷰목록</a:t>
-            </a:r>
-            <a:r>
-              <a:rPr lang="en-US" altLang="ko-KR" dirty="0" smtClean="0"/>
-              <a:t>)</a:t>
-            </a:r>
             <a:endParaRPr lang="ko-KR" altLang="en-US" dirty="0"/>
           </a:p>
         </p:txBody>
       </p:sp>
       <p:pic>
         <p:nvPicPr>
-          <p:cNvPr id="15362" name="Picture 2"/>
+          <p:cNvPr id="14338" name="Picture 2"/>
           <p:cNvPicPr>
             <a:picLocks noChangeArrowheads="1"/>
           </p:cNvPicPr>
@@ -9056,7 +9124,7 @@
         </p:blipFill>
         <p:spPr bwMode="auto">
           <a:xfrm>
-            <a:off x="827584" y="2164584"/>
+            <a:off x="971600" y="2160000"/>
             <a:ext cx="6480000" cy="4320000"/>
           </a:xfrm>
           <a:prstGeom prst="rect">
@@ -9157,7 +9225,7 @@
           <a:p>
             <a:r>
               <a:rPr lang="ko-KR" altLang="en-US" dirty="0" smtClean="0"/>
-              <a:t>영화검색</a:t>
+              <a:t>영화목록</a:t>
             </a:r>
             <a:r>
               <a:rPr lang="en-US" altLang="ko-KR" dirty="0" smtClean="0"/>
@@ -9165,7 +9233,7 @@
             </a:r>
             <a:r>
               <a:rPr lang="ko-KR" altLang="en-US" dirty="0" smtClean="0"/>
-              <a:t>입력</a:t>
+              <a:t>상세정보 및 리뷰목록</a:t>
             </a:r>
             <a:r>
               <a:rPr lang="en-US" altLang="ko-KR" dirty="0" smtClean="0"/>
@@ -9177,7 +9245,7 @@
       </p:sp>
       <p:pic>
         <p:nvPicPr>
-          <p:cNvPr id="16386" name="Picture 2"/>
+          <p:cNvPr id="15362" name="Picture 2"/>
           <p:cNvPicPr>
             <a:picLocks noChangeArrowheads="1"/>
           </p:cNvPicPr>
@@ -9198,7 +9266,7 @@
         </p:blipFill>
         <p:spPr bwMode="auto">
           <a:xfrm>
-            <a:off x="899592" y="2171054"/>
+            <a:off x="827584" y="2164584"/>
             <a:ext cx="6480000" cy="4320000"/>
           </a:xfrm>
           <a:prstGeom prst="rect">
@@ -9307,7 +9375,7 @@
             </a:r>
             <a:r>
               <a:rPr lang="ko-KR" altLang="en-US" dirty="0" smtClean="0"/>
-              <a:t>결과</a:t>
+              <a:t>입력</a:t>
             </a:r>
             <a:r>
               <a:rPr lang="en-US" altLang="ko-KR" dirty="0" smtClean="0"/>
@@ -9319,7 +9387,7 @@
       </p:sp>
       <p:pic>
         <p:nvPicPr>
-          <p:cNvPr id="17410" name="Picture 2"/>
+          <p:cNvPr id="16386" name="Picture 2"/>
           <p:cNvPicPr>
             <a:picLocks noChangeArrowheads="1"/>
           </p:cNvPicPr>
@@ -9340,7 +9408,7 @@
         </p:blipFill>
         <p:spPr bwMode="auto">
           <a:xfrm>
-            <a:off x="1043608" y="2132856"/>
+            <a:off x="899592" y="2171054"/>
             <a:ext cx="6480000" cy="4320000"/>
           </a:xfrm>
           <a:prstGeom prst="rect">
@@ -9439,10 +9507,80 @@
           <a:bodyPr/>
           <a:lstStyle/>
           <a:p>
-            <a:endParaRPr lang="ko-KR" altLang="en-US"/>
-          </a:p>
-        </p:txBody>
-      </p:sp>
+            <a:r>
+              <a:rPr lang="ko-KR" altLang="en-US" dirty="0" smtClean="0"/>
+              <a:t>영화검색</a:t>
+            </a:r>
+            <a:r>
+              <a:rPr lang="en-US" altLang="ko-KR" dirty="0" smtClean="0"/>
+              <a:t>(</a:t>
+            </a:r>
+            <a:r>
+              <a:rPr lang="ko-KR" altLang="en-US" dirty="0" smtClean="0"/>
+              <a:t>결과</a:t>
+            </a:r>
+            <a:r>
+              <a:rPr lang="en-US" altLang="ko-KR" dirty="0" smtClean="0"/>
+              <a:t>)</a:t>
+            </a:r>
+            <a:endParaRPr lang="ko-KR" altLang="en-US" dirty="0"/>
+          </a:p>
+        </p:txBody>
+      </p:sp>
+      <p:pic>
+        <p:nvPicPr>
+          <p:cNvPr id="17410" name="Picture 2"/>
+          <p:cNvPicPr>
+            <a:picLocks noChangeArrowheads="1"/>
+          </p:cNvPicPr>
+          <p:nvPr/>
+        </p:nvPicPr>
+        <p:blipFill>
+          <a:blip r:embed="rId2" cstate="print">
+            <a:extLst>
+              <a:ext uri="{28A0092B-C50C-407E-A947-70E740481C1C}">
+                <a14:useLocalDpi xmlns:a14="http://schemas.microsoft.com/office/drawing/2010/main" val="0"/>
+              </a:ext>
+            </a:extLst>
+          </a:blip>
+          <a:srcRect/>
+          <a:stretch>
+            <a:fillRect/>
+          </a:stretch>
+        </p:blipFill>
+        <p:spPr bwMode="auto">
+          <a:xfrm>
+            <a:off x="1043608" y="2132856"/>
+            <a:ext cx="6480000" cy="4320000"/>
+          </a:xfrm>
+          <a:prstGeom prst="rect">
+            <a:avLst/>
+          </a:prstGeom>
+          <a:noFill/>
+          <a:ln>
+            <a:noFill/>
+          </a:ln>
+          <a:extLst>
+            <a:ext uri="{909E8E84-426E-40DD-AFC4-6F175D3DCCD1}">
+              <a14:hiddenFill xmlns:a14="http://schemas.microsoft.com/office/drawing/2010/main">
+                <a:solidFill>
+                  <a:schemeClr val="accent1"/>
+                </a:solidFill>
+              </a14:hiddenFill>
+            </a:ext>
+            <a:ext uri="{91240B29-F687-4F45-9708-019B960494DF}">
+              <a14:hiddenLine xmlns:a14="http://schemas.microsoft.com/office/drawing/2010/main" w="9525">
+                <a:solidFill>
+                  <a:schemeClr val="tx1"/>
+                </a:solidFill>
+                <a:miter lim="800000"/>
+                <a:headEnd/>
+                <a:tailEnd/>
+              </a14:hiddenLine>
+            </a:ext>
+          </a:extLst>
+        </p:spPr>
+      </p:pic>
     </p:spTree>
     <p:extLst>
       <p:ext uri="{BB962C8B-B14F-4D97-AF65-F5344CB8AC3E}">
@@ -9453,6 +9591,153 @@
   <p:clrMapOvr>
     <a:masterClrMapping/>
   </p:clrMapOvr>
+</p:sld>
+</file>
+
+<file path=ppt/slides/slide39.xml><?xml version="1.0" encoding="utf-8"?>
+<p:sld xmlns:a="http://schemas.openxmlformats.org/drawingml/2006/main" xmlns:r="http://schemas.openxmlformats.org/officeDocument/2006/relationships" xmlns:p="http://schemas.openxmlformats.org/presentationml/2006/main">
+  <p:cSld>
+    <p:spTree>
+      <p:nvGrpSpPr>
+        <p:cNvPr id="1" name=""/>
+        <p:cNvGrpSpPr/>
+        <p:nvPr/>
+      </p:nvGrpSpPr>
+      <p:grpSpPr>
+        <a:xfrm>
+          <a:off x="0" y="0"/>
+          <a:ext cx="0" cy="0"/>
+          <a:chOff x="0" y="0"/>
+          <a:chExt cx="0" cy="0"/>
+        </a:xfrm>
+      </p:grpSpPr>
+      <p:sp>
+        <p:nvSpPr>
+          <p:cNvPr id="2" name="제목 1"/>
+          <p:cNvSpPr>
+            <a:spLocks noGrp="1"/>
+          </p:cNvSpPr>
+          <p:nvPr>
+            <p:ph type="title"/>
+          </p:nvPr>
+        </p:nvSpPr>
+        <p:spPr/>
+        <p:txBody>
+          <a:bodyPr/>
+          <a:lstStyle/>
+          <a:p>
+            <a:r>
+              <a:rPr lang="ko-KR" altLang="en-US" dirty="0" smtClean="0"/>
+              <a:t>결과화면</a:t>
+            </a:r>
+            <a:endParaRPr lang="ko-KR" altLang="en-US" dirty="0"/>
+          </a:p>
+        </p:txBody>
+      </p:sp>
+      <p:sp>
+        <p:nvSpPr>
+          <p:cNvPr id="3" name="내용 개체 틀 2"/>
+          <p:cNvSpPr>
+            <a:spLocks noGrp="1"/>
+          </p:cNvSpPr>
+          <p:nvPr>
+            <p:ph sz="quarter" idx="1"/>
+          </p:nvPr>
+        </p:nvSpPr>
+        <p:spPr/>
+        <p:txBody>
+          <a:bodyPr/>
+          <a:lstStyle/>
+          <a:p>
+            <a:r>
+              <a:rPr lang="ko-KR" altLang="en-US" dirty="0" smtClean="0"/>
+              <a:t>랭킹목록</a:t>
+            </a:r>
+            <a:endParaRPr lang="ko-KR" altLang="en-US" dirty="0"/>
+          </a:p>
+        </p:txBody>
+      </p:sp>
+      <p:pic>
+        <p:nvPicPr>
+          <p:cNvPr id="6146" name="Picture 2"/>
+          <p:cNvPicPr>
+            <a:picLocks noChangeArrowheads="1"/>
+          </p:cNvPicPr>
+          <p:nvPr/>
+        </p:nvPicPr>
+        <p:blipFill>
+          <a:blip r:embed="rId2">
+            <a:extLst>
+              <a:ext uri="{28A0092B-C50C-407E-A947-70E740481C1C}">
+                <a14:useLocalDpi xmlns:a14="http://schemas.microsoft.com/office/drawing/2010/main" val="0"/>
+              </a:ext>
+            </a:extLst>
+          </a:blip>
+          <a:srcRect/>
+          <a:stretch>
+            <a:fillRect/>
+          </a:stretch>
+        </p:blipFill>
+        <p:spPr bwMode="auto">
+          <a:xfrm>
+            <a:off x="1043608" y="2130101"/>
+            <a:ext cx="6480000" cy="4320000"/>
+          </a:xfrm>
+          <a:prstGeom prst="rect">
+            <a:avLst/>
+          </a:prstGeom>
+          <a:noFill/>
+          <a:ln>
+            <a:noFill/>
+          </a:ln>
+          <a:effectLst/>
+          <a:extLst>
+            <a:ext uri="{909E8E84-426E-40DD-AFC4-6F175D3DCCD1}">
+              <a14:hiddenFill xmlns:a14="http://schemas.microsoft.com/office/drawing/2010/main">
+                <a:solidFill>
+                  <a:schemeClr val="accent1"/>
+                </a:solidFill>
+              </a14:hiddenFill>
+            </a:ext>
+            <a:ext uri="{91240B29-F687-4F45-9708-019B960494DF}">
+              <a14:hiddenLine xmlns:a14="http://schemas.microsoft.com/office/drawing/2010/main" w="9525">
+                <a:solidFill>
+                  <a:schemeClr val="tx1"/>
+                </a:solidFill>
+                <a:miter lim="800000"/>
+                <a:headEnd/>
+                <a:tailEnd/>
+              </a14:hiddenLine>
+            </a:ext>
+            <a:ext uri="{AF507438-7753-43E0-B8FC-AC1667EBCBE1}">
+              <a14:hiddenEffects xmlns:a14="http://schemas.microsoft.com/office/drawing/2010/main">
+                <a:effectLst>
+                  <a:outerShdw dist="35921" dir="2700000" algn="ctr" rotWithShape="0">
+                    <a:schemeClr val="bg2"/>
+                  </a:outerShdw>
+                </a:effectLst>
+              </a14:hiddenEffects>
+            </a:ext>
+          </a:extLst>
+        </p:spPr>
+      </p:pic>
+    </p:spTree>
+    <p:extLst>
+      <p:ext uri="{BB962C8B-B14F-4D97-AF65-F5344CB8AC3E}">
+        <p14:creationId xmlns:p14="http://schemas.microsoft.com/office/powerpoint/2010/main" val="1804919878"/>
+      </p:ext>
+    </p:extLst>
+  </p:cSld>
+  <p:clrMapOvr>
+    <a:masterClrMapping/>
+  </p:clrMapOvr>
+  <p:timing>
+    <p:tnLst>
+      <p:par>
+        <p:cTn id="1" dur="indefinite" restart="never" nodeType="tmRoot"/>
+      </p:par>
+    </p:tnLst>
+  </p:timing>
 </p:sld>
 </file>
 
@@ -9513,7 +9798,11 @@
           <a:p>
             <a:r>
               <a:rPr lang="ko-KR" altLang="en-US" dirty="0" smtClean="0"/>
-              <a:t>영화 리뷰와 평점을 통해 영화를 선택하는 소요 시간을 줄인다</a:t>
+              <a:t>영화 리뷰와 평점을 통해 </a:t>
+            </a:r>
+            <a:r>
+              <a:rPr lang="ko-KR" altLang="en-US" dirty="0" smtClean="0"/>
+              <a:t>자유로운 평론이 가능하다</a:t>
             </a:r>
             <a:r>
               <a:rPr lang="en-US" altLang="ko-KR" dirty="0" smtClean="0"/>
@@ -9523,7 +9812,11 @@
           <a:p>
             <a:r>
               <a:rPr lang="ko-KR" altLang="en-US" dirty="0" smtClean="0"/>
-              <a:t>구체적이고 명확한 의사결정에 도움을 준다</a:t>
+              <a:t>영화 선택에 대한 </a:t>
+            </a:r>
+            <a:r>
+              <a:rPr lang="ko-KR" altLang="en-US" dirty="0" smtClean="0"/>
+              <a:t>의사결정에 도움을 준다</a:t>
             </a:r>
             <a:r>
               <a:rPr lang="en-US" altLang="ko-KR" dirty="0" smtClean="0"/>
@@ -9562,6 +9855,8 @@
               <a:rPr lang="en-US" altLang="ko-KR" dirty="0" smtClean="0"/>
               <a:t>.</a:t>
             </a:r>
+          </a:p>
+          <a:p>
             <a:endParaRPr lang="en-US" altLang="ko-KR" dirty="0"/>
           </a:p>
         </p:txBody>
@@ -9570,6 +9865,401 @@
     <p:extLst>
       <p:ext uri="{BB962C8B-B14F-4D97-AF65-F5344CB8AC3E}">
         <p14:creationId xmlns:p14="http://schemas.microsoft.com/office/powerpoint/2010/main" val="1247199384"/>
+      </p:ext>
+    </p:extLst>
+  </p:cSld>
+  <p:clrMapOvr>
+    <a:masterClrMapping/>
+  </p:clrMapOvr>
+  <p:timing>
+    <p:tnLst>
+      <p:par>
+        <p:cTn id="1" dur="indefinite" restart="never" nodeType="tmRoot"/>
+      </p:par>
+    </p:tnLst>
+  </p:timing>
+</p:sld>
+</file>
+
+<file path=ppt/slides/slide40.xml><?xml version="1.0" encoding="utf-8"?>
+<p:sld xmlns:a="http://schemas.openxmlformats.org/drawingml/2006/main" xmlns:r="http://schemas.openxmlformats.org/officeDocument/2006/relationships" xmlns:p="http://schemas.openxmlformats.org/presentationml/2006/main">
+  <p:cSld>
+    <p:spTree>
+      <p:nvGrpSpPr>
+        <p:cNvPr id="1" name=""/>
+        <p:cNvGrpSpPr/>
+        <p:nvPr/>
+      </p:nvGrpSpPr>
+      <p:grpSpPr>
+        <a:xfrm>
+          <a:off x="0" y="0"/>
+          <a:ext cx="0" cy="0"/>
+          <a:chOff x="0" y="0"/>
+          <a:chExt cx="0" cy="0"/>
+        </a:xfrm>
+      </p:grpSpPr>
+      <p:sp>
+        <p:nvSpPr>
+          <p:cNvPr id="2" name="제목 1"/>
+          <p:cNvSpPr>
+            <a:spLocks noGrp="1"/>
+          </p:cNvSpPr>
+          <p:nvPr>
+            <p:ph type="title"/>
+          </p:nvPr>
+        </p:nvSpPr>
+        <p:spPr/>
+        <p:txBody>
+          <a:bodyPr/>
+          <a:lstStyle/>
+          <a:p>
+            <a:r>
+              <a:rPr lang="ko-KR" altLang="en-US" dirty="0" smtClean="0"/>
+              <a:t>결과화면</a:t>
+            </a:r>
+            <a:endParaRPr lang="ko-KR" altLang="en-US" dirty="0"/>
+          </a:p>
+        </p:txBody>
+      </p:sp>
+      <p:sp>
+        <p:nvSpPr>
+          <p:cNvPr id="3" name="내용 개체 틀 2"/>
+          <p:cNvSpPr>
+            <a:spLocks noGrp="1"/>
+          </p:cNvSpPr>
+          <p:nvPr>
+            <p:ph sz="quarter" idx="1"/>
+          </p:nvPr>
+        </p:nvSpPr>
+        <p:spPr/>
+        <p:txBody>
+          <a:bodyPr/>
+          <a:lstStyle/>
+          <a:p>
+            <a:r>
+              <a:rPr lang="ko-KR" altLang="en-US" dirty="0" smtClean="0"/>
+              <a:t>랭킹목록</a:t>
+            </a:r>
+            <a:endParaRPr lang="ko-KR" altLang="en-US" dirty="0"/>
+          </a:p>
+        </p:txBody>
+      </p:sp>
+      <p:pic>
+        <p:nvPicPr>
+          <p:cNvPr id="7170" name="Picture 2"/>
+          <p:cNvPicPr>
+            <a:picLocks noChangeArrowheads="1"/>
+          </p:cNvPicPr>
+          <p:nvPr/>
+        </p:nvPicPr>
+        <p:blipFill>
+          <a:blip r:embed="rId2">
+            <a:extLst>
+              <a:ext uri="{28A0092B-C50C-407E-A947-70E740481C1C}">
+                <a14:useLocalDpi xmlns:a14="http://schemas.microsoft.com/office/drawing/2010/main" val="0"/>
+              </a:ext>
+            </a:extLst>
+          </a:blip>
+          <a:srcRect/>
+          <a:stretch>
+            <a:fillRect/>
+          </a:stretch>
+        </p:blipFill>
+        <p:spPr bwMode="auto">
+          <a:xfrm>
+            <a:off x="971600" y="2114560"/>
+            <a:ext cx="6480000" cy="4320000"/>
+          </a:xfrm>
+          <a:prstGeom prst="rect">
+            <a:avLst/>
+          </a:prstGeom>
+          <a:noFill/>
+          <a:ln>
+            <a:noFill/>
+          </a:ln>
+          <a:effectLst/>
+          <a:extLst>
+            <a:ext uri="{909E8E84-426E-40DD-AFC4-6F175D3DCCD1}">
+              <a14:hiddenFill xmlns:a14="http://schemas.microsoft.com/office/drawing/2010/main">
+                <a:solidFill>
+                  <a:schemeClr val="accent1"/>
+                </a:solidFill>
+              </a14:hiddenFill>
+            </a:ext>
+            <a:ext uri="{91240B29-F687-4F45-9708-019B960494DF}">
+              <a14:hiddenLine xmlns:a14="http://schemas.microsoft.com/office/drawing/2010/main" w="9525">
+                <a:solidFill>
+                  <a:schemeClr val="tx1"/>
+                </a:solidFill>
+                <a:miter lim="800000"/>
+                <a:headEnd/>
+                <a:tailEnd/>
+              </a14:hiddenLine>
+            </a:ext>
+            <a:ext uri="{AF507438-7753-43E0-B8FC-AC1667EBCBE1}">
+              <a14:hiddenEffects xmlns:a14="http://schemas.microsoft.com/office/drawing/2010/main">
+                <a:effectLst>
+                  <a:outerShdw dist="35921" dir="2700000" algn="ctr" rotWithShape="0">
+                    <a:schemeClr val="bg2"/>
+                  </a:outerShdw>
+                </a:effectLst>
+              </a14:hiddenEffects>
+            </a:ext>
+          </a:extLst>
+        </p:spPr>
+      </p:pic>
+    </p:spTree>
+    <p:extLst>
+      <p:ext uri="{BB962C8B-B14F-4D97-AF65-F5344CB8AC3E}">
+        <p14:creationId xmlns:p14="http://schemas.microsoft.com/office/powerpoint/2010/main" val="620469604"/>
+      </p:ext>
+    </p:extLst>
+  </p:cSld>
+  <p:clrMapOvr>
+    <a:masterClrMapping/>
+  </p:clrMapOvr>
+  <p:timing>
+    <p:tnLst>
+      <p:par>
+        <p:cTn id="1" dur="indefinite" restart="never" nodeType="tmRoot"/>
+      </p:par>
+    </p:tnLst>
+  </p:timing>
+</p:sld>
+</file>
+
+<file path=ppt/slides/slide41.xml><?xml version="1.0" encoding="utf-8"?>
+<p:sld xmlns:a="http://schemas.openxmlformats.org/drawingml/2006/main" xmlns:r="http://schemas.openxmlformats.org/officeDocument/2006/relationships" xmlns:p="http://schemas.openxmlformats.org/presentationml/2006/main">
+  <p:cSld>
+    <p:spTree>
+      <p:nvGrpSpPr>
+        <p:cNvPr id="1" name=""/>
+        <p:cNvGrpSpPr/>
+        <p:nvPr/>
+      </p:nvGrpSpPr>
+      <p:grpSpPr>
+        <a:xfrm>
+          <a:off x="0" y="0"/>
+          <a:ext cx="0" cy="0"/>
+          <a:chOff x="0" y="0"/>
+          <a:chExt cx="0" cy="0"/>
+        </a:xfrm>
+      </p:grpSpPr>
+      <p:sp>
+        <p:nvSpPr>
+          <p:cNvPr id="2" name="제목 1"/>
+          <p:cNvSpPr>
+            <a:spLocks noGrp="1"/>
+          </p:cNvSpPr>
+          <p:nvPr>
+            <p:ph type="title"/>
+          </p:nvPr>
+        </p:nvSpPr>
+        <p:spPr/>
+        <p:txBody>
+          <a:bodyPr/>
+          <a:lstStyle/>
+          <a:p>
+            <a:r>
+              <a:rPr lang="ko-KR" altLang="en-US" dirty="0" smtClean="0"/>
+              <a:t>결론</a:t>
+            </a:r>
+            <a:endParaRPr lang="ko-KR" altLang="en-US" dirty="0"/>
+          </a:p>
+        </p:txBody>
+      </p:sp>
+      <p:sp>
+        <p:nvSpPr>
+          <p:cNvPr id="3" name="내용 개체 틀 2"/>
+          <p:cNvSpPr>
+            <a:spLocks noGrp="1"/>
+          </p:cNvSpPr>
+          <p:nvPr>
+            <p:ph sz="quarter" idx="1"/>
+          </p:nvPr>
+        </p:nvSpPr>
+        <p:spPr/>
+        <p:txBody>
+          <a:bodyPr/>
+          <a:lstStyle/>
+          <a:p>
+            <a:r>
+              <a:rPr lang="en-US" altLang="ko-KR" dirty="0" smtClean="0"/>
+              <a:t>MVC2 </a:t>
+            </a:r>
+            <a:r>
+              <a:rPr lang="ko-KR" altLang="en-US" dirty="0" smtClean="0"/>
+              <a:t>모델 방식을 통하여 디자인과 개발이 분리된 환경에서 용이하다는 사실을 깨달았다</a:t>
+            </a:r>
+            <a:r>
+              <a:rPr lang="en-US" altLang="ko-KR" dirty="0" smtClean="0"/>
+              <a:t>.</a:t>
+            </a:r>
+          </a:p>
+          <a:p>
+            <a:r>
+              <a:rPr lang="ko-KR" altLang="en-US" dirty="0" smtClean="0"/>
+              <a:t>모듈화를 통한 유지보수와 확장이 가능하다</a:t>
+            </a:r>
+            <a:r>
+              <a:rPr lang="en-US" altLang="ko-KR" dirty="0" smtClean="0"/>
+              <a:t>.</a:t>
+            </a:r>
+          </a:p>
+          <a:p>
+            <a:r>
+              <a:rPr lang="ko-KR" altLang="en-US" dirty="0" smtClean="0"/>
+              <a:t>수업 때 다룬 게시판 만들기</a:t>
+            </a:r>
+            <a:r>
+              <a:rPr lang="en-US" altLang="ko-KR" dirty="0" smtClean="0"/>
+              <a:t>, </a:t>
+            </a:r>
+            <a:r>
+              <a:rPr lang="ko-KR" altLang="en-US" dirty="0" smtClean="0"/>
+              <a:t>회원가입</a:t>
+            </a:r>
+            <a:r>
+              <a:rPr lang="en-US" altLang="ko-KR" dirty="0" smtClean="0"/>
+              <a:t>, </a:t>
+            </a:r>
+            <a:r>
+              <a:rPr lang="ko-KR" altLang="en-US" dirty="0" smtClean="0"/>
+              <a:t>로그인 등 다양한 형태로 응용할 수 있었다</a:t>
+            </a:r>
+            <a:r>
+              <a:rPr lang="en-US" altLang="ko-KR" dirty="0"/>
+              <a:t>.</a:t>
+            </a:r>
+            <a:endParaRPr lang="en-US" altLang="ko-KR" dirty="0" smtClean="0"/>
+          </a:p>
+          <a:p>
+            <a:r>
+              <a:rPr lang="ko-KR" altLang="en-US" dirty="0" smtClean="0"/>
+              <a:t>프로젝트를 시작하기에 앞서 구체적인 계획과 분석이 부족함을 느꼈다</a:t>
+            </a:r>
+            <a:r>
+              <a:rPr lang="en-US" altLang="ko-KR" dirty="0" smtClean="0"/>
+              <a:t>.</a:t>
+            </a:r>
+          </a:p>
+          <a:p>
+            <a:endParaRPr lang="ko-KR" altLang="en-US" dirty="0"/>
+          </a:p>
+        </p:txBody>
+      </p:sp>
+    </p:spTree>
+    <p:extLst>
+      <p:ext uri="{BB962C8B-B14F-4D97-AF65-F5344CB8AC3E}">
+        <p14:creationId xmlns:p14="http://schemas.microsoft.com/office/powerpoint/2010/main" val="44382267"/>
+      </p:ext>
+    </p:extLst>
+  </p:cSld>
+  <p:clrMapOvr>
+    <a:masterClrMapping/>
+  </p:clrMapOvr>
+  <p:timing>
+    <p:tnLst>
+      <p:par>
+        <p:cTn id="1" dur="indefinite" restart="never" nodeType="tmRoot"/>
+      </p:par>
+    </p:tnLst>
+  </p:timing>
+</p:sld>
+</file>
+
+<file path=ppt/slides/slide42.xml><?xml version="1.0" encoding="utf-8"?>
+<p:sld xmlns:a="http://schemas.openxmlformats.org/drawingml/2006/main" xmlns:r="http://schemas.openxmlformats.org/officeDocument/2006/relationships" xmlns:p="http://schemas.openxmlformats.org/presentationml/2006/main">
+  <p:cSld>
+    <p:spTree>
+      <p:nvGrpSpPr>
+        <p:cNvPr id="1" name=""/>
+        <p:cNvGrpSpPr/>
+        <p:nvPr/>
+      </p:nvGrpSpPr>
+      <p:grpSpPr>
+        <a:xfrm>
+          <a:off x="0" y="0"/>
+          <a:ext cx="0" cy="0"/>
+          <a:chOff x="0" y="0"/>
+          <a:chExt cx="0" cy="0"/>
+        </a:xfrm>
+      </p:grpSpPr>
+      <p:pic>
+        <p:nvPicPr>
+          <p:cNvPr id="9220" name="Picture 4" descr="감사합니다 이미지에 대한 이미지 검색결과"/>
+          <p:cNvPicPr>
+            <a:picLocks noChangeAspect="1" noChangeArrowheads="1" noCrop="1"/>
+          </p:cNvPicPr>
+          <p:nvPr/>
+        </p:nvPicPr>
+        <p:blipFill>
+          <a:blip r:embed="rId2">
+            <a:extLst>
+              <a:ext uri="{28A0092B-C50C-407E-A947-70E740481C1C}">
+                <a14:useLocalDpi xmlns:a14="http://schemas.microsoft.com/office/drawing/2010/main" val="0"/>
+              </a:ext>
+            </a:extLst>
+          </a:blip>
+          <a:srcRect/>
+          <a:stretch>
+            <a:fillRect/>
+          </a:stretch>
+        </p:blipFill>
+        <p:spPr bwMode="auto">
+          <a:xfrm>
+            <a:off x="3354542" y="1570909"/>
+            <a:ext cx="2286000" cy="2286001"/>
+          </a:xfrm>
+          <a:prstGeom prst="rect">
+            <a:avLst/>
+          </a:prstGeom>
+          <a:noFill/>
+          <a:extLst>
+            <a:ext uri="{909E8E84-426E-40DD-AFC4-6F175D3DCCD1}">
+              <a14:hiddenFill xmlns:a14="http://schemas.microsoft.com/office/drawing/2010/main">
+                <a:solidFill>
+                  <a:srgbClr val="FFFFFF"/>
+                </a:solidFill>
+              </a14:hiddenFill>
+            </a:ext>
+          </a:extLst>
+        </p:spPr>
+      </p:pic>
+      <p:sp>
+        <p:nvSpPr>
+          <p:cNvPr id="2" name="TextBox 1"/>
+          <p:cNvSpPr txBox="1"/>
+          <p:nvPr/>
+        </p:nvSpPr>
+        <p:spPr>
+          <a:xfrm>
+            <a:off x="2560688" y="3856910"/>
+            <a:ext cx="3860352" cy="1107996"/>
+          </a:xfrm>
+          <a:prstGeom prst="rect">
+            <a:avLst/>
+          </a:prstGeom>
+          <a:noFill/>
+        </p:spPr>
+        <p:txBody>
+          <a:bodyPr wrap="none" rtlCol="0">
+            <a:spAutoFit/>
+          </a:bodyPr>
+          <a:lstStyle/>
+          <a:p>
+            <a:r>
+              <a:rPr lang="ko-KR" altLang="en-US" sz="6600" dirty="0" smtClean="0"/>
+              <a:t>감사합니다</a:t>
+            </a:r>
+            <a:endParaRPr lang="ko-KR" altLang="en-US" sz="6600" dirty="0"/>
+          </a:p>
+        </p:txBody>
+      </p:sp>
+    </p:spTree>
+    <p:extLst>
+      <p:ext uri="{BB962C8B-B14F-4D97-AF65-F5344CB8AC3E}">
+        <p14:creationId xmlns:p14="http://schemas.microsoft.com/office/powerpoint/2010/main" val="913816987"/>
       </p:ext>
     </p:extLst>
   </p:cSld>
@@ -9950,22 +10640,82 @@
           <a:p>
             <a:r>
               <a:rPr lang="ko-KR" altLang="en-US" dirty="0" smtClean="0"/>
-              <a:t>테이블 구성</a:t>
+              <a:t>개발에 필요한 응용 프로그램</a:t>
             </a:r>
             <a:endParaRPr lang="en-US" altLang="ko-KR" dirty="0" smtClean="0"/>
+          </a:p>
+          <a:p>
+            <a:pPr marL="0" indent="0">
+              <a:buNone/>
+            </a:pPr>
+            <a:endParaRPr lang="en-US" altLang="ko-KR" dirty="0" smtClean="0"/>
+          </a:p>
+          <a:p>
+            <a:pPr marL="0" indent="0">
+              <a:buNone/>
+            </a:pPr>
+            <a:r>
+              <a:rPr lang="ko-KR" altLang="en-US" dirty="0" smtClean="0"/>
+              <a:t>자바스크립트</a:t>
+            </a:r>
+            <a:endParaRPr lang="en-US" altLang="ko-KR" dirty="0" smtClean="0"/>
+          </a:p>
+          <a:p>
+            <a:pPr marL="0" indent="0">
+              <a:buNone/>
+            </a:pPr>
+            <a:endParaRPr lang="en-US" altLang="ko-KR" dirty="0" smtClean="0"/>
+          </a:p>
+          <a:p>
+            <a:pPr marL="0" indent="0">
+              <a:buNone/>
+            </a:pPr>
+            <a:endParaRPr lang="en-US" altLang="ko-KR" dirty="0" smtClean="0"/>
+          </a:p>
+          <a:p>
+            <a:pPr marL="0" indent="0">
+              <a:buNone/>
+            </a:pPr>
+            <a:r>
+              <a:rPr lang="en-US" altLang="ko-KR" dirty="0" err="1" smtClean="0"/>
+              <a:t>jQuery</a:t>
+            </a:r>
+            <a:endParaRPr lang="en-US" altLang="ko-KR" dirty="0" smtClean="0"/>
+          </a:p>
+          <a:p>
+            <a:pPr marL="0" indent="0">
+              <a:buNone/>
+            </a:pPr>
+            <a:endParaRPr lang="en-US" altLang="ko-KR" dirty="0" smtClean="0"/>
+          </a:p>
+          <a:p>
+            <a:pPr marL="0" indent="0">
+              <a:buNone/>
+            </a:pPr>
+            <a:endParaRPr lang="en-US" altLang="ko-KR" dirty="0" smtClean="0"/>
+          </a:p>
+          <a:p>
+            <a:pPr marL="0" indent="0">
+              <a:buNone/>
+            </a:pPr>
+            <a:r>
+              <a:rPr lang="en-US" altLang="ko-KR" dirty="0" err="1" smtClean="0"/>
+              <a:t>BootStrap</a:t>
+            </a:r>
+            <a:endParaRPr lang="ko-KR" altLang="en-US" dirty="0"/>
           </a:p>
         </p:txBody>
       </p:sp>
       <p:pic>
         <p:nvPicPr>
-          <p:cNvPr id="2050" name="Picture 2"/>
+          <p:cNvPr id="1026" name="Picture 2" descr="관련 이미지"/>
           <p:cNvPicPr>
-            <a:picLocks noChangeAspect="1" noChangeArrowheads="1"/>
+            <a:picLocks noChangeArrowheads="1"/>
           </p:cNvPicPr>
           <p:nvPr/>
         </p:nvPicPr>
         <p:blipFill>
-          <a:blip r:embed="rId2">
+          <a:blip r:embed="rId2" cstate="print">
             <a:extLst>
               <a:ext uri="{28A0092B-C50C-407E-A947-70E740481C1C}">
                 <a14:useLocalDpi xmlns:a14="http://schemas.microsoft.com/office/drawing/2010/main" val="0"/>
@@ -9979,33 +10729,102 @@
         </p:blipFill>
         <p:spPr bwMode="auto">
           <a:xfrm>
-            <a:off x="971600" y="2111654"/>
-            <a:ext cx="6840760" cy="4009053"/>
+            <a:off x="2843808" y="2060848"/>
+            <a:ext cx="1800000" cy="1080000"/>
           </a:xfrm>
           <a:prstGeom prst="rect">
             <a:avLst/>
           </a:prstGeom>
           <a:noFill/>
-          <a:ln>
-            <a:noFill/>
-          </a:ln>
           <a:extLst>
             <a:ext uri="{909E8E84-426E-40DD-AFC4-6F175D3DCCD1}">
               <a14:hiddenFill xmlns:a14="http://schemas.microsoft.com/office/drawing/2010/main">
                 <a:solidFill>
-                  <a:schemeClr val="accent1"/>
+                  <a:srgbClr val="FFFFFF"/>
                 </a:solidFill>
               </a14:hiddenFill>
             </a:ext>
-            <a:ext uri="{91240B29-F687-4F45-9708-019B960494DF}">
-              <a14:hiddenLine xmlns:a14="http://schemas.microsoft.com/office/drawing/2010/main" w="9525">
+          </a:extLst>
+        </p:spPr>
+      </p:pic>
+      <p:pic>
+        <p:nvPicPr>
+          <p:cNvPr id="1028" name="Picture 4" descr="제이쿼리에 대한 이미지 검색결과"/>
+          <p:cNvPicPr>
+            <a:picLocks noChangeAspect="1" noChangeArrowheads="1"/>
+          </p:cNvPicPr>
+          <p:nvPr/>
+        </p:nvPicPr>
+        <p:blipFill>
+          <a:blip r:embed="rId3" cstate="print">
+            <a:extLst>
+              <a:ext uri="{28A0092B-C50C-407E-A947-70E740481C1C}">
+                <a14:useLocalDpi xmlns:a14="http://schemas.microsoft.com/office/drawing/2010/main" val="0"/>
+              </a:ext>
+            </a:extLst>
+          </a:blip>
+          <a:srcRect/>
+          <a:stretch>
+            <a:fillRect/>
+          </a:stretch>
+        </p:blipFill>
+        <p:spPr bwMode="auto">
+          <a:xfrm>
+            <a:off x="2843808" y="3429000"/>
+            <a:ext cx="1800000" cy="935065"/>
+          </a:xfrm>
+          <a:prstGeom prst="rect">
+            <a:avLst/>
+          </a:prstGeom>
+          <a:noFill/>
+          <a:extLst>
+            <a:ext uri="{909E8E84-426E-40DD-AFC4-6F175D3DCCD1}">
+              <a14:hiddenFill xmlns:a14="http://schemas.microsoft.com/office/drawing/2010/main">
                 <a:solidFill>
-                  <a:schemeClr val="tx1"/>
+                  <a:srgbClr val="FFFFFF"/>
                 </a:solidFill>
-                <a:miter lim="800000"/>
-                <a:headEnd/>
-                <a:tailEnd/>
-              </a14:hiddenLine>
+              </a14:hiddenFill>
+            </a:ext>
+          </a:extLst>
+        </p:spPr>
+      </p:pic>
+      <p:pic>
+        <p:nvPicPr>
+          <p:cNvPr id="1030" name="Picture 6" descr="부트스트랩 로고에 대한 이미지 검색결과"/>
+          <p:cNvPicPr>
+            <a:picLocks noChangeArrowheads="1"/>
+          </p:cNvPicPr>
+          <p:nvPr/>
+        </p:nvPicPr>
+        <p:blipFill>
+          <a:blip r:embed="rId4" cstate="print">
+            <a:extLst>
+              <a:ext uri="{28A0092B-C50C-407E-A947-70E740481C1C}">
+                <a14:useLocalDpi xmlns:a14="http://schemas.microsoft.com/office/drawing/2010/main" val="0"/>
+              </a:ext>
+            </a:extLst>
+          </a:blip>
+          <a:srcRect/>
+          <a:stretch>
+            <a:fillRect/>
+          </a:stretch>
+        </p:blipFill>
+        <p:spPr bwMode="auto">
+          <a:xfrm>
+            <a:off x="2860721" y="4865598"/>
+            <a:ext cx="1800000" cy="1080000"/>
+          </a:xfrm>
+          <a:prstGeom prst="rect">
+            <a:avLst/>
+          </a:prstGeom>
+          <a:noFill/>
+          <a:extLst>
+            <a:ext uri="{909E8E84-426E-40DD-AFC4-6F175D3DCCD1}">
+              <a14:hiddenFill xmlns:a14="http://schemas.microsoft.com/office/drawing/2010/main">
+                <a:solidFill>
+                  <a:srgbClr val="FFFFFF"/>
+                </a:solidFill>
+              </a14:hiddenFill>
             </a:ext>
           </a:extLst>
         </p:spPr>
@@ -10013,7 +10832,7 @@
     </p:spTree>
     <p:extLst>
       <p:ext uri="{BB962C8B-B14F-4D97-AF65-F5344CB8AC3E}">
-        <p14:creationId xmlns:p14="http://schemas.microsoft.com/office/powerpoint/2010/main" val="2583306557"/>
+        <p14:creationId xmlns:p14="http://schemas.microsoft.com/office/powerpoint/2010/main" val="2003131919"/>
       </p:ext>
     </p:extLst>
   </p:cSld>
@@ -10086,24 +10905,71 @@
           <a:lstStyle/>
           <a:p>
             <a:r>
-              <a:rPr lang="en-US" altLang="ko-KR" dirty="0" smtClean="0"/>
-              <a:t>MVC2 </a:t>
-            </a:r>
-            <a:r>
-              <a:rPr lang="ko-KR" altLang="en-US" dirty="0" smtClean="0"/>
-              <a:t>설</a:t>
-            </a:r>
-            <a:r>
-              <a:rPr lang="ko-KR" altLang="en-US" dirty="0"/>
-              <a:t>계</a:t>
-            </a:r>
-          </a:p>
-        </p:txBody>
-      </p:sp>
+              <a:rPr lang="ko-KR" altLang="en-US" dirty="0" smtClean="0"/>
+              <a:t>테이블 구성</a:t>
+            </a:r>
+            <a:endParaRPr lang="en-US" altLang="ko-KR" dirty="0" smtClean="0"/>
+          </a:p>
+        </p:txBody>
+      </p:sp>
+      <p:pic>
+        <p:nvPicPr>
+          <p:cNvPr id="2050" name="Picture 2"/>
+          <p:cNvPicPr>
+            <a:picLocks noChangeAspect="1" noChangeArrowheads="1"/>
+          </p:cNvPicPr>
+          <p:nvPr/>
+        </p:nvPicPr>
+        <p:blipFill>
+          <a:blip r:embed="rId2">
+            <a:extLst>
+              <a:ext uri="{28A0092B-C50C-407E-A947-70E740481C1C}">
+                <a14:useLocalDpi xmlns:a14="http://schemas.microsoft.com/office/drawing/2010/main" val="0"/>
+              </a:ext>
+            </a:extLst>
+          </a:blip>
+          <a:srcRect/>
+          <a:stretch>
+            <a:fillRect/>
+          </a:stretch>
+        </p:blipFill>
+        <p:spPr bwMode="auto">
+          <a:xfrm>
+            <a:off x="971600" y="2111654"/>
+            <a:ext cx="6840760" cy="4009053"/>
+          </a:xfrm>
+          <a:prstGeom prst="rect">
+            <a:avLst/>
+          </a:prstGeom>
+          <a:noFill/>
+          <a:ln>
+            <a:noFill/>
+          </a:ln>
+          <a:extLst>
+            <a:ext uri="{909E8E84-426E-40DD-AFC4-6F175D3DCCD1}">
+              <a14:hiddenFill xmlns:a14="http://schemas.microsoft.com/office/drawing/2010/main">
+                <a:solidFill>
+                  <a:schemeClr val="accent1"/>
+                </a:solidFill>
+              </a14:hiddenFill>
+            </a:ext>
+            <a:ext uri="{91240B29-F687-4F45-9708-019B960494DF}">
+              <a14:hiddenLine xmlns:a14="http://schemas.microsoft.com/office/drawing/2010/main" w="9525">
+                <a:solidFill>
+                  <a:schemeClr val="tx1"/>
+                </a:solidFill>
+                <a:miter lim="800000"/>
+                <a:headEnd/>
+                <a:tailEnd/>
+              </a14:hiddenLine>
+            </a:ext>
+          </a:extLst>
+        </p:spPr>
+      </p:pic>
     </p:spTree>
     <p:extLst>
       <p:ext uri="{BB962C8B-B14F-4D97-AF65-F5344CB8AC3E}">
-        <p14:creationId xmlns:p14="http://schemas.microsoft.com/office/powerpoint/2010/main" val="966090569"/>
+        <p14:creationId xmlns:p14="http://schemas.microsoft.com/office/powerpoint/2010/main" val="2583306557"/>
       </p:ext>
     </p:extLst>
   </p:cSld>
@@ -10154,7 +11020,7 @@
           <a:p>
             <a:r>
               <a:rPr lang="ko-KR" altLang="en-US" dirty="0" smtClean="0"/>
-              <a:t>주요기능</a:t>
+              <a:t>분석 및 설계</a:t>
             </a:r>
             <a:endParaRPr lang="ko-KR" altLang="en-US" dirty="0"/>
           </a:p>
@@ -10177,52 +11043,146 @@
           <a:p>
             <a:r>
               <a:rPr lang="ko-KR" altLang="en-US" dirty="0" smtClean="0"/>
-              <a:t>회원가입</a:t>
+              <a:t>주요 테이블 구성</a:t>
             </a:r>
             <a:endParaRPr lang="en-US" altLang="ko-KR" dirty="0" smtClean="0"/>
           </a:p>
           <a:p>
-            <a:r>
-              <a:rPr lang="ko-KR" altLang="en-US" dirty="0" smtClean="0"/>
-              <a:t>로그</a:t>
-            </a:r>
-            <a:r>
-              <a:rPr lang="ko-KR" altLang="en-US" dirty="0"/>
-              <a:t>인</a:t>
+            <a:pPr marL="0" indent="0">
+              <a:buNone/>
+            </a:pPr>
+            <a:r>
+              <a:rPr lang="en-US" altLang="ko-KR" dirty="0" err="1" smtClean="0"/>
+              <a:t>Member_info</a:t>
+            </a:r>
+            <a:r>
+              <a:rPr lang="en-US" altLang="ko-KR" dirty="0" smtClean="0"/>
+              <a:t> : </a:t>
+            </a:r>
+            <a:r>
+              <a:rPr lang="ko-KR" altLang="en-US" dirty="0" smtClean="0"/>
+              <a:t>회원 상세정보를 보관</a:t>
             </a:r>
             <a:endParaRPr lang="en-US" altLang="ko-KR" dirty="0" smtClean="0"/>
           </a:p>
           <a:p>
-            <a:r>
-              <a:rPr lang="ko-KR" altLang="en-US" dirty="0" smtClean="0"/>
-              <a:t>영화목록</a:t>
+            <a:pPr marL="0" indent="0">
+              <a:buNone/>
+            </a:pPr>
+            <a:r>
+              <a:rPr lang="en-US" altLang="ko-KR" dirty="0" err="1" smtClean="0"/>
+              <a:t>Review_info</a:t>
+            </a:r>
+            <a:r>
+              <a:rPr lang="en-US" altLang="ko-KR" dirty="0" smtClean="0"/>
+              <a:t> : </a:t>
+            </a:r>
+            <a:r>
+              <a:rPr lang="ko-KR" altLang="en-US" dirty="0" smtClean="0"/>
+              <a:t>리뷰 상세정보를 보관</a:t>
             </a:r>
             <a:endParaRPr lang="en-US" altLang="ko-KR" dirty="0" smtClean="0"/>
           </a:p>
           <a:p>
-            <a:r>
-              <a:rPr lang="ko-KR" altLang="en-US" dirty="0" smtClean="0"/>
-              <a:t>영화검색</a:t>
+            <a:pPr marL="0" indent="0">
+              <a:buNone/>
+            </a:pPr>
+            <a:r>
+              <a:rPr lang="en-US" altLang="ko-KR" dirty="0" err="1" smtClean="0"/>
+              <a:t>Movie_info</a:t>
+            </a:r>
+            <a:r>
+              <a:rPr lang="en-US" altLang="ko-KR" dirty="0" smtClean="0"/>
+              <a:t> : </a:t>
+            </a:r>
+            <a:r>
+              <a:rPr lang="ko-KR" altLang="en-US" dirty="0" smtClean="0"/>
+              <a:t>영화 상세정보를 보관</a:t>
             </a:r>
             <a:endParaRPr lang="en-US" altLang="ko-KR" dirty="0" smtClean="0"/>
           </a:p>
           <a:p>
-            <a:r>
-              <a:rPr lang="ko-KR" altLang="en-US" dirty="0" smtClean="0"/>
-              <a:t>랭킹목</a:t>
-            </a:r>
-            <a:r>
-              <a:rPr lang="ko-KR" altLang="en-US" dirty="0"/>
-              <a:t>록</a:t>
-            </a:r>
-            <a:endParaRPr lang="ko-KR" altLang="en-US" dirty="0"/>
+            <a:pPr marL="0" indent="0">
+              <a:buNone/>
+            </a:pPr>
+            <a:r>
+              <a:rPr lang="en-US" altLang="ko-KR" dirty="0" err="1" smtClean="0"/>
+              <a:t>Member_grade</a:t>
+            </a:r>
+            <a:r>
+              <a:rPr lang="en-US" altLang="ko-KR" dirty="0" smtClean="0"/>
+              <a:t> : </a:t>
+            </a:r>
+            <a:r>
+              <a:rPr lang="ko-KR" altLang="en-US" dirty="0" smtClean="0"/>
+              <a:t>회원 등급을 </a:t>
+            </a:r>
+            <a:r>
+              <a:rPr lang="ko-KR" altLang="en-US" dirty="0" err="1" smtClean="0"/>
+              <a:t>코드별로</a:t>
+            </a:r>
+            <a:r>
+              <a:rPr lang="ko-KR" altLang="en-US" dirty="0" smtClean="0"/>
+              <a:t> 관리</a:t>
+            </a:r>
+            <a:endParaRPr lang="en-US" altLang="ko-KR" dirty="0" smtClean="0"/>
+          </a:p>
+          <a:p>
+            <a:pPr marL="0" indent="0">
+              <a:buNone/>
+            </a:pPr>
+            <a:r>
+              <a:rPr lang="en-US" altLang="ko-KR" dirty="0" smtClean="0"/>
+              <a:t>Person : </a:t>
+            </a:r>
+            <a:r>
+              <a:rPr lang="ko-KR" altLang="en-US" dirty="0" smtClean="0"/>
+              <a:t>배우나 감독 인물 정보를 </a:t>
+            </a:r>
+            <a:r>
+              <a:rPr lang="ko-KR" altLang="en-US" dirty="0" err="1" smtClean="0"/>
+              <a:t>코드별로</a:t>
+            </a:r>
+            <a:r>
+              <a:rPr lang="ko-KR" altLang="en-US" dirty="0" smtClean="0"/>
+              <a:t> 관리</a:t>
+            </a:r>
+            <a:endParaRPr lang="en-US" altLang="ko-KR" dirty="0" smtClean="0"/>
+          </a:p>
+          <a:p>
+            <a:pPr marL="0" indent="0">
+              <a:buNone/>
+            </a:pPr>
+            <a:r>
+              <a:rPr lang="en-US" altLang="ko-KR" dirty="0" smtClean="0"/>
+              <a:t>Genre : </a:t>
+            </a:r>
+            <a:r>
+              <a:rPr lang="ko-KR" altLang="en-US" dirty="0" smtClean="0"/>
+              <a:t>장르 종류를 </a:t>
+            </a:r>
+            <a:r>
+              <a:rPr lang="ko-KR" altLang="en-US" dirty="0" err="1" smtClean="0"/>
+              <a:t>코드별로</a:t>
+            </a:r>
+            <a:r>
+              <a:rPr lang="ko-KR" altLang="en-US" dirty="0" smtClean="0"/>
+              <a:t> 관리</a:t>
+            </a:r>
+            <a:endParaRPr lang="en-US" altLang="ko-KR" dirty="0" smtClean="0"/>
+          </a:p>
+          <a:p>
+            <a:pPr marL="0" indent="0">
+              <a:buNone/>
+            </a:pPr>
+            <a:endParaRPr lang="en-US" altLang="ko-KR" dirty="0" smtClean="0"/>
           </a:p>
         </p:txBody>
       </p:sp>
     </p:spTree>
     <p:extLst>
       <p:ext uri="{BB962C8B-B14F-4D97-AF65-F5344CB8AC3E}">
-        <p14:creationId xmlns:p14="http://schemas.microsoft.com/office/powerpoint/2010/main" val="3918389736"/>
+        <p14:creationId xmlns:p14="http://schemas.microsoft.com/office/powerpoint/2010/main" val="910667577"/>
       </p:ext>
     </p:extLst>
   </p:cSld>
@@ -10273,7 +11233,7 @@
           <a:p>
             <a:r>
               <a:rPr lang="ko-KR" altLang="en-US" dirty="0" smtClean="0"/>
-              <a:t>구현</a:t>
+              <a:t>분석 및 설계</a:t>
             </a:r>
             <a:endParaRPr lang="ko-KR" altLang="en-US" dirty="0"/>
           </a:p>
@@ -10295,81 +11255,750 @@
           <a:lstStyle/>
           <a:p>
             <a:r>
-              <a:rPr lang="ko-KR" altLang="en-US" dirty="0" smtClean="0"/>
-              <a:t>회원가입 </a:t>
-            </a:r>
-            <a:r>
-              <a:rPr lang="ko-KR" altLang="en-US" dirty="0" err="1" smtClean="0"/>
-              <a:t>뷰</a:t>
-            </a:r>
-            <a:endParaRPr lang="ko-KR" altLang="en-US" dirty="0"/>
-          </a:p>
-        </p:txBody>
-      </p:sp>
-      <p:pic>
-        <p:nvPicPr>
-          <p:cNvPr id="4098" name="Picture 2"/>
-          <p:cNvPicPr>
-            <a:picLocks noChangeAspect="1" noChangeArrowheads="1"/>
-          </p:cNvPicPr>
+              <a:rPr lang="en-US" altLang="ko-KR" dirty="0" smtClean="0"/>
+              <a:t>MVC2 </a:t>
+            </a:r>
+            <a:r>
+              <a:rPr lang="ko-KR" altLang="en-US" dirty="0" smtClean="0"/>
+              <a:t>설</a:t>
+            </a:r>
+            <a:r>
+              <a:rPr lang="ko-KR" altLang="en-US" dirty="0"/>
+              <a:t>계</a:t>
+            </a:r>
+          </a:p>
+        </p:txBody>
+      </p:sp>
+      <p:sp>
+        <p:nvSpPr>
+          <p:cNvPr id="5" name="직사각형 4"/>
+          <p:cNvSpPr/>
           <p:nvPr/>
-        </p:nvPicPr>
-        <p:blipFill>
-          <a:blip r:embed="rId2">
-            <a:extLst>
-              <a:ext uri="{28A0092B-C50C-407E-A947-70E740481C1C}">
-                <a14:useLocalDpi xmlns:a14="http://schemas.microsoft.com/office/drawing/2010/main" val="0"/>
-              </a:ext>
-            </a:extLst>
-          </a:blip>
-          <a:srcRect/>
-          <a:stretch>
-            <a:fillRect/>
-          </a:stretch>
-        </p:blipFill>
-        <p:spPr bwMode="auto">
-          <a:xfrm>
-            <a:off x="899592" y="2132856"/>
-            <a:ext cx="6840000" cy="3744416"/>
+        </p:nvSpPr>
+        <p:spPr>
+          <a:xfrm>
+            <a:off x="415008" y="2564904"/>
+            <a:ext cx="1296144" cy="3024336"/>
           </a:xfrm>
           <a:prstGeom prst="rect">
             <a:avLst/>
           </a:prstGeom>
-          <a:noFill/>
+        </p:spPr>
+        <p:style>
+          <a:lnRef idx="2">
+            <a:schemeClr val="dk1"/>
+          </a:lnRef>
+          <a:fillRef idx="1">
+            <a:schemeClr val="lt1"/>
+          </a:fillRef>
+          <a:effectRef idx="0">
+            <a:schemeClr val="dk1"/>
+          </a:effectRef>
+          <a:fontRef idx="minor">
+            <a:schemeClr val="dk1"/>
+          </a:fontRef>
+        </p:style>
+        <p:txBody>
+          <a:bodyPr rtlCol="0" anchor="ctr"/>
+          <a:lstStyle/>
+          <a:p>
+            <a:pPr algn="ctr"/>
+            <a:r>
+              <a:rPr lang="ko-KR" altLang="en-US" dirty="0" smtClean="0"/>
+              <a:t>웹 브라우저</a:t>
+            </a:r>
+            <a:endParaRPr lang="en-US" altLang="ko-KR" dirty="0" smtClean="0"/>
+          </a:p>
+          <a:p>
+            <a:pPr algn="ctr"/>
+            <a:r>
+              <a:rPr lang="en-US" altLang="ko-KR" dirty="0" smtClean="0"/>
+              <a:t>(</a:t>
+            </a:r>
+            <a:r>
+              <a:rPr lang="ko-KR" altLang="en-US" dirty="0" err="1" smtClean="0"/>
+              <a:t>영화가즈아</a:t>
+            </a:r>
+            <a:r>
+              <a:rPr lang="en-US" altLang="ko-KR" dirty="0" smtClean="0"/>
+              <a:t>)</a:t>
+            </a:r>
+            <a:endParaRPr lang="ko-KR" altLang="en-US" dirty="0"/>
+          </a:p>
+        </p:txBody>
+      </p:sp>
+      <p:sp>
+        <p:nvSpPr>
+          <p:cNvPr id="7" name="직사각형 6"/>
+          <p:cNvSpPr/>
+          <p:nvPr/>
+        </p:nvSpPr>
+        <p:spPr>
+          <a:xfrm>
+            <a:off x="2843808" y="2121674"/>
+            <a:ext cx="1440160" cy="1440000"/>
+          </a:xfrm>
+          <a:prstGeom prst="rect">
+            <a:avLst/>
+          </a:prstGeom>
+        </p:spPr>
+        <p:style>
+          <a:lnRef idx="2">
+            <a:schemeClr val="dk1"/>
+          </a:lnRef>
+          <a:fillRef idx="1">
+            <a:schemeClr val="lt1"/>
+          </a:fillRef>
+          <a:effectRef idx="0">
+            <a:schemeClr val="dk1"/>
+          </a:effectRef>
+          <a:fontRef idx="minor">
+            <a:schemeClr val="dk1"/>
+          </a:fontRef>
+        </p:style>
+        <p:txBody>
+          <a:bodyPr rtlCol="0" anchor="ctr"/>
+          <a:lstStyle/>
+          <a:p>
+            <a:pPr algn="ctr"/>
+            <a:r>
+              <a:rPr lang="ko-KR" altLang="en-US" dirty="0" smtClean="0"/>
+              <a:t>컨트롤러</a:t>
+            </a:r>
+            <a:endParaRPr lang="en-US" altLang="ko-KR" dirty="0" smtClean="0"/>
+          </a:p>
+          <a:p>
+            <a:pPr algn="ctr"/>
+            <a:r>
+              <a:rPr lang="en-US" altLang="ko-KR" dirty="0" smtClean="0"/>
+              <a:t>(</a:t>
+            </a:r>
+            <a:r>
+              <a:rPr lang="en-US" altLang="ko-KR" dirty="0" err="1" smtClean="0"/>
+              <a:t>Home,Log,Member,Movie,Search</a:t>
+            </a:r>
+            <a:r>
+              <a:rPr lang="en-US" altLang="ko-KR" dirty="0" smtClean="0"/>
+              <a:t>)</a:t>
+            </a:r>
+            <a:endParaRPr lang="ko-KR" altLang="en-US" dirty="0"/>
+          </a:p>
+        </p:txBody>
+      </p:sp>
+      <p:sp>
+        <p:nvSpPr>
+          <p:cNvPr id="8" name="직사각형 7"/>
+          <p:cNvSpPr/>
+          <p:nvPr/>
+        </p:nvSpPr>
+        <p:spPr>
+          <a:xfrm>
+            <a:off x="2858454" y="4581048"/>
+            <a:ext cx="1440000" cy="1440000"/>
+          </a:xfrm>
+          <a:prstGeom prst="rect">
+            <a:avLst/>
+          </a:prstGeom>
+        </p:spPr>
+        <p:style>
+          <a:lnRef idx="2">
+            <a:schemeClr val="dk1"/>
+          </a:lnRef>
+          <a:fillRef idx="1">
+            <a:schemeClr val="lt1"/>
+          </a:fillRef>
+          <a:effectRef idx="0">
+            <a:schemeClr val="dk1"/>
+          </a:effectRef>
+          <a:fontRef idx="minor">
+            <a:schemeClr val="dk1"/>
+          </a:fontRef>
+        </p:style>
+        <p:txBody>
+          <a:bodyPr rtlCol="0" anchor="ctr"/>
+          <a:lstStyle/>
+          <a:p>
+            <a:pPr algn="ctr"/>
+            <a:r>
+              <a:rPr lang="ko-KR" altLang="en-US" dirty="0" err="1" smtClean="0"/>
+              <a:t>뷰</a:t>
+            </a:r>
+            <a:endParaRPr lang="en-US" altLang="ko-KR" dirty="0" smtClean="0"/>
+          </a:p>
+          <a:p>
+            <a:pPr algn="ctr"/>
+            <a:r>
+              <a:rPr lang="en-US" altLang="ko-KR" dirty="0" smtClean="0"/>
+              <a:t>(</a:t>
+            </a:r>
+            <a:r>
+              <a:rPr lang="en-US" altLang="ko-KR" dirty="0" err="1" smtClean="0"/>
+              <a:t>home,list,JoinForm</a:t>
+            </a:r>
+            <a:r>
+              <a:rPr lang="en-US" altLang="ko-KR" dirty="0" smtClean="0"/>
+              <a:t>,…)</a:t>
+            </a:r>
+            <a:endParaRPr lang="ko-KR" altLang="en-US" dirty="0"/>
+          </a:p>
+        </p:txBody>
+      </p:sp>
+      <p:sp>
+        <p:nvSpPr>
+          <p:cNvPr id="9" name="직사각형 8"/>
+          <p:cNvSpPr/>
+          <p:nvPr/>
+        </p:nvSpPr>
+        <p:spPr>
+          <a:xfrm>
+            <a:off x="4932040" y="2841674"/>
+            <a:ext cx="1440000" cy="1440000"/>
+          </a:xfrm>
+          <a:prstGeom prst="rect">
+            <a:avLst/>
+          </a:prstGeom>
+        </p:spPr>
+        <p:style>
+          <a:lnRef idx="2">
+            <a:schemeClr val="dk1"/>
+          </a:lnRef>
+          <a:fillRef idx="1">
+            <a:schemeClr val="lt1"/>
+          </a:fillRef>
+          <a:effectRef idx="0">
+            <a:schemeClr val="dk1"/>
+          </a:effectRef>
+          <a:fontRef idx="minor">
+            <a:schemeClr val="dk1"/>
+          </a:fontRef>
+        </p:style>
+        <p:txBody>
+          <a:bodyPr rtlCol="0" anchor="ctr"/>
+          <a:lstStyle/>
+          <a:p>
+            <a:pPr algn="ctr"/>
+            <a:r>
+              <a:rPr lang="ko-KR" altLang="en-US" dirty="0" smtClean="0"/>
+              <a:t>모델</a:t>
+            </a:r>
+            <a:endParaRPr lang="en-US" altLang="ko-KR" dirty="0" smtClean="0"/>
+          </a:p>
+          <a:p>
+            <a:pPr algn="ctr"/>
+            <a:r>
+              <a:rPr lang="en-US" altLang="ko-KR" dirty="0" smtClean="0"/>
+              <a:t>(</a:t>
+            </a:r>
+            <a:r>
+              <a:rPr lang="en-US" altLang="ko-KR" dirty="0" err="1" smtClean="0"/>
+              <a:t>log,Member,Movie,Review</a:t>
+            </a:r>
+            <a:r>
+              <a:rPr lang="en-US" altLang="ko-KR" dirty="0" smtClean="0"/>
+              <a:t>)</a:t>
+            </a:r>
+            <a:endParaRPr lang="ko-KR" altLang="en-US" dirty="0"/>
+          </a:p>
+        </p:txBody>
+      </p:sp>
+      <p:sp>
+        <p:nvSpPr>
+          <p:cNvPr id="11" name="원통 10"/>
+          <p:cNvSpPr/>
+          <p:nvPr/>
+        </p:nvSpPr>
+        <p:spPr>
+          <a:xfrm>
+            <a:off x="7020272" y="2564904"/>
+            <a:ext cx="1368152" cy="2160240"/>
+          </a:xfrm>
+          <a:prstGeom prst="can">
+            <a:avLst/>
+          </a:prstGeom>
+        </p:spPr>
+        <p:style>
+          <a:lnRef idx="2">
+            <a:schemeClr val="dk1"/>
+          </a:lnRef>
+          <a:fillRef idx="1">
+            <a:schemeClr val="lt1"/>
+          </a:fillRef>
+          <a:effectRef idx="0">
+            <a:schemeClr val="dk1"/>
+          </a:effectRef>
+          <a:fontRef idx="minor">
+            <a:schemeClr val="dk1"/>
+          </a:fontRef>
+        </p:style>
+        <p:txBody>
+          <a:bodyPr rtlCol="0" anchor="ctr"/>
+          <a:lstStyle/>
+          <a:p>
+            <a:pPr algn="ctr"/>
+            <a:r>
+              <a:rPr lang="en-US" altLang="ko-KR" dirty="0" smtClean="0"/>
+              <a:t>DB</a:t>
+            </a:r>
+          </a:p>
+          <a:p>
+            <a:pPr algn="ctr"/>
+            <a:r>
+              <a:rPr lang="en-US" altLang="ko-KR" dirty="0" smtClean="0"/>
+              <a:t>(Oracle)</a:t>
+            </a:r>
+            <a:endParaRPr lang="ko-KR" altLang="en-US" dirty="0"/>
+          </a:p>
+        </p:txBody>
+      </p:sp>
+      <p:sp>
+        <p:nvSpPr>
+          <p:cNvPr id="14" name="타원형 설명선 13"/>
+          <p:cNvSpPr/>
+          <p:nvPr/>
+        </p:nvSpPr>
+        <p:spPr>
+          <a:xfrm>
+            <a:off x="4283968" y="6165304"/>
+            <a:ext cx="1440160" cy="432208"/>
+          </a:xfrm>
+          <a:prstGeom prst="wedgeEllipseCallout">
+            <a:avLst>
+              <a:gd name="adj1" fmla="val -36706"/>
+              <a:gd name="adj2" fmla="val -78543"/>
+            </a:avLst>
+          </a:prstGeom>
+        </p:spPr>
+        <p:style>
+          <a:lnRef idx="2">
+            <a:schemeClr val="accent2"/>
+          </a:lnRef>
+          <a:fillRef idx="1">
+            <a:schemeClr val="lt1"/>
+          </a:fillRef>
+          <a:effectRef idx="0">
+            <a:schemeClr val="accent2"/>
+          </a:effectRef>
+          <a:fontRef idx="minor">
+            <a:schemeClr val="dk1"/>
+          </a:fontRef>
+        </p:style>
+        <p:txBody>
+          <a:bodyPr rtlCol="0" anchor="ctr"/>
+          <a:lstStyle/>
+          <a:p>
+            <a:pPr algn="ctr"/>
+            <a:r>
+              <a:rPr lang="en-US" altLang="ko-KR" dirty="0" smtClean="0"/>
+              <a:t>JSP</a:t>
+            </a:r>
+            <a:endParaRPr lang="ko-KR" altLang="en-US" dirty="0"/>
+          </a:p>
+        </p:txBody>
+      </p:sp>
+      <p:sp>
+        <p:nvSpPr>
+          <p:cNvPr id="15" name="타원형 설명선 14"/>
+          <p:cNvSpPr/>
+          <p:nvPr/>
+        </p:nvSpPr>
+        <p:spPr>
+          <a:xfrm>
+            <a:off x="5796136" y="2143704"/>
+            <a:ext cx="1440160" cy="432208"/>
+          </a:xfrm>
+          <a:prstGeom prst="wedgeEllipseCallout">
+            <a:avLst>
+              <a:gd name="adj1" fmla="val -36045"/>
+              <a:gd name="adj2" fmla="val 77927"/>
+            </a:avLst>
+          </a:prstGeom>
+        </p:spPr>
+        <p:style>
+          <a:lnRef idx="2">
+            <a:schemeClr val="accent2"/>
+          </a:lnRef>
+          <a:fillRef idx="1">
+            <a:schemeClr val="lt1"/>
+          </a:fillRef>
+          <a:effectRef idx="0">
+            <a:schemeClr val="accent2"/>
+          </a:effectRef>
+          <a:fontRef idx="minor">
+            <a:schemeClr val="dk1"/>
+          </a:fontRef>
+        </p:style>
+        <p:txBody>
+          <a:bodyPr rtlCol="0" anchor="ctr"/>
+          <a:lstStyle/>
+          <a:p>
+            <a:pPr algn="ctr"/>
+            <a:r>
+              <a:rPr lang="en-US" altLang="ko-KR" dirty="0" smtClean="0"/>
+              <a:t>DAO</a:t>
+            </a:r>
+            <a:endParaRPr lang="ko-KR" altLang="en-US" dirty="0"/>
+          </a:p>
+        </p:txBody>
+      </p:sp>
+      <p:cxnSp>
+        <p:nvCxnSpPr>
+          <p:cNvPr id="17" name="직선 화살표 연결선 16"/>
+          <p:cNvCxnSpPr/>
+          <p:nvPr/>
+        </p:nvCxnSpPr>
+        <p:spPr>
+          <a:xfrm flipV="1">
+            <a:off x="1907704" y="2924944"/>
+            <a:ext cx="720080" cy="504056"/>
+          </a:xfrm>
+          <a:prstGeom prst="straightConnector1">
+            <a:avLst/>
+          </a:prstGeom>
           <a:ln>
-            <a:noFill/>
+            <a:tailEnd type="arrow"/>
           </a:ln>
-          <a:extLst>
-            <a:ext uri="{909E8E84-426E-40DD-AFC4-6F175D3DCCD1}">
-              <a14:hiddenFill xmlns:a14="http://schemas.microsoft.com/office/drawing/2010/main">
-                <a:solidFill>
-                  <a:schemeClr val="accent1"/>
-                </a:solidFill>
-              </a14:hiddenFill>
-            </a:ext>
-            <a:ext uri="{91240B29-F687-4F45-9708-019B960494DF}">
-              <a14:hiddenLine xmlns:a14="http://schemas.microsoft.com/office/drawing/2010/main" w="9525">
-                <a:solidFill>
-                  <a:schemeClr val="tx1"/>
-                </a:solidFill>
-                <a:miter lim="800000"/>
-                <a:headEnd/>
-                <a:tailEnd/>
-              </a14:hiddenLine>
-            </a:ext>
-          </a:extLst>
-        </p:spPr>
-      </p:pic>
+        </p:spPr>
+        <p:style>
+          <a:lnRef idx="2">
+            <a:schemeClr val="dk1"/>
+          </a:lnRef>
+          <a:fillRef idx="0">
+            <a:schemeClr val="dk1"/>
+          </a:fillRef>
+          <a:effectRef idx="1">
+            <a:schemeClr val="dk1"/>
+          </a:effectRef>
+          <a:fontRef idx="minor">
+            <a:schemeClr val="tx1"/>
+          </a:fontRef>
+        </p:style>
+      </p:cxnSp>
+      <p:cxnSp>
+        <p:nvCxnSpPr>
+          <p:cNvPr id="19" name="직선 화살표 연결선 18"/>
+          <p:cNvCxnSpPr/>
+          <p:nvPr/>
+        </p:nvCxnSpPr>
+        <p:spPr>
+          <a:xfrm flipH="1" flipV="1">
+            <a:off x="1961710" y="4581049"/>
+            <a:ext cx="738082" cy="576143"/>
+          </a:xfrm>
+          <a:prstGeom prst="straightConnector1">
+            <a:avLst/>
+          </a:prstGeom>
+          <a:ln>
+            <a:tailEnd type="arrow"/>
+          </a:ln>
+        </p:spPr>
+        <p:style>
+          <a:lnRef idx="2">
+            <a:schemeClr val="dk1"/>
+          </a:lnRef>
+          <a:fillRef idx="0">
+            <a:schemeClr val="dk1"/>
+          </a:fillRef>
+          <a:effectRef idx="1">
+            <a:schemeClr val="dk1"/>
+          </a:effectRef>
+          <a:fontRef idx="minor">
+            <a:schemeClr val="tx1"/>
+          </a:fontRef>
+        </p:style>
+      </p:cxnSp>
+      <p:cxnSp>
+        <p:nvCxnSpPr>
+          <p:cNvPr id="24" name="직선 화살표 연결선 23"/>
+          <p:cNvCxnSpPr/>
+          <p:nvPr/>
+        </p:nvCxnSpPr>
+        <p:spPr>
+          <a:xfrm>
+            <a:off x="4427984" y="2924944"/>
+            <a:ext cx="403473" cy="252028"/>
+          </a:xfrm>
+          <a:prstGeom prst="straightConnector1">
+            <a:avLst/>
+          </a:prstGeom>
+          <a:ln>
+            <a:tailEnd type="arrow"/>
+          </a:ln>
+        </p:spPr>
+        <p:style>
+          <a:lnRef idx="2">
+            <a:schemeClr val="dk1"/>
+          </a:lnRef>
+          <a:fillRef idx="0">
+            <a:schemeClr val="dk1"/>
+          </a:fillRef>
+          <a:effectRef idx="1">
+            <a:schemeClr val="dk1"/>
+          </a:effectRef>
+          <a:fontRef idx="minor">
+            <a:schemeClr val="tx1"/>
+          </a:fontRef>
+        </p:style>
+      </p:cxnSp>
+      <p:cxnSp>
+        <p:nvCxnSpPr>
+          <p:cNvPr id="30" name="직선 화살표 연결선 29"/>
+          <p:cNvCxnSpPr/>
+          <p:nvPr/>
+        </p:nvCxnSpPr>
+        <p:spPr>
+          <a:xfrm flipH="1" flipV="1">
+            <a:off x="4419029" y="3160880"/>
+            <a:ext cx="403473" cy="252028"/>
+          </a:xfrm>
+          <a:prstGeom prst="straightConnector1">
+            <a:avLst/>
+          </a:prstGeom>
+          <a:ln>
+            <a:tailEnd type="arrow"/>
+          </a:ln>
+        </p:spPr>
+        <p:style>
+          <a:lnRef idx="2">
+            <a:schemeClr val="dk1"/>
+          </a:lnRef>
+          <a:fillRef idx="0">
+            <a:schemeClr val="dk1"/>
+          </a:fillRef>
+          <a:effectRef idx="1">
+            <a:schemeClr val="dk1"/>
+          </a:effectRef>
+          <a:fontRef idx="minor">
+            <a:schemeClr val="tx1"/>
+          </a:fontRef>
+        </p:style>
+      </p:cxnSp>
+      <p:cxnSp>
+        <p:nvCxnSpPr>
+          <p:cNvPr id="33" name="직선 화살표 연결선 32"/>
+          <p:cNvCxnSpPr/>
+          <p:nvPr/>
+        </p:nvCxnSpPr>
+        <p:spPr>
+          <a:xfrm flipH="1">
+            <a:off x="4419028" y="4258711"/>
+            <a:ext cx="403473" cy="252028"/>
+          </a:xfrm>
+          <a:prstGeom prst="straightConnector1">
+            <a:avLst/>
+          </a:prstGeom>
+          <a:ln>
+            <a:tailEnd type="arrow"/>
+          </a:ln>
+        </p:spPr>
+        <p:style>
+          <a:lnRef idx="2">
+            <a:schemeClr val="dk1"/>
+          </a:lnRef>
+          <a:fillRef idx="0">
+            <a:schemeClr val="dk1"/>
+          </a:fillRef>
+          <a:effectRef idx="1">
+            <a:schemeClr val="dk1"/>
+          </a:effectRef>
+          <a:fontRef idx="minor">
+            <a:schemeClr val="tx1"/>
+          </a:fontRef>
+        </p:style>
+      </p:cxnSp>
+      <p:cxnSp>
+        <p:nvCxnSpPr>
+          <p:cNvPr id="34" name="직선 화살표 연결선 33"/>
+          <p:cNvCxnSpPr/>
+          <p:nvPr/>
+        </p:nvCxnSpPr>
+        <p:spPr>
+          <a:xfrm flipV="1">
+            <a:off x="4410073" y="4494647"/>
+            <a:ext cx="403473" cy="252028"/>
+          </a:xfrm>
+          <a:prstGeom prst="straightConnector1">
+            <a:avLst/>
+          </a:prstGeom>
+          <a:ln>
+            <a:tailEnd type="arrow"/>
+          </a:ln>
+        </p:spPr>
+        <p:style>
+          <a:lnRef idx="2">
+            <a:schemeClr val="dk1"/>
+          </a:lnRef>
+          <a:fillRef idx="0">
+            <a:schemeClr val="dk1"/>
+          </a:fillRef>
+          <a:effectRef idx="1">
+            <a:schemeClr val="dk1"/>
+          </a:effectRef>
+          <a:fontRef idx="minor">
+            <a:schemeClr val="tx1"/>
+          </a:fontRef>
+        </p:style>
+      </p:cxnSp>
+      <p:cxnSp>
+        <p:nvCxnSpPr>
+          <p:cNvPr id="39" name="직선 화살표 연결선 38"/>
+          <p:cNvCxnSpPr/>
+          <p:nvPr/>
+        </p:nvCxnSpPr>
+        <p:spPr>
+          <a:xfrm flipH="1">
+            <a:off x="6488212" y="3592345"/>
+            <a:ext cx="403472" cy="0"/>
+          </a:xfrm>
+          <a:prstGeom prst="straightConnector1">
+            <a:avLst/>
+          </a:prstGeom>
+          <a:ln>
+            <a:tailEnd type="arrow"/>
+          </a:ln>
+        </p:spPr>
+        <p:style>
+          <a:lnRef idx="2">
+            <a:schemeClr val="dk1"/>
+          </a:lnRef>
+          <a:fillRef idx="0">
+            <a:schemeClr val="dk1"/>
+          </a:fillRef>
+          <a:effectRef idx="1">
+            <a:schemeClr val="dk1"/>
+          </a:effectRef>
+          <a:fontRef idx="minor">
+            <a:schemeClr val="tx1"/>
+          </a:fontRef>
+        </p:style>
+      </p:cxnSp>
+      <p:cxnSp>
+        <p:nvCxnSpPr>
+          <p:cNvPr id="41" name="직선 화살표 연결선 40"/>
+          <p:cNvCxnSpPr/>
+          <p:nvPr/>
+        </p:nvCxnSpPr>
+        <p:spPr>
+          <a:xfrm>
+            <a:off x="6488212" y="3412908"/>
+            <a:ext cx="403472" cy="0"/>
+          </a:xfrm>
+          <a:prstGeom prst="straightConnector1">
+            <a:avLst/>
+          </a:prstGeom>
+          <a:ln>
+            <a:tailEnd type="arrow"/>
+          </a:ln>
+        </p:spPr>
+        <p:style>
+          <a:lnRef idx="2">
+            <a:schemeClr val="dk1"/>
+          </a:lnRef>
+          <a:fillRef idx="0">
+            <a:schemeClr val="dk1"/>
+          </a:fillRef>
+          <a:effectRef idx="1">
+            <a:schemeClr val="dk1"/>
+          </a:effectRef>
+          <a:fontRef idx="minor">
+            <a:schemeClr val="tx1"/>
+          </a:fontRef>
+        </p:style>
+      </p:cxnSp>
+      <p:sp>
+        <p:nvSpPr>
+          <p:cNvPr id="42" name="타원형 설명선 41"/>
+          <p:cNvSpPr/>
+          <p:nvPr/>
+        </p:nvSpPr>
+        <p:spPr>
+          <a:xfrm>
+            <a:off x="4283968" y="1632505"/>
+            <a:ext cx="1440160" cy="432208"/>
+          </a:xfrm>
+          <a:prstGeom prst="wedgeEllipseCallout">
+            <a:avLst>
+              <a:gd name="adj1" fmla="val -36045"/>
+              <a:gd name="adj2" fmla="val 77927"/>
+            </a:avLst>
+          </a:prstGeom>
+        </p:spPr>
+        <p:style>
+          <a:lnRef idx="2">
+            <a:schemeClr val="accent2"/>
+          </a:lnRef>
+          <a:fillRef idx="1">
+            <a:schemeClr val="lt1"/>
+          </a:fillRef>
+          <a:effectRef idx="0">
+            <a:schemeClr val="accent2"/>
+          </a:effectRef>
+          <a:fontRef idx="minor">
+            <a:schemeClr val="dk1"/>
+          </a:fontRef>
+        </p:style>
+        <p:txBody>
+          <a:bodyPr rtlCol="0" anchor="ctr"/>
+          <a:lstStyle/>
+          <a:p>
+            <a:pPr algn="ctr"/>
+            <a:r>
+              <a:rPr lang="en-US" altLang="ko-KR" dirty="0" smtClean="0"/>
+              <a:t>Servlet</a:t>
+            </a:r>
+            <a:endParaRPr lang="ko-KR" altLang="en-US" dirty="0"/>
+          </a:p>
+        </p:txBody>
+      </p:sp>
+      <p:cxnSp>
+        <p:nvCxnSpPr>
+          <p:cNvPr id="43" name="직선 화살표 연결선 42"/>
+          <p:cNvCxnSpPr/>
+          <p:nvPr/>
+        </p:nvCxnSpPr>
+        <p:spPr>
+          <a:xfrm>
+            <a:off x="3563888" y="3659006"/>
+            <a:ext cx="0" cy="851733"/>
+          </a:xfrm>
+          <a:prstGeom prst="straightConnector1">
+            <a:avLst/>
+          </a:prstGeom>
+          <a:ln>
+            <a:tailEnd type="arrow"/>
+          </a:ln>
+        </p:spPr>
+        <p:style>
+          <a:lnRef idx="2">
+            <a:schemeClr val="dk1"/>
+          </a:lnRef>
+          <a:fillRef idx="0">
+            <a:schemeClr val="dk1"/>
+          </a:fillRef>
+          <a:effectRef idx="1">
+            <a:schemeClr val="dk1"/>
+          </a:effectRef>
+          <a:fontRef idx="minor">
+            <a:schemeClr val="tx1"/>
+          </a:fontRef>
+        </p:style>
+      </p:cxnSp>
     </p:spTree>
     <p:extLst>
       <p:ext uri="{BB962C8B-B14F-4D97-AF65-F5344CB8AC3E}">
-        <p14:creationId xmlns:p14="http://schemas.microsoft.com/office/powerpoint/2010/main" val="968223399"/>
+        <p14:creationId xmlns:p14="http://schemas.microsoft.com/office/powerpoint/2010/main" val="966090569"/>
       </p:ext>
     </p:extLst>
   </p:cSld>
   <p:clrMapOvr>
     <a:masterClrMapping/>
   </p:clrMapOvr>
+  <p:timing>
+    <p:tnLst>
+      <p:par>
+        <p:cTn id="1" dur="indefinite" restart="never" nodeType="tmRoot"/>
+      </p:par>
+    </p:tnLst>
+  </p:timing>
 </p:sld>
 </file>
 

--- a/영화소개 프로젝트.pptx
+++ b/영화소개 프로젝트.pptx
@@ -285,7 +285,7 @@
           <a:p>
             <a:fld id="{2E8DD2C5-AD78-457A-A41B-8FEAE42E279C}" type="datetimeFigureOut">
               <a:rPr lang="ko-KR" altLang="en-US" smtClean="0"/>
-              <a:t>2019-10-16</a:t>
+              <a:t>2019-10-17</a:t>
             </a:fld>
             <a:endParaRPr lang="ko-KR" altLang="en-US"/>
           </a:p>
@@ -1154,7 +1154,7 @@
           <a:p>
             <a:fld id="{2E8DD2C5-AD78-457A-A41B-8FEAE42E279C}" type="datetimeFigureOut">
               <a:rPr lang="ko-KR" altLang="en-US" smtClean="0"/>
-              <a:t>2019-10-16</a:t>
+              <a:t>2019-10-17</a:t>
             </a:fld>
             <a:endParaRPr lang="ko-KR" altLang="en-US"/>
           </a:p>
@@ -1329,7 +1329,7 @@
           <a:p>
             <a:fld id="{2E8DD2C5-AD78-457A-A41B-8FEAE42E279C}" type="datetimeFigureOut">
               <a:rPr lang="ko-KR" altLang="en-US" smtClean="0"/>
-              <a:t>2019-10-16</a:t>
+              <a:t>2019-10-17</a:t>
             </a:fld>
             <a:endParaRPr lang="ko-KR" altLang="en-US"/>
           </a:p>
@@ -1499,7 +1499,7 @@
           <a:p>
             <a:fld id="{2E8DD2C5-AD78-457A-A41B-8FEAE42E279C}" type="datetimeFigureOut">
               <a:rPr lang="ko-KR" altLang="en-US" smtClean="0"/>
-              <a:t>2019-10-16</a:t>
+              <a:t>2019-10-17</a:t>
             </a:fld>
             <a:endParaRPr lang="ko-KR" altLang="en-US"/>
           </a:p>
@@ -1709,7 +1709,7 @@
           <a:p>
             <a:fld id="{2E8DD2C5-AD78-457A-A41B-8FEAE42E279C}" type="datetimeFigureOut">
               <a:rPr lang="ko-KR" altLang="en-US" smtClean="0"/>
-              <a:t>2019-10-16</a:t>
+              <a:t>2019-10-17</a:t>
             </a:fld>
             <a:endParaRPr lang="ko-KR" altLang="en-US"/>
           </a:p>
@@ -2523,7 +2523,7 @@
           <a:p>
             <a:fld id="{2E8DD2C5-AD78-457A-A41B-8FEAE42E279C}" type="datetimeFigureOut">
               <a:rPr lang="ko-KR" altLang="en-US" smtClean="0"/>
-              <a:t>2019-10-16</a:t>
+              <a:t>2019-10-17</a:t>
             </a:fld>
             <a:endParaRPr lang="ko-KR" altLang="en-US"/>
           </a:p>
@@ -2759,7 +2759,7 @@
           <a:p>
             <a:fld id="{2E8DD2C5-AD78-457A-A41B-8FEAE42E279C}" type="datetimeFigureOut">
               <a:rPr lang="ko-KR" altLang="en-US" smtClean="0"/>
-              <a:t>2019-10-16</a:t>
+              <a:t>2019-10-17</a:t>
             </a:fld>
             <a:endParaRPr lang="ko-KR" altLang="en-US"/>
           </a:p>
@@ -3082,7 +3082,7 @@
           <a:p>
             <a:fld id="{2E8DD2C5-AD78-457A-A41B-8FEAE42E279C}" type="datetimeFigureOut">
               <a:rPr lang="ko-KR" altLang="en-US" smtClean="0"/>
-              <a:t>2019-10-16</a:t>
+              <a:t>2019-10-17</a:t>
             </a:fld>
             <a:endParaRPr lang="ko-KR" altLang="en-US"/>
           </a:p>
@@ -3172,7 +3172,7 @@
           <a:p>
             <a:fld id="{2E8DD2C5-AD78-457A-A41B-8FEAE42E279C}" type="datetimeFigureOut">
               <a:rPr lang="ko-KR" altLang="en-US" smtClean="0"/>
-              <a:t>2019-10-16</a:t>
+              <a:t>2019-10-17</a:t>
             </a:fld>
             <a:endParaRPr lang="ko-KR" altLang="en-US"/>
           </a:p>
@@ -3689,7 +3689,7 @@
           <a:p>
             <a:fld id="{2E8DD2C5-AD78-457A-A41B-8FEAE42E279C}" type="datetimeFigureOut">
               <a:rPr lang="ko-KR" altLang="en-US" smtClean="0"/>
-              <a:t>2019-10-16</a:t>
+              <a:t>2019-10-17</a:t>
             </a:fld>
             <a:endParaRPr lang="ko-KR" altLang="en-US"/>
           </a:p>
@@ -4200,7 +4200,7 @@
           <a:p>
             <a:fld id="{2E8DD2C5-AD78-457A-A41B-8FEAE42E279C}" type="datetimeFigureOut">
               <a:rPr lang="ko-KR" altLang="en-US" smtClean="0"/>
-              <a:t>2019-10-16</a:t>
+              <a:t>2019-10-17</a:t>
             </a:fld>
             <a:endParaRPr lang="ko-KR" altLang="en-US"/>
           </a:p>
@@ -4445,7 +4445,7 @@
           <a:p>
             <a:fld id="{2E8DD2C5-AD78-457A-A41B-8FEAE42E279C}" type="datetimeFigureOut">
               <a:rPr lang="ko-KR" altLang="en-US" smtClean="0"/>
-              <a:t>2019-10-16</a:t>
+              <a:t>2019-10-17</a:t>
             </a:fld>
             <a:endParaRPr lang="ko-KR" altLang="en-US"/>
           </a:p>
@@ -5068,8 +5068,8 @@
           <a:lstStyle/>
           <a:p>
             <a:r>
-              <a:rPr lang="en-US" altLang="ko-KR" sz="6600" dirty="0" smtClean="0"/>
-              <a:t>MGG</a:t>
+              <a:rPr lang="en-US" altLang="ko-KR" sz="6600" smtClean="0"/>
+              <a:t>MSG</a:t>
             </a:r>
             <a:r>
               <a:rPr lang="ko-KR" altLang="en-US" sz="6600" dirty="0" smtClean="0"/>
@@ -9798,11 +9798,7 @@
           <a:p>
             <a:r>
               <a:rPr lang="ko-KR" altLang="en-US" dirty="0" smtClean="0"/>
-              <a:t>영화 리뷰와 평점을 통해 </a:t>
-            </a:r>
-            <a:r>
-              <a:rPr lang="ko-KR" altLang="en-US" dirty="0" smtClean="0"/>
-              <a:t>자유로운 평론이 가능하다</a:t>
+              <a:t>영화 리뷰와 평점을 통해 자유로운 평론이 가능하다</a:t>
             </a:r>
             <a:r>
               <a:rPr lang="en-US" altLang="ko-KR" dirty="0" smtClean="0"/>
@@ -9812,11 +9808,7 @@
           <a:p>
             <a:r>
               <a:rPr lang="ko-KR" altLang="en-US" dirty="0" smtClean="0"/>
-              <a:t>영화 선택에 대한 </a:t>
-            </a:r>
-            <a:r>
-              <a:rPr lang="ko-KR" altLang="en-US" dirty="0" smtClean="0"/>
-              <a:t>의사결정에 도움을 준다</a:t>
+              <a:t>영화 선택에 대한 의사결정에 도움을 준다</a:t>
             </a:r>
             <a:r>
               <a:rPr lang="en-US" altLang="ko-KR" dirty="0" smtClean="0"/>
@@ -9841,7 +9833,7 @@
           <a:p>
             <a:r>
               <a:rPr lang="ko-KR" altLang="en-US" dirty="0" smtClean="0"/>
-              <a:t>영화에 중점을 두어 </a:t>
+              <a:t>영화 </a:t>
             </a:r>
             <a:r>
               <a:rPr lang="ko-KR" altLang="en-US" dirty="0" err="1" smtClean="0"/>
@@ -10099,12 +10091,21 @@
           <a:p>
             <a:r>
               <a:rPr lang="ko-KR" altLang="en-US" dirty="0" smtClean="0"/>
-              <a:t>모듈화를 통한 유지보수와 확장이 가능하다</a:t>
+              <a:t>모듈화를 통한 유지보수와 </a:t>
+            </a:r>
+            <a:r>
+              <a:rPr lang="ko-KR" altLang="en-US" dirty="0" err="1" smtClean="0"/>
+              <a:t>확장성을</a:t>
+            </a:r>
+            <a:r>
+              <a:rPr lang="ko-KR" altLang="en-US" dirty="0" smtClean="0"/>
+              <a:t> 알 수 있었다</a:t>
             </a:r>
             <a:r>
               <a:rPr lang="en-US" altLang="ko-KR" dirty="0" smtClean="0"/>
               <a:t>.</a:t>
             </a:r>
+            <a:endParaRPr lang="en-US" altLang="ko-KR" dirty="0" smtClean="0"/>
           </a:p>
           <a:p>
             <a:r>

--- a/영화소개 프로젝트.pptx
+++ b/영화소개 프로젝트.pptx
@@ -14,39 +14,24 @@
     <p:sldId id="261" r:id="rId8"/>
     <p:sldId id="306" r:id="rId9"/>
     <p:sldId id="262" r:id="rId10"/>
-    <p:sldId id="263" r:id="rId11"/>
-    <p:sldId id="296" r:id="rId12"/>
-    <p:sldId id="297" r:id="rId13"/>
-    <p:sldId id="298" r:id="rId14"/>
-    <p:sldId id="274" r:id="rId15"/>
-    <p:sldId id="275" r:id="rId16"/>
-    <p:sldId id="276" r:id="rId17"/>
-    <p:sldId id="267" r:id="rId18"/>
-    <p:sldId id="268" r:id="rId19"/>
-    <p:sldId id="269" r:id="rId20"/>
-    <p:sldId id="270" r:id="rId21"/>
-    <p:sldId id="271" r:id="rId22"/>
-    <p:sldId id="272" r:id="rId23"/>
-    <p:sldId id="304" r:id="rId24"/>
-    <p:sldId id="303" r:id="rId25"/>
-    <p:sldId id="280" r:id="rId26"/>
-    <p:sldId id="281" r:id="rId27"/>
-    <p:sldId id="273" r:id="rId28"/>
-    <p:sldId id="302" r:id="rId29"/>
-    <p:sldId id="299" r:id="rId30"/>
-    <p:sldId id="300" r:id="rId31"/>
-    <p:sldId id="301" r:id="rId32"/>
-    <p:sldId id="283" r:id="rId33"/>
-    <p:sldId id="294" r:id="rId34"/>
-    <p:sldId id="295" r:id="rId35"/>
-    <p:sldId id="285" r:id="rId36"/>
-    <p:sldId id="286" r:id="rId37"/>
-    <p:sldId id="287" r:id="rId38"/>
-    <p:sldId id="288" r:id="rId39"/>
-    <p:sldId id="293" r:id="rId40"/>
-    <p:sldId id="307" r:id="rId41"/>
-    <p:sldId id="308" r:id="rId42"/>
-    <p:sldId id="309" r:id="rId43"/>
+    <p:sldId id="310" r:id="rId11"/>
+    <p:sldId id="263" r:id="rId12"/>
+    <p:sldId id="273" r:id="rId13"/>
+    <p:sldId id="302" r:id="rId14"/>
+    <p:sldId id="299" r:id="rId15"/>
+    <p:sldId id="300" r:id="rId16"/>
+    <p:sldId id="301" r:id="rId17"/>
+    <p:sldId id="283" r:id="rId18"/>
+    <p:sldId id="294" r:id="rId19"/>
+    <p:sldId id="295" r:id="rId20"/>
+    <p:sldId id="285" r:id="rId21"/>
+    <p:sldId id="286" r:id="rId22"/>
+    <p:sldId id="287" r:id="rId23"/>
+    <p:sldId id="288" r:id="rId24"/>
+    <p:sldId id="293" r:id="rId25"/>
+    <p:sldId id="307" r:id="rId26"/>
+    <p:sldId id="308" r:id="rId27"/>
+    <p:sldId id="309" r:id="rId28"/>
   </p:sldIdLst>
   <p:sldSz cx="9144000" cy="6858000" type="screen4x3"/>
   <p:notesSz cx="6858000" cy="9144000"/>
@@ -285,7 +270,7 @@
           <a:p>
             <a:fld id="{2E8DD2C5-AD78-457A-A41B-8FEAE42E279C}" type="datetimeFigureOut">
               <a:rPr lang="ko-KR" altLang="en-US" smtClean="0"/>
-              <a:t>2019-10-17</a:t>
+              <a:t>2019-10-22</a:t>
             </a:fld>
             <a:endParaRPr lang="ko-KR" altLang="en-US"/>
           </a:p>
@@ -1154,7 +1139,7 @@
           <a:p>
             <a:fld id="{2E8DD2C5-AD78-457A-A41B-8FEAE42E279C}" type="datetimeFigureOut">
               <a:rPr lang="ko-KR" altLang="en-US" smtClean="0"/>
-              <a:t>2019-10-17</a:t>
+              <a:t>2019-10-22</a:t>
             </a:fld>
             <a:endParaRPr lang="ko-KR" altLang="en-US"/>
           </a:p>
@@ -1329,7 +1314,7 @@
           <a:p>
             <a:fld id="{2E8DD2C5-AD78-457A-A41B-8FEAE42E279C}" type="datetimeFigureOut">
               <a:rPr lang="ko-KR" altLang="en-US" smtClean="0"/>
-              <a:t>2019-10-17</a:t>
+              <a:t>2019-10-22</a:t>
             </a:fld>
             <a:endParaRPr lang="ko-KR" altLang="en-US"/>
           </a:p>
@@ -1499,7 +1484,7 @@
           <a:p>
             <a:fld id="{2E8DD2C5-AD78-457A-A41B-8FEAE42E279C}" type="datetimeFigureOut">
               <a:rPr lang="ko-KR" altLang="en-US" smtClean="0"/>
-              <a:t>2019-10-17</a:t>
+              <a:t>2019-10-22</a:t>
             </a:fld>
             <a:endParaRPr lang="ko-KR" altLang="en-US"/>
           </a:p>
@@ -1709,7 +1694,7 @@
           <a:p>
             <a:fld id="{2E8DD2C5-AD78-457A-A41B-8FEAE42E279C}" type="datetimeFigureOut">
               <a:rPr lang="ko-KR" altLang="en-US" smtClean="0"/>
-              <a:t>2019-10-17</a:t>
+              <a:t>2019-10-22</a:t>
             </a:fld>
             <a:endParaRPr lang="ko-KR" altLang="en-US"/>
           </a:p>
@@ -2523,7 +2508,7 @@
           <a:p>
             <a:fld id="{2E8DD2C5-AD78-457A-A41B-8FEAE42E279C}" type="datetimeFigureOut">
               <a:rPr lang="ko-KR" altLang="en-US" smtClean="0"/>
-              <a:t>2019-10-17</a:t>
+              <a:t>2019-10-22</a:t>
             </a:fld>
             <a:endParaRPr lang="ko-KR" altLang="en-US"/>
           </a:p>
@@ -2759,7 +2744,7 @@
           <a:p>
             <a:fld id="{2E8DD2C5-AD78-457A-A41B-8FEAE42E279C}" type="datetimeFigureOut">
               <a:rPr lang="ko-KR" altLang="en-US" smtClean="0"/>
-              <a:t>2019-10-17</a:t>
+              <a:t>2019-10-22</a:t>
             </a:fld>
             <a:endParaRPr lang="ko-KR" altLang="en-US"/>
           </a:p>
@@ -3082,7 +3067,7 @@
           <a:p>
             <a:fld id="{2E8DD2C5-AD78-457A-A41B-8FEAE42E279C}" type="datetimeFigureOut">
               <a:rPr lang="ko-KR" altLang="en-US" smtClean="0"/>
-              <a:t>2019-10-17</a:t>
+              <a:t>2019-10-22</a:t>
             </a:fld>
             <a:endParaRPr lang="ko-KR" altLang="en-US"/>
           </a:p>
@@ -3172,7 +3157,7 @@
           <a:p>
             <a:fld id="{2E8DD2C5-AD78-457A-A41B-8FEAE42E279C}" type="datetimeFigureOut">
               <a:rPr lang="ko-KR" altLang="en-US" smtClean="0"/>
-              <a:t>2019-10-17</a:t>
+              <a:t>2019-10-22</a:t>
             </a:fld>
             <a:endParaRPr lang="ko-KR" altLang="en-US"/>
           </a:p>
@@ -3689,7 +3674,7 @@
           <a:p>
             <a:fld id="{2E8DD2C5-AD78-457A-A41B-8FEAE42E279C}" type="datetimeFigureOut">
               <a:rPr lang="ko-KR" altLang="en-US" smtClean="0"/>
-              <a:t>2019-10-17</a:t>
+              <a:t>2019-10-22</a:t>
             </a:fld>
             <a:endParaRPr lang="ko-KR" altLang="en-US"/>
           </a:p>
@@ -4200,7 +4185,7 @@
           <a:p>
             <a:fld id="{2E8DD2C5-AD78-457A-A41B-8FEAE42E279C}" type="datetimeFigureOut">
               <a:rPr lang="ko-KR" altLang="en-US" smtClean="0"/>
-              <a:t>2019-10-17</a:t>
+              <a:t>2019-10-22</a:t>
             </a:fld>
             <a:endParaRPr lang="ko-KR" altLang="en-US"/>
           </a:p>
@@ -4445,7 +4430,7 @@
           <a:p>
             <a:fld id="{2E8DD2C5-AD78-457A-A41B-8FEAE42E279C}" type="datetimeFigureOut">
               <a:rPr lang="ko-KR" altLang="en-US" smtClean="0"/>
-              <a:t>2019-10-17</a:t>
+              <a:t>2019-10-22</a:t>
             </a:fld>
             <a:endParaRPr lang="ko-KR" altLang="en-US"/>
           </a:p>
@@ -5073,11 +5058,7 @@
             </a:r>
             <a:r>
               <a:rPr lang="ko-KR" altLang="en-US" sz="6600" dirty="0" smtClean="0"/>
-              <a:t> </a:t>
-            </a:r>
-            <a:r>
-              <a:rPr lang="ko-KR" altLang="en-US" sz="6600" dirty="0" smtClean="0"/>
-              <a:t>프로젝트</a:t>
+              <a:t> 프로젝트</a:t>
             </a:r>
             <a:endParaRPr lang="ko-KR" altLang="en-US" sz="6600" dirty="0"/>
           </a:p>
@@ -5207,7 +5188,7 @@
           <a:p>
             <a:r>
               <a:rPr lang="ko-KR" altLang="en-US" dirty="0" smtClean="0"/>
-              <a:t>주요기능</a:t>
+              <a:t>분석 및 설계</a:t>
             </a:r>
             <a:endParaRPr lang="ko-KR" altLang="en-US" dirty="0"/>
           </a:p>
@@ -5228,139 +5209,13 @@
           <a:bodyPr/>
           <a:lstStyle/>
           <a:p>
-            <a:r>
-              <a:rPr lang="ko-KR" altLang="en-US" dirty="0" smtClean="0"/>
-              <a:t>회원가입</a:t>
-            </a:r>
-            <a:endParaRPr lang="en-US" altLang="ko-KR" dirty="0" smtClean="0"/>
-          </a:p>
-          <a:p>
-            <a:r>
-              <a:rPr lang="ko-KR" altLang="en-US" dirty="0" smtClean="0"/>
-              <a:t>로그</a:t>
-            </a:r>
-            <a:r>
-              <a:rPr lang="ko-KR" altLang="en-US" dirty="0"/>
-              <a:t>인</a:t>
-            </a:r>
-            <a:endParaRPr lang="en-US" altLang="ko-KR" dirty="0" smtClean="0"/>
-          </a:p>
-          <a:p>
-            <a:r>
-              <a:rPr lang="ko-KR" altLang="en-US" dirty="0" smtClean="0"/>
-              <a:t>영화목록</a:t>
-            </a:r>
-            <a:endParaRPr lang="en-US" altLang="ko-KR" dirty="0" smtClean="0"/>
-          </a:p>
-          <a:p>
-            <a:r>
-              <a:rPr lang="ko-KR" altLang="en-US" dirty="0" smtClean="0"/>
-              <a:t>영화검색</a:t>
-            </a:r>
-            <a:endParaRPr lang="en-US" altLang="ko-KR" dirty="0" smtClean="0"/>
-          </a:p>
-          <a:p>
-            <a:r>
-              <a:rPr lang="ko-KR" altLang="en-US" dirty="0" smtClean="0"/>
-              <a:t>랭킹목</a:t>
-            </a:r>
-            <a:r>
-              <a:rPr lang="ko-KR" altLang="en-US" dirty="0"/>
-              <a:t>록</a:t>
-            </a:r>
-          </a:p>
-        </p:txBody>
-      </p:sp>
-    </p:spTree>
-    <p:extLst>
-      <p:ext uri="{BB962C8B-B14F-4D97-AF65-F5344CB8AC3E}">
-        <p14:creationId xmlns:p14="http://schemas.microsoft.com/office/powerpoint/2010/main" val="3918389736"/>
-      </p:ext>
-    </p:extLst>
-  </p:cSld>
-  <p:clrMapOvr>
-    <a:masterClrMapping/>
-  </p:clrMapOvr>
-  <p:timing>
-    <p:tnLst>
-      <p:par>
-        <p:cTn id="1" dur="indefinite" restart="never" nodeType="tmRoot"/>
-      </p:par>
-    </p:tnLst>
-  </p:timing>
-</p:sld>
-</file>
-
-<file path=ppt/slides/slide11.xml><?xml version="1.0" encoding="utf-8"?>
-<p:sld xmlns:a="http://schemas.openxmlformats.org/drawingml/2006/main" xmlns:r="http://schemas.openxmlformats.org/officeDocument/2006/relationships" xmlns:p="http://schemas.openxmlformats.org/presentationml/2006/main">
-  <p:cSld>
-    <p:spTree>
-      <p:nvGrpSpPr>
-        <p:cNvPr id="1" name=""/>
-        <p:cNvGrpSpPr/>
-        <p:nvPr/>
-      </p:nvGrpSpPr>
-      <p:grpSpPr>
-        <a:xfrm>
-          <a:off x="0" y="0"/>
-          <a:ext cx="0" cy="0"/>
-          <a:chOff x="0" y="0"/>
-          <a:chExt cx="0" cy="0"/>
-        </a:xfrm>
-      </p:grpSpPr>
-      <p:sp>
-        <p:nvSpPr>
-          <p:cNvPr id="2" name="제목 1"/>
-          <p:cNvSpPr>
-            <a:spLocks noGrp="1"/>
-          </p:cNvSpPr>
-          <p:nvPr>
-            <p:ph type="title"/>
-          </p:nvPr>
-        </p:nvSpPr>
-        <p:spPr/>
-        <p:txBody>
-          <a:bodyPr/>
-          <a:lstStyle/>
-          <a:p>
-            <a:r>
-              <a:rPr lang="ko-KR" altLang="en-US" dirty="0" smtClean="0"/>
-              <a:t>구현</a:t>
-            </a:r>
-            <a:endParaRPr lang="ko-KR" altLang="en-US" dirty="0"/>
-          </a:p>
-        </p:txBody>
-      </p:sp>
-      <p:sp>
-        <p:nvSpPr>
-          <p:cNvPr id="3" name="내용 개체 틀 2"/>
-          <p:cNvSpPr>
-            <a:spLocks noGrp="1"/>
-          </p:cNvSpPr>
-          <p:nvPr>
-            <p:ph sz="quarter" idx="1"/>
-          </p:nvPr>
-        </p:nvSpPr>
-        <p:spPr/>
-        <p:txBody>
-          <a:bodyPr/>
-          <a:lstStyle/>
-          <a:p>
-            <a:r>
-              <a:rPr lang="ko-KR" altLang="en-US" dirty="0" smtClean="0"/>
-              <a:t>회원가입 </a:t>
-            </a:r>
-            <a:r>
-              <a:rPr lang="ko-KR" altLang="en-US" dirty="0" err="1" smtClean="0"/>
-              <a:t>뷰</a:t>
-            </a:r>
             <a:endParaRPr lang="ko-KR" altLang="en-US" dirty="0"/>
           </a:p>
         </p:txBody>
       </p:sp>
       <p:pic>
         <p:nvPicPr>
-          <p:cNvPr id="4098" name="Picture 2"/>
+          <p:cNvPr id="1026" name="Picture 2"/>
           <p:cNvPicPr>
             <a:picLocks noChangeAspect="1" noChangeArrowheads="1"/>
           </p:cNvPicPr>
@@ -5381,8 +5236,8 @@
         </p:blipFill>
         <p:spPr bwMode="auto">
           <a:xfrm>
-            <a:off x="899592" y="2132856"/>
-            <a:ext cx="6840000" cy="3744416"/>
+            <a:off x="539552" y="1916832"/>
+            <a:ext cx="7740352" cy="3886200"/>
           </a:xfrm>
           <a:prstGeom prst="rect">
             <a:avLst/>
@@ -5415,7 +5270,118 @@
     </p:spTree>
     <p:extLst>
       <p:ext uri="{BB962C8B-B14F-4D97-AF65-F5344CB8AC3E}">
-        <p14:creationId xmlns:p14="http://schemas.microsoft.com/office/powerpoint/2010/main" val="968223399"/>
+        <p14:creationId xmlns:p14="http://schemas.microsoft.com/office/powerpoint/2010/main" val="533565115"/>
+      </p:ext>
+    </p:extLst>
+  </p:cSld>
+  <p:clrMapOvr>
+    <a:masterClrMapping/>
+  </p:clrMapOvr>
+</p:sld>
+</file>
+
+<file path=ppt/slides/slide11.xml><?xml version="1.0" encoding="utf-8"?>
+<p:sld xmlns:a="http://schemas.openxmlformats.org/drawingml/2006/main" xmlns:r="http://schemas.openxmlformats.org/officeDocument/2006/relationships" xmlns:p="http://schemas.openxmlformats.org/presentationml/2006/main">
+  <p:cSld>
+    <p:spTree>
+      <p:nvGrpSpPr>
+        <p:cNvPr id="1" name=""/>
+        <p:cNvGrpSpPr/>
+        <p:nvPr/>
+      </p:nvGrpSpPr>
+      <p:grpSpPr>
+        <a:xfrm>
+          <a:off x="0" y="0"/>
+          <a:ext cx="0" cy="0"/>
+          <a:chOff x="0" y="0"/>
+          <a:chExt cx="0" cy="0"/>
+        </a:xfrm>
+      </p:grpSpPr>
+      <p:sp>
+        <p:nvSpPr>
+          <p:cNvPr id="2" name="제목 1"/>
+          <p:cNvSpPr>
+            <a:spLocks noGrp="1"/>
+          </p:cNvSpPr>
+          <p:nvPr>
+            <p:ph type="title"/>
+          </p:nvPr>
+        </p:nvSpPr>
+        <p:spPr/>
+        <p:txBody>
+          <a:bodyPr/>
+          <a:lstStyle/>
+          <a:p>
+            <a:r>
+              <a:rPr lang="ko-KR" altLang="en-US" dirty="0" smtClean="0"/>
+              <a:t>주요기능</a:t>
+            </a:r>
+            <a:endParaRPr lang="ko-KR" altLang="en-US" dirty="0"/>
+          </a:p>
+        </p:txBody>
+      </p:sp>
+      <p:sp>
+        <p:nvSpPr>
+          <p:cNvPr id="3" name="내용 개체 틀 2"/>
+          <p:cNvSpPr>
+            <a:spLocks noGrp="1"/>
+          </p:cNvSpPr>
+          <p:nvPr>
+            <p:ph sz="quarter" idx="1"/>
+          </p:nvPr>
+        </p:nvSpPr>
+        <p:spPr/>
+        <p:txBody>
+          <a:bodyPr/>
+          <a:lstStyle/>
+          <a:p>
+            <a:r>
+              <a:rPr lang="ko-KR" altLang="en-US" dirty="0" smtClean="0"/>
+              <a:t>회원가입</a:t>
+            </a:r>
+            <a:endParaRPr lang="en-US" altLang="ko-KR" dirty="0" smtClean="0"/>
+          </a:p>
+          <a:p>
+            <a:r>
+              <a:rPr lang="ko-KR" altLang="en-US" dirty="0" smtClean="0"/>
+              <a:t>로그</a:t>
+            </a:r>
+            <a:r>
+              <a:rPr lang="ko-KR" altLang="en-US" dirty="0"/>
+              <a:t>인</a:t>
+            </a:r>
+            <a:endParaRPr lang="en-US" altLang="ko-KR" dirty="0" smtClean="0"/>
+          </a:p>
+          <a:p>
+            <a:r>
+              <a:rPr lang="ko-KR" altLang="en-US" dirty="0" smtClean="0"/>
+              <a:t>영화목록</a:t>
+            </a:r>
+            <a:endParaRPr lang="en-US" altLang="ko-KR" dirty="0" smtClean="0"/>
+          </a:p>
+          <a:p>
+            <a:r>
+              <a:rPr lang="ko-KR" altLang="en-US" dirty="0" smtClean="0"/>
+              <a:t>영화검색</a:t>
+            </a:r>
+            <a:endParaRPr lang="en-US" altLang="ko-KR" dirty="0" smtClean="0"/>
+          </a:p>
+          <a:p>
+            <a:r>
+              <a:rPr lang="ko-KR" altLang="en-US" dirty="0" smtClean="0"/>
+              <a:t>랭킹목</a:t>
+            </a:r>
+            <a:r>
+              <a:rPr lang="ko-KR" altLang="en-US" dirty="0"/>
+              <a:t>록</a:t>
+            </a:r>
+          </a:p>
+        </p:txBody>
+      </p:sp>
+    </p:spTree>
+    <p:extLst>
+      <p:ext uri="{BB962C8B-B14F-4D97-AF65-F5344CB8AC3E}">
+        <p14:creationId xmlns:p14="http://schemas.microsoft.com/office/powerpoint/2010/main" val="3918389736"/>
       </p:ext>
     </p:extLst>
   </p:cSld>
@@ -5466,7 +5432,7 @@
           <a:p>
             <a:r>
               <a:rPr lang="ko-KR" altLang="en-US" dirty="0" smtClean="0"/>
-              <a:t>구현</a:t>
+              <a:t>결과화면</a:t>
             </a:r>
             <a:endParaRPr lang="ko-KR" altLang="en-US" dirty="0"/>
           </a:p>
@@ -5489,7 +5455,7 @@
           <a:p>
             <a:r>
               <a:rPr lang="ko-KR" altLang="en-US" dirty="0" smtClean="0"/>
-              <a:t>회원가입 컨트롤러</a:t>
+              <a:t>메인 화면</a:t>
             </a:r>
             <a:endParaRPr lang="ko-KR" altLang="en-US" dirty="0"/>
           </a:p>
@@ -5497,14 +5463,14 @@
       </p:sp>
       <p:pic>
         <p:nvPicPr>
-          <p:cNvPr id="5122" name="Picture 2"/>
+          <p:cNvPr id="6146" name="Picture 2"/>
           <p:cNvPicPr>
-            <a:picLocks noChangeAspect="1" noChangeArrowheads="1"/>
+            <a:picLocks noChangeArrowheads="1"/>
           </p:cNvPicPr>
           <p:nvPr/>
         </p:nvPicPr>
         <p:blipFill>
-          <a:blip r:embed="rId2">
+          <a:blip r:embed="rId2" cstate="print">
             <a:extLst>
               <a:ext uri="{28A0092B-C50C-407E-A947-70E740481C1C}">
                 <a14:useLocalDpi xmlns:a14="http://schemas.microsoft.com/office/drawing/2010/main" val="0"/>
@@ -5518,8 +5484,8 @@
         </p:blipFill>
         <p:spPr bwMode="auto">
           <a:xfrm>
-            <a:off x="858466" y="2132856"/>
-            <a:ext cx="6120680" cy="4096058"/>
+            <a:off x="971600" y="2060848"/>
+            <a:ext cx="6480000" cy="4320000"/>
           </a:xfrm>
           <a:prstGeom prst="rect">
             <a:avLst/>
@@ -5552,7 +5518,7 @@
     </p:spTree>
     <p:extLst>
       <p:ext uri="{BB962C8B-B14F-4D97-AF65-F5344CB8AC3E}">
-        <p14:creationId xmlns:p14="http://schemas.microsoft.com/office/powerpoint/2010/main" val="3170454304"/>
+        <p14:creationId xmlns:p14="http://schemas.microsoft.com/office/powerpoint/2010/main" val="2337814375"/>
       </p:ext>
     </p:extLst>
   </p:cSld>
@@ -5603,7 +5569,7 @@
           <a:p>
             <a:r>
               <a:rPr lang="ko-KR" altLang="en-US" dirty="0" smtClean="0"/>
-              <a:t>구현</a:t>
+              <a:t>결과화면</a:t>
             </a:r>
             <a:endParaRPr lang="ko-KR" altLang="en-US" dirty="0"/>
           </a:p>
@@ -5626,7 +5592,7 @@
           <a:p>
             <a:r>
               <a:rPr lang="ko-KR" altLang="en-US" dirty="0" smtClean="0"/>
-              <a:t>회원가입 모델링</a:t>
+              <a:t>회원가입 화면</a:t>
             </a:r>
             <a:endParaRPr lang="ko-KR" altLang="en-US" dirty="0"/>
           </a:p>
@@ -5634,14 +5600,14 @@
       </p:sp>
       <p:pic>
         <p:nvPicPr>
-          <p:cNvPr id="2050" name="Picture 2"/>
+          <p:cNvPr id="8194" name="Picture 2"/>
           <p:cNvPicPr>
             <a:picLocks noChangeArrowheads="1"/>
           </p:cNvPicPr>
           <p:nvPr/>
         </p:nvPicPr>
         <p:blipFill>
-          <a:blip r:embed="rId2">
+          <a:blip r:embed="rId2" cstate="print">
             <a:extLst>
               <a:ext uri="{28A0092B-C50C-407E-A947-70E740481C1C}">
                 <a14:useLocalDpi xmlns:a14="http://schemas.microsoft.com/office/drawing/2010/main" val="0"/>
@@ -5655,8 +5621,8 @@
         </p:blipFill>
         <p:spPr bwMode="auto">
           <a:xfrm>
-            <a:off x="971600" y="2132856"/>
-            <a:ext cx="6480000" cy="3240000"/>
+            <a:off x="899592" y="2132856"/>
+            <a:ext cx="6480000" cy="4320000"/>
           </a:xfrm>
           <a:prstGeom prst="rect">
             <a:avLst/>
@@ -5665,7 +5631,6 @@
           <a:ln>
             <a:noFill/>
           </a:ln>
-          <a:effectLst/>
           <a:extLst>
             <a:ext uri="{909E8E84-426E-40DD-AFC4-6F175D3DCCD1}">
               <a14:hiddenFill xmlns:a14="http://schemas.microsoft.com/office/drawing/2010/main">
@@ -5684,22 +5649,13 @@
                 <a:tailEnd/>
               </a14:hiddenLine>
             </a:ext>
-            <a:ext uri="{AF507438-7753-43E0-B8FC-AC1667EBCBE1}">
-              <a14:hiddenEffects xmlns:a14="http://schemas.microsoft.com/office/drawing/2010/main">
-                <a:effectLst>
-                  <a:outerShdw dist="35921" dir="2700000" algn="ctr" rotWithShape="0">
-                    <a:schemeClr val="bg2"/>
-                  </a:outerShdw>
-                </a:effectLst>
-              </a14:hiddenEffects>
-            </a:ext>
           </a:extLst>
         </p:spPr>
       </p:pic>
     </p:spTree>
     <p:extLst>
       <p:ext uri="{BB962C8B-B14F-4D97-AF65-F5344CB8AC3E}">
-        <p14:creationId xmlns:p14="http://schemas.microsoft.com/office/powerpoint/2010/main" val="1391633537"/>
+        <p14:creationId xmlns:p14="http://schemas.microsoft.com/office/powerpoint/2010/main" val="1186847705"/>
       </p:ext>
     </p:extLst>
   </p:cSld>
@@ -5743,7 +5699,7 @@
           <a:p>
             <a:r>
               <a:rPr lang="ko-KR" altLang="en-US" dirty="0" smtClean="0"/>
-              <a:t>구현</a:t>
+              <a:t>결과화면</a:t>
             </a:r>
             <a:endParaRPr lang="ko-KR" altLang="en-US" dirty="0"/>
           </a:p>
@@ -5766,19 +5722,31 @@
           <a:p>
             <a:r>
               <a:rPr lang="ko-KR" altLang="en-US" dirty="0" smtClean="0"/>
-              <a:t>로그인 </a:t>
-            </a:r>
-            <a:r>
-              <a:rPr lang="ko-KR" altLang="en-US" dirty="0" err="1" smtClean="0"/>
-              <a:t>뷰</a:t>
-            </a:r>
-            <a:endParaRPr lang="en-US" altLang="ko-KR" dirty="0" smtClean="0"/>
+              <a:t>회원가입</a:t>
+            </a:r>
+            <a:r>
+              <a:rPr lang="en-US" altLang="ko-KR" dirty="0" smtClean="0"/>
+              <a:t>(</a:t>
+            </a:r>
+            <a:r>
+              <a:rPr lang="ko-KR" altLang="en-US" dirty="0" smtClean="0"/>
+              <a:t>중복체크</a:t>
+            </a:r>
+            <a:r>
+              <a:rPr lang="en-US" altLang="ko-KR" dirty="0" smtClean="0"/>
+              <a:t>)</a:t>
+            </a:r>
+            <a:r>
+              <a:rPr lang="ko-KR" altLang="en-US" dirty="0" smtClean="0"/>
+              <a:t> </a:t>
+            </a:r>
+            <a:endParaRPr lang="ko-KR" altLang="en-US" dirty="0"/>
           </a:p>
         </p:txBody>
       </p:sp>
       <p:pic>
         <p:nvPicPr>
-          <p:cNvPr id="1026" name="Picture 2"/>
+          <p:cNvPr id="10242" name="Picture 2"/>
           <p:cNvPicPr>
             <a:picLocks noChangeAspect="1" noChangeArrowheads="1"/>
           </p:cNvPicPr>
@@ -5799,8 +5767,8 @@
         </p:blipFill>
         <p:spPr bwMode="auto">
           <a:xfrm>
-            <a:off x="899592" y="2109976"/>
-            <a:ext cx="6516216" cy="3948791"/>
+            <a:off x="827584" y="2132856"/>
+            <a:ext cx="4305300" cy="2476500"/>
           </a:xfrm>
           <a:prstGeom prst="rect">
             <a:avLst/>
@@ -5830,10 +5798,64 @@
           </a:extLst>
         </p:spPr>
       </p:pic>
+      <p:pic>
+        <p:nvPicPr>
+          <p:cNvPr id="10243" name="Picture 3"/>
+          <p:cNvPicPr>
+            <a:picLocks noChangeAspect="1" noChangeArrowheads="1"/>
+          </p:cNvPicPr>
+          <p:nvPr/>
+        </p:nvPicPr>
+        <p:blipFill>
+          <a:blip r:embed="rId3">
+            <a:extLst>
+              <a:ext uri="{28A0092B-C50C-407E-A947-70E740481C1C}">
+                <a14:useLocalDpi xmlns:a14="http://schemas.microsoft.com/office/drawing/2010/main" val="0"/>
+              </a:ext>
+            </a:extLst>
+          </a:blip>
+          <a:srcRect/>
+          <a:stretch>
+            <a:fillRect/>
+          </a:stretch>
+        </p:blipFill>
+        <p:spPr bwMode="auto">
+          <a:xfrm>
+            <a:off x="3347864" y="3861048"/>
+            <a:ext cx="4305300" cy="2476500"/>
+          </a:xfrm>
+          <a:prstGeom prst="rect">
+            <a:avLst/>
+          </a:prstGeom>
+          <a:noFill/>
+          <a:ln>
+            <a:noFill/>
+          </a:ln>
+          <a:extLst>
+            <a:ext uri="{909E8E84-426E-40DD-AFC4-6F175D3DCCD1}">
+              <a14:hiddenFill xmlns:a14="http://schemas.microsoft.com/office/drawing/2010/main">
+                <a:solidFill>
+                  <a:schemeClr val="accent1"/>
+                </a:solidFill>
+              </a14:hiddenFill>
+            </a:ext>
+            <a:ext uri="{91240B29-F687-4F45-9708-019B960494DF}">
+              <a14:hiddenLine xmlns:a14="http://schemas.microsoft.com/office/drawing/2010/main" w="9525">
+                <a:solidFill>
+                  <a:schemeClr val="tx1"/>
+                </a:solidFill>
+                <a:miter lim="800000"/>
+                <a:headEnd/>
+                <a:tailEnd/>
+              </a14:hiddenLine>
+            </a:ext>
+          </a:extLst>
+        </p:spPr>
+      </p:pic>
     </p:spTree>
     <p:extLst>
       <p:ext uri="{BB962C8B-B14F-4D97-AF65-F5344CB8AC3E}">
-        <p14:creationId xmlns:p14="http://schemas.microsoft.com/office/powerpoint/2010/main" val="1199632489"/>
+        <p14:creationId xmlns:p14="http://schemas.microsoft.com/office/powerpoint/2010/main" val="1232256268"/>
       </p:ext>
     </p:extLst>
   </p:cSld>
@@ -5877,7 +5899,7 @@
           <a:p>
             <a:r>
               <a:rPr lang="ko-KR" altLang="en-US" dirty="0" smtClean="0"/>
-              <a:t>구현</a:t>
+              <a:t>결과화면</a:t>
             </a:r>
             <a:endParaRPr lang="ko-KR" altLang="en-US" dirty="0"/>
           </a:p>
@@ -5900,7 +5922,19 @@
           <a:p>
             <a:r>
               <a:rPr lang="ko-KR" altLang="en-US" dirty="0" smtClean="0"/>
-              <a:t>로그인 컨트롤러</a:t>
+              <a:t>회원가입</a:t>
+            </a:r>
+            <a:r>
+              <a:rPr lang="en-US" altLang="ko-KR" dirty="0" smtClean="0"/>
+              <a:t>(</a:t>
+            </a:r>
+            <a:r>
+              <a:rPr lang="ko-KR" altLang="en-US" dirty="0" smtClean="0"/>
+              <a:t>우편번호검색</a:t>
+            </a:r>
+            <a:r>
+              <a:rPr lang="en-US" altLang="ko-KR" dirty="0" smtClean="0"/>
+              <a:t>)</a:t>
             </a:r>
             <a:endParaRPr lang="ko-KR" altLang="en-US" dirty="0"/>
           </a:p>
@@ -5908,7 +5942,7 @@
       </p:sp>
       <p:pic>
         <p:nvPicPr>
-          <p:cNvPr id="2050" name="Picture 2"/>
+          <p:cNvPr id="11266" name="Picture 2"/>
           <p:cNvPicPr>
             <a:picLocks noChangeAspect="1" noChangeArrowheads="1"/>
           </p:cNvPicPr>
@@ -5929,8 +5963,8 @@
         </p:blipFill>
         <p:spPr bwMode="auto">
           <a:xfrm>
-            <a:off x="899592" y="2132855"/>
-            <a:ext cx="6840000" cy="3988935"/>
+            <a:off x="971600" y="2204864"/>
+            <a:ext cx="3617226" cy="4035152"/>
           </a:xfrm>
           <a:prstGeom prst="rect">
             <a:avLst/>
@@ -5963,7 +5997,7 @@
     </p:spTree>
     <p:extLst>
       <p:ext uri="{BB962C8B-B14F-4D97-AF65-F5344CB8AC3E}">
-        <p14:creationId xmlns:p14="http://schemas.microsoft.com/office/powerpoint/2010/main" val="3444369429"/>
+        <p14:creationId xmlns:p14="http://schemas.microsoft.com/office/powerpoint/2010/main" val="1232256268"/>
       </p:ext>
     </p:extLst>
   </p:cSld>
@@ -6007,7 +6041,7 @@
           <a:p>
             <a:r>
               <a:rPr lang="ko-KR" altLang="en-US" dirty="0" smtClean="0"/>
-              <a:t>구현</a:t>
+              <a:t>결과화면</a:t>
             </a:r>
             <a:endParaRPr lang="ko-KR" altLang="en-US" dirty="0"/>
           </a:p>
@@ -6030,7 +6064,19 @@
           <a:p>
             <a:r>
               <a:rPr lang="ko-KR" altLang="en-US" dirty="0" smtClean="0"/>
-              <a:t>로그인 모델링</a:t>
+              <a:t>회원가입</a:t>
+            </a:r>
+            <a:r>
+              <a:rPr lang="en-US" altLang="ko-KR" dirty="0" smtClean="0"/>
+              <a:t>(</a:t>
+            </a:r>
+            <a:r>
+              <a:rPr lang="ko-KR" altLang="en-US" dirty="0" smtClean="0"/>
+              <a:t>성공</a:t>
+            </a:r>
+            <a:r>
+              <a:rPr lang="en-US" altLang="ko-KR" dirty="0" smtClean="0"/>
+              <a:t>)</a:t>
             </a:r>
             <a:endParaRPr lang="ko-KR" altLang="en-US" dirty="0"/>
           </a:p>
@@ -6038,14 +6084,14 @@
       </p:sp>
       <p:pic>
         <p:nvPicPr>
-          <p:cNvPr id="4" name="Picture 2"/>
+          <p:cNvPr id="12290" name="Picture 2"/>
           <p:cNvPicPr>
             <a:picLocks noChangeArrowheads="1"/>
           </p:cNvPicPr>
           <p:nvPr/>
         </p:nvPicPr>
         <p:blipFill>
-          <a:blip r:embed="rId2">
+          <a:blip r:embed="rId2" cstate="print">
             <a:extLst>
               <a:ext uri="{28A0092B-C50C-407E-A947-70E740481C1C}">
                 <a14:useLocalDpi xmlns:a14="http://schemas.microsoft.com/office/drawing/2010/main" val="0"/>
@@ -6059,8 +6105,8 @@
         </p:blipFill>
         <p:spPr bwMode="auto">
           <a:xfrm>
-            <a:off x="971599" y="2060848"/>
-            <a:ext cx="6480000" cy="2880000"/>
+            <a:off x="827584" y="1999114"/>
+            <a:ext cx="6480000" cy="4320000"/>
           </a:xfrm>
           <a:prstGeom prst="rect">
             <a:avLst/>
@@ -6069,7 +6115,6 @@
           <a:ln>
             <a:noFill/>
           </a:ln>
-          <a:effectLst/>
           <a:extLst>
             <a:ext uri="{909E8E84-426E-40DD-AFC4-6F175D3DCCD1}">
               <a14:hiddenFill xmlns:a14="http://schemas.microsoft.com/office/drawing/2010/main">
@@ -6088,22 +6133,13 @@
                 <a:tailEnd/>
               </a14:hiddenLine>
             </a:ext>
-            <a:ext uri="{AF507438-7753-43E0-B8FC-AC1667EBCBE1}">
-              <a14:hiddenEffects xmlns:a14="http://schemas.microsoft.com/office/drawing/2010/main">
-                <a:effectLst>
-                  <a:outerShdw dist="35921" dir="2700000" algn="ctr" rotWithShape="0">
-                    <a:schemeClr val="bg2"/>
-                  </a:outerShdw>
-                </a:effectLst>
-              </a14:hiddenEffects>
-            </a:ext>
           </a:extLst>
         </p:spPr>
       </p:pic>
     </p:spTree>
     <p:extLst>
       <p:ext uri="{BB962C8B-B14F-4D97-AF65-F5344CB8AC3E}">
-        <p14:creationId xmlns:p14="http://schemas.microsoft.com/office/powerpoint/2010/main" val="1554188797"/>
+        <p14:creationId xmlns:p14="http://schemas.microsoft.com/office/powerpoint/2010/main" val="1232256268"/>
       </p:ext>
     </p:extLst>
   </p:cSld>
@@ -6147,7 +6183,7 @@
           <a:p>
             <a:r>
               <a:rPr lang="ko-KR" altLang="en-US" dirty="0" smtClean="0"/>
-              <a:t>구현</a:t>
+              <a:t>결과화면</a:t>
             </a:r>
             <a:endParaRPr lang="ko-KR" altLang="en-US" dirty="0"/>
           </a:p>
@@ -6170,11 +6206,7 @@
           <a:p>
             <a:r>
               <a:rPr lang="ko-KR" altLang="en-US" dirty="0" smtClean="0"/>
-              <a:t>영화목록 </a:t>
-            </a:r>
-            <a:r>
-              <a:rPr lang="ko-KR" altLang="en-US" dirty="0" err="1" smtClean="0"/>
-              <a:t>뷰</a:t>
+              <a:t>로그인 화면</a:t>
             </a:r>
             <a:endParaRPr lang="ko-KR" altLang="en-US" dirty="0"/>
           </a:p>
@@ -6182,14 +6214,14 @@
       </p:sp>
       <p:pic>
         <p:nvPicPr>
-          <p:cNvPr id="6146" name="Picture 2"/>
+          <p:cNvPr id="7170" name="Picture 2"/>
           <p:cNvPicPr>
-            <a:picLocks noChangeAspect="1" noChangeArrowheads="1"/>
+            <a:picLocks noChangeArrowheads="1"/>
           </p:cNvPicPr>
           <p:nvPr/>
         </p:nvPicPr>
         <p:blipFill>
-          <a:blip r:embed="rId2">
+          <a:blip r:embed="rId2" cstate="print">
             <a:extLst>
               <a:ext uri="{28A0092B-C50C-407E-A947-70E740481C1C}">
                 <a14:useLocalDpi xmlns:a14="http://schemas.microsoft.com/office/drawing/2010/main" val="0"/>
@@ -6203,8 +6235,8 @@
         </p:blipFill>
         <p:spPr bwMode="auto">
           <a:xfrm>
-            <a:off x="755576" y="2060848"/>
-            <a:ext cx="6840000" cy="4385647"/>
+            <a:off x="1043608" y="2060848"/>
+            <a:ext cx="6480000" cy="4320000"/>
           </a:xfrm>
           <a:prstGeom prst="rect">
             <a:avLst/>
@@ -6237,20 +6269,13 @@
     </p:spTree>
     <p:extLst>
       <p:ext uri="{BB962C8B-B14F-4D97-AF65-F5344CB8AC3E}">
-        <p14:creationId xmlns:p14="http://schemas.microsoft.com/office/powerpoint/2010/main" val="2168746585"/>
+        <p14:creationId xmlns:p14="http://schemas.microsoft.com/office/powerpoint/2010/main" val="1614594509"/>
       </p:ext>
     </p:extLst>
   </p:cSld>
   <p:clrMapOvr>
     <a:masterClrMapping/>
   </p:clrMapOvr>
-  <p:timing>
-    <p:tnLst>
-      <p:par>
-        <p:cTn id="1" dur="indefinite" restart="never" nodeType="tmRoot"/>
-      </p:par>
-    </p:tnLst>
-  </p:timing>
 </p:sld>
 </file>
 
@@ -6288,7 +6313,7 @@
           <a:p>
             <a:r>
               <a:rPr lang="ko-KR" altLang="en-US" dirty="0" smtClean="0"/>
-              <a:t>구현</a:t>
+              <a:t>결과화면</a:t>
             </a:r>
             <a:endParaRPr lang="ko-KR" altLang="en-US" dirty="0"/>
           </a:p>
@@ -6311,7 +6336,19 @@
           <a:p>
             <a:r>
               <a:rPr lang="ko-KR" altLang="en-US" dirty="0" smtClean="0"/>
-              <a:t>영화목록 컨트롤러</a:t>
+              <a:t>로그인 화면</a:t>
+            </a:r>
+            <a:r>
+              <a:rPr lang="en-US" altLang="ko-KR" dirty="0" smtClean="0"/>
+              <a:t>(</a:t>
+            </a:r>
+            <a:r>
+              <a:rPr lang="ko-KR" altLang="en-US" dirty="0" smtClean="0"/>
+              <a:t>실패</a:t>
+            </a:r>
+            <a:r>
+              <a:rPr lang="en-US" altLang="ko-KR" dirty="0" smtClean="0"/>
+              <a:t>)</a:t>
             </a:r>
             <a:endParaRPr lang="ko-KR" altLang="en-US" dirty="0"/>
           </a:p>
@@ -6319,14 +6356,14 @@
       </p:sp>
       <p:pic>
         <p:nvPicPr>
-          <p:cNvPr id="7170" name="Picture 2"/>
+          <p:cNvPr id="9218" name="Picture 2"/>
           <p:cNvPicPr>
-            <a:picLocks noChangeAspect="1" noChangeArrowheads="1"/>
+            <a:picLocks noChangeArrowheads="1"/>
           </p:cNvPicPr>
           <p:nvPr/>
         </p:nvPicPr>
         <p:blipFill>
-          <a:blip r:embed="rId2">
+          <a:blip r:embed="rId2" cstate="print">
             <a:extLst>
               <a:ext uri="{28A0092B-C50C-407E-A947-70E740481C1C}">
                 <a14:useLocalDpi xmlns:a14="http://schemas.microsoft.com/office/drawing/2010/main" val="0"/>
@@ -6340,8 +6377,8 @@
         </p:blipFill>
         <p:spPr bwMode="auto">
           <a:xfrm>
-            <a:off x="611560" y="2060848"/>
-            <a:ext cx="7200000" cy="2664296"/>
+            <a:off x="971600" y="2060848"/>
+            <a:ext cx="6480000" cy="4320000"/>
           </a:xfrm>
           <a:prstGeom prst="rect">
             <a:avLst/>
@@ -6374,20 +6411,13 @@
     </p:spTree>
     <p:extLst>
       <p:ext uri="{BB962C8B-B14F-4D97-AF65-F5344CB8AC3E}">
-        <p14:creationId xmlns:p14="http://schemas.microsoft.com/office/powerpoint/2010/main" val="335113774"/>
+        <p14:creationId xmlns:p14="http://schemas.microsoft.com/office/powerpoint/2010/main" val="1393509405"/>
       </p:ext>
     </p:extLst>
   </p:cSld>
   <p:clrMapOvr>
     <a:masterClrMapping/>
   </p:clrMapOvr>
-  <p:timing>
-    <p:tnLst>
-      <p:par>
-        <p:cTn id="1" dur="indefinite" restart="never" nodeType="tmRoot"/>
-      </p:par>
-    </p:tnLst>
-  </p:timing>
 </p:sld>
 </file>
 
@@ -6425,7 +6455,7 @@
           <a:p>
             <a:r>
               <a:rPr lang="ko-KR" altLang="en-US" dirty="0" smtClean="0"/>
-              <a:t>구현</a:t>
+              <a:t>결과화면</a:t>
             </a:r>
             <a:endParaRPr lang="ko-KR" altLang="en-US" dirty="0"/>
           </a:p>
@@ -6448,7 +6478,19 @@
           <a:p>
             <a:r>
               <a:rPr lang="ko-KR" altLang="en-US" dirty="0" smtClean="0"/>
-              <a:t>영화목록 모델링</a:t>
+              <a:t>로그인 화면</a:t>
+            </a:r>
+            <a:r>
+              <a:rPr lang="en-US" altLang="ko-KR" dirty="0" smtClean="0"/>
+              <a:t>(</a:t>
+            </a:r>
+            <a:r>
+              <a:rPr lang="ko-KR" altLang="en-US" dirty="0" smtClean="0"/>
+              <a:t>성공</a:t>
+            </a:r>
+            <a:r>
+              <a:rPr lang="en-US" altLang="ko-KR" dirty="0" smtClean="0"/>
+              <a:t>)</a:t>
             </a:r>
             <a:endParaRPr lang="ko-KR" altLang="en-US" dirty="0"/>
           </a:p>
@@ -6456,14 +6498,14 @@
       </p:sp>
       <p:pic>
         <p:nvPicPr>
-          <p:cNvPr id="4098" name="Picture 2"/>
+          <p:cNvPr id="13314" name="Picture 2"/>
           <p:cNvPicPr>
             <a:picLocks noChangeArrowheads="1"/>
           </p:cNvPicPr>
           <p:nvPr/>
         </p:nvPicPr>
         <p:blipFill>
-          <a:blip r:embed="rId2">
+          <a:blip r:embed="rId2" cstate="print">
             <a:extLst>
               <a:ext uri="{28A0092B-C50C-407E-A947-70E740481C1C}">
                 <a14:useLocalDpi xmlns:a14="http://schemas.microsoft.com/office/drawing/2010/main" val="0"/>
@@ -6477,8 +6519,8 @@
         </p:blipFill>
         <p:spPr bwMode="auto">
           <a:xfrm>
-            <a:off x="899592" y="2204864"/>
-            <a:ext cx="6480000" cy="2160240"/>
+            <a:off x="971600" y="2132856"/>
+            <a:ext cx="6480000" cy="4320000"/>
           </a:xfrm>
           <a:prstGeom prst="rect">
             <a:avLst/>
@@ -6487,7 +6529,6 @@
           <a:ln>
             <a:noFill/>
           </a:ln>
-          <a:effectLst/>
           <a:extLst>
             <a:ext uri="{909E8E84-426E-40DD-AFC4-6F175D3DCCD1}">
               <a14:hiddenFill xmlns:a14="http://schemas.microsoft.com/office/drawing/2010/main">
@@ -6506,35 +6547,19 @@
                 <a:tailEnd/>
               </a14:hiddenLine>
             </a:ext>
-            <a:ext uri="{AF507438-7753-43E0-B8FC-AC1667EBCBE1}">
-              <a14:hiddenEffects xmlns:a14="http://schemas.microsoft.com/office/drawing/2010/main">
-                <a:effectLst>
-                  <a:outerShdw dist="35921" dir="2700000" algn="ctr" rotWithShape="0">
-                    <a:schemeClr val="bg2"/>
-                  </a:outerShdw>
-                </a:effectLst>
-              </a14:hiddenEffects>
-            </a:ext>
           </a:extLst>
         </p:spPr>
       </p:pic>
     </p:spTree>
     <p:extLst>
       <p:ext uri="{BB962C8B-B14F-4D97-AF65-F5344CB8AC3E}">
-        <p14:creationId xmlns:p14="http://schemas.microsoft.com/office/powerpoint/2010/main" val="513856760"/>
+        <p14:creationId xmlns:p14="http://schemas.microsoft.com/office/powerpoint/2010/main" val="4153717285"/>
       </p:ext>
     </p:extLst>
   </p:cSld>
   <p:clrMapOvr>
     <a:masterClrMapping/>
   </p:clrMapOvr>
-  <p:timing>
-    <p:tnLst>
-      <p:par>
-        <p:cTn id="1" dur="indefinite" restart="never" nodeType="tmRoot"/>
-      </p:par>
-    </p:tnLst>
-  </p:timing>
 </p:sld>
 </file>
 
@@ -6708,7 +6733,7 @@
           <a:p>
             <a:r>
               <a:rPr lang="ko-KR" altLang="en-US" dirty="0" smtClean="0"/>
-              <a:t>구현</a:t>
+              <a:t>결과화면</a:t>
             </a:r>
             <a:endParaRPr lang="ko-KR" altLang="en-US" dirty="0"/>
           </a:p>
@@ -6731,11 +6756,7 @@
           <a:p>
             <a:r>
               <a:rPr lang="ko-KR" altLang="en-US" dirty="0" smtClean="0"/>
-              <a:t>영화검색 </a:t>
-            </a:r>
-            <a:r>
-              <a:rPr lang="ko-KR" altLang="en-US" dirty="0" err="1" smtClean="0"/>
-              <a:t>뷰</a:t>
+              <a:t>영화목록</a:t>
             </a:r>
             <a:endParaRPr lang="ko-KR" altLang="en-US" dirty="0"/>
           </a:p>
@@ -6743,14 +6764,14 @@
       </p:sp>
       <p:pic>
         <p:nvPicPr>
-          <p:cNvPr id="9218" name="Picture 2"/>
+          <p:cNvPr id="14338" name="Picture 2"/>
           <p:cNvPicPr>
-            <a:picLocks noChangeAspect="1" noChangeArrowheads="1"/>
+            <a:picLocks noChangeArrowheads="1"/>
           </p:cNvPicPr>
           <p:nvPr/>
         </p:nvPicPr>
         <p:blipFill>
-          <a:blip r:embed="rId2">
+          <a:blip r:embed="rId2" cstate="print">
             <a:extLst>
               <a:ext uri="{28A0092B-C50C-407E-A947-70E740481C1C}">
                 <a14:useLocalDpi xmlns:a14="http://schemas.microsoft.com/office/drawing/2010/main" val="0"/>
@@ -6764,8 +6785,8 @@
         </p:blipFill>
         <p:spPr bwMode="auto">
           <a:xfrm>
-            <a:off x="899592" y="2119155"/>
-            <a:ext cx="6192688" cy="4200857"/>
+            <a:off x="971600" y="2160000"/>
+            <a:ext cx="6480000" cy="4320000"/>
           </a:xfrm>
           <a:prstGeom prst="rect">
             <a:avLst/>
@@ -6798,20 +6819,13 @@
     </p:spTree>
     <p:extLst>
       <p:ext uri="{BB962C8B-B14F-4D97-AF65-F5344CB8AC3E}">
-        <p14:creationId xmlns:p14="http://schemas.microsoft.com/office/powerpoint/2010/main" val="908077699"/>
+        <p14:creationId xmlns:p14="http://schemas.microsoft.com/office/powerpoint/2010/main" val="1804919878"/>
       </p:ext>
     </p:extLst>
   </p:cSld>
   <p:clrMapOvr>
     <a:masterClrMapping/>
   </p:clrMapOvr>
-  <p:timing>
-    <p:tnLst>
-      <p:par>
-        <p:cTn id="1" dur="indefinite" restart="never" nodeType="tmRoot"/>
-      </p:par>
-    </p:tnLst>
-  </p:timing>
 </p:sld>
 </file>
 
@@ -6849,7 +6863,7 @@
           <a:p>
             <a:r>
               <a:rPr lang="ko-KR" altLang="en-US" dirty="0" smtClean="0"/>
-              <a:t>구현</a:t>
+              <a:t>결과화면</a:t>
             </a:r>
             <a:endParaRPr lang="ko-KR" altLang="en-US" dirty="0"/>
           </a:p>
@@ -6872,7 +6886,19 @@
           <a:p>
             <a:r>
               <a:rPr lang="ko-KR" altLang="en-US" dirty="0" smtClean="0"/>
-              <a:t>영화검색 컨트롤러</a:t>
+              <a:t>영화목록</a:t>
+            </a:r>
+            <a:r>
+              <a:rPr lang="en-US" altLang="ko-KR" dirty="0" smtClean="0"/>
+              <a:t>(</a:t>
+            </a:r>
+            <a:r>
+              <a:rPr lang="ko-KR" altLang="en-US" dirty="0" smtClean="0"/>
+              <a:t>상세정보 및 리뷰목록</a:t>
+            </a:r>
+            <a:r>
+              <a:rPr lang="en-US" altLang="ko-KR" dirty="0" smtClean="0"/>
+              <a:t>)</a:t>
             </a:r>
             <a:endParaRPr lang="ko-KR" altLang="en-US" dirty="0"/>
           </a:p>
@@ -6880,14 +6906,14 @@
       </p:sp>
       <p:pic>
         <p:nvPicPr>
-          <p:cNvPr id="10242" name="Picture 2"/>
+          <p:cNvPr id="15362" name="Picture 2"/>
           <p:cNvPicPr>
-            <a:picLocks noChangeAspect="1" noChangeArrowheads="1"/>
+            <a:picLocks noChangeArrowheads="1"/>
           </p:cNvPicPr>
           <p:nvPr/>
         </p:nvPicPr>
         <p:blipFill>
-          <a:blip r:embed="rId2">
+          <a:blip r:embed="rId2" cstate="print">
             <a:extLst>
               <a:ext uri="{28A0092B-C50C-407E-A947-70E740481C1C}">
                 <a14:useLocalDpi xmlns:a14="http://schemas.microsoft.com/office/drawing/2010/main" val="0"/>
@@ -6901,8 +6927,8 @@
         </p:blipFill>
         <p:spPr bwMode="auto">
           <a:xfrm>
-            <a:off x="755577" y="2132857"/>
-            <a:ext cx="7272808" cy="3987312"/>
+            <a:off x="827584" y="2164584"/>
+            <a:ext cx="6480000" cy="4320000"/>
           </a:xfrm>
           <a:prstGeom prst="rect">
             <a:avLst/>
@@ -6935,20 +6961,13 @@
     </p:spTree>
     <p:extLst>
       <p:ext uri="{BB962C8B-B14F-4D97-AF65-F5344CB8AC3E}">
-        <p14:creationId xmlns:p14="http://schemas.microsoft.com/office/powerpoint/2010/main" val="2155613309"/>
+        <p14:creationId xmlns:p14="http://schemas.microsoft.com/office/powerpoint/2010/main" val="1804919878"/>
       </p:ext>
     </p:extLst>
   </p:cSld>
   <p:clrMapOvr>
     <a:masterClrMapping/>
   </p:clrMapOvr>
-  <p:timing>
-    <p:tnLst>
-      <p:par>
-        <p:cTn id="1" dur="indefinite" restart="never" nodeType="tmRoot"/>
-      </p:par>
-    </p:tnLst>
-  </p:timing>
 </p:sld>
 </file>
 
@@ -6986,7 +7005,7 @@
           <a:p>
             <a:r>
               <a:rPr lang="ko-KR" altLang="en-US" dirty="0" smtClean="0"/>
-              <a:t>구현</a:t>
+              <a:t>결과화면</a:t>
             </a:r>
             <a:endParaRPr lang="ko-KR" altLang="en-US" dirty="0"/>
           </a:p>
@@ -7009,7 +7028,19 @@
           <a:p>
             <a:r>
               <a:rPr lang="ko-KR" altLang="en-US" dirty="0" smtClean="0"/>
-              <a:t>영화검색 모델링</a:t>
+              <a:t>영화검색</a:t>
+            </a:r>
+            <a:r>
+              <a:rPr lang="en-US" altLang="ko-KR" dirty="0" smtClean="0"/>
+              <a:t>(</a:t>
+            </a:r>
+            <a:r>
+              <a:rPr lang="ko-KR" altLang="en-US" dirty="0" smtClean="0"/>
+              <a:t>입력</a:t>
+            </a:r>
+            <a:r>
+              <a:rPr lang="en-US" altLang="ko-KR" dirty="0" smtClean="0"/>
+              <a:t>)</a:t>
             </a:r>
             <a:endParaRPr lang="ko-KR" altLang="en-US" dirty="0"/>
           </a:p>
@@ -7017,7 +7048,279 @@
       </p:sp>
       <p:pic>
         <p:nvPicPr>
-          <p:cNvPr id="5122" name="Picture 2"/>
+          <p:cNvPr id="16386" name="Picture 2"/>
+          <p:cNvPicPr>
+            <a:picLocks noChangeArrowheads="1"/>
+          </p:cNvPicPr>
+          <p:nvPr/>
+        </p:nvPicPr>
+        <p:blipFill>
+          <a:blip r:embed="rId2" cstate="print">
+            <a:extLst>
+              <a:ext uri="{28A0092B-C50C-407E-A947-70E740481C1C}">
+                <a14:useLocalDpi xmlns:a14="http://schemas.microsoft.com/office/drawing/2010/main" val="0"/>
+              </a:ext>
+            </a:extLst>
+          </a:blip>
+          <a:srcRect/>
+          <a:stretch>
+            <a:fillRect/>
+          </a:stretch>
+        </p:blipFill>
+        <p:spPr bwMode="auto">
+          <a:xfrm>
+            <a:off x="899592" y="2171054"/>
+            <a:ext cx="6480000" cy="4320000"/>
+          </a:xfrm>
+          <a:prstGeom prst="rect">
+            <a:avLst/>
+          </a:prstGeom>
+          <a:noFill/>
+          <a:ln>
+            <a:noFill/>
+          </a:ln>
+          <a:extLst>
+            <a:ext uri="{909E8E84-426E-40DD-AFC4-6F175D3DCCD1}">
+              <a14:hiddenFill xmlns:a14="http://schemas.microsoft.com/office/drawing/2010/main">
+                <a:solidFill>
+                  <a:schemeClr val="accent1"/>
+                </a:solidFill>
+              </a14:hiddenFill>
+            </a:ext>
+            <a:ext uri="{91240B29-F687-4F45-9708-019B960494DF}">
+              <a14:hiddenLine xmlns:a14="http://schemas.microsoft.com/office/drawing/2010/main" w="9525">
+                <a:solidFill>
+                  <a:schemeClr val="tx1"/>
+                </a:solidFill>
+                <a:miter lim="800000"/>
+                <a:headEnd/>
+                <a:tailEnd/>
+              </a14:hiddenLine>
+            </a:ext>
+          </a:extLst>
+        </p:spPr>
+      </p:pic>
+    </p:spTree>
+    <p:extLst>
+      <p:ext uri="{BB962C8B-B14F-4D97-AF65-F5344CB8AC3E}">
+        <p14:creationId xmlns:p14="http://schemas.microsoft.com/office/powerpoint/2010/main" val="1804919878"/>
+      </p:ext>
+    </p:extLst>
+  </p:cSld>
+  <p:clrMapOvr>
+    <a:masterClrMapping/>
+  </p:clrMapOvr>
+</p:sld>
+</file>
+
+<file path=ppt/slides/slide23.xml><?xml version="1.0" encoding="utf-8"?>
+<p:sld xmlns:a="http://schemas.openxmlformats.org/drawingml/2006/main" xmlns:r="http://schemas.openxmlformats.org/officeDocument/2006/relationships" xmlns:p="http://schemas.openxmlformats.org/presentationml/2006/main">
+  <p:cSld>
+    <p:spTree>
+      <p:nvGrpSpPr>
+        <p:cNvPr id="1" name=""/>
+        <p:cNvGrpSpPr/>
+        <p:nvPr/>
+      </p:nvGrpSpPr>
+      <p:grpSpPr>
+        <a:xfrm>
+          <a:off x="0" y="0"/>
+          <a:ext cx="0" cy="0"/>
+          <a:chOff x="0" y="0"/>
+          <a:chExt cx="0" cy="0"/>
+        </a:xfrm>
+      </p:grpSpPr>
+      <p:sp>
+        <p:nvSpPr>
+          <p:cNvPr id="2" name="제목 1"/>
+          <p:cNvSpPr>
+            <a:spLocks noGrp="1"/>
+          </p:cNvSpPr>
+          <p:nvPr>
+            <p:ph type="title"/>
+          </p:nvPr>
+        </p:nvSpPr>
+        <p:spPr/>
+        <p:txBody>
+          <a:bodyPr/>
+          <a:lstStyle/>
+          <a:p>
+            <a:r>
+              <a:rPr lang="ko-KR" altLang="en-US" dirty="0" smtClean="0"/>
+              <a:t>결과화면</a:t>
+            </a:r>
+            <a:endParaRPr lang="ko-KR" altLang="en-US" dirty="0"/>
+          </a:p>
+        </p:txBody>
+      </p:sp>
+      <p:sp>
+        <p:nvSpPr>
+          <p:cNvPr id="3" name="내용 개체 틀 2"/>
+          <p:cNvSpPr>
+            <a:spLocks noGrp="1"/>
+          </p:cNvSpPr>
+          <p:nvPr>
+            <p:ph sz="quarter" idx="1"/>
+          </p:nvPr>
+        </p:nvSpPr>
+        <p:spPr/>
+        <p:txBody>
+          <a:bodyPr/>
+          <a:lstStyle/>
+          <a:p>
+            <a:r>
+              <a:rPr lang="ko-KR" altLang="en-US" dirty="0" smtClean="0"/>
+              <a:t>영화검색</a:t>
+            </a:r>
+            <a:r>
+              <a:rPr lang="en-US" altLang="ko-KR" dirty="0" smtClean="0"/>
+              <a:t>(</a:t>
+            </a:r>
+            <a:r>
+              <a:rPr lang="ko-KR" altLang="en-US" dirty="0" smtClean="0"/>
+              <a:t>결과</a:t>
+            </a:r>
+            <a:r>
+              <a:rPr lang="en-US" altLang="ko-KR" dirty="0" smtClean="0"/>
+              <a:t>)</a:t>
+            </a:r>
+            <a:endParaRPr lang="ko-KR" altLang="en-US" dirty="0"/>
+          </a:p>
+        </p:txBody>
+      </p:sp>
+      <p:pic>
+        <p:nvPicPr>
+          <p:cNvPr id="17410" name="Picture 2"/>
+          <p:cNvPicPr>
+            <a:picLocks noChangeArrowheads="1"/>
+          </p:cNvPicPr>
+          <p:nvPr/>
+        </p:nvPicPr>
+        <p:blipFill>
+          <a:blip r:embed="rId2" cstate="print">
+            <a:extLst>
+              <a:ext uri="{28A0092B-C50C-407E-A947-70E740481C1C}">
+                <a14:useLocalDpi xmlns:a14="http://schemas.microsoft.com/office/drawing/2010/main" val="0"/>
+              </a:ext>
+            </a:extLst>
+          </a:blip>
+          <a:srcRect/>
+          <a:stretch>
+            <a:fillRect/>
+          </a:stretch>
+        </p:blipFill>
+        <p:spPr bwMode="auto">
+          <a:xfrm>
+            <a:off x="1043608" y="2132856"/>
+            <a:ext cx="6480000" cy="4320000"/>
+          </a:xfrm>
+          <a:prstGeom prst="rect">
+            <a:avLst/>
+          </a:prstGeom>
+          <a:noFill/>
+          <a:ln>
+            <a:noFill/>
+          </a:ln>
+          <a:extLst>
+            <a:ext uri="{909E8E84-426E-40DD-AFC4-6F175D3DCCD1}">
+              <a14:hiddenFill xmlns:a14="http://schemas.microsoft.com/office/drawing/2010/main">
+                <a:solidFill>
+                  <a:schemeClr val="accent1"/>
+                </a:solidFill>
+              </a14:hiddenFill>
+            </a:ext>
+            <a:ext uri="{91240B29-F687-4F45-9708-019B960494DF}">
+              <a14:hiddenLine xmlns:a14="http://schemas.microsoft.com/office/drawing/2010/main" w="9525">
+                <a:solidFill>
+                  <a:schemeClr val="tx1"/>
+                </a:solidFill>
+                <a:miter lim="800000"/>
+                <a:headEnd/>
+                <a:tailEnd/>
+              </a14:hiddenLine>
+            </a:ext>
+          </a:extLst>
+        </p:spPr>
+      </p:pic>
+    </p:spTree>
+    <p:extLst>
+      <p:ext uri="{BB962C8B-B14F-4D97-AF65-F5344CB8AC3E}">
+        <p14:creationId xmlns:p14="http://schemas.microsoft.com/office/powerpoint/2010/main" val="1804919878"/>
+      </p:ext>
+    </p:extLst>
+  </p:cSld>
+  <p:clrMapOvr>
+    <a:masterClrMapping/>
+  </p:clrMapOvr>
+</p:sld>
+</file>
+
+<file path=ppt/slides/slide24.xml><?xml version="1.0" encoding="utf-8"?>
+<p:sld xmlns:a="http://schemas.openxmlformats.org/drawingml/2006/main" xmlns:r="http://schemas.openxmlformats.org/officeDocument/2006/relationships" xmlns:p="http://schemas.openxmlformats.org/presentationml/2006/main">
+  <p:cSld>
+    <p:spTree>
+      <p:nvGrpSpPr>
+        <p:cNvPr id="1" name=""/>
+        <p:cNvGrpSpPr/>
+        <p:nvPr/>
+      </p:nvGrpSpPr>
+      <p:grpSpPr>
+        <a:xfrm>
+          <a:off x="0" y="0"/>
+          <a:ext cx="0" cy="0"/>
+          <a:chOff x="0" y="0"/>
+          <a:chExt cx="0" cy="0"/>
+        </a:xfrm>
+      </p:grpSpPr>
+      <p:sp>
+        <p:nvSpPr>
+          <p:cNvPr id="2" name="제목 1"/>
+          <p:cNvSpPr>
+            <a:spLocks noGrp="1"/>
+          </p:cNvSpPr>
+          <p:nvPr>
+            <p:ph type="title"/>
+          </p:nvPr>
+        </p:nvSpPr>
+        <p:spPr/>
+        <p:txBody>
+          <a:bodyPr/>
+          <a:lstStyle/>
+          <a:p>
+            <a:r>
+              <a:rPr lang="ko-KR" altLang="en-US" dirty="0" smtClean="0"/>
+              <a:t>결과화면</a:t>
+            </a:r>
+            <a:endParaRPr lang="ko-KR" altLang="en-US" dirty="0"/>
+          </a:p>
+        </p:txBody>
+      </p:sp>
+      <p:sp>
+        <p:nvSpPr>
+          <p:cNvPr id="3" name="내용 개체 틀 2"/>
+          <p:cNvSpPr>
+            <a:spLocks noGrp="1"/>
+          </p:cNvSpPr>
+          <p:nvPr>
+            <p:ph sz="quarter" idx="1"/>
+          </p:nvPr>
+        </p:nvSpPr>
+        <p:spPr/>
+        <p:txBody>
+          <a:bodyPr/>
+          <a:lstStyle/>
+          <a:p>
+            <a:r>
+              <a:rPr lang="ko-KR" altLang="en-US" dirty="0" smtClean="0"/>
+              <a:t>랭킹목록</a:t>
+            </a:r>
+            <a:endParaRPr lang="ko-KR" altLang="en-US" dirty="0"/>
+          </a:p>
+        </p:txBody>
+      </p:sp>
+      <p:pic>
+        <p:nvPicPr>
+          <p:cNvPr id="6146" name="Picture 2"/>
           <p:cNvPicPr>
             <a:picLocks noChangeArrowheads="1"/>
           </p:cNvPicPr>
@@ -7038,8 +7341,8 @@
         </p:blipFill>
         <p:spPr bwMode="auto">
           <a:xfrm>
-            <a:off x="971600" y="2179411"/>
-            <a:ext cx="6076950" cy="2088232"/>
+            <a:off x="1043608" y="2130101"/>
+            <a:ext cx="6480000" cy="4320000"/>
           </a:xfrm>
           <a:prstGeom prst="rect">
             <a:avLst/>
@@ -7082,7 +7385,7 @@
     </p:spTree>
     <p:extLst>
       <p:ext uri="{BB962C8B-B14F-4D97-AF65-F5344CB8AC3E}">
-        <p14:creationId xmlns:p14="http://schemas.microsoft.com/office/powerpoint/2010/main" val="968054418"/>
+        <p14:creationId xmlns:p14="http://schemas.microsoft.com/office/powerpoint/2010/main" val="1804919878"/>
       </p:ext>
     </p:extLst>
   </p:cSld>
@@ -7096,273 +7399,6 @@
       </p:par>
     </p:tnLst>
   </p:timing>
-</p:sld>
-</file>
-
-<file path=ppt/slides/slide23.xml><?xml version="1.0" encoding="utf-8"?>
-<p:sld xmlns:a="http://schemas.openxmlformats.org/drawingml/2006/main" xmlns:r="http://schemas.openxmlformats.org/officeDocument/2006/relationships" xmlns:p="http://schemas.openxmlformats.org/presentationml/2006/main">
-  <p:cSld>
-    <p:spTree>
-      <p:nvGrpSpPr>
-        <p:cNvPr id="1" name=""/>
-        <p:cNvGrpSpPr/>
-        <p:nvPr/>
-      </p:nvGrpSpPr>
-      <p:grpSpPr>
-        <a:xfrm>
-          <a:off x="0" y="0"/>
-          <a:ext cx="0" cy="0"/>
-          <a:chOff x="0" y="0"/>
-          <a:chExt cx="0" cy="0"/>
-        </a:xfrm>
-      </p:grpSpPr>
-      <p:sp>
-        <p:nvSpPr>
-          <p:cNvPr id="2" name="제목 1"/>
-          <p:cNvSpPr>
-            <a:spLocks noGrp="1"/>
-          </p:cNvSpPr>
-          <p:nvPr>
-            <p:ph type="title"/>
-          </p:nvPr>
-        </p:nvSpPr>
-        <p:spPr/>
-        <p:txBody>
-          <a:bodyPr/>
-          <a:lstStyle/>
-          <a:p>
-            <a:r>
-              <a:rPr lang="ko-KR" altLang="en-US" dirty="0" smtClean="0"/>
-              <a:t>구현</a:t>
-            </a:r>
-            <a:endParaRPr lang="ko-KR" altLang="en-US" dirty="0"/>
-          </a:p>
-        </p:txBody>
-      </p:sp>
-      <p:sp>
-        <p:nvSpPr>
-          <p:cNvPr id="3" name="내용 개체 틀 2"/>
-          <p:cNvSpPr>
-            <a:spLocks noGrp="1"/>
-          </p:cNvSpPr>
-          <p:nvPr>
-            <p:ph sz="quarter" idx="1"/>
-          </p:nvPr>
-        </p:nvSpPr>
-        <p:spPr/>
-        <p:txBody>
-          <a:bodyPr/>
-          <a:lstStyle/>
-          <a:p>
-            <a:r>
-              <a:rPr lang="ko-KR" altLang="en-US" dirty="0" smtClean="0"/>
-              <a:t>랭킹목록 </a:t>
-            </a:r>
-            <a:r>
-              <a:rPr lang="ko-KR" altLang="en-US" dirty="0" err="1" smtClean="0"/>
-              <a:t>뷰</a:t>
-            </a:r>
-            <a:endParaRPr lang="ko-KR" altLang="en-US" dirty="0"/>
-          </a:p>
-        </p:txBody>
-      </p:sp>
-      <p:pic>
-        <p:nvPicPr>
-          <p:cNvPr id="19458" name="Picture 2"/>
-          <p:cNvPicPr>
-            <a:picLocks noChangeArrowheads="1"/>
-          </p:cNvPicPr>
-          <p:nvPr/>
-        </p:nvPicPr>
-        <p:blipFill>
-          <a:blip r:embed="rId2">
-            <a:extLst>
-              <a:ext uri="{28A0092B-C50C-407E-A947-70E740481C1C}">
-                <a14:useLocalDpi xmlns:a14="http://schemas.microsoft.com/office/drawing/2010/main" val="0"/>
-              </a:ext>
-            </a:extLst>
-          </a:blip>
-          <a:srcRect/>
-          <a:stretch>
-            <a:fillRect/>
-          </a:stretch>
-        </p:blipFill>
-        <p:spPr bwMode="auto">
-          <a:xfrm>
-            <a:off x="827584" y="2198671"/>
-            <a:ext cx="6480000" cy="4320000"/>
-          </a:xfrm>
-          <a:prstGeom prst="rect">
-            <a:avLst/>
-          </a:prstGeom>
-          <a:noFill/>
-          <a:ln>
-            <a:noFill/>
-          </a:ln>
-          <a:extLst>
-            <a:ext uri="{909E8E84-426E-40DD-AFC4-6F175D3DCCD1}">
-              <a14:hiddenFill xmlns:a14="http://schemas.microsoft.com/office/drawing/2010/main">
-                <a:solidFill>
-                  <a:schemeClr val="accent1"/>
-                </a:solidFill>
-              </a14:hiddenFill>
-            </a:ext>
-            <a:ext uri="{91240B29-F687-4F45-9708-019B960494DF}">
-              <a14:hiddenLine xmlns:a14="http://schemas.microsoft.com/office/drawing/2010/main" w="9525">
-                <a:solidFill>
-                  <a:schemeClr val="tx1"/>
-                </a:solidFill>
-                <a:miter lim="800000"/>
-                <a:headEnd/>
-                <a:tailEnd/>
-              </a14:hiddenLine>
-            </a:ext>
-          </a:extLst>
-        </p:spPr>
-      </p:pic>
-    </p:spTree>
-    <p:extLst>
-      <p:ext uri="{BB962C8B-B14F-4D97-AF65-F5344CB8AC3E}">
-        <p14:creationId xmlns:p14="http://schemas.microsoft.com/office/powerpoint/2010/main" val="3017620134"/>
-      </p:ext>
-    </p:extLst>
-  </p:cSld>
-  <p:clrMapOvr>
-    <a:masterClrMapping/>
-  </p:clrMapOvr>
-</p:sld>
-</file>
-
-<file path=ppt/slides/slide24.xml><?xml version="1.0" encoding="utf-8"?>
-<p:sld xmlns:a="http://schemas.openxmlformats.org/drawingml/2006/main" xmlns:r="http://schemas.openxmlformats.org/officeDocument/2006/relationships" xmlns:p="http://schemas.openxmlformats.org/presentationml/2006/main">
-  <p:cSld>
-    <p:spTree>
-      <p:nvGrpSpPr>
-        <p:cNvPr id="1" name=""/>
-        <p:cNvGrpSpPr/>
-        <p:nvPr/>
-      </p:nvGrpSpPr>
-      <p:grpSpPr>
-        <a:xfrm>
-          <a:off x="0" y="0"/>
-          <a:ext cx="0" cy="0"/>
-          <a:chOff x="0" y="0"/>
-          <a:chExt cx="0" cy="0"/>
-        </a:xfrm>
-      </p:grpSpPr>
-      <p:sp>
-        <p:nvSpPr>
-          <p:cNvPr id="2" name="제목 1"/>
-          <p:cNvSpPr>
-            <a:spLocks noGrp="1"/>
-          </p:cNvSpPr>
-          <p:nvPr>
-            <p:ph type="title"/>
-          </p:nvPr>
-        </p:nvSpPr>
-        <p:spPr/>
-        <p:txBody>
-          <a:bodyPr/>
-          <a:lstStyle/>
-          <a:p>
-            <a:r>
-              <a:rPr lang="ko-KR" altLang="en-US" dirty="0" smtClean="0"/>
-              <a:t>구현</a:t>
-            </a:r>
-            <a:endParaRPr lang="ko-KR" altLang="en-US" dirty="0"/>
-          </a:p>
-        </p:txBody>
-      </p:sp>
-      <p:sp>
-        <p:nvSpPr>
-          <p:cNvPr id="3" name="내용 개체 틀 2"/>
-          <p:cNvSpPr>
-            <a:spLocks noGrp="1"/>
-          </p:cNvSpPr>
-          <p:nvPr>
-            <p:ph sz="quarter" idx="1"/>
-          </p:nvPr>
-        </p:nvSpPr>
-        <p:spPr/>
-        <p:txBody>
-          <a:bodyPr/>
-          <a:lstStyle/>
-          <a:p>
-            <a:r>
-              <a:rPr lang="ko-KR" altLang="en-US" dirty="0" smtClean="0"/>
-              <a:t>랭킹목록 컨트롤</a:t>
-            </a:r>
-            <a:r>
-              <a:rPr lang="ko-KR" altLang="en-US" dirty="0"/>
-              <a:t>러</a:t>
-            </a:r>
-          </a:p>
-        </p:txBody>
-      </p:sp>
-      <p:pic>
-        <p:nvPicPr>
-          <p:cNvPr id="18434" name="Picture 2"/>
-          <p:cNvPicPr>
-            <a:picLocks noChangeArrowheads="1"/>
-          </p:cNvPicPr>
-          <p:nvPr/>
-        </p:nvPicPr>
-        <p:blipFill>
-          <a:blip r:embed="rId2">
-            <a:extLst>
-              <a:ext uri="{28A0092B-C50C-407E-A947-70E740481C1C}">
-                <a14:useLocalDpi xmlns:a14="http://schemas.microsoft.com/office/drawing/2010/main" val="0"/>
-              </a:ext>
-            </a:extLst>
-          </a:blip>
-          <a:srcRect/>
-          <a:stretch>
-            <a:fillRect/>
-          </a:stretch>
-        </p:blipFill>
-        <p:spPr bwMode="auto">
-          <a:xfrm>
-            <a:off x="912158" y="2132856"/>
-            <a:ext cx="6480000" cy="4320000"/>
-          </a:xfrm>
-          <a:prstGeom prst="rect">
-            <a:avLst/>
-          </a:prstGeom>
-          <a:noFill/>
-          <a:ln>
-            <a:noFill/>
-          </a:ln>
-          <a:extLst>
-            <a:ext uri="{909E8E84-426E-40DD-AFC4-6F175D3DCCD1}">
-              <a14:hiddenFill xmlns:a14="http://schemas.microsoft.com/office/drawing/2010/main">
-                <a:solidFill>
-                  <a:schemeClr val="accent1"/>
-                </a:solidFill>
-              </a14:hiddenFill>
-            </a:ext>
-            <a:ext uri="{91240B29-F687-4F45-9708-019B960494DF}">
-              <a14:hiddenLine xmlns:a14="http://schemas.microsoft.com/office/drawing/2010/main" w="9525">
-                <a:solidFill>
-                  <a:schemeClr val="tx1"/>
-                </a:solidFill>
-                <a:miter lim="800000"/>
-                <a:headEnd/>
-                <a:tailEnd/>
-              </a14:hiddenLine>
-            </a:ext>
-          </a:extLst>
-        </p:spPr>
-      </p:pic>
-    </p:spTree>
-    <p:extLst>
-      <p:ext uri="{BB962C8B-B14F-4D97-AF65-F5344CB8AC3E}">
-        <p14:creationId xmlns:p14="http://schemas.microsoft.com/office/powerpoint/2010/main" val="3216516729"/>
-      </p:ext>
-    </p:extLst>
-  </p:cSld>
-  <p:clrMapOvr>
-    <a:masterClrMapping/>
-  </p:clrMapOvr>
 </p:sld>
 </file>
 
@@ -7400,7 +7436,7 @@
           <a:p>
             <a:r>
               <a:rPr lang="ko-KR" altLang="en-US" dirty="0" smtClean="0"/>
-              <a:t>구현</a:t>
+              <a:t>결과화면</a:t>
             </a:r>
             <a:endParaRPr lang="ko-KR" altLang="en-US" dirty="0"/>
           </a:p>
@@ -7423,1265 +7459,7 @@
           <a:p>
             <a:r>
               <a:rPr lang="ko-KR" altLang="en-US" dirty="0" smtClean="0"/>
-              <a:t>홈페이지 </a:t>
-            </a:r>
-            <a:r>
-              <a:rPr lang="ko-KR" altLang="en-US" dirty="0" err="1" smtClean="0"/>
-              <a:t>뷰</a:t>
-            </a:r>
-            <a:endParaRPr lang="ko-KR" altLang="en-US" dirty="0"/>
-          </a:p>
-        </p:txBody>
-      </p:sp>
-      <p:pic>
-        <p:nvPicPr>
-          <p:cNvPr id="3075" name="Picture 3"/>
-          <p:cNvPicPr>
-            <a:picLocks noChangeAspect="1" noChangeArrowheads="1"/>
-          </p:cNvPicPr>
-          <p:nvPr/>
-        </p:nvPicPr>
-        <p:blipFill>
-          <a:blip r:embed="rId2">
-            <a:extLst>
-              <a:ext uri="{28A0092B-C50C-407E-A947-70E740481C1C}">
-                <a14:useLocalDpi xmlns:a14="http://schemas.microsoft.com/office/drawing/2010/main" val="0"/>
-              </a:ext>
-            </a:extLst>
-          </a:blip>
-          <a:srcRect/>
-          <a:stretch>
-            <a:fillRect/>
-          </a:stretch>
-        </p:blipFill>
-        <p:spPr bwMode="auto">
-          <a:xfrm>
-            <a:off x="899592" y="2204864"/>
-            <a:ext cx="6840000" cy="3630688"/>
-          </a:xfrm>
-          <a:prstGeom prst="rect">
-            <a:avLst/>
-          </a:prstGeom>
-          <a:noFill/>
-          <a:ln>
-            <a:noFill/>
-          </a:ln>
-          <a:extLst>
-            <a:ext uri="{909E8E84-426E-40DD-AFC4-6F175D3DCCD1}">
-              <a14:hiddenFill xmlns:a14="http://schemas.microsoft.com/office/drawing/2010/main">
-                <a:solidFill>
-                  <a:schemeClr val="accent1"/>
-                </a:solidFill>
-              </a14:hiddenFill>
-            </a:ext>
-            <a:ext uri="{91240B29-F687-4F45-9708-019B960494DF}">
-              <a14:hiddenLine xmlns:a14="http://schemas.microsoft.com/office/drawing/2010/main" w="9525">
-                <a:solidFill>
-                  <a:schemeClr val="tx1"/>
-                </a:solidFill>
-                <a:miter lim="800000"/>
-                <a:headEnd/>
-                <a:tailEnd/>
-              </a14:hiddenLine>
-            </a:ext>
-          </a:extLst>
-        </p:spPr>
-      </p:pic>
-    </p:spTree>
-    <p:extLst>
-      <p:ext uri="{BB962C8B-B14F-4D97-AF65-F5344CB8AC3E}">
-        <p14:creationId xmlns:p14="http://schemas.microsoft.com/office/powerpoint/2010/main" val="3641578536"/>
-      </p:ext>
-    </p:extLst>
-  </p:cSld>
-  <p:clrMapOvr>
-    <a:masterClrMapping/>
-  </p:clrMapOvr>
-  <p:timing>
-    <p:tnLst>
-      <p:par>
-        <p:cTn id="1" dur="indefinite" restart="never" nodeType="tmRoot"/>
-      </p:par>
-    </p:tnLst>
-  </p:timing>
-</p:sld>
-</file>
-
-<file path=ppt/slides/slide26.xml><?xml version="1.0" encoding="utf-8"?>
-<p:sld xmlns:a="http://schemas.openxmlformats.org/drawingml/2006/main" xmlns:r="http://schemas.openxmlformats.org/officeDocument/2006/relationships" xmlns:p="http://schemas.openxmlformats.org/presentationml/2006/main">
-  <p:cSld>
-    <p:spTree>
-      <p:nvGrpSpPr>
-        <p:cNvPr id="1" name=""/>
-        <p:cNvGrpSpPr/>
-        <p:nvPr/>
-      </p:nvGrpSpPr>
-      <p:grpSpPr>
-        <a:xfrm>
-          <a:off x="0" y="0"/>
-          <a:ext cx="0" cy="0"/>
-          <a:chOff x="0" y="0"/>
-          <a:chExt cx="0" cy="0"/>
-        </a:xfrm>
-      </p:grpSpPr>
-      <p:sp>
-        <p:nvSpPr>
-          <p:cNvPr id="2" name="제목 1"/>
-          <p:cNvSpPr>
-            <a:spLocks noGrp="1"/>
-          </p:cNvSpPr>
-          <p:nvPr>
-            <p:ph type="title"/>
-          </p:nvPr>
-        </p:nvSpPr>
-        <p:spPr/>
-        <p:txBody>
-          <a:bodyPr/>
-          <a:lstStyle/>
-          <a:p>
-            <a:r>
-              <a:rPr lang="ko-KR" altLang="en-US" dirty="0" smtClean="0"/>
-              <a:t>구현</a:t>
-            </a:r>
-            <a:endParaRPr lang="ko-KR" altLang="en-US" dirty="0"/>
-          </a:p>
-        </p:txBody>
-      </p:sp>
-      <p:sp>
-        <p:nvSpPr>
-          <p:cNvPr id="3" name="내용 개체 틀 2"/>
-          <p:cNvSpPr>
-            <a:spLocks noGrp="1"/>
-          </p:cNvSpPr>
-          <p:nvPr>
-            <p:ph sz="quarter" idx="1"/>
-          </p:nvPr>
-        </p:nvSpPr>
-        <p:spPr/>
-        <p:txBody>
-          <a:bodyPr/>
-          <a:lstStyle/>
-          <a:p>
-            <a:r>
-              <a:rPr lang="ko-KR" altLang="en-US" dirty="0" smtClean="0"/>
-              <a:t>홈페이지 컨트롤러 </a:t>
-            </a:r>
-            <a:endParaRPr lang="ko-KR" altLang="en-US" dirty="0"/>
-          </a:p>
-        </p:txBody>
-      </p:sp>
-      <p:pic>
-        <p:nvPicPr>
-          <p:cNvPr id="4098" name="Picture 2"/>
-          <p:cNvPicPr>
-            <a:picLocks noChangeAspect="1" noChangeArrowheads="1"/>
-          </p:cNvPicPr>
-          <p:nvPr/>
-        </p:nvPicPr>
-        <p:blipFill>
-          <a:blip r:embed="rId2">
-            <a:extLst>
-              <a:ext uri="{28A0092B-C50C-407E-A947-70E740481C1C}">
-                <a14:useLocalDpi xmlns:a14="http://schemas.microsoft.com/office/drawing/2010/main" val="0"/>
-              </a:ext>
-            </a:extLst>
-          </a:blip>
-          <a:srcRect/>
-          <a:stretch>
-            <a:fillRect/>
-          </a:stretch>
-        </p:blipFill>
-        <p:spPr bwMode="auto">
-          <a:xfrm>
-            <a:off x="899592" y="2132855"/>
-            <a:ext cx="7242654" cy="3240000"/>
-          </a:xfrm>
-          <a:prstGeom prst="rect">
-            <a:avLst/>
-          </a:prstGeom>
-          <a:noFill/>
-          <a:ln>
-            <a:noFill/>
-          </a:ln>
-          <a:extLst>
-            <a:ext uri="{909E8E84-426E-40DD-AFC4-6F175D3DCCD1}">
-              <a14:hiddenFill xmlns:a14="http://schemas.microsoft.com/office/drawing/2010/main">
-                <a:solidFill>
-                  <a:schemeClr val="accent1"/>
-                </a:solidFill>
-              </a14:hiddenFill>
-            </a:ext>
-            <a:ext uri="{91240B29-F687-4F45-9708-019B960494DF}">
-              <a14:hiddenLine xmlns:a14="http://schemas.microsoft.com/office/drawing/2010/main" w="9525">
-                <a:solidFill>
-                  <a:schemeClr val="tx1"/>
-                </a:solidFill>
-                <a:miter lim="800000"/>
-                <a:headEnd/>
-                <a:tailEnd/>
-              </a14:hiddenLine>
-            </a:ext>
-          </a:extLst>
-        </p:spPr>
-      </p:pic>
-    </p:spTree>
-    <p:extLst>
-      <p:ext uri="{BB962C8B-B14F-4D97-AF65-F5344CB8AC3E}">
-        <p14:creationId xmlns:p14="http://schemas.microsoft.com/office/powerpoint/2010/main" val="3142326955"/>
-      </p:ext>
-    </p:extLst>
-  </p:cSld>
-  <p:clrMapOvr>
-    <a:masterClrMapping/>
-  </p:clrMapOvr>
-  <p:timing>
-    <p:tnLst>
-      <p:par>
-        <p:cTn id="1" dur="indefinite" restart="never" nodeType="tmRoot"/>
-      </p:par>
-    </p:tnLst>
-  </p:timing>
-</p:sld>
-</file>
-
-<file path=ppt/slides/slide27.xml><?xml version="1.0" encoding="utf-8"?>
-<p:sld xmlns:a="http://schemas.openxmlformats.org/drawingml/2006/main" xmlns:r="http://schemas.openxmlformats.org/officeDocument/2006/relationships" xmlns:p="http://schemas.openxmlformats.org/presentationml/2006/main">
-  <p:cSld>
-    <p:spTree>
-      <p:nvGrpSpPr>
-        <p:cNvPr id="1" name=""/>
-        <p:cNvGrpSpPr/>
-        <p:nvPr/>
-      </p:nvGrpSpPr>
-      <p:grpSpPr>
-        <a:xfrm>
-          <a:off x="0" y="0"/>
-          <a:ext cx="0" cy="0"/>
-          <a:chOff x="0" y="0"/>
-          <a:chExt cx="0" cy="0"/>
-        </a:xfrm>
-      </p:grpSpPr>
-      <p:sp>
-        <p:nvSpPr>
-          <p:cNvPr id="2" name="제목 1"/>
-          <p:cNvSpPr>
-            <a:spLocks noGrp="1"/>
-          </p:cNvSpPr>
-          <p:nvPr>
-            <p:ph type="title"/>
-          </p:nvPr>
-        </p:nvSpPr>
-        <p:spPr/>
-        <p:txBody>
-          <a:bodyPr/>
-          <a:lstStyle/>
-          <a:p>
-            <a:r>
-              <a:rPr lang="ko-KR" altLang="en-US" dirty="0" smtClean="0"/>
-              <a:t>결과화면</a:t>
-            </a:r>
-            <a:endParaRPr lang="ko-KR" altLang="en-US" dirty="0"/>
-          </a:p>
-        </p:txBody>
-      </p:sp>
-      <p:sp>
-        <p:nvSpPr>
-          <p:cNvPr id="3" name="내용 개체 틀 2"/>
-          <p:cNvSpPr>
-            <a:spLocks noGrp="1"/>
-          </p:cNvSpPr>
-          <p:nvPr>
-            <p:ph sz="quarter" idx="1"/>
-          </p:nvPr>
-        </p:nvSpPr>
-        <p:spPr/>
-        <p:txBody>
-          <a:bodyPr/>
-          <a:lstStyle/>
-          <a:p>
-            <a:r>
-              <a:rPr lang="ko-KR" altLang="en-US" dirty="0" smtClean="0"/>
-              <a:t>메인 화면</a:t>
-            </a:r>
-            <a:endParaRPr lang="ko-KR" altLang="en-US" dirty="0"/>
-          </a:p>
-        </p:txBody>
-      </p:sp>
-      <p:pic>
-        <p:nvPicPr>
-          <p:cNvPr id="6146" name="Picture 2"/>
-          <p:cNvPicPr>
-            <a:picLocks noChangeArrowheads="1"/>
-          </p:cNvPicPr>
-          <p:nvPr/>
-        </p:nvPicPr>
-        <p:blipFill>
-          <a:blip r:embed="rId2" cstate="print">
-            <a:extLst>
-              <a:ext uri="{28A0092B-C50C-407E-A947-70E740481C1C}">
-                <a14:useLocalDpi xmlns:a14="http://schemas.microsoft.com/office/drawing/2010/main" val="0"/>
-              </a:ext>
-            </a:extLst>
-          </a:blip>
-          <a:srcRect/>
-          <a:stretch>
-            <a:fillRect/>
-          </a:stretch>
-        </p:blipFill>
-        <p:spPr bwMode="auto">
-          <a:xfrm>
-            <a:off x="971600" y="2060848"/>
-            <a:ext cx="6480000" cy="4320000"/>
-          </a:xfrm>
-          <a:prstGeom prst="rect">
-            <a:avLst/>
-          </a:prstGeom>
-          <a:noFill/>
-          <a:ln>
-            <a:noFill/>
-          </a:ln>
-          <a:extLst>
-            <a:ext uri="{909E8E84-426E-40DD-AFC4-6F175D3DCCD1}">
-              <a14:hiddenFill xmlns:a14="http://schemas.microsoft.com/office/drawing/2010/main">
-                <a:solidFill>
-                  <a:schemeClr val="accent1"/>
-                </a:solidFill>
-              </a14:hiddenFill>
-            </a:ext>
-            <a:ext uri="{91240B29-F687-4F45-9708-019B960494DF}">
-              <a14:hiddenLine xmlns:a14="http://schemas.microsoft.com/office/drawing/2010/main" w="9525">
-                <a:solidFill>
-                  <a:schemeClr val="tx1"/>
-                </a:solidFill>
-                <a:miter lim="800000"/>
-                <a:headEnd/>
-                <a:tailEnd/>
-              </a14:hiddenLine>
-            </a:ext>
-          </a:extLst>
-        </p:spPr>
-      </p:pic>
-    </p:spTree>
-    <p:extLst>
-      <p:ext uri="{BB962C8B-B14F-4D97-AF65-F5344CB8AC3E}">
-        <p14:creationId xmlns:p14="http://schemas.microsoft.com/office/powerpoint/2010/main" val="2337814375"/>
-      </p:ext>
-    </p:extLst>
-  </p:cSld>
-  <p:clrMapOvr>
-    <a:masterClrMapping/>
-  </p:clrMapOvr>
-  <p:timing>
-    <p:tnLst>
-      <p:par>
-        <p:cTn id="1" dur="indefinite" restart="never" nodeType="tmRoot"/>
-      </p:par>
-    </p:tnLst>
-  </p:timing>
-</p:sld>
-</file>
-
-<file path=ppt/slides/slide28.xml><?xml version="1.0" encoding="utf-8"?>
-<p:sld xmlns:a="http://schemas.openxmlformats.org/drawingml/2006/main" xmlns:r="http://schemas.openxmlformats.org/officeDocument/2006/relationships" xmlns:p="http://schemas.openxmlformats.org/presentationml/2006/main">
-  <p:cSld>
-    <p:spTree>
-      <p:nvGrpSpPr>
-        <p:cNvPr id="1" name=""/>
-        <p:cNvGrpSpPr/>
-        <p:nvPr/>
-      </p:nvGrpSpPr>
-      <p:grpSpPr>
-        <a:xfrm>
-          <a:off x="0" y="0"/>
-          <a:ext cx="0" cy="0"/>
-          <a:chOff x="0" y="0"/>
-          <a:chExt cx="0" cy="0"/>
-        </a:xfrm>
-      </p:grpSpPr>
-      <p:sp>
-        <p:nvSpPr>
-          <p:cNvPr id="2" name="제목 1"/>
-          <p:cNvSpPr>
-            <a:spLocks noGrp="1"/>
-          </p:cNvSpPr>
-          <p:nvPr>
-            <p:ph type="title"/>
-          </p:nvPr>
-        </p:nvSpPr>
-        <p:spPr/>
-        <p:txBody>
-          <a:bodyPr/>
-          <a:lstStyle/>
-          <a:p>
-            <a:r>
-              <a:rPr lang="ko-KR" altLang="en-US" dirty="0" smtClean="0"/>
-              <a:t>결과화면</a:t>
-            </a:r>
-            <a:endParaRPr lang="ko-KR" altLang="en-US" dirty="0"/>
-          </a:p>
-        </p:txBody>
-      </p:sp>
-      <p:sp>
-        <p:nvSpPr>
-          <p:cNvPr id="3" name="내용 개체 틀 2"/>
-          <p:cNvSpPr>
-            <a:spLocks noGrp="1"/>
-          </p:cNvSpPr>
-          <p:nvPr>
-            <p:ph sz="quarter" idx="1"/>
-          </p:nvPr>
-        </p:nvSpPr>
-        <p:spPr/>
-        <p:txBody>
-          <a:bodyPr/>
-          <a:lstStyle/>
-          <a:p>
-            <a:r>
-              <a:rPr lang="ko-KR" altLang="en-US" dirty="0" smtClean="0"/>
-              <a:t>회원가입 화면</a:t>
-            </a:r>
-            <a:endParaRPr lang="ko-KR" altLang="en-US" dirty="0"/>
-          </a:p>
-        </p:txBody>
-      </p:sp>
-      <p:pic>
-        <p:nvPicPr>
-          <p:cNvPr id="8194" name="Picture 2"/>
-          <p:cNvPicPr>
-            <a:picLocks noChangeArrowheads="1"/>
-          </p:cNvPicPr>
-          <p:nvPr/>
-        </p:nvPicPr>
-        <p:blipFill>
-          <a:blip r:embed="rId2" cstate="print">
-            <a:extLst>
-              <a:ext uri="{28A0092B-C50C-407E-A947-70E740481C1C}">
-                <a14:useLocalDpi xmlns:a14="http://schemas.microsoft.com/office/drawing/2010/main" val="0"/>
-              </a:ext>
-            </a:extLst>
-          </a:blip>
-          <a:srcRect/>
-          <a:stretch>
-            <a:fillRect/>
-          </a:stretch>
-        </p:blipFill>
-        <p:spPr bwMode="auto">
-          <a:xfrm>
-            <a:off x="899592" y="2132856"/>
-            <a:ext cx="6480000" cy="4320000"/>
-          </a:xfrm>
-          <a:prstGeom prst="rect">
-            <a:avLst/>
-          </a:prstGeom>
-          <a:noFill/>
-          <a:ln>
-            <a:noFill/>
-          </a:ln>
-          <a:extLst>
-            <a:ext uri="{909E8E84-426E-40DD-AFC4-6F175D3DCCD1}">
-              <a14:hiddenFill xmlns:a14="http://schemas.microsoft.com/office/drawing/2010/main">
-                <a:solidFill>
-                  <a:schemeClr val="accent1"/>
-                </a:solidFill>
-              </a14:hiddenFill>
-            </a:ext>
-            <a:ext uri="{91240B29-F687-4F45-9708-019B960494DF}">
-              <a14:hiddenLine xmlns:a14="http://schemas.microsoft.com/office/drawing/2010/main" w="9525">
-                <a:solidFill>
-                  <a:schemeClr val="tx1"/>
-                </a:solidFill>
-                <a:miter lim="800000"/>
-                <a:headEnd/>
-                <a:tailEnd/>
-              </a14:hiddenLine>
-            </a:ext>
-          </a:extLst>
-        </p:spPr>
-      </p:pic>
-    </p:spTree>
-    <p:extLst>
-      <p:ext uri="{BB962C8B-B14F-4D97-AF65-F5344CB8AC3E}">
-        <p14:creationId xmlns:p14="http://schemas.microsoft.com/office/powerpoint/2010/main" val="1186847705"/>
-      </p:ext>
-    </p:extLst>
-  </p:cSld>
-  <p:clrMapOvr>
-    <a:masterClrMapping/>
-  </p:clrMapOvr>
-</p:sld>
-</file>
-
-<file path=ppt/slides/slide29.xml><?xml version="1.0" encoding="utf-8"?>
-<p:sld xmlns:a="http://schemas.openxmlformats.org/drawingml/2006/main" xmlns:r="http://schemas.openxmlformats.org/officeDocument/2006/relationships" xmlns:p="http://schemas.openxmlformats.org/presentationml/2006/main">
-  <p:cSld>
-    <p:spTree>
-      <p:nvGrpSpPr>
-        <p:cNvPr id="1" name=""/>
-        <p:cNvGrpSpPr/>
-        <p:nvPr/>
-      </p:nvGrpSpPr>
-      <p:grpSpPr>
-        <a:xfrm>
-          <a:off x="0" y="0"/>
-          <a:ext cx="0" cy="0"/>
-          <a:chOff x="0" y="0"/>
-          <a:chExt cx="0" cy="0"/>
-        </a:xfrm>
-      </p:grpSpPr>
-      <p:sp>
-        <p:nvSpPr>
-          <p:cNvPr id="2" name="제목 1"/>
-          <p:cNvSpPr>
-            <a:spLocks noGrp="1"/>
-          </p:cNvSpPr>
-          <p:nvPr>
-            <p:ph type="title"/>
-          </p:nvPr>
-        </p:nvSpPr>
-        <p:spPr/>
-        <p:txBody>
-          <a:bodyPr/>
-          <a:lstStyle/>
-          <a:p>
-            <a:r>
-              <a:rPr lang="ko-KR" altLang="en-US" dirty="0" smtClean="0"/>
-              <a:t>결과화면</a:t>
-            </a:r>
-            <a:endParaRPr lang="ko-KR" altLang="en-US" dirty="0"/>
-          </a:p>
-        </p:txBody>
-      </p:sp>
-      <p:sp>
-        <p:nvSpPr>
-          <p:cNvPr id="3" name="내용 개체 틀 2"/>
-          <p:cNvSpPr>
-            <a:spLocks noGrp="1"/>
-          </p:cNvSpPr>
-          <p:nvPr>
-            <p:ph sz="quarter" idx="1"/>
-          </p:nvPr>
-        </p:nvSpPr>
-        <p:spPr/>
-        <p:txBody>
-          <a:bodyPr/>
-          <a:lstStyle/>
-          <a:p>
-            <a:r>
-              <a:rPr lang="ko-KR" altLang="en-US" dirty="0" smtClean="0"/>
-              <a:t>회원가입</a:t>
-            </a:r>
-            <a:r>
-              <a:rPr lang="en-US" altLang="ko-KR" dirty="0" smtClean="0"/>
-              <a:t>(</a:t>
-            </a:r>
-            <a:r>
-              <a:rPr lang="ko-KR" altLang="en-US" dirty="0" smtClean="0"/>
-              <a:t>중복체크</a:t>
-            </a:r>
-            <a:r>
-              <a:rPr lang="en-US" altLang="ko-KR" dirty="0" smtClean="0"/>
-              <a:t>)</a:t>
-            </a:r>
-            <a:r>
-              <a:rPr lang="ko-KR" altLang="en-US" dirty="0" smtClean="0"/>
-              <a:t> </a:t>
-            </a:r>
-            <a:endParaRPr lang="ko-KR" altLang="en-US" dirty="0"/>
-          </a:p>
-        </p:txBody>
-      </p:sp>
-      <p:pic>
-        <p:nvPicPr>
-          <p:cNvPr id="10242" name="Picture 2"/>
-          <p:cNvPicPr>
-            <a:picLocks noChangeAspect="1" noChangeArrowheads="1"/>
-          </p:cNvPicPr>
-          <p:nvPr/>
-        </p:nvPicPr>
-        <p:blipFill>
-          <a:blip r:embed="rId2">
-            <a:extLst>
-              <a:ext uri="{28A0092B-C50C-407E-A947-70E740481C1C}">
-                <a14:useLocalDpi xmlns:a14="http://schemas.microsoft.com/office/drawing/2010/main" val="0"/>
-              </a:ext>
-            </a:extLst>
-          </a:blip>
-          <a:srcRect/>
-          <a:stretch>
-            <a:fillRect/>
-          </a:stretch>
-        </p:blipFill>
-        <p:spPr bwMode="auto">
-          <a:xfrm>
-            <a:off x="827584" y="2132856"/>
-            <a:ext cx="4305300" cy="2476500"/>
-          </a:xfrm>
-          <a:prstGeom prst="rect">
-            <a:avLst/>
-          </a:prstGeom>
-          <a:noFill/>
-          <a:ln>
-            <a:noFill/>
-          </a:ln>
-          <a:extLst>
-            <a:ext uri="{909E8E84-426E-40DD-AFC4-6F175D3DCCD1}">
-              <a14:hiddenFill xmlns:a14="http://schemas.microsoft.com/office/drawing/2010/main">
-                <a:solidFill>
-                  <a:schemeClr val="accent1"/>
-                </a:solidFill>
-              </a14:hiddenFill>
-            </a:ext>
-            <a:ext uri="{91240B29-F687-4F45-9708-019B960494DF}">
-              <a14:hiddenLine xmlns:a14="http://schemas.microsoft.com/office/drawing/2010/main" w="9525">
-                <a:solidFill>
-                  <a:schemeClr val="tx1"/>
-                </a:solidFill>
-                <a:miter lim="800000"/>
-                <a:headEnd/>
-                <a:tailEnd/>
-              </a14:hiddenLine>
-            </a:ext>
-          </a:extLst>
-        </p:spPr>
-      </p:pic>
-      <p:pic>
-        <p:nvPicPr>
-          <p:cNvPr id="10243" name="Picture 3"/>
-          <p:cNvPicPr>
-            <a:picLocks noChangeAspect="1" noChangeArrowheads="1"/>
-          </p:cNvPicPr>
-          <p:nvPr/>
-        </p:nvPicPr>
-        <p:blipFill>
-          <a:blip r:embed="rId3">
-            <a:extLst>
-              <a:ext uri="{28A0092B-C50C-407E-A947-70E740481C1C}">
-                <a14:useLocalDpi xmlns:a14="http://schemas.microsoft.com/office/drawing/2010/main" val="0"/>
-              </a:ext>
-            </a:extLst>
-          </a:blip>
-          <a:srcRect/>
-          <a:stretch>
-            <a:fillRect/>
-          </a:stretch>
-        </p:blipFill>
-        <p:spPr bwMode="auto">
-          <a:xfrm>
-            <a:off x="3347864" y="3861048"/>
-            <a:ext cx="4305300" cy="2476500"/>
-          </a:xfrm>
-          <a:prstGeom prst="rect">
-            <a:avLst/>
-          </a:prstGeom>
-          <a:noFill/>
-          <a:ln>
-            <a:noFill/>
-          </a:ln>
-          <a:extLst>
-            <a:ext uri="{909E8E84-426E-40DD-AFC4-6F175D3DCCD1}">
-              <a14:hiddenFill xmlns:a14="http://schemas.microsoft.com/office/drawing/2010/main">
-                <a:solidFill>
-                  <a:schemeClr val="accent1"/>
-                </a:solidFill>
-              </a14:hiddenFill>
-            </a:ext>
-            <a:ext uri="{91240B29-F687-4F45-9708-019B960494DF}">
-              <a14:hiddenLine xmlns:a14="http://schemas.microsoft.com/office/drawing/2010/main" w="9525">
-                <a:solidFill>
-                  <a:schemeClr val="tx1"/>
-                </a:solidFill>
-                <a:miter lim="800000"/>
-                <a:headEnd/>
-                <a:tailEnd/>
-              </a14:hiddenLine>
-            </a:ext>
-          </a:extLst>
-        </p:spPr>
-      </p:pic>
-    </p:spTree>
-    <p:extLst>
-      <p:ext uri="{BB962C8B-B14F-4D97-AF65-F5344CB8AC3E}">
-        <p14:creationId xmlns:p14="http://schemas.microsoft.com/office/powerpoint/2010/main" val="1232256268"/>
-      </p:ext>
-    </p:extLst>
-  </p:cSld>
-  <p:clrMapOvr>
-    <a:masterClrMapping/>
-  </p:clrMapOvr>
-</p:sld>
-</file>
-
-<file path=ppt/slides/slide3.xml><?xml version="1.0" encoding="utf-8"?>
-<p:sld xmlns:a="http://schemas.openxmlformats.org/drawingml/2006/main" xmlns:r="http://schemas.openxmlformats.org/officeDocument/2006/relationships" xmlns:p="http://schemas.openxmlformats.org/presentationml/2006/main">
-  <p:cSld>
-    <p:spTree>
-      <p:nvGrpSpPr>
-        <p:cNvPr id="1" name=""/>
-        <p:cNvGrpSpPr/>
-        <p:nvPr/>
-      </p:nvGrpSpPr>
-      <p:grpSpPr>
-        <a:xfrm>
-          <a:off x="0" y="0"/>
-          <a:ext cx="0" cy="0"/>
-          <a:chOff x="0" y="0"/>
-          <a:chExt cx="0" cy="0"/>
-        </a:xfrm>
-      </p:grpSpPr>
-      <p:sp>
-        <p:nvSpPr>
-          <p:cNvPr id="2" name="제목 1"/>
-          <p:cNvSpPr>
-            <a:spLocks noGrp="1"/>
-          </p:cNvSpPr>
-          <p:nvPr>
-            <p:ph type="title"/>
-          </p:nvPr>
-        </p:nvSpPr>
-        <p:spPr/>
-        <p:txBody>
-          <a:bodyPr/>
-          <a:lstStyle/>
-          <a:p>
-            <a:r>
-              <a:rPr lang="ko-KR" altLang="en-US" dirty="0" smtClean="0"/>
-              <a:t>팀 소개 및 역할</a:t>
-            </a:r>
-            <a:endParaRPr lang="ko-KR" altLang="en-US" dirty="0"/>
-          </a:p>
-        </p:txBody>
-      </p:sp>
-      <p:sp>
-        <p:nvSpPr>
-          <p:cNvPr id="3" name="내용 개체 틀 2"/>
-          <p:cNvSpPr>
-            <a:spLocks noGrp="1"/>
-          </p:cNvSpPr>
-          <p:nvPr>
-            <p:ph sz="quarter" idx="1"/>
-          </p:nvPr>
-        </p:nvSpPr>
-        <p:spPr/>
-        <p:txBody>
-          <a:bodyPr/>
-          <a:lstStyle/>
-          <a:p>
-            <a:r>
-              <a:rPr lang="ko-KR" altLang="en-US" dirty="0" smtClean="0"/>
-              <a:t>정진우</a:t>
-            </a:r>
-            <a:r>
-              <a:rPr lang="en-US" altLang="ko-KR" dirty="0" smtClean="0"/>
-              <a:t>(</a:t>
-            </a:r>
-            <a:r>
-              <a:rPr lang="ko-KR" altLang="en-US" dirty="0" smtClean="0"/>
-              <a:t>팀장</a:t>
-            </a:r>
-            <a:r>
-              <a:rPr lang="en-US" altLang="ko-KR" dirty="0" smtClean="0"/>
-              <a:t>) : </a:t>
-            </a:r>
-            <a:r>
-              <a:rPr lang="ko-KR" altLang="en-US" dirty="0" smtClean="0"/>
-              <a:t>모델링</a:t>
-            </a:r>
-            <a:r>
-              <a:rPr lang="en-US" altLang="ko-KR" dirty="0" smtClean="0"/>
-              <a:t>, </a:t>
-            </a:r>
-            <a:r>
-              <a:rPr lang="ko-KR" altLang="en-US" dirty="0" smtClean="0"/>
-              <a:t>디버깅</a:t>
-            </a:r>
-            <a:r>
-              <a:rPr lang="en-US" altLang="ko-KR" dirty="0" smtClean="0"/>
-              <a:t>, </a:t>
-            </a:r>
-            <a:r>
-              <a:rPr lang="en-US" altLang="ko-KR" dirty="0" err="1" smtClean="0"/>
-              <a:t>ppt</a:t>
-            </a:r>
-            <a:endParaRPr lang="en-US" altLang="ko-KR" dirty="0" smtClean="0"/>
-          </a:p>
-          <a:p>
-            <a:endParaRPr lang="en-US" altLang="ko-KR" dirty="0" smtClean="0"/>
-          </a:p>
-          <a:p>
-            <a:r>
-              <a:rPr lang="ko-KR" altLang="en-US" dirty="0" smtClean="0"/>
-              <a:t>이재민</a:t>
-            </a:r>
-            <a:r>
-              <a:rPr lang="en-US" altLang="ko-KR" dirty="0" smtClean="0"/>
-              <a:t>(</a:t>
-            </a:r>
-            <a:r>
-              <a:rPr lang="ko-KR" altLang="en-US" dirty="0" smtClean="0"/>
-              <a:t>팀원</a:t>
-            </a:r>
-            <a:r>
-              <a:rPr lang="en-US" altLang="ko-KR" dirty="0" smtClean="0"/>
-              <a:t>) </a:t>
-            </a:r>
-            <a:r>
-              <a:rPr lang="en-US" altLang="ko-KR" dirty="0"/>
-              <a:t>:</a:t>
-            </a:r>
-            <a:r>
-              <a:rPr lang="ko-KR" altLang="en-US" dirty="0" err="1" smtClean="0"/>
-              <a:t>크롤링</a:t>
-            </a:r>
-            <a:r>
-              <a:rPr lang="en-US" altLang="ko-KR" dirty="0" smtClean="0"/>
-              <a:t>, </a:t>
-            </a:r>
-            <a:r>
-              <a:rPr lang="ko-KR" altLang="en-US" dirty="0" smtClean="0"/>
-              <a:t>자료수집</a:t>
-            </a:r>
-            <a:r>
-              <a:rPr lang="en-US" altLang="ko-KR" dirty="0" smtClean="0"/>
-              <a:t>, </a:t>
-            </a:r>
-            <a:r>
-              <a:rPr lang="ko-KR" altLang="en-US" dirty="0" smtClean="0"/>
-              <a:t>기능구상</a:t>
-            </a:r>
-            <a:endParaRPr lang="en-US" altLang="ko-KR" dirty="0" smtClean="0"/>
-          </a:p>
-          <a:p>
-            <a:endParaRPr lang="en-US" altLang="ko-KR" dirty="0" smtClean="0"/>
-          </a:p>
-          <a:p>
-            <a:r>
-              <a:rPr lang="ko-KR" altLang="en-US" dirty="0" err="1" smtClean="0"/>
-              <a:t>진상형</a:t>
-            </a:r>
-            <a:r>
-              <a:rPr lang="en-US" altLang="ko-KR" dirty="0" smtClean="0"/>
-              <a:t>(</a:t>
-            </a:r>
-            <a:r>
-              <a:rPr lang="ko-KR" altLang="en-US" dirty="0" smtClean="0"/>
-              <a:t>팀원</a:t>
-            </a:r>
-            <a:r>
-              <a:rPr lang="en-US" altLang="ko-KR" dirty="0" smtClean="0"/>
-              <a:t>) : </a:t>
-            </a:r>
-            <a:r>
-              <a:rPr lang="ko-KR" altLang="en-US" dirty="0" err="1" smtClean="0"/>
-              <a:t>테스팅</a:t>
-            </a:r>
-            <a:r>
-              <a:rPr lang="en-US" altLang="ko-KR" dirty="0" smtClean="0"/>
-              <a:t>, </a:t>
-            </a:r>
-            <a:r>
-              <a:rPr lang="en-US" altLang="ko-KR" dirty="0" err="1" smtClean="0"/>
-              <a:t>ppt</a:t>
-            </a:r>
-            <a:endParaRPr lang="en-US" altLang="ko-KR" dirty="0" smtClean="0"/>
-          </a:p>
-          <a:p>
-            <a:endParaRPr lang="en-US" altLang="ko-KR" dirty="0" smtClean="0"/>
-          </a:p>
-          <a:p>
-            <a:r>
-              <a:rPr lang="ko-KR" altLang="en-US" dirty="0" smtClean="0"/>
-              <a:t>김선미 </a:t>
-            </a:r>
-            <a:r>
-              <a:rPr lang="en-US" altLang="ko-KR" dirty="0" smtClean="0"/>
-              <a:t>(</a:t>
-            </a:r>
-            <a:r>
-              <a:rPr lang="ko-KR" altLang="en-US" dirty="0" smtClean="0"/>
-              <a:t>팀원</a:t>
-            </a:r>
-            <a:r>
-              <a:rPr lang="en-US" altLang="ko-KR" dirty="0" smtClean="0"/>
-              <a:t>) : </a:t>
-            </a:r>
-            <a:r>
-              <a:rPr lang="ko-KR" altLang="en-US" dirty="0" smtClean="0"/>
-              <a:t>화면구현</a:t>
-            </a:r>
-            <a:r>
-              <a:rPr lang="en-US" altLang="ko-KR" dirty="0" smtClean="0"/>
-              <a:t>, </a:t>
-            </a:r>
-            <a:r>
-              <a:rPr lang="en-US" altLang="ko-KR" dirty="0" err="1" smtClean="0"/>
-              <a:t>ppt</a:t>
-            </a:r>
-            <a:endParaRPr lang="ko-KR" altLang="en-US" dirty="0"/>
-          </a:p>
-        </p:txBody>
-      </p:sp>
-    </p:spTree>
-    <p:extLst>
-      <p:ext uri="{BB962C8B-B14F-4D97-AF65-F5344CB8AC3E}">
-        <p14:creationId xmlns:p14="http://schemas.microsoft.com/office/powerpoint/2010/main" val="1309411629"/>
-      </p:ext>
-    </p:extLst>
-  </p:cSld>
-  <p:clrMapOvr>
-    <a:masterClrMapping/>
-  </p:clrMapOvr>
-  <p:timing>
-    <p:tnLst>
-      <p:par>
-        <p:cTn id="1" dur="indefinite" restart="never" nodeType="tmRoot"/>
-      </p:par>
-    </p:tnLst>
-  </p:timing>
-</p:sld>
-</file>
-
-<file path=ppt/slides/slide30.xml><?xml version="1.0" encoding="utf-8"?>
-<p:sld xmlns:a="http://schemas.openxmlformats.org/drawingml/2006/main" xmlns:r="http://schemas.openxmlformats.org/officeDocument/2006/relationships" xmlns:p="http://schemas.openxmlformats.org/presentationml/2006/main">
-  <p:cSld>
-    <p:spTree>
-      <p:nvGrpSpPr>
-        <p:cNvPr id="1" name=""/>
-        <p:cNvGrpSpPr/>
-        <p:nvPr/>
-      </p:nvGrpSpPr>
-      <p:grpSpPr>
-        <a:xfrm>
-          <a:off x="0" y="0"/>
-          <a:ext cx="0" cy="0"/>
-          <a:chOff x="0" y="0"/>
-          <a:chExt cx="0" cy="0"/>
-        </a:xfrm>
-      </p:grpSpPr>
-      <p:sp>
-        <p:nvSpPr>
-          <p:cNvPr id="2" name="제목 1"/>
-          <p:cNvSpPr>
-            <a:spLocks noGrp="1"/>
-          </p:cNvSpPr>
-          <p:nvPr>
-            <p:ph type="title"/>
-          </p:nvPr>
-        </p:nvSpPr>
-        <p:spPr/>
-        <p:txBody>
-          <a:bodyPr/>
-          <a:lstStyle/>
-          <a:p>
-            <a:r>
-              <a:rPr lang="ko-KR" altLang="en-US" dirty="0" smtClean="0"/>
-              <a:t>결과화면</a:t>
-            </a:r>
-            <a:endParaRPr lang="ko-KR" altLang="en-US" dirty="0"/>
-          </a:p>
-        </p:txBody>
-      </p:sp>
-      <p:sp>
-        <p:nvSpPr>
-          <p:cNvPr id="3" name="내용 개체 틀 2"/>
-          <p:cNvSpPr>
-            <a:spLocks noGrp="1"/>
-          </p:cNvSpPr>
-          <p:nvPr>
-            <p:ph sz="quarter" idx="1"/>
-          </p:nvPr>
-        </p:nvSpPr>
-        <p:spPr/>
-        <p:txBody>
-          <a:bodyPr/>
-          <a:lstStyle/>
-          <a:p>
-            <a:r>
-              <a:rPr lang="ko-KR" altLang="en-US" dirty="0" smtClean="0"/>
-              <a:t>회원가입</a:t>
-            </a:r>
-            <a:r>
-              <a:rPr lang="en-US" altLang="ko-KR" dirty="0" smtClean="0"/>
-              <a:t>(</a:t>
-            </a:r>
-            <a:r>
-              <a:rPr lang="ko-KR" altLang="en-US" dirty="0" smtClean="0"/>
-              <a:t>우편번호검색</a:t>
-            </a:r>
-            <a:r>
-              <a:rPr lang="en-US" altLang="ko-KR" dirty="0" smtClean="0"/>
-              <a:t>)</a:t>
-            </a:r>
-            <a:endParaRPr lang="ko-KR" altLang="en-US" dirty="0"/>
-          </a:p>
-        </p:txBody>
-      </p:sp>
-      <p:pic>
-        <p:nvPicPr>
-          <p:cNvPr id="11266" name="Picture 2"/>
-          <p:cNvPicPr>
-            <a:picLocks noChangeAspect="1" noChangeArrowheads="1"/>
-          </p:cNvPicPr>
-          <p:nvPr/>
-        </p:nvPicPr>
-        <p:blipFill>
-          <a:blip r:embed="rId2">
-            <a:extLst>
-              <a:ext uri="{28A0092B-C50C-407E-A947-70E740481C1C}">
-                <a14:useLocalDpi xmlns:a14="http://schemas.microsoft.com/office/drawing/2010/main" val="0"/>
-              </a:ext>
-            </a:extLst>
-          </a:blip>
-          <a:srcRect/>
-          <a:stretch>
-            <a:fillRect/>
-          </a:stretch>
-        </p:blipFill>
-        <p:spPr bwMode="auto">
-          <a:xfrm>
-            <a:off x="971600" y="2204864"/>
-            <a:ext cx="3617226" cy="4035152"/>
-          </a:xfrm>
-          <a:prstGeom prst="rect">
-            <a:avLst/>
-          </a:prstGeom>
-          <a:noFill/>
-          <a:ln>
-            <a:noFill/>
-          </a:ln>
-          <a:extLst>
-            <a:ext uri="{909E8E84-426E-40DD-AFC4-6F175D3DCCD1}">
-              <a14:hiddenFill xmlns:a14="http://schemas.microsoft.com/office/drawing/2010/main">
-                <a:solidFill>
-                  <a:schemeClr val="accent1"/>
-                </a:solidFill>
-              </a14:hiddenFill>
-            </a:ext>
-            <a:ext uri="{91240B29-F687-4F45-9708-019B960494DF}">
-              <a14:hiddenLine xmlns:a14="http://schemas.microsoft.com/office/drawing/2010/main" w="9525">
-                <a:solidFill>
-                  <a:schemeClr val="tx1"/>
-                </a:solidFill>
-                <a:miter lim="800000"/>
-                <a:headEnd/>
-                <a:tailEnd/>
-              </a14:hiddenLine>
-            </a:ext>
-          </a:extLst>
-        </p:spPr>
-      </p:pic>
-    </p:spTree>
-    <p:extLst>
-      <p:ext uri="{BB962C8B-B14F-4D97-AF65-F5344CB8AC3E}">
-        <p14:creationId xmlns:p14="http://schemas.microsoft.com/office/powerpoint/2010/main" val="1232256268"/>
-      </p:ext>
-    </p:extLst>
-  </p:cSld>
-  <p:clrMapOvr>
-    <a:masterClrMapping/>
-  </p:clrMapOvr>
-</p:sld>
-</file>
-
-<file path=ppt/slides/slide31.xml><?xml version="1.0" encoding="utf-8"?>
-<p:sld xmlns:a="http://schemas.openxmlformats.org/drawingml/2006/main" xmlns:r="http://schemas.openxmlformats.org/officeDocument/2006/relationships" xmlns:p="http://schemas.openxmlformats.org/presentationml/2006/main">
-  <p:cSld>
-    <p:spTree>
-      <p:nvGrpSpPr>
-        <p:cNvPr id="1" name=""/>
-        <p:cNvGrpSpPr/>
-        <p:nvPr/>
-      </p:nvGrpSpPr>
-      <p:grpSpPr>
-        <a:xfrm>
-          <a:off x="0" y="0"/>
-          <a:ext cx="0" cy="0"/>
-          <a:chOff x="0" y="0"/>
-          <a:chExt cx="0" cy="0"/>
-        </a:xfrm>
-      </p:grpSpPr>
-      <p:sp>
-        <p:nvSpPr>
-          <p:cNvPr id="2" name="제목 1"/>
-          <p:cNvSpPr>
-            <a:spLocks noGrp="1"/>
-          </p:cNvSpPr>
-          <p:nvPr>
-            <p:ph type="title"/>
-          </p:nvPr>
-        </p:nvSpPr>
-        <p:spPr/>
-        <p:txBody>
-          <a:bodyPr/>
-          <a:lstStyle/>
-          <a:p>
-            <a:r>
-              <a:rPr lang="ko-KR" altLang="en-US" dirty="0" smtClean="0"/>
-              <a:t>결과화면</a:t>
-            </a:r>
-            <a:endParaRPr lang="ko-KR" altLang="en-US" dirty="0"/>
-          </a:p>
-        </p:txBody>
-      </p:sp>
-      <p:sp>
-        <p:nvSpPr>
-          <p:cNvPr id="3" name="내용 개체 틀 2"/>
-          <p:cNvSpPr>
-            <a:spLocks noGrp="1"/>
-          </p:cNvSpPr>
-          <p:nvPr>
-            <p:ph sz="quarter" idx="1"/>
-          </p:nvPr>
-        </p:nvSpPr>
-        <p:spPr/>
-        <p:txBody>
-          <a:bodyPr/>
-          <a:lstStyle/>
-          <a:p>
-            <a:r>
-              <a:rPr lang="ko-KR" altLang="en-US" dirty="0" smtClean="0"/>
-              <a:t>회원가입</a:t>
-            </a:r>
-            <a:r>
-              <a:rPr lang="en-US" altLang="ko-KR" dirty="0" smtClean="0"/>
-              <a:t>(</a:t>
-            </a:r>
-            <a:r>
-              <a:rPr lang="ko-KR" altLang="en-US" dirty="0" smtClean="0"/>
-              <a:t>성공</a:t>
-            </a:r>
-            <a:r>
-              <a:rPr lang="en-US" altLang="ko-KR" dirty="0" smtClean="0"/>
-              <a:t>)</a:t>
-            </a:r>
-            <a:endParaRPr lang="ko-KR" altLang="en-US" dirty="0"/>
-          </a:p>
-        </p:txBody>
-      </p:sp>
-      <p:pic>
-        <p:nvPicPr>
-          <p:cNvPr id="12290" name="Picture 2"/>
-          <p:cNvPicPr>
-            <a:picLocks noChangeArrowheads="1"/>
-          </p:cNvPicPr>
-          <p:nvPr/>
-        </p:nvPicPr>
-        <p:blipFill>
-          <a:blip r:embed="rId2" cstate="print">
-            <a:extLst>
-              <a:ext uri="{28A0092B-C50C-407E-A947-70E740481C1C}">
-                <a14:useLocalDpi xmlns:a14="http://schemas.microsoft.com/office/drawing/2010/main" val="0"/>
-              </a:ext>
-            </a:extLst>
-          </a:blip>
-          <a:srcRect/>
-          <a:stretch>
-            <a:fillRect/>
-          </a:stretch>
-        </p:blipFill>
-        <p:spPr bwMode="auto">
-          <a:xfrm>
-            <a:off x="827584" y="1999114"/>
-            <a:ext cx="6480000" cy="4320000"/>
-          </a:xfrm>
-          <a:prstGeom prst="rect">
-            <a:avLst/>
-          </a:prstGeom>
-          <a:noFill/>
-          <a:ln>
-            <a:noFill/>
-          </a:ln>
-          <a:extLst>
-            <a:ext uri="{909E8E84-426E-40DD-AFC4-6F175D3DCCD1}">
-              <a14:hiddenFill xmlns:a14="http://schemas.microsoft.com/office/drawing/2010/main">
-                <a:solidFill>
-                  <a:schemeClr val="accent1"/>
-                </a:solidFill>
-              </a14:hiddenFill>
-            </a:ext>
-            <a:ext uri="{91240B29-F687-4F45-9708-019B960494DF}">
-              <a14:hiddenLine xmlns:a14="http://schemas.microsoft.com/office/drawing/2010/main" w="9525">
-                <a:solidFill>
-                  <a:schemeClr val="tx1"/>
-                </a:solidFill>
-                <a:miter lim="800000"/>
-                <a:headEnd/>
-                <a:tailEnd/>
-              </a14:hiddenLine>
-            </a:ext>
-          </a:extLst>
-        </p:spPr>
-      </p:pic>
-    </p:spTree>
-    <p:extLst>
-      <p:ext uri="{BB962C8B-B14F-4D97-AF65-F5344CB8AC3E}">
-        <p14:creationId xmlns:p14="http://schemas.microsoft.com/office/powerpoint/2010/main" val="1232256268"/>
-      </p:ext>
-    </p:extLst>
-  </p:cSld>
-  <p:clrMapOvr>
-    <a:masterClrMapping/>
-  </p:clrMapOvr>
-</p:sld>
-</file>
-
-<file path=ppt/slides/slide32.xml><?xml version="1.0" encoding="utf-8"?>
-<p:sld xmlns:a="http://schemas.openxmlformats.org/drawingml/2006/main" xmlns:r="http://schemas.openxmlformats.org/officeDocument/2006/relationships" xmlns:p="http://schemas.openxmlformats.org/presentationml/2006/main">
-  <p:cSld>
-    <p:spTree>
-      <p:nvGrpSpPr>
-        <p:cNvPr id="1" name=""/>
-        <p:cNvGrpSpPr/>
-        <p:nvPr/>
-      </p:nvGrpSpPr>
-      <p:grpSpPr>
-        <a:xfrm>
-          <a:off x="0" y="0"/>
-          <a:ext cx="0" cy="0"/>
-          <a:chOff x="0" y="0"/>
-          <a:chExt cx="0" cy="0"/>
-        </a:xfrm>
-      </p:grpSpPr>
-      <p:sp>
-        <p:nvSpPr>
-          <p:cNvPr id="2" name="제목 1"/>
-          <p:cNvSpPr>
-            <a:spLocks noGrp="1"/>
-          </p:cNvSpPr>
-          <p:nvPr>
-            <p:ph type="title"/>
-          </p:nvPr>
-        </p:nvSpPr>
-        <p:spPr/>
-        <p:txBody>
-          <a:bodyPr/>
-          <a:lstStyle/>
-          <a:p>
-            <a:r>
-              <a:rPr lang="ko-KR" altLang="en-US" dirty="0" smtClean="0"/>
-              <a:t>결과화면</a:t>
-            </a:r>
-            <a:endParaRPr lang="ko-KR" altLang="en-US" dirty="0"/>
-          </a:p>
-        </p:txBody>
-      </p:sp>
-      <p:sp>
-        <p:nvSpPr>
-          <p:cNvPr id="3" name="내용 개체 틀 2"/>
-          <p:cNvSpPr>
-            <a:spLocks noGrp="1"/>
-          </p:cNvSpPr>
-          <p:nvPr>
-            <p:ph sz="quarter" idx="1"/>
-          </p:nvPr>
-        </p:nvSpPr>
-        <p:spPr/>
-        <p:txBody>
-          <a:bodyPr/>
-          <a:lstStyle/>
-          <a:p>
-            <a:r>
-              <a:rPr lang="ko-KR" altLang="en-US" dirty="0" smtClean="0"/>
-              <a:t>로그인 화면</a:t>
+              <a:t>랭킹목록</a:t>
             </a:r>
             <a:endParaRPr lang="ko-KR" altLang="en-US" dirty="0"/>
           </a:p>
@@ -8690,976 +7468,6 @@
       <p:pic>
         <p:nvPicPr>
           <p:cNvPr id="7170" name="Picture 2"/>
-          <p:cNvPicPr>
-            <a:picLocks noChangeArrowheads="1"/>
-          </p:cNvPicPr>
-          <p:nvPr/>
-        </p:nvPicPr>
-        <p:blipFill>
-          <a:blip r:embed="rId2" cstate="print">
-            <a:extLst>
-              <a:ext uri="{28A0092B-C50C-407E-A947-70E740481C1C}">
-                <a14:useLocalDpi xmlns:a14="http://schemas.microsoft.com/office/drawing/2010/main" val="0"/>
-              </a:ext>
-            </a:extLst>
-          </a:blip>
-          <a:srcRect/>
-          <a:stretch>
-            <a:fillRect/>
-          </a:stretch>
-        </p:blipFill>
-        <p:spPr bwMode="auto">
-          <a:xfrm>
-            <a:off x="1043608" y="2060848"/>
-            <a:ext cx="6480000" cy="4320000"/>
-          </a:xfrm>
-          <a:prstGeom prst="rect">
-            <a:avLst/>
-          </a:prstGeom>
-          <a:noFill/>
-          <a:ln>
-            <a:noFill/>
-          </a:ln>
-          <a:extLst>
-            <a:ext uri="{909E8E84-426E-40DD-AFC4-6F175D3DCCD1}">
-              <a14:hiddenFill xmlns:a14="http://schemas.microsoft.com/office/drawing/2010/main">
-                <a:solidFill>
-                  <a:schemeClr val="accent1"/>
-                </a:solidFill>
-              </a14:hiddenFill>
-            </a:ext>
-            <a:ext uri="{91240B29-F687-4F45-9708-019B960494DF}">
-              <a14:hiddenLine xmlns:a14="http://schemas.microsoft.com/office/drawing/2010/main" w="9525">
-                <a:solidFill>
-                  <a:schemeClr val="tx1"/>
-                </a:solidFill>
-                <a:miter lim="800000"/>
-                <a:headEnd/>
-                <a:tailEnd/>
-              </a14:hiddenLine>
-            </a:ext>
-          </a:extLst>
-        </p:spPr>
-      </p:pic>
-    </p:spTree>
-    <p:extLst>
-      <p:ext uri="{BB962C8B-B14F-4D97-AF65-F5344CB8AC3E}">
-        <p14:creationId xmlns:p14="http://schemas.microsoft.com/office/powerpoint/2010/main" val="1614594509"/>
-      </p:ext>
-    </p:extLst>
-  </p:cSld>
-  <p:clrMapOvr>
-    <a:masterClrMapping/>
-  </p:clrMapOvr>
-</p:sld>
-</file>
-
-<file path=ppt/slides/slide33.xml><?xml version="1.0" encoding="utf-8"?>
-<p:sld xmlns:a="http://schemas.openxmlformats.org/drawingml/2006/main" xmlns:r="http://schemas.openxmlformats.org/officeDocument/2006/relationships" xmlns:p="http://schemas.openxmlformats.org/presentationml/2006/main">
-  <p:cSld>
-    <p:spTree>
-      <p:nvGrpSpPr>
-        <p:cNvPr id="1" name=""/>
-        <p:cNvGrpSpPr/>
-        <p:nvPr/>
-      </p:nvGrpSpPr>
-      <p:grpSpPr>
-        <a:xfrm>
-          <a:off x="0" y="0"/>
-          <a:ext cx="0" cy="0"/>
-          <a:chOff x="0" y="0"/>
-          <a:chExt cx="0" cy="0"/>
-        </a:xfrm>
-      </p:grpSpPr>
-      <p:sp>
-        <p:nvSpPr>
-          <p:cNvPr id="2" name="제목 1"/>
-          <p:cNvSpPr>
-            <a:spLocks noGrp="1"/>
-          </p:cNvSpPr>
-          <p:nvPr>
-            <p:ph type="title"/>
-          </p:nvPr>
-        </p:nvSpPr>
-        <p:spPr/>
-        <p:txBody>
-          <a:bodyPr/>
-          <a:lstStyle/>
-          <a:p>
-            <a:r>
-              <a:rPr lang="ko-KR" altLang="en-US" dirty="0" smtClean="0"/>
-              <a:t>결과화면</a:t>
-            </a:r>
-            <a:endParaRPr lang="ko-KR" altLang="en-US" dirty="0"/>
-          </a:p>
-        </p:txBody>
-      </p:sp>
-      <p:sp>
-        <p:nvSpPr>
-          <p:cNvPr id="3" name="내용 개체 틀 2"/>
-          <p:cNvSpPr>
-            <a:spLocks noGrp="1"/>
-          </p:cNvSpPr>
-          <p:nvPr>
-            <p:ph sz="quarter" idx="1"/>
-          </p:nvPr>
-        </p:nvSpPr>
-        <p:spPr/>
-        <p:txBody>
-          <a:bodyPr/>
-          <a:lstStyle/>
-          <a:p>
-            <a:r>
-              <a:rPr lang="ko-KR" altLang="en-US" dirty="0" smtClean="0"/>
-              <a:t>로그인 화면</a:t>
-            </a:r>
-            <a:r>
-              <a:rPr lang="en-US" altLang="ko-KR" dirty="0" smtClean="0"/>
-              <a:t>(</a:t>
-            </a:r>
-            <a:r>
-              <a:rPr lang="ko-KR" altLang="en-US" dirty="0" smtClean="0"/>
-              <a:t>실패</a:t>
-            </a:r>
-            <a:r>
-              <a:rPr lang="en-US" altLang="ko-KR" dirty="0" smtClean="0"/>
-              <a:t>)</a:t>
-            </a:r>
-            <a:endParaRPr lang="ko-KR" altLang="en-US" dirty="0"/>
-          </a:p>
-        </p:txBody>
-      </p:sp>
-      <p:pic>
-        <p:nvPicPr>
-          <p:cNvPr id="9218" name="Picture 2"/>
-          <p:cNvPicPr>
-            <a:picLocks noChangeArrowheads="1"/>
-          </p:cNvPicPr>
-          <p:nvPr/>
-        </p:nvPicPr>
-        <p:blipFill>
-          <a:blip r:embed="rId2" cstate="print">
-            <a:extLst>
-              <a:ext uri="{28A0092B-C50C-407E-A947-70E740481C1C}">
-                <a14:useLocalDpi xmlns:a14="http://schemas.microsoft.com/office/drawing/2010/main" val="0"/>
-              </a:ext>
-            </a:extLst>
-          </a:blip>
-          <a:srcRect/>
-          <a:stretch>
-            <a:fillRect/>
-          </a:stretch>
-        </p:blipFill>
-        <p:spPr bwMode="auto">
-          <a:xfrm>
-            <a:off x="971600" y="2060848"/>
-            <a:ext cx="6480000" cy="4320000"/>
-          </a:xfrm>
-          <a:prstGeom prst="rect">
-            <a:avLst/>
-          </a:prstGeom>
-          <a:noFill/>
-          <a:ln>
-            <a:noFill/>
-          </a:ln>
-          <a:extLst>
-            <a:ext uri="{909E8E84-426E-40DD-AFC4-6F175D3DCCD1}">
-              <a14:hiddenFill xmlns:a14="http://schemas.microsoft.com/office/drawing/2010/main">
-                <a:solidFill>
-                  <a:schemeClr val="accent1"/>
-                </a:solidFill>
-              </a14:hiddenFill>
-            </a:ext>
-            <a:ext uri="{91240B29-F687-4F45-9708-019B960494DF}">
-              <a14:hiddenLine xmlns:a14="http://schemas.microsoft.com/office/drawing/2010/main" w="9525">
-                <a:solidFill>
-                  <a:schemeClr val="tx1"/>
-                </a:solidFill>
-                <a:miter lim="800000"/>
-                <a:headEnd/>
-                <a:tailEnd/>
-              </a14:hiddenLine>
-            </a:ext>
-          </a:extLst>
-        </p:spPr>
-      </p:pic>
-    </p:spTree>
-    <p:extLst>
-      <p:ext uri="{BB962C8B-B14F-4D97-AF65-F5344CB8AC3E}">
-        <p14:creationId xmlns:p14="http://schemas.microsoft.com/office/powerpoint/2010/main" val="1393509405"/>
-      </p:ext>
-    </p:extLst>
-  </p:cSld>
-  <p:clrMapOvr>
-    <a:masterClrMapping/>
-  </p:clrMapOvr>
-</p:sld>
-</file>
-
-<file path=ppt/slides/slide34.xml><?xml version="1.0" encoding="utf-8"?>
-<p:sld xmlns:a="http://schemas.openxmlformats.org/drawingml/2006/main" xmlns:r="http://schemas.openxmlformats.org/officeDocument/2006/relationships" xmlns:p="http://schemas.openxmlformats.org/presentationml/2006/main">
-  <p:cSld>
-    <p:spTree>
-      <p:nvGrpSpPr>
-        <p:cNvPr id="1" name=""/>
-        <p:cNvGrpSpPr/>
-        <p:nvPr/>
-      </p:nvGrpSpPr>
-      <p:grpSpPr>
-        <a:xfrm>
-          <a:off x="0" y="0"/>
-          <a:ext cx="0" cy="0"/>
-          <a:chOff x="0" y="0"/>
-          <a:chExt cx="0" cy="0"/>
-        </a:xfrm>
-      </p:grpSpPr>
-      <p:sp>
-        <p:nvSpPr>
-          <p:cNvPr id="2" name="제목 1"/>
-          <p:cNvSpPr>
-            <a:spLocks noGrp="1"/>
-          </p:cNvSpPr>
-          <p:nvPr>
-            <p:ph type="title"/>
-          </p:nvPr>
-        </p:nvSpPr>
-        <p:spPr/>
-        <p:txBody>
-          <a:bodyPr/>
-          <a:lstStyle/>
-          <a:p>
-            <a:r>
-              <a:rPr lang="ko-KR" altLang="en-US" dirty="0" smtClean="0"/>
-              <a:t>결과화면</a:t>
-            </a:r>
-            <a:endParaRPr lang="ko-KR" altLang="en-US" dirty="0"/>
-          </a:p>
-        </p:txBody>
-      </p:sp>
-      <p:sp>
-        <p:nvSpPr>
-          <p:cNvPr id="3" name="내용 개체 틀 2"/>
-          <p:cNvSpPr>
-            <a:spLocks noGrp="1"/>
-          </p:cNvSpPr>
-          <p:nvPr>
-            <p:ph sz="quarter" idx="1"/>
-          </p:nvPr>
-        </p:nvSpPr>
-        <p:spPr/>
-        <p:txBody>
-          <a:bodyPr/>
-          <a:lstStyle/>
-          <a:p>
-            <a:r>
-              <a:rPr lang="ko-KR" altLang="en-US" dirty="0" smtClean="0"/>
-              <a:t>로그인 화면</a:t>
-            </a:r>
-            <a:r>
-              <a:rPr lang="en-US" altLang="ko-KR" dirty="0" smtClean="0"/>
-              <a:t>(</a:t>
-            </a:r>
-            <a:r>
-              <a:rPr lang="ko-KR" altLang="en-US" dirty="0" smtClean="0"/>
-              <a:t>성공</a:t>
-            </a:r>
-            <a:r>
-              <a:rPr lang="en-US" altLang="ko-KR" dirty="0" smtClean="0"/>
-              <a:t>)</a:t>
-            </a:r>
-            <a:endParaRPr lang="ko-KR" altLang="en-US" dirty="0"/>
-          </a:p>
-        </p:txBody>
-      </p:sp>
-      <p:pic>
-        <p:nvPicPr>
-          <p:cNvPr id="13314" name="Picture 2"/>
-          <p:cNvPicPr>
-            <a:picLocks noChangeArrowheads="1"/>
-          </p:cNvPicPr>
-          <p:nvPr/>
-        </p:nvPicPr>
-        <p:blipFill>
-          <a:blip r:embed="rId2" cstate="print">
-            <a:extLst>
-              <a:ext uri="{28A0092B-C50C-407E-A947-70E740481C1C}">
-                <a14:useLocalDpi xmlns:a14="http://schemas.microsoft.com/office/drawing/2010/main" val="0"/>
-              </a:ext>
-            </a:extLst>
-          </a:blip>
-          <a:srcRect/>
-          <a:stretch>
-            <a:fillRect/>
-          </a:stretch>
-        </p:blipFill>
-        <p:spPr bwMode="auto">
-          <a:xfrm>
-            <a:off x="971600" y="2132856"/>
-            <a:ext cx="6480000" cy="4320000"/>
-          </a:xfrm>
-          <a:prstGeom prst="rect">
-            <a:avLst/>
-          </a:prstGeom>
-          <a:noFill/>
-          <a:ln>
-            <a:noFill/>
-          </a:ln>
-          <a:extLst>
-            <a:ext uri="{909E8E84-426E-40DD-AFC4-6F175D3DCCD1}">
-              <a14:hiddenFill xmlns:a14="http://schemas.microsoft.com/office/drawing/2010/main">
-                <a:solidFill>
-                  <a:schemeClr val="accent1"/>
-                </a:solidFill>
-              </a14:hiddenFill>
-            </a:ext>
-            <a:ext uri="{91240B29-F687-4F45-9708-019B960494DF}">
-              <a14:hiddenLine xmlns:a14="http://schemas.microsoft.com/office/drawing/2010/main" w="9525">
-                <a:solidFill>
-                  <a:schemeClr val="tx1"/>
-                </a:solidFill>
-                <a:miter lim="800000"/>
-                <a:headEnd/>
-                <a:tailEnd/>
-              </a14:hiddenLine>
-            </a:ext>
-          </a:extLst>
-        </p:spPr>
-      </p:pic>
-    </p:spTree>
-    <p:extLst>
-      <p:ext uri="{BB962C8B-B14F-4D97-AF65-F5344CB8AC3E}">
-        <p14:creationId xmlns:p14="http://schemas.microsoft.com/office/powerpoint/2010/main" val="4153717285"/>
-      </p:ext>
-    </p:extLst>
-  </p:cSld>
-  <p:clrMapOvr>
-    <a:masterClrMapping/>
-  </p:clrMapOvr>
-</p:sld>
-</file>
-
-<file path=ppt/slides/slide35.xml><?xml version="1.0" encoding="utf-8"?>
-<p:sld xmlns:a="http://schemas.openxmlformats.org/drawingml/2006/main" xmlns:r="http://schemas.openxmlformats.org/officeDocument/2006/relationships" xmlns:p="http://schemas.openxmlformats.org/presentationml/2006/main">
-  <p:cSld>
-    <p:spTree>
-      <p:nvGrpSpPr>
-        <p:cNvPr id="1" name=""/>
-        <p:cNvGrpSpPr/>
-        <p:nvPr/>
-      </p:nvGrpSpPr>
-      <p:grpSpPr>
-        <a:xfrm>
-          <a:off x="0" y="0"/>
-          <a:ext cx="0" cy="0"/>
-          <a:chOff x="0" y="0"/>
-          <a:chExt cx="0" cy="0"/>
-        </a:xfrm>
-      </p:grpSpPr>
-      <p:sp>
-        <p:nvSpPr>
-          <p:cNvPr id="2" name="제목 1"/>
-          <p:cNvSpPr>
-            <a:spLocks noGrp="1"/>
-          </p:cNvSpPr>
-          <p:nvPr>
-            <p:ph type="title"/>
-          </p:nvPr>
-        </p:nvSpPr>
-        <p:spPr/>
-        <p:txBody>
-          <a:bodyPr/>
-          <a:lstStyle/>
-          <a:p>
-            <a:r>
-              <a:rPr lang="ko-KR" altLang="en-US" dirty="0" smtClean="0"/>
-              <a:t>결과화면</a:t>
-            </a:r>
-            <a:endParaRPr lang="ko-KR" altLang="en-US" dirty="0"/>
-          </a:p>
-        </p:txBody>
-      </p:sp>
-      <p:sp>
-        <p:nvSpPr>
-          <p:cNvPr id="3" name="내용 개체 틀 2"/>
-          <p:cNvSpPr>
-            <a:spLocks noGrp="1"/>
-          </p:cNvSpPr>
-          <p:nvPr>
-            <p:ph sz="quarter" idx="1"/>
-          </p:nvPr>
-        </p:nvSpPr>
-        <p:spPr/>
-        <p:txBody>
-          <a:bodyPr/>
-          <a:lstStyle/>
-          <a:p>
-            <a:r>
-              <a:rPr lang="ko-KR" altLang="en-US" dirty="0" smtClean="0"/>
-              <a:t>영화목록</a:t>
-            </a:r>
-            <a:endParaRPr lang="ko-KR" altLang="en-US" dirty="0"/>
-          </a:p>
-        </p:txBody>
-      </p:sp>
-      <p:pic>
-        <p:nvPicPr>
-          <p:cNvPr id="14338" name="Picture 2"/>
-          <p:cNvPicPr>
-            <a:picLocks noChangeArrowheads="1"/>
-          </p:cNvPicPr>
-          <p:nvPr/>
-        </p:nvPicPr>
-        <p:blipFill>
-          <a:blip r:embed="rId2" cstate="print">
-            <a:extLst>
-              <a:ext uri="{28A0092B-C50C-407E-A947-70E740481C1C}">
-                <a14:useLocalDpi xmlns:a14="http://schemas.microsoft.com/office/drawing/2010/main" val="0"/>
-              </a:ext>
-            </a:extLst>
-          </a:blip>
-          <a:srcRect/>
-          <a:stretch>
-            <a:fillRect/>
-          </a:stretch>
-        </p:blipFill>
-        <p:spPr bwMode="auto">
-          <a:xfrm>
-            <a:off x="971600" y="2160000"/>
-            <a:ext cx="6480000" cy="4320000"/>
-          </a:xfrm>
-          <a:prstGeom prst="rect">
-            <a:avLst/>
-          </a:prstGeom>
-          <a:noFill/>
-          <a:ln>
-            <a:noFill/>
-          </a:ln>
-          <a:extLst>
-            <a:ext uri="{909E8E84-426E-40DD-AFC4-6F175D3DCCD1}">
-              <a14:hiddenFill xmlns:a14="http://schemas.microsoft.com/office/drawing/2010/main">
-                <a:solidFill>
-                  <a:schemeClr val="accent1"/>
-                </a:solidFill>
-              </a14:hiddenFill>
-            </a:ext>
-            <a:ext uri="{91240B29-F687-4F45-9708-019B960494DF}">
-              <a14:hiddenLine xmlns:a14="http://schemas.microsoft.com/office/drawing/2010/main" w="9525">
-                <a:solidFill>
-                  <a:schemeClr val="tx1"/>
-                </a:solidFill>
-                <a:miter lim="800000"/>
-                <a:headEnd/>
-                <a:tailEnd/>
-              </a14:hiddenLine>
-            </a:ext>
-          </a:extLst>
-        </p:spPr>
-      </p:pic>
-    </p:spTree>
-    <p:extLst>
-      <p:ext uri="{BB962C8B-B14F-4D97-AF65-F5344CB8AC3E}">
-        <p14:creationId xmlns:p14="http://schemas.microsoft.com/office/powerpoint/2010/main" val="1804919878"/>
-      </p:ext>
-    </p:extLst>
-  </p:cSld>
-  <p:clrMapOvr>
-    <a:masterClrMapping/>
-  </p:clrMapOvr>
-</p:sld>
-</file>
-
-<file path=ppt/slides/slide36.xml><?xml version="1.0" encoding="utf-8"?>
-<p:sld xmlns:a="http://schemas.openxmlformats.org/drawingml/2006/main" xmlns:r="http://schemas.openxmlformats.org/officeDocument/2006/relationships" xmlns:p="http://schemas.openxmlformats.org/presentationml/2006/main">
-  <p:cSld>
-    <p:spTree>
-      <p:nvGrpSpPr>
-        <p:cNvPr id="1" name=""/>
-        <p:cNvGrpSpPr/>
-        <p:nvPr/>
-      </p:nvGrpSpPr>
-      <p:grpSpPr>
-        <a:xfrm>
-          <a:off x="0" y="0"/>
-          <a:ext cx="0" cy="0"/>
-          <a:chOff x="0" y="0"/>
-          <a:chExt cx="0" cy="0"/>
-        </a:xfrm>
-      </p:grpSpPr>
-      <p:sp>
-        <p:nvSpPr>
-          <p:cNvPr id="2" name="제목 1"/>
-          <p:cNvSpPr>
-            <a:spLocks noGrp="1"/>
-          </p:cNvSpPr>
-          <p:nvPr>
-            <p:ph type="title"/>
-          </p:nvPr>
-        </p:nvSpPr>
-        <p:spPr/>
-        <p:txBody>
-          <a:bodyPr/>
-          <a:lstStyle/>
-          <a:p>
-            <a:r>
-              <a:rPr lang="ko-KR" altLang="en-US" dirty="0" smtClean="0"/>
-              <a:t>결과화면</a:t>
-            </a:r>
-            <a:endParaRPr lang="ko-KR" altLang="en-US" dirty="0"/>
-          </a:p>
-        </p:txBody>
-      </p:sp>
-      <p:sp>
-        <p:nvSpPr>
-          <p:cNvPr id="3" name="내용 개체 틀 2"/>
-          <p:cNvSpPr>
-            <a:spLocks noGrp="1"/>
-          </p:cNvSpPr>
-          <p:nvPr>
-            <p:ph sz="quarter" idx="1"/>
-          </p:nvPr>
-        </p:nvSpPr>
-        <p:spPr/>
-        <p:txBody>
-          <a:bodyPr/>
-          <a:lstStyle/>
-          <a:p>
-            <a:r>
-              <a:rPr lang="ko-KR" altLang="en-US" dirty="0" smtClean="0"/>
-              <a:t>영화목록</a:t>
-            </a:r>
-            <a:r>
-              <a:rPr lang="en-US" altLang="ko-KR" dirty="0" smtClean="0"/>
-              <a:t>(</a:t>
-            </a:r>
-            <a:r>
-              <a:rPr lang="ko-KR" altLang="en-US" dirty="0" smtClean="0"/>
-              <a:t>상세정보 및 리뷰목록</a:t>
-            </a:r>
-            <a:r>
-              <a:rPr lang="en-US" altLang="ko-KR" dirty="0" smtClean="0"/>
-              <a:t>)</a:t>
-            </a:r>
-            <a:endParaRPr lang="ko-KR" altLang="en-US" dirty="0"/>
-          </a:p>
-        </p:txBody>
-      </p:sp>
-      <p:pic>
-        <p:nvPicPr>
-          <p:cNvPr id="15362" name="Picture 2"/>
-          <p:cNvPicPr>
-            <a:picLocks noChangeArrowheads="1"/>
-          </p:cNvPicPr>
-          <p:nvPr/>
-        </p:nvPicPr>
-        <p:blipFill>
-          <a:blip r:embed="rId2" cstate="print">
-            <a:extLst>
-              <a:ext uri="{28A0092B-C50C-407E-A947-70E740481C1C}">
-                <a14:useLocalDpi xmlns:a14="http://schemas.microsoft.com/office/drawing/2010/main" val="0"/>
-              </a:ext>
-            </a:extLst>
-          </a:blip>
-          <a:srcRect/>
-          <a:stretch>
-            <a:fillRect/>
-          </a:stretch>
-        </p:blipFill>
-        <p:spPr bwMode="auto">
-          <a:xfrm>
-            <a:off x="827584" y="2164584"/>
-            <a:ext cx="6480000" cy="4320000"/>
-          </a:xfrm>
-          <a:prstGeom prst="rect">
-            <a:avLst/>
-          </a:prstGeom>
-          <a:noFill/>
-          <a:ln>
-            <a:noFill/>
-          </a:ln>
-          <a:extLst>
-            <a:ext uri="{909E8E84-426E-40DD-AFC4-6F175D3DCCD1}">
-              <a14:hiddenFill xmlns:a14="http://schemas.microsoft.com/office/drawing/2010/main">
-                <a:solidFill>
-                  <a:schemeClr val="accent1"/>
-                </a:solidFill>
-              </a14:hiddenFill>
-            </a:ext>
-            <a:ext uri="{91240B29-F687-4F45-9708-019B960494DF}">
-              <a14:hiddenLine xmlns:a14="http://schemas.microsoft.com/office/drawing/2010/main" w="9525">
-                <a:solidFill>
-                  <a:schemeClr val="tx1"/>
-                </a:solidFill>
-                <a:miter lim="800000"/>
-                <a:headEnd/>
-                <a:tailEnd/>
-              </a14:hiddenLine>
-            </a:ext>
-          </a:extLst>
-        </p:spPr>
-      </p:pic>
-    </p:spTree>
-    <p:extLst>
-      <p:ext uri="{BB962C8B-B14F-4D97-AF65-F5344CB8AC3E}">
-        <p14:creationId xmlns:p14="http://schemas.microsoft.com/office/powerpoint/2010/main" val="1804919878"/>
-      </p:ext>
-    </p:extLst>
-  </p:cSld>
-  <p:clrMapOvr>
-    <a:masterClrMapping/>
-  </p:clrMapOvr>
-</p:sld>
-</file>
-
-<file path=ppt/slides/slide37.xml><?xml version="1.0" encoding="utf-8"?>
-<p:sld xmlns:a="http://schemas.openxmlformats.org/drawingml/2006/main" xmlns:r="http://schemas.openxmlformats.org/officeDocument/2006/relationships" xmlns:p="http://schemas.openxmlformats.org/presentationml/2006/main">
-  <p:cSld>
-    <p:spTree>
-      <p:nvGrpSpPr>
-        <p:cNvPr id="1" name=""/>
-        <p:cNvGrpSpPr/>
-        <p:nvPr/>
-      </p:nvGrpSpPr>
-      <p:grpSpPr>
-        <a:xfrm>
-          <a:off x="0" y="0"/>
-          <a:ext cx="0" cy="0"/>
-          <a:chOff x="0" y="0"/>
-          <a:chExt cx="0" cy="0"/>
-        </a:xfrm>
-      </p:grpSpPr>
-      <p:sp>
-        <p:nvSpPr>
-          <p:cNvPr id="2" name="제목 1"/>
-          <p:cNvSpPr>
-            <a:spLocks noGrp="1"/>
-          </p:cNvSpPr>
-          <p:nvPr>
-            <p:ph type="title"/>
-          </p:nvPr>
-        </p:nvSpPr>
-        <p:spPr/>
-        <p:txBody>
-          <a:bodyPr/>
-          <a:lstStyle/>
-          <a:p>
-            <a:r>
-              <a:rPr lang="ko-KR" altLang="en-US" dirty="0" smtClean="0"/>
-              <a:t>결과화면</a:t>
-            </a:r>
-            <a:endParaRPr lang="ko-KR" altLang="en-US" dirty="0"/>
-          </a:p>
-        </p:txBody>
-      </p:sp>
-      <p:sp>
-        <p:nvSpPr>
-          <p:cNvPr id="3" name="내용 개체 틀 2"/>
-          <p:cNvSpPr>
-            <a:spLocks noGrp="1"/>
-          </p:cNvSpPr>
-          <p:nvPr>
-            <p:ph sz="quarter" idx="1"/>
-          </p:nvPr>
-        </p:nvSpPr>
-        <p:spPr/>
-        <p:txBody>
-          <a:bodyPr/>
-          <a:lstStyle/>
-          <a:p>
-            <a:r>
-              <a:rPr lang="ko-KR" altLang="en-US" dirty="0" smtClean="0"/>
-              <a:t>영화검색</a:t>
-            </a:r>
-            <a:r>
-              <a:rPr lang="en-US" altLang="ko-KR" dirty="0" smtClean="0"/>
-              <a:t>(</a:t>
-            </a:r>
-            <a:r>
-              <a:rPr lang="ko-KR" altLang="en-US" dirty="0" smtClean="0"/>
-              <a:t>입력</a:t>
-            </a:r>
-            <a:r>
-              <a:rPr lang="en-US" altLang="ko-KR" dirty="0" smtClean="0"/>
-              <a:t>)</a:t>
-            </a:r>
-            <a:endParaRPr lang="ko-KR" altLang="en-US" dirty="0"/>
-          </a:p>
-        </p:txBody>
-      </p:sp>
-      <p:pic>
-        <p:nvPicPr>
-          <p:cNvPr id="16386" name="Picture 2"/>
-          <p:cNvPicPr>
-            <a:picLocks noChangeArrowheads="1"/>
-          </p:cNvPicPr>
-          <p:nvPr/>
-        </p:nvPicPr>
-        <p:blipFill>
-          <a:blip r:embed="rId2" cstate="print">
-            <a:extLst>
-              <a:ext uri="{28A0092B-C50C-407E-A947-70E740481C1C}">
-                <a14:useLocalDpi xmlns:a14="http://schemas.microsoft.com/office/drawing/2010/main" val="0"/>
-              </a:ext>
-            </a:extLst>
-          </a:blip>
-          <a:srcRect/>
-          <a:stretch>
-            <a:fillRect/>
-          </a:stretch>
-        </p:blipFill>
-        <p:spPr bwMode="auto">
-          <a:xfrm>
-            <a:off x="899592" y="2171054"/>
-            <a:ext cx="6480000" cy="4320000"/>
-          </a:xfrm>
-          <a:prstGeom prst="rect">
-            <a:avLst/>
-          </a:prstGeom>
-          <a:noFill/>
-          <a:ln>
-            <a:noFill/>
-          </a:ln>
-          <a:extLst>
-            <a:ext uri="{909E8E84-426E-40DD-AFC4-6F175D3DCCD1}">
-              <a14:hiddenFill xmlns:a14="http://schemas.microsoft.com/office/drawing/2010/main">
-                <a:solidFill>
-                  <a:schemeClr val="accent1"/>
-                </a:solidFill>
-              </a14:hiddenFill>
-            </a:ext>
-            <a:ext uri="{91240B29-F687-4F45-9708-019B960494DF}">
-              <a14:hiddenLine xmlns:a14="http://schemas.microsoft.com/office/drawing/2010/main" w="9525">
-                <a:solidFill>
-                  <a:schemeClr val="tx1"/>
-                </a:solidFill>
-                <a:miter lim="800000"/>
-                <a:headEnd/>
-                <a:tailEnd/>
-              </a14:hiddenLine>
-            </a:ext>
-          </a:extLst>
-        </p:spPr>
-      </p:pic>
-    </p:spTree>
-    <p:extLst>
-      <p:ext uri="{BB962C8B-B14F-4D97-AF65-F5344CB8AC3E}">
-        <p14:creationId xmlns:p14="http://schemas.microsoft.com/office/powerpoint/2010/main" val="1804919878"/>
-      </p:ext>
-    </p:extLst>
-  </p:cSld>
-  <p:clrMapOvr>
-    <a:masterClrMapping/>
-  </p:clrMapOvr>
-</p:sld>
-</file>
-
-<file path=ppt/slides/slide38.xml><?xml version="1.0" encoding="utf-8"?>
-<p:sld xmlns:a="http://schemas.openxmlformats.org/drawingml/2006/main" xmlns:r="http://schemas.openxmlformats.org/officeDocument/2006/relationships" xmlns:p="http://schemas.openxmlformats.org/presentationml/2006/main">
-  <p:cSld>
-    <p:spTree>
-      <p:nvGrpSpPr>
-        <p:cNvPr id="1" name=""/>
-        <p:cNvGrpSpPr/>
-        <p:nvPr/>
-      </p:nvGrpSpPr>
-      <p:grpSpPr>
-        <a:xfrm>
-          <a:off x="0" y="0"/>
-          <a:ext cx="0" cy="0"/>
-          <a:chOff x="0" y="0"/>
-          <a:chExt cx="0" cy="0"/>
-        </a:xfrm>
-      </p:grpSpPr>
-      <p:sp>
-        <p:nvSpPr>
-          <p:cNvPr id="2" name="제목 1"/>
-          <p:cNvSpPr>
-            <a:spLocks noGrp="1"/>
-          </p:cNvSpPr>
-          <p:nvPr>
-            <p:ph type="title"/>
-          </p:nvPr>
-        </p:nvSpPr>
-        <p:spPr/>
-        <p:txBody>
-          <a:bodyPr/>
-          <a:lstStyle/>
-          <a:p>
-            <a:r>
-              <a:rPr lang="ko-KR" altLang="en-US" dirty="0" smtClean="0"/>
-              <a:t>결과화면</a:t>
-            </a:r>
-            <a:endParaRPr lang="ko-KR" altLang="en-US" dirty="0"/>
-          </a:p>
-        </p:txBody>
-      </p:sp>
-      <p:sp>
-        <p:nvSpPr>
-          <p:cNvPr id="3" name="내용 개체 틀 2"/>
-          <p:cNvSpPr>
-            <a:spLocks noGrp="1"/>
-          </p:cNvSpPr>
-          <p:nvPr>
-            <p:ph sz="quarter" idx="1"/>
-          </p:nvPr>
-        </p:nvSpPr>
-        <p:spPr/>
-        <p:txBody>
-          <a:bodyPr/>
-          <a:lstStyle/>
-          <a:p>
-            <a:r>
-              <a:rPr lang="ko-KR" altLang="en-US" dirty="0" smtClean="0"/>
-              <a:t>영화검색</a:t>
-            </a:r>
-            <a:r>
-              <a:rPr lang="en-US" altLang="ko-KR" dirty="0" smtClean="0"/>
-              <a:t>(</a:t>
-            </a:r>
-            <a:r>
-              <a:rPr lang="ko-KR" altLang="en-US" dirty="0" smtClean="0"/>
-              <a:t>결과</a:t>
-            </a:r>
-            <a:r>
-              <a:rPr lang="en-US" altLang="ko-KR" dirty="0" smtClean="0"/>
-              <a:t>)</a:t>
-            </a:r>
-            <a:endParaRPr lang="ko-KR" altLang="en-US" dirty="0"/>
-          </a:p>
-        </p:txBody>
-      </p:sp>
-      <p:pic>
-        <p:nvPicPr>
-          <p:cNvPr id="17410" name="Picture 2"/>
-          <p:cNvPicPr>
-            <a:picLocks noChangeArrowheads="1"/>
-          </p:cNvPicPr>
-          <p:nvPr/>
-        </p:nvPicPr>
-        <p:blipFill>
-          <a:blip r:embed="rId2" cstate="print">
-            <a:extLst>
-              <a:ext uri="{28A0092B-C50C-407E-A947-70E740481C1C}">
-                <a14:useLocalDpi xmlns:a14="http://schemas.microsoft.com/office/drawing/2010/main" val="0"/>
-              </a:ext>
-            </a:extLst>
-          </a:blip>
-          <a:srcRect/>
-          <a:stretch>
-            <a:fillRect/>
-          </a:stretch>
-        </p:blipFill>
-        <p:spPr bwMode="auto">
-          <a:xfrm>
-            <a:off x="1043608" y="2132856"/>
-            <a:ext cx="6480000" cy="4320000"/>
-          </a:xfrm>
-          <a:prstGeom prst="rect">
-            <a:avLst/>
-          </a:prstGeom>
-          <a:noFill/>
-          <a:ln>
-            <a:noFill/>
-          </a:ln>
-          <a:extLst>
-            <a:ext uri="{909E8E84-426E-40DD-AFC4-6F175D3DCCD1}">
-              <a14:hiddenFill xmlns:a14="http://schemas.microsoft.com/office/drawing/2010/main">
-                <a:solidFill>
-                  <a:schemeClr val="accent1"/>
-                </a:solidFill>
-              </a14:hiddenFill>
-            </a:ext>
-            <a:ext uri="{91240B29-F687-4F45-9708-019B960494DF}">
-              <a14:hiddenLine xmlns:a14="http://schemas.microsoft.com/office/drawing/2010/main" w="9525">
-                <a:solidFill>
-                  <a:schemeClr val="tx1"/>
-                </a:solidFill>
-                <a:miter lim="800000"/>
-                <a:headEnd/>
-                <a:tailEnd/>
-              </a14:hiddenLine>
-            </a:ext>
-          </a:extLst>
-        </p:spPr>
-      </p:pic>
-    </p:spTree>
-    <p:extLst>
-      <p:ext uri="{BB962C8B-B14F-4D97-AF65-F5344CB8AC3E}">
-        <p14:creationId xmlns:p14="http://schemas.microsoft.com/office/powerpoint/2010/main" val="1804919878"/>
-      </p:ext>
-    </p:extLst>
-  </p:cSld>
-  <p:clrMapOvr>
-    <a:masterClrMapping/>
-  </p:clrMapOvr>
-</p:sld>
-</file>
-
-<file path=ppt/slides/slide39.xml><?xml version="1.0" encoding="utf-8"?>
-<p:sld xmlns:a="http://schemas.openxmlformats.org/drawingml/2006/main" xmlns:r="http://schemas.openxmlformats.org/officeDocument/2006/relationships" xmlns:p="http://schemas.openxmlformats.org/presentationml/2006/main">
-  <p:cSld>
-    <p:spTree>
-      <p:nvGrpSpPr>
-        <p:cNvPr id="1" name=""/>
-        <p:cNvGrpSpPr/>
-        <p:nvPr/>
-      </p:nvGrpSpPr>
-      <p:grpSpPr>
-        <a:xfrm>
-          <a:off x="0" y="0"/>
-          <a:ext cx="0" cy="0"/>
-          <a:chOff x="0" y="0"/>
-          <a:chExt cx="0" cy="0"/>
-        </a:xfrm>
-      </p:grpSpPr>
-      <p:sp>
-        <p:nvSpPr>
-          <p:cNvPr id="2" name="제목 1"/>
-          <p:cNvSpPr>
-            <a:spLocks noGrp="1"/>
-          </p:cNvSpPr>
-          <p:nvPr>
-            <p:ph type="title"/>
-          </p:nvPr>
-        </p:nvSpPr>
-        <p:spPr/>
-        <p:txBody>
-          <a:bodyPr/>
-          <a:lstStyle/>
-          <a:p>
-            <a:r>
-              <a:rPr lang="ko-KR" altLang="en-US" dirty="0" smtClean="0"/>
-              <a:t>결과화면</a:t>
-            </a:r>
-            <a:endParaRPr lang="ko-KR" altLang="en-US" dirty="0"/>
-          </a:p>
-        </p:txBody>
-      </p:sp>
-      <p:sp>
-        <p:nvSpPr>
-          <p:cNvPr id="3" name="내용 개체 틀 2"/>
-          <p:cNvSpPr>
-            <a:spLocks noGrp="1"/>
-          </p:cNvSpPr>
-          <p:nvPr>
-            <p:ph sz="quarter" idx="1"/>
-          </p:nvPr>
-        </p:nvSpPr>
-        <p:spPr/>
-        <p:txBody>
-          <a:bodyPr/>
-          <a:lstStyle/>
-          <a:p>
-            <a:r>
-              <a:rPr lang="ko-KR" altLang="en-US" dirty="0" smtClean="0"/>
-              <a:t>랭킹목록</a:t>
-            </a:r>
-            <a:endParaRPr lang="ko-KR" altLang="en-US" dirty="0"/>
-          </a:p>
-        </p:txBody>
-      </p:sp>
-      <p:pic>
-        <p:nvPicPr>
-          <p:cNvPr id="6146" name="Picture 2"/>
           <p:cNvPicPr>
             <a:picLocks noChangeArrowheads="1"/>
           </p:cNvPicPr>
@@ -9680,7 +7488,7 @@
         </p:blipFill>
         <p:spPr bwMode="auto">
           <a:xfrm>
-            <a:off x="1043608" y="2130101"/>
+            <a:off x="971600" y="2114560"/>
             <a:ext cx="6480000" cy="4320000"/>
           </a:xfrm>
           <a:prstGeom prst="rect">
@@ -9724,285 +7532,6 @@
     </p:spTree>
     <p:extLst>
       <p:ext uri="{BB962C8B-B14F-4D97-AF65-F5344CB8AC3E}">
-        <p14:creationId xmlns:p14="http://schemas.microsoft.com/office/powerpoint/2010/main" val="1804919878"/>
-      </p:ext>
-    </p:extLst>
-  </p:cSld>
-  <p:clrMapOvr>
-    <a:masterClrMapping/>
-  </p:clrMapOvr>
-  <p:timing>
-    <p:tnLst>
-      <p:par>
-        <p:cTn id="1" dur="indefinite" restart="never" nodeType="tmRoot"/>
-      </p:par>
-    </p:tnLst>
-  </p:timing>
-</p:sld>
-</file>
-
-<file path=ppt/slides/slide4.xml><?xml version="1.0" encoding="utf-8"?>
-<p:sld xmlns:a="http://schemas.openxmlformats.org/drawingml/2006/main" xmlns:r="http://schemas.openxmlformats.org/officeDocument/2006/relationships" xmlns:p="http://schemas.openxmlformats.org/presentationml/2006/main">
-  <p:cSld>
-    <p:spTree>
-      <p:nvGrpSpPr>
-        <p:cNvPr id="1" name=""/>
-        <p:cNvGrpSpPr/>
-        <p:nvPr/>
-      </p:nvGrpSpPr>
-      <p:grpSpPr>
-        <a:xfrm>
-          <a:off x="0" y="0"/>
-          <a:ext cx="0" cy="0"/>
-          <a:chOff x="0" y="0"/>
-          <a:chExt cx="0" cy="0"/>
-        </a:xfrm>
-      </p:grpSpPr>
-      <p:sp>
-        <p:nvSpPr>
-          <p:cNvPr id="2" name="제목 1"/>
-          <p:cNvSpPr>
-            <a:spLocks noGrp="1"/>
-          </p:cNvSpPr>
-          <p:nvPr>
-            <p:ph type="title"/>
-          </p:nvPr>
-        </p:nvSpPr>
-        <p:spPr/>
-        <p:txBody>
-          <a:bodyPr/>
-          <a:lstStyle/>
-          <a:p>
-            <a:r>
-              <a:rPr lang="ko-KR" altLang="en-US" dirty="0" smtClean="0"/>
-              <a:t>개발목표</a:t>
-            </a:r>
-            <a:endParaRPr lang="ko-KR" altLang="en-US" dirty="0"/>
-          </a:p>
-        </p:txBody>
-      </p:sp>
-      <p:sp>
-        <p:nvSpPr>
-          <p:cNvPr id="3" name="내용 개체 틀 2"/>
-          <p:cNvSpPr>
-            <a:spLocks noGrp="1"/>
-          </p:cNvSpPr>
-          <p:nvPr>
-            <p:ph sz="quarter" idx="1"/>
-          </p:nvPr>
-        </p:nvSpPr>
-        <p:spPr/>
-        <p:txBody>
-          <a:bodyPr/>
-          <a:lstStyle/>
-          <a:p>
-            <a:r>
-              <a:rPr lang="ko-KR" altLang="en-US" dirty="0" smtClean="0"/>
-              <a:t>영화 리뷰와 평점을 통해 자유로운 평론이 가능하다</a:t>
-            </a:r>
-            <a:r>
-              <a:rPr lang="en-US" altLang="ko-KR" dirty="0" smtClean="0"/>
-              <a:t>.</a:t>
-            </a:r>
-          </a:p>
-          <a:p>
-            <a:r>
-              <a:rPr lang="ko-KR" altLang="en-US" dirty="0" smtClean="0"/>
-              <a:t>영화 선택에 대한 의사결정에 도움을 준다</a:t>
-            </a:r>
-            <a:r>
-              <a:rPr lang="en-US" altLang="ko-KR" dirty="0" smtClean="0"/>
-              <a:t>. </a:t>
-            </a:r>
-          </a:p>
-          <a:p>
-            <a:r>
-              <a:rPr lang="ko-KR" altLang="en-US" dirty="0" smtClean="0"/>
-              <a:t>이용자들의 참여의식을 높이고 문화 생활의 수준을 향상시킨다</a:t>
-            </a:r>
-            <a:r>
-              <a:rPr lang="en-US" altLang="ko-KR" dirty="0" smtClean="0"/>
-              <a:t>.</a:t>
-            </a:r>
-            <a:r>
-              <a:rPr lang="ko-KR" altLang="en-US" dirty="0" smtClean="0"/>
-              <a:t> </a:t>
-            </a:r>
-            <a:endParaRPr lang="en-US" altLang="ko-KR" dirty="0" smtClean="0"/>
-          </a:p>
-          <a:p>
-            <a:r>
-              <a:rPr lang="ko-KR" altLang="en-US" dirty="0" smtClean="0"/>
-              <a:t>영화 </a:t>
-            </a:r>
-            <a:r>
-              <a:rPr lang="ko-KR" altLang="en-US" dirty="0" err="1" smtClean="0"/>
-              <a:t>접근성을</a:t>
-            </a:r>
-            <a:r>
-              <a:rPr lang="ko-KR" altLang="en-US" dirty="0" smtClean="0"/>
-              <a:t> 높인다</a:t>
-            </a:r>
-            <a:r>
-              <a:rPr lang="en-US" altLang="ko-KR" dirty="0" smtClean="0"/>
-              <a:t>.</a:t>
-            </a:r>
-          </a:p>
-          <a:p>
-            <a:endParaRPr lang="en-US" altLang="ko-KR" dirty="0"/>
-          </a:p>
-        </p:txBody>
-      </p:sp>
-    </p:spTree>
-    <p:extLst>
-      <p:ext uri="{BB962C8B-B14F-4D97-AF65-F5344CB8AC3E}">
-        <p14:creationId xmlns:p14="http://schemas.microsoft.com/office/powerpoint/2010/main" val="1247199384"/>
-      </p:ext>
-    </p:extLst>
-  </p:cSld>
-  <p:clrMapOvr>
-    <a:masterClrMapping/>
-  </p:clrMapOvr>
-  <p:timing>
-    <p:tnLst>
-      <p:par>
-        <p:cTn id="1" dur="indefinite" restart="never" nodeType="tmRoot"/>
-      </p:par>
-    </p:tnLst>
-  </p:timing>
-</p:sld>
-</file>
-
-<file path=ppt/slides/slide40.xml><?xml version="1.0" encoding="utf-8"?>
-<p:sld xmlns:a="http://schemas.openxmlformats.org/drawingml/2006/main" xmlns:r="http://schemas.openxmlformats.org/officeDocument/2006/relationships" xmlns:p="http://schemas.openxmlformats.org/presentationml/2006/main">
-  <p:cSld>
-    <p:spTree>
-      <p:nvGrpSpPr>
-        <p:cNvPr id="1" name=""/>
-        <p:cNvGrpSpPr/>
-        <p:nvPr/>
-      </p:nvGrpSpPr>
-      <p:grpSpPr>
-        <a:xfrm>
-          <a:off x="0" y="0"/>
-          <a:ext cx="0" cy="0"/>
-          <a:chOff x="0" y="0"/>
-          <a:chExt cx="0" cy="0"/>
-        </a:xfrm>
-      </p:grpSpPr>
-      <p:sp>
-        <p:nvSpPr>
-          <p:cNvPr id="2" name="제목 1"/>
-          <p:cNvSpPr>
-            <a:spLocks noGrp="1"/>
-          </p:cNvSpPr>
-          <p:nvPr>
-            <p:ph type="title"/>
-          </p:nvPr>
-        </p:nvSpPr>
-        <p:spPr/>
-        <p:txBody>
-          <a:bodyPr/>
-          <a:lstStyle/>
-          <a:p>
-            <a:r>
-              <a:rPr lang="ko-KR" altLang="en-US" dirty="0" smtClean="0"/>
-              <a:t>결과화면</a:t>
-            </a:r>
-            <a:endParaRPr lang="ko-KR" altLang="en-US" dirty="0"/>
-          </a:p>
-        </p:txBody>
-      </p:sp>
-      <p:sp>
-        <p:nvSpPr>
-          <p:cNvPr id="3" name="내용 개체 틀 2"/>
-          <p:cNvSpPr>
-            <a:spLocks noGrp="1"/>
-          </p:cNvSpPr>
-          <p:nvPr>
-            <p:ph sz="quarter" idx="1"/>
-          </p:nvPr>
-        </p:nvSpPr>
-        <p:spPr/>
-        <p:txBody>
-          <a:bodyPr/>
-          <a:lstStyle/>
-          <a:p>
-            <a:r>
-              <a:rPr lang="ko-KR" altLang="en-US" dirty="0" smtClean="0"/>
-              <a:t>랭킹목록</a:t>
-            </a:r>
-            <a:endParaRPr lang="ko-KR" altLang="en-US" dirty="0"/>
-          </a:p>
-        </p:txBody>
-      </p:sp>
-      <p:pic>
-        <p:nvPicPr>
-          <p:cNvPr id="7170" name="Picture 2"/>
-          <p:cNvPicPr>
-            <a:picLocks noChangeArrowheads="1"/>
-          </p:cNvPicPr>
-          <p:nvPr/>
-        </p:nvPicPr>
-        <p:blipFill>
-          <a:blip r:embed="rId2">
-            <a:extLst>
-              <a:ext uri="{28A0092B-C50C-407E-A947-70E740481C1C}">
-                <a14:useLocalDpi xmlns:a14="http://schemas.microsoft.com/office/drawing/2010/main" val="0"/>
-              </a:ext>
-            </a:extLst>
-          </a:blip>
-          <a:srcRect/>
-          <a:stretch>
-            <a:fillRect/>
-          </a:stretch>
-        </p:blipFill>
-        <p:spPr bwMode="auto">
-          <a:xfrm>
-            <a:off x="971600" y="2114560"/>
-            <a:ext cx="6480000" cy="4320000"/>
-          </a:xfrm>
-          <a:prstGeom prst="rect">
-            <a:avLst/>
-          </a:prstGeom>
-          <a:noFill/>
-          <a:ln>
-            <a:noFill/>
-          </a:ln>
-          <a:effectLst/>
-          <a:extLst>
-            <a:ext uri="{909E8E84-426E-40DD-AFC4-6F175D3DCCD1}">
-              <a14:hiddenFill xmlns:a14="http://schemas.microsoft.com/office/drawing/2010/main">
-                <a:solidFill>
-                  <a:schemeClr val="accent1"/>
-                </a:solidFill>
-              </a14:hiddenFill>
-            </a:ext>
-            <a:ext uri="{91240B29-F687-4F45-9708-019B960494DF}">
-              <a14:hiddenLine xmlns:a14="http://schemas.microsoft.com/office/drawing/2010/main" w="9525">
-                <a:solidFill>
-                  <a:schemeClr val="tx1"/>
-                </a:solidFill>
-                <a:miter lim="800000"/>
-                <a:headEnd/>
-                <a:tailEnd/>
-              </a14:hiddenLine>
-            </a:ext>
-            <a:ext uri="{AF507438-7753-43E0-B8FC-AC1667EBCBE1}">
-              <a14:hiddenEffects xmlns:a14="http://schemas.microsoft.com/office/drawing/2010/main">
-                <a:effectLst>
-                  <a:outerShdw dist="35921" dir="2700000" algn="ctr" rotWithShape="0">
-                    <a:schemeClr val="bg2"/>
-                  </a:outerShdw>
-                </a:effectLst>
-              </a14:hiddenEffects>
-            </a:ext>
-          </a:extLst>
-        </p:spPr>
-      </p:pic>
-    </p:spTree>
-    <p:extLst>
-      <p:ext uri="{BB962C8B-B14F-4D97-AF65-F5344CB8AC3E}">
         <p14:creationId xmlns:p14="http://schemas.microsoft.com/office/powerpoint/2010/main" val="620469604"/>
       </p:ext>
     </p:extLst>
@@ -10020,7 +7549,7 @@
 </p:sld>
 </file>
 
-<file path=ppt/slides/slide41.xml><?xml version="1.0" encoding="utf-8"?>
+<file path=ppt/slides/slide26.xml><?xml version="1.0" encoding="utf-8"?>
 <p:sld xmlns:a="http://schemas.openxmlformats.org/drawingml/2006/main" xmlns:r="http://schemas.openxmlformats.org/officeDocument/2006/relationships" xmlns:p="http://schemas.openxmlformats.org/presentationml/2006/main">
   <p:cSld>
     <p:spTree>
@@ -10105,7 +7634,6 @@
               <a:rPr lang="en-US" altLang="ko-KR" dirty="0" smtClean="0"/>
               <a:t>.</a:t>
             </a:r>
-            <a:endParaRPr lang="en-US" altLang="ko-KR" dirty="0" smtClean="0"/>
           </a:p>
           <a:p>
             <a:r>
@@ -10169,7 +7697,7 @@
 </p:sld>
 </file>
 
-<file path=ppt/slides/slide42.xml><?xml version="1.0" encoding="utf-8"?>
+<file path=ppt/slides/slide27.xml><?xml version="1.0" encoding="utf-8"?>
 <p:sld xmlns:a="http://schemas.openxmlformats.org/drawingml/2006/main" xmlns:r="http://schemas.openxmlformats.org/officeDocument/2006/relationships" xmlns:p="http://schemas.openxmlformats.org/presentationml/2006/main">
   <p:cSld>
     <p:spTree>
@@ -10261,6 +7789,367 @@
     <p:extLst>
       <p:ext uri="{BB962C8B-B14F-4D97-AF65-F5344CB8AC3E}">
         <p14:creationId xmlns:p14="http://schemas.microsoft.com/office/powerpoint/2010/main" val="913816987"/>
+      </p:ext>
+    </p:extLst>
+  </p:cSld>
+  <p:clrMapOvr>
+    <a:masterClrMapping/>
+  </p:clrMapOvr>
+  <p:timing>
+    <p:tnLst>
+      <p:par>
+        <p:cTn id="1" dur="indefinite" restart="never" nodeType="tmRoot"/>
+      </p:par>
+    </p:tnLst>
+  </p:timing>
+</p:sld>
+</file>
+
+<file path=ppt/slides/slide3.xml><?xml version="1.0" encoding="utf-8"?>
+<p:sld xmlns:a="http://schemas.openxmlformats.org/drawingml/2006/main" xmlns:r="http://schemas.openxmlformats.org/officeDocument/2006/relationships" xmlns:p="http://schemas.openxmlformats.org/presentationml/2006/main">
+  <p:cSld>
+    <p:spTree>
+      <p:nvGrpSpPr>
+        <p:cNvPr id="1" name=""/>
+        <p:cNvGrpSpPr/>
+        <p:nvPr/>
+      </p:nvGrpSpPr>
+      <p:grpSpPr>
+        <a:xfrm>
+          <a:off x="0" y="0"/>
+          <a:ext cx="0" cy="0"/>
+          <a:chOff x="0" y="0"/>
+          <a:chExt cx="0" cy="0"/>
+        </a:xfrm>
+      </p:grpSpPr>
+      <p:sp>
+        <p:nvSpPr>
+          <p:cNvPr id="2" name="제목 1"/>
+          <p:cNvSpPr>
+            <a:spLocks noGrp="1"/>
+          </p:cNvSpPr>
+          <p:nvPr>
+            <p:ph type="title"/>
+          </p:nvPr>
+        </p:nvSpPr>
+        <p:spPr/>
+        <p:txBody>
+          <a:bodyPr/>
+          <a:lstStyle/>
+          <a:p>
+            <a:r>
+              <a:rPr lang="ko-KR" altLang="en-US" dirty="0" smtClean="0"/>
+              <a:t>팀 소개 및 역할</a:t>
+            </a:r>
+            <a:endParaRPr lang="ko-KR" altLang="en-US" dirty="0"/>
+          </a:p>
+        </p:txBody>
+      </p:sp>
+      <p:sp>
+        <p:nvSpPr>
+          <p:cNvPr id="3" name="내용 개체 틀 2"/>
+          <p:cNvSpPr>
+            <a:spLocks noGrp="1"/>
+          </p:cNvSpPr>
+          <p:nvPr>
+            <p:ph sz="quarter" idx="1"/>
+          </p:nvPr>
+        </p:nvSpPr>
+        <p:spPr/>
+        <p:txBody>
+          <a:bodyPr/>
+          <a:lstStyle/>
+          <a:p>
+            <a:r>
+              <a:rPr lang="ko-KR" altLang="en-US" dirty="0" smtClean="0"/>
+              <a:t>정진우</a:t>
+            </a:r>
+            <a:r>
+              <a:rPr lang="en-US" altLang="ko-KR" dirty="0" smtClean="0"/>
+              <a:t>(</a:t>
+            </a:r>
+            <a:r>
+              <a:rPr lang="ko-KR" altLang="en-US" dirty="0" smtClean="0"/>
+              <a:t>팀장</a:t>
+            </a:r>
+            <a:r>
+              <a:rPr lang="en-US" altLang="ko-KR" dirty="0" smtClean="0"/>
+              <a:t>) : </a:t>
+            </a:r>
+            <a:r>
+              <a:rPr lang="ko-KR" altLang="en-US" dirty="0" smtClean="0"/>
+              <a:t>모델링</a:t>
+            </a:r>
+            <a:r>
+              <a:rPr lang="en-US" altLang="ko-KR" dirty="0" smtClean="0"/>
+              <a:t>, </a:t>
+            </a:r>
+            <a:r>
+              <a:rPr lang="ko-KR" altLang="en-US" dirty="0" smtClean="0"/>
+              <a:t>디버깅</a:t>
+            </a:r>
+            <a:r>
+              <a:rPr lang="en-US" altLang="ko-KR" dirty="0" smtClean="0"/>
+              <a:t>, </a:t>
+            </a:r>
+            <a:r>
+              <a:rPr lang="en-US" altLang="ko-KR" dirty="0" err="1" smtClean="0"/>
+              <a:t>ppt</a:t>
+            </a:r>
+            <a:endParaRPr lang="en-US" altLang="ko-KR" dirty="0" smtClean="0"/>
+          </a:p>
+          <a:p>
+            <a:endParaRPr lang="en-US" altLang="ko-KR" dirty="0" smtClean="0"/>
+          </a:p>
+          <a:p>
+            <a:r>
+              <a:rPr lang="ko-KR" altLang="en-US" dirty="0" smtClean="0"/>
+              <a:t>이재민</a:t>
+            </a:r>
+            <a:r>
+              <a:rPr lang="en-US" altLang="ko-KR" dirty="0" smtClean="0"/>
+              <a:t>(</a:t>
+            </a:r>
+            <a:r>
+              <a:rPr lang="ko-KR" altLang="en-US" dirty="0" smtClean="0"/>
+              <a:t>팀원</a:t>
+            </a:r>
+            <a:r>
+              <a:rPr lang="en-US" altLang="ko-KR" dirty="0" smtClean="0"/>
+              <a:t>) </a:t>
+            </a:r>
+            <a:r>
+              <a:rPr lang="en-US" altLang="ko-KR" dirty="0"/>
+              <a:t>:</a:t>
+            </a:r>
+            <a:r>
+              <a:rPr lang="ko-KR" altLang="en-US" dirty="0" err="1" smtClean="0"/>
+              <a:t>크롤링</a:t>
+            </a:r>
+            <a:r>
+              <a:rPr lang="en-US" altLang="ko-KR" dirty="0" smtClean="0"/>
+              <a:t>, </a:t>
+            </a:r>
+            <a:r>
+              <a:rPr lang="ko-KR" altLang="en-US" dirty="0" smtClean="0"/>
+              <a:t>자료수집</a:t>
+            </a:r>
+            <a:r>
+              <a:rPr lang="en-US" altLang="ko-KR" dirty="0" smtClean="0"/>
+              <a:t>, </a:t>
+            </a:r>
+            <a:r>
+              <a:rPr lang="ko-KR" altLang="en-US" dirty="0" smtClean="0"/>
+              <a:t>기능구상</a:t>
+            </a:r>
+            <a:endParaRPr lang="en-US" altLang="ko-KR" dirty="0" smtClean="0"/>
+          </a:p>
+          <a:p>
+            <a:endParaRPr lang="en-US" altLang="ko-KR" dirty="0" smtClean="0"/>
+          </a:p>
+          <a:p>
+            <a:r>
+              <a:rPr lang="ko-KR" altLang="en-US" dirty="0" err="1" smtClean="0"/>
+              <a:t>진상형</a:t>
+            </a:r>
+            <a:r>
+              <a:rPr lang="en-US" altLang="ko-KR" dirty="0" smtClean="0"/>
+              <a:t>(</a:t>
+            </a:r>
+            <a:r>
+              <a:rPr lang="ko-KR" altLang="en-US" dirty="0" smtClean="0"/>
+              <a:t>팀원</a:t>
+            </a:r>
+            <a:r>
+              <a:rPr lang="en-US" altLang="ko-KR" dirty="0" smtClean="0"/>
+              <a:t>) : </a:t>
+            </a:r>
+            <a:r>
+              <a:rPr lang="ko-KR" altLang="en-US" dirty="0" err="1" smtClean="0"/>
+              <a:t>테스팅</a:t>
+            </a:r>
+            <a:r>
+              <a:rPr lang="en-US" altLang="ko-KR" dirty="0" smtClean="0"/>
+              <a:t>, </a:t>
+            </a:r>
+            <a:r>
+              <a:rPr lang="en-US" altLang="ko-KR" dirty="0" err="1" smtClean="0"/>
+              <a:t>ppt</a:t>
+            </a:r>
+            <a:endParaRPr lang="en-US" altLang="ko-KR" dirty="0" smtClean="0"/>
+          </a:p>
+          <a:p>
+            <a:endParaRPr lang="en-US" altLang="ko-KR" dirty="0" smtClean="0"/>
+          </a:p>
+          <a:p>
+            <a:r>
+              <a:rPr lang="ko-KR" altLang="en-US" dirty="0" smtClean="0"/>
+              <a:t>김선미 </a:t>
+            </a:r>
+            <a:r>
+              <a:rPr lang="en-US" altLang="ko-KR" dirty="0" smtClean="0"/>
+              <a:t>(</a:t>
+            </a:r>
+            <a:r>
+              <a:rPr lang="ko-KR" altLang="en-US" dirty="0" smtClean="0"/>
+              <a:t>팀원</a:t>
+            </a:r>
+            <a:r>
+              <a:rPr lang="en-US" altLang="ko-KR" dirty="0" smtClean="0"/>
+              <a:t>) : </a:t>
+            </a:r>
+            <a:r>
+              <a:rPr lang="ko-KR" altLang="en-US" dirty="0" smtClean="0"/>
+              <a:t>화면구현</a:t>
+            </a:r>
+            <a:r>
+              <a:rPr lang="en-US" altLang="ko-KR" dirty="0" smtClean="0"/>
+              <a:t>, </a:t>
+            </a:r>
+            <a:r>
+              <a:rPr lang="en-US" altLang="ko-KR" dirty="0" err="1" smtClean="0"/>
+              <a:t>ppt</a:t>
+            </a:r>
+            <a:endParaRPr lang="ko-KR" altLang="en-US" dirty="0"/>
+          </a:p>
+        </p:txBody>
+      </p:sp>
+    </p:spTree>
+    <p:extLst>
+      <p:ext uri="{BB962C8B-B14F-4D97-AF65-F5344CB8AC3E}">
+        <p14:creationId xmlns:p14="http://schemas.microsoft.com/office/powerpoint/2010/main" val="1309411629"/>
+      </p:ext>
+    </p:extLst>
+  </p:cSld>
+  <p:clrMapOvr>
+    <a:masterClrMapping/>
+  </p:clrMapOvr>
+  <p:timing>
+    <p:tnLst>
+      <p:par>
+        <p:cTn id="1" dur="indefinite" restart="never" nodeType="tmRoot"/>
+      </p:par>
+    </p:tnLst>
+  </p:timing>
+</p:sld>
+</file>
+
+<file path=ppt/slides/slide4.xml><?xml version="1.0" encoding="utf-8"?>
+<p:sld xmlns:a="http://schemas.openxmlformats.org/drawingml/2006/main" xmlns:r="http://schemas.openxmlformats.org/officeDocument/2006/relationships" xmlns:p="http://schemas.openxmlformats.org/presentationml/2006/main">
+  <p:cSld>
+    <p:spTree>
+      <p:nvGrpSpPr>
+        <p:cNvPr id="1" name=""/>
+        <p:cNvGrpSpPr/>
+        <p:nvPr/>
+      </p:nvGrpSpPr>
+      <p:grpSpPr>
+        <a:xfrm>
+          <a:off x="0" y="0"/>
+          <a:ext cx="0" cy="0"/>
+          <a:chOff x="0" y="0"/>
+          <a:chExt cx="0" cy="0"/>
+        </a:xfrm>
+      </p:grpSpPr>
+      <p:sp>
+        <p:nvSpPr>
+          <p:cNvPr id="2" name="제목 1"/>
+          <p:cNvSpPr>
+            <a:spLocks noGrp="1"/>
+          </p:cNvSpPr>
+          <p:nvPr>
+            <p:ph type="title"/>
+          </p:nvPr>
+        </p:nvSpPr>
+        <p:spPr/>
+        <p:txBody>
+          <a:bodyPr/>
+          <a:lstStyle/>
+          <a:p>
+            <a:r>
+              <a:rPr lang="ko-KR" altLang="en-US" dirty="0" smtClean="0"/>
+              <a:t>개발목표</a:t>
+            </a:r>
+            <a:endParaRPr lang="ko-KR" altLang="en-US" dirty="0"/>
+          </a:p>
+        </p:txBody>
+      </p:sp>
+      <p:sp>
+        <p:nvSpPr>
+          <p:cNvPr id="3" name="내용 개체 틀 2"/>
+          <p:cNvSpPr>
+            <a:spLocks noGrp="1"/>
+          </p:cNvSpPr>
+          <p:nvPr>
+            <p:ph sz="quarter" idx="1"/>
+          </p:nvPr>
+        </p:nvSpPr>
+        <p:spPr/>
+        <p:txBody>
+          <a:bodyPr/>
+          <a:lstStyle/>
+          <a:p>
+            <a:r>
+              <a:rPr lang="ko-KR" altLang="en-US" dirty="0" smtClean="0"/>
+              <a:t>영화 리뷰와 평점을 통해 자유로운 평론이 가능하다</a:t>
+            </a:r>
+            <a:r>
+              <a:rPr lang="en-US" altLang="ko-KR" dirty="0" smtClean="0"/>
+              <a:t>.</a:t>
+            </a:r>
+          </a:p>
+          <a:p>
+            <a:r>
+              <a:rPr lang="ko-KR" altLang="en-US" dirty="0" smtClean="0"/>
+              <a:t>영화 선택에 대한 의사결정에 도움을 준다</a:t>
+            </a:r>
+            <a:r>
+              <a:rPr lang="en-US" altLang="ko-KR" dirty="0" smtClean="0"/>
+              <a:t>. </a:t>
+            </a:r>
+          </a:p>
+          <a:p>
+            <a:r>
+              <a:rPr lang="ko-KR" altLang="en-US" dirty="0" smtClean="0"/>
+              <a:t>이용자들의 참여의식을 높이고 문화 생활의 수준을 향상시킨다</a:t>
+            </a:r>
+            <a:r>
+              <a:rPr lang="en-US" altLang="ko-KR" dirty="0" smtClean="0"/>
+              <a:t>.</a:t>
+            </a:r>
+            <a:r>
+              <a:rPr lang="ko-KR" altLang="en-US" dirty="0" smtClean="0"/>
+              <a:t> </a:t>
+            </a:r>
+            <a:endParaRPr lang="en-US" altLang="ko-KR" dirty="0" smtClean="0"/>
+          </a:p>
+          <a:p>
+            <a:r>
+              <a:rPr lang="ko-KR" altLang="en-US" dirty="0" smtClean="0"/>
+              <a:t>영화 </a:t>
+            </a:r>
+            <a:r>
+              <a:rPr lang="ko-KR" altLang="en-US" dirty="0" err="1" smtClean="0"/>
+              <a:t>접근성을</a:t>
+            </a:r>
+            <a:r>
+              <a:rPr lang="ko-KR" altLang="en-US" dirty="0" smtClean="0"/>
+              <a:t> 높인다</a:t>
+            </a:r>
+            <a:r>
+              <a:rPr lang="en-US" altLang="ko-KR" dirty="0" smtClean="0"/>
+              <a:t>.</a:t>
+            </a:r>
+          </a:p>
+          <a:p>
+            <a:endParaRPr lang="en-US" altLang="ko-KR" dirty="0"/>
+          </a:p>
+        </p:txBody>
+      </p:sp>
+    </p:spTree>
+    <p:extLst>
+      <p:ext uri="{BB962C8B-B14F-4D97-AF65-F5344CB8AC3E}">
+        <p14:creationId xmlns:p14="http://schemas.microsoft.com/office/powerpoint/2010/main" val="1247199384"/>
       </p:ext>
     </p:extLst>
   </p:cSld>

--- a/영화소개 프로젝트.pptx
+++ b/영화소개 프로젝트.pptx
@@ -26,12 +26,11 @@
     <p:sldId id="295" r:id="rId20"/>
     <p:sldId id="285" r:id="rId21"/>
     <p:sldId id="286" r:id="rId22"/>
-    <p:sldId id="287" r:id="rId23"/>
-    <p:sldId id="288" r:id="rId24"/>
-    <p:sldId id="293" r:id="rId25"/>
-    <p:sldId id="307" r:id="rId26"/>
-    <p:sldId id="308" r:id="rId27"/>
-    <p:sldId id="309" r:id="rId28"/>
+    <p:sldId id="288" r:id="rId23"/>
+    <p:sldId id="293" r:id="rId24"/>
+    <p:sldId id="307" r:id="rId25"/>
+    <p:sldId id="308" r:id="rId26"/>
+    <p:sldId id="309" r:id="rId27"/>
   </p:sldIdLst>
   <p:sldSz cx="9144000" cy="6858000" type="screen4x3"/>
   <p:notesSz cx="6858000" cy="9144000"/>
@@ -5461,60 +5460,6 @@
           </a:p>
         </p:txBody>
       </p:sp>
-      <p:pic>
-        <p:nvPicPr>
-          <p:cNvPr id="6146" name="Picture 2"/>
-          <p:cNvPicPr>
-            <a:picLocks noChangeArrowheads="1"/>
-          </p:cNvPicPr>
-          <p:nvPr/>
-        </p:nvPicPr>
-        <p:blipFill>
-          <a:blip r:embed="rId2" cstate="print">
-            <a:extLst>
-              <a:ext uri="{28A0092B-C50C-407E-A947-70E740481C1C}">
-                <a14:useLocalDpi xmlns:a14="http://schemas.microsoft.com/office/drawing/2010/main" val="0"/>
-              </a:ext>
-            </a:extLst>
-          </a:blip>
-          <a:srcRect/>
-          <a:stretch>
-            <a:fillRect/>
-          </a:stretch>
-        </p:blipFill>
-        <p:spPr bwMode="auto">
-          <a:xfrm>
-            <a:off x="971600" y="2060848"/>
-            <a:ext cx="6480000" cy="4320000"/>
-          </a:xfrm>
-          <a:prstGeom prst="rect">
-            <a:avLst/>
-          </a:prstGeom>
-          <a:noFill/>
-          <a:ln>
-            <a:noFill/>
-          </a:ln>
-          <a:extLst>
-            <a:ext uri="{909E8E84-426E-40DD-AFC4-6F175D3DCCD1}">
-              <a14:hiddenFill xmlns:a14="http://schemas.microsoft.com/office/drawing/2010/main">
-                <a:solidFill>
-                  <a:schemeClr val="accent1"/>
-                </a:solidFill>
-              </a14:hiddenFill>
-            </a:ext>
-            <a:ext uri="{91240B29-F687-4F45-9708-019B960494DF}">
-              <a14:hiddenLine xmlns:a14="http://schemas.microsoft.com/office/drawing/2010/main" w="9525">
-                <a:solidFill>
-                  <a:schemeClr val="tx1"/>
-                </a:solidFill>
-                <a:miter lim="800000"/>
-                <a:headEnd/>
-                <a:tailEnd/>
-              </a14:hiddenLine>
-            </a:ext>
-          </a:extLst>
-        </p:spPr>
-      </p:pic>
     </p:spTree>
     <p:extLst>
       <p:ext uri="{BB962C8B-B14F-4D97-AF65-F5344CB8AC3E}">
@@ -5598,31 +5543,18 @@
           </a:p>
         </p:txBody>
       </p:sp>
-      <p:pic>
-        <p:nvPicPr>
-          <p:cNvPr id="8194" name="Picture 2"/>
-          <p:cNvPicPr>
-            <a:picLocks noChangeArrowheads="1"/>
-          </p:cNvPicPr>
+      <p:sp>
+        <p:nvSpPr>
+          <p:cNvPr id="4" name="Rectangle 2"/>
+          <p:cNvSpPr>
+            <a:spLocks noChangeArrowheads="1"/>
+          </p:cNvSpPr>
           <p:nvPr/>
-        </p:nvPicPr>
-        <p:blipFill>
-          <a:blip r:embed="rId2" cstate="print">
-            <a:extLst>
-              <a:ext uri="{28A0092B-C50C-407E-A947-70E740481C1C}">
-                <a14:useLocalDpi xmlns:a14="http://schemas.microsoft.com/office/drawing/2010/main" val="0"/>
-              </a:ext>
-            </a:extLst>
-          </a:blip>
-          <a:srcRect/>
-          <a:stretch>
-            <a:fillRect/>
-          </a:stretch>
-        </p:blipFill>
+        </p:nvSpPr>
         <p:spPr bwMode="auto">
           <a:xfrm>
-            <a:off x="899592" y="2132856"/>
-            <a:ext cx="6480000" cy="4320000"/>
+            <a:off x="0" y="0"/>
+            <a:ext cx="9144000" cy="457200"/>
           </a:xfrm>
           <a:prstGeom prst="rect">
             <a:avLst/>
@@ -5631,6 +5563,7 @@
           <a:ln>
             <a:noFill/>
           </a:ln>
+          <a:effectLst/>
           <a:extLst>
             <a:ext uri="{909E8E84-426E-40DD-AFC4-6F175D3DCCD1}">
               <a14:hiddenFill xmlns:a14="http://schemas.microsoft.com/office/drawing/2010/main">
@@ -5648,6 +5581,68 @@
                 <a:headEnd/>
                 <a:tailEnd/>
               </a14:hiddenLine>
+            </a:ext>
+            <a:ext uri="{AF507438-7753-43E0-B8FC-AC1667EBCBE1}">
+              <a14:hiddenEffects xmlns:a14="http://schemas.microsoft.com/office/drawing/2010/main">
+                <a:effectLst>
+                  <a:outerShdw dist="35921" dir="2700000" algn="ctr" rotWithShape="0">
+                    <a:schemeClr val="bg2"/>
+                  </a:outerShdw>
+                </a:effectLst>
+              </a14:hiddenEffects>
+            </a:ext>
+          </a:extLst>
+        </p:spPr>
+        <p:txBody>
+          <a:bodyPr vert="horz" wrap="none" lIns="91440" tIns="45720" rIns="91440" bIns="45720" numCol="1" anchor="ctr" anchorCtr="0" compatLnSpc="1">
+            <a:prstTxWarp prst="textNoShape">
+              <a:avLst/>
+            </a:prstTxWarp>
+            <a:spAutoFit/>
+          </a:bodyPr>
+          <a:lstStyle/>
+          <a:p>
+            <a:endParaRPr lang="ko-KR" altLang="en-US"/>
+          </a:p>
+        </p:txBody>
+      </p:sp>
+      <p:pic>
+        <p:nvPicPr>
+          <p:cNvPr id="1025" name="_x133781872" descr="EMB0000120468c1"/>
+          <p:cNvPicPr>
+            <a:picLocks noChangeAspect="1" noChangeArrowheads="1"/>
+          </p:cNvPicPr>
+          <p:nvPr/>
+        </p:nvPicPr>
+        <p:blipFill>
+          <a:blip r:embed="rId2">
+            <a:extLst>
+              <a:ext uri="{28A0092B-C50C-407E-A947-70E740481C1C}">
+                <a14:useLocalDpi xmlns:a14="http://schemas.microsoft.com/office/drawing/2010/main" val="0"/>
+              </a:ext>
+            </a:extLst>
+          </a:blip>
+          <a:srcRect/>
+          <a:stretch>
+            <a:fillRect/>
+          </a:stretch>
+        </p:blipFill>
+        <p:spPr bwMode="auto">
+          <a:xfrm>
+            <a:off x="726265" y="2227348"/>
+            <a:ext cx="7344816" cy="3912053"/>
+          </a:xfrm>
+          <a:prstGeom prst="rect">
+            <a:avLst/>
+          </a:prstGeom>
+          <a:noFill/>
+          <a:extLst>
+            <a:ext uri="{909E8E84-426E-40DD-AFC4-6F175D3DCCD1}">
+              <a14:hiddenFill xmlns:a14="http://schemas.microsoft.com/office/drawing/2010/main">
+                <a:solidFill>
+                  <a:srgbClr val="FFFFFF"/>
+                </a:solidFill>
+              </a14:hiddenFill>
             </a:ext>
           </a:extLst>
         </p:spPr>
@@ -6082,31 +6077,18 @@
           </a:p>
         </p:txBody>
       </p:sp>
-      <p:pic>
-        <p:nvPicPr>
-          <p:cNvPr id="12290" name="Picture 2"/>
-          <p:cNvPicPr>
-            <a:picLocks noChangeArrowheads="1"/>
-          </p:cNvPicPr>
+      <p:sp>
+        <p:nvSpPr>
+          <p:cNvPr id="4" name="Rectangle 2"/>
+          <p:cNvSpPr>
+            <a:spLocks noChangeArrowheads="1"/>
+          </p:cNvSpPr>
           <p:nvPr/>
-        </p:nvPicPr>
-        <p:blipFill>
-          <a:blip r:embed="rId2" cstate="print">
-            <a:extLst>
-              <a:ext uri="{28A0092B-C50C-407E-A947-70E740481C1C}">
-                <a14:useLocalDpi xmlns:a14="http://schemas.microsoft.com/office/drawing/2010/main" val="0"/>
-              </a:ext>
-            </a:extLst>
-          </a:blip>
-          <a:srcRect/>
-          <a:stretch>
-            <a:fillRect/>
-          </a:stretch>
-        </p:blipFill>
+        </p:nvSpPr>
         <p:spPr bwMode="auto">
           <a:xfrm>
-            <a:off x="827584" y="1999114"/>
-            <a:ext cx="6480000" cy="4320000"/>
+            <a:off x="0" y="0"/>
+            <a:ext cx="9144000" cy="457200"/>
           </a:xfrm>
           <a:prstGeom prst="rect">
             <a:avLst/>
@@ -6115,6 +6097,7 @@
           <a:ln>
             <a:noFill/>
           </a:ln>
+          <a:effectLst/>
           <a:extLst>
             <a:ext uri="{909E8E84-426E-40DD-AFC4-6F175D3DCCD1}">
               <a14:hiddenFill xmlns:a14="http://schemas.microsoft.com/office/drawing/2010/main">
@@ -6132,6 +6115,68 @@
                 <a:headEnd/>
                 <a:tailEnd/>
               </a14:hiddenLine>
+            </a:ext>
+            <a:ext uri="{AF507438-7753-43E0-B8FC-AC1667EBCBE1}">
+              <a14:hiddenEffects xmlns:a14="http://schemas.microsoft.com/office/drawing/2010/main">
+                <a:effectLst>
+                  <a:outerShdw dist="35921" dir="2700000" algn="ctr" rotWithShape="0">
+                    <a:schemeClr val="bg2"/>
+                  </a:outerShdw>
+                </a:effectLst>
+              </a14:hiddenEffects>
+            </a:ext>
+          </a:extLst>
+        </p:spPr>
+        <p:txBody>
+          <a:bodyPr vert="horz" wrap="none" lIns="91440" tIns="45720" rIns="91440" bIns="45720" numCol="1" anchor="ctr" anchorCtr="0" compatLnSpc="1">
+            <a:prstTxWarp prst="textNoShape">
+              <a:avLst/>
+            </a:prstTxWarp>
+            <a:spAutoFit/>
+          </a:bodyPr>
+          <a:lstStyle/>
+          <a:p>
+            <a:endParaRPr lang="ko-KR" altLang="en-US"/>
+          </a:p>
+        </p:txBody>
+      </p:sp>
+      <p:pic>
+        <p:nvPicPr>
+          <p:cNvPr id="2049" name="_x191234888" descr="EMB0000120468c5"/>
+          <p:cNvPicPr>
+            <a:picLocks noChangeAspect="1" noChangeArrowheads="1"/>
+          </p:cNvPicPr>
+          <p:nvPr/>
+        </p:nvPicPr>
+        <p:blipFill>
+          <a:blip r:embed="rId2">
+            <a:extLst>
+              <a:ext uri="{28A0092B-C50C-407E-A947-70E740481C1C}">
+                <a14:useLocalDpi xmlns:a14="http://schemas.microsoft.com/office/drawing/2010/main" val="0"/>
+              </a:ext>
+            </a:extLst>
+          </a:blip>
+          <a:srcRect/>
+          <a:stretch>
+            <a:fillRect/>
+          </a:stretch>
+        </p:blipFill>
+        <p:spPr bwMode="auto">
+          <a:xfrm>
+            <a:off x="899592" y="2204864"/>
+            <a:ext cx="7165273" cy="3816424"/>
+          </a:xfrm>
+          <a:prstGeom prst="rect">
+            <a:avLst/>
+          </a:prstGeom>
+          <a:noFill/>
+          <a:extLst>
+            <a:ext uri="{909E8E84-426E-40DD-AFC4-6F175D3DCCD1}">
+              <a14:hiddenFill xmlns:a14="http://schemas.microsoft.com/office/drawing/2010/main">
+                <a:solidFill>
+                  <a:srgbClr val="FFFFFF"/>
+                </a:solidFill>
+              </a14:hiddenFill>
             </a:ext>
           </a:extLst>
         </p:spPr>
@@ -6212,31 +6257,18 @@
           </a:p>
         </p:txBody>
       </p:sp>
-      <p:pic>
-        <p:nvPicPr>
-          <p:cNvPr id="7170" name="Picture 2"/>
-          <p:cNvPicPr>
-            <a:picLocks noChangeArrowheads="1"/>
-          </p:cNvPicPr>
+      <p:sp>
+        <p:nvSpPr>
+          <p:cNvPr id="4" name="Rectangle 2"/>
+          <p:cNvSpPr>
+            <a:spLocks noChangeArrowheads="1"/>
+          </p:cNvSpPr>
           <p:nvPr/>
-        </p:nvPicPr>
-        <p:blipFill>
-          <a:blip r:embed="rId2" cstate="print">
-            <a:extLst>
-              <a:ext uri="{28A0092B-C50C-407E-A947-70E740481C1C}">
-                <a14:useLocalDpi xmlns:a14="http://schemas.microsoft.com/office/drawing/2010/main" val="0"/>
-              </a:ext>
-            </a:extLst>
-          </a:blip>
-          <a:srcRect/>
-          <a:stretch>
-            <a:fillRect/>
-          </a:stretch>
-        </p:blipFill>
+        </p:nvSpPr>
         <p:spPr bwMode="auto">
           <a:xfrm>
-            <a:off x="1043608" y="2060848"/>
-            <a:ext cx="6480000" cy="4320000"/>
+            <a:off x="0" y="0"/>
+            <a:ext cx="9144000" cy="457200"/>
           </a:xfrm>
           <a:prstGeom prst="rect">
             <a:avLst/>
@@ -6245,6 +6277,7 @@
           <a:ln>
             <a:noFill/>
           </a:ln>
+          <a:effectLst/>
           <a:extLst>
             <a:ext uri="{909E8E84-426E-40DD-AFC4-6F175D3DCCD1}">
               <a14:hiddenFill xmlns:a14="http://schemas.microsoft.com/office/drawing/2010/main">
@@ -6262,6 +6295,68 @@
                 <a:headEnd/>
                 <a:tailEnd/>
               </a14:hiddenLine>
+            </a:ext>
+            <a:ext uri="{AF507438-7753-43E0-B8FC-AC1667EBCBE1}">
+              <a14:hiddenEffects xmlns:a14="http://schemas.microsoft.com/office/drawing/2010/main">
+                <a:effectLst>
+                  <a:outerShdw dist="35921" dir="2700000" algn="ctr" rotWithShape="0">
+                    <a:schemeClr val="bg2"/>
+                  </a:outerShdw>
+                </a:effectLst>
+              </a14:hiddenEffects>
+            </a:ext>
+          </a:extLst>
+        </p:spPr>
+        <p:txBody>
+          <a:bodyPr vert="horz" wrap="none" lIns="91440" tIns="45720" rIns="91440" bIns="45720" numCol="1" anchor="ctr" anchorCtr="0" compatLnSpc="1">
+            <a:prstTxWarp prst="textNoShape">
+              <a:avLst/>
+            </a:prstTxWarp>
+            <a:spAutoFit/>
+          </a:bodyPr>
+          <a:lstStyle/>
+          <a:p>
+            <a:endParaRPr lang="ko-KR" altLang="en-US"/>
+          </a:p>
+        </p:txBody>
+      </p:sp>
+      <p:pic>
+        <p:nvPicPr>
+          <p:cNvPr id="3073" name="_x191238088" descr="EMB0000120468c9"/>
+          <p:cNvPicPr>
+            <a:picLocks noChangeAspect="1" noChangeArrowheads="1"/>
+          </p:cNvPicPr>
+          <p:nvPr/>
+        </p:nvPicPr>
+        <p:blipFill>
+          <a:blip r:embed="rId2">
+            <a:extLst>
+              <a:ext uri="{28A0092B-C50C-407E-A947-70E740481C1C}">
+                <a14:useLocalDpi xmlns:a14="http://schemas.microsoft.com/office/drawing/2010/main" val="0"/>
+              </a:ext>
+            </a:extLst>
+          </a:blip>
+          <a:srcRect/>
+          <a:stretch>
+            <a:fillRect/>
+          </a:stretch>
+        </p:blipFill>
+        <p:spPr bwMode="auto">
+          <a:xfrm>
+            <a:off x="683568" y="2204864"/>
+            <a:ext cx="7300467" cy="3888432"/>
+          </a:xfrm>
+          <a:prstGeom prst="rect">
+            <a:avLst/>
+          </a:prstGeom>
+          <a:noFill/>
+          <a:extLst>
+            <a:ext uri="{909E8E84-426E-40DD-AFC4-6F175D3DCCD1}">
+              <a14:hiddenFill xmlns:a14="http://schemas.microsoft.com/office/drawing/2010/main">
+                <a:solidFill>
+                  <a:srgbClr val="FFFFFF"/>
+                </a:solidFill>
+              </a14:hiddenFill>
             </a:ext>
           </a:extLst>
         </p:spPr>
@@ -6354,31 +6449,18 @@
           </a:p>
         </p:txBody>
       </p:sp>
-      <p:pic>
-        <p:nvPicPr>
-          <p:cNvPr id="9218" name="Picture 2"/>
-          <p:cNvPicPr>
-            <a:picLocks noChangeArrowheads="1"/>
-          </p:cNvPicPr>
+      <p:sp>
+        <p:nvSpPr>
+          <p:cNvPr id="4" name="Rectangle 2"/>
+          <p:cNvSpPr>
+            <a:spLocks noChangeArrowheads="1"/>
+          </p:cNvSpPr>
           <p:nvPr/>
-        </p:nvPicPr>
-        <p:blipFill>
-          <a:blip r:embed="rId2" cstate="print">
-            <a:extLst>
-              <a:ext uri="{28A0092B-C50C-407E-A947-70E740481C1C}">
-                <a14:useLocalDpi xmlns:a14="http://schemas.microsoft.com/office/drawing/2010/main" val="0"/>
-              </a:ext>
-            </a:extLst>
-          </a:blip>
-          <a:srcRect/>
-          <a:stretch>
-            <a:fillRect/>
-          </a:stretch>
-        </p:blipFill>
+        </p:nvSpPr>
         <p:spPr bwMode="auto">
           <a:xfrm>
-            <a:off x="971600" y="2060848"/>
-            <a:ext cx="6480000" cy="4320000"/>
+            <a:off x="0" y="0"/>
+            <a:ext cx="9144000" cy="457200"/>
           </a:xfrm>
           <a:prstGeom prst="rect">
             <a:avLst/>
@@ -6387,6 +6469,7 @@
           <a:ln>
             <a:noFill/>
           </a:ln>
+          <a:effectLst/>
           <a:extLst>
             <a:ext uri="{909E8E84-426E-40DD-AFC4-6F175D3DCCD1}">
               <a14:hiddenFill xmlns:a14="http://schemas.microsoft.com/office/drawing/2010/main">
@@ -6404,6 +6487,68 @@
                 <a:headEnd/>
                 <a:tailEnd/>
               </a14:hiddenLine>
+            </a:ext>
+            <a:ext uri="{AF507438-7753-43E0-B8FC-AC1667EBCBE1}">
+              <a14:hiddenEffects xmlns:a14="http://schemas.microsoft.com/office/drawing/2010/main">
+                <a:effectLst>
+                  <a:outerShdw dist="35921" dir="2700000" algn="ctr" rotWithShape="0">
+                    <a:schemeClr val="bg2"/>
+                  </a:outerShdw>
+                </a:effectLst>
+              </a14:hiddenEffects>
+            </a:ext>
+          </a:extLst>
+        </p:spPr>
+        <p:txBody>
+          <a:bodyPr vert="horz" wrap="none" lIns="91440" tIns="45720" rIns="91440" bIns="45720" numCol="1" anchor="ctr" anchorCtr="0" compatLnSpc="1">
+            <a:prstTxWarp prst="textNoShape">
+              <a:avLst/>
+            </a:prstTxWarp>
+            <a:spAutoFit/>
+          </a:bodyPr>
+          <a:lstStyle/>
+          <a:p>
+            <a:endParaRPr lang="ko-KR" altLang="en-US"/>
+          </a:p>
+        </p:txBody>
+      </p:sp>
+      <p:pic>
+        <p:nvPicPr>
+          <p:cNvPr id="4097" name="_x133781792" descr="EMB0000120468cc"/>
+          <p:cNvPicPr>
+            <a:picLocks noChangeAspect="1" noChangeArrowheads="1"/>
+          </p:cNvPicPr>
+          <p:nvPr/>
+        </p:nvPicPr>
+        <p:blipFill>
+          <a:blip r:embed="rId2">
+            <a:extLst>
+              <a:ext uri="{28A0092B-C50C-407E-A947-70E740481C1C}">
+                <a14:useLocalDpi xmlns:a14="http://schemas.microsoft.com/office/drawing/2010/main" val="0"/>
+              </a:ext>
+            </a:extLst>
+          </a:blip>
+          <a:srcRect/>
+          <a:stretch>
+            <a:fillRect/>
+          </a:stretch>
+        </p:blipFill>
+        <p:spPr bwMode="auto">
+          <a:xfrm>
+            <a:off x="827584" y="2272173"/>
+            <a:ext cx="7056784" cy="3758640"/>
+          </a:xfrm>
+          <a:prstGeom prst="rect">
+            <a:avLst/>
+          </a:prstGeom>
+          <a:noFill/>
+          <a:extLst>
+            <a:ext uri="{909E8E84-426E-40DD-AFC4-6F175D3DCCD1}">
+              <a14:hiddenFill xmlns:a14="http://schemas.microsoft.com/office/drawing/2010/main">
+                <a:solidFill>
+                  <a:srgbClr val="FFFFFF"/>
+                </a:solidFill>
+              </a14:hiddenFill>
             </a:ext>
           </a:extLst>
         </p:spPr>
@@ -6496,31 +6641,18 @@
           </a:p>
         </p:txBody>
       </p:sp>
-      <p:pic>
-        <p:nvPicPr>
-          <p:cNvPr id="13314" name="Picture 2"/>
-          <p:cNvPicPr>
-            <a:picLocks noChangeArrowheads="1"/>
-          </p:cNvPicPr>
+      <p:sp>
+        <p:nvSpPr>
+          <p:cNvPr id="4" name="Rectangle 2"/>
+          <p:cNvSpPr>
+            <a:spLocks noChangeArrowheads="1"/>
+          </p:cNvSpPr>
           <p:nvPr/>
-        </p:nvPicPr>
-        <p:blipFill>
-          <a:blip r:embed="rId2" cstate="print">
-            <a:extLst>
-              <a:ext uri="{28A0092B-C50C-407E-A947-70E740481C1C}">
-                <a14:useLocalDpi xmlns:a14="http://schemas.microsoft.com/office/drawing/2010/main" val="0"/>
-              </a:ext>
-            </a:extLst>
-          </a:blip>
-          <a:srcRect/>
-          <a:stretch>
-            <a:fillRect/>
-          </a:stretch>
-        </p:blipFill>
+        </p:nvSpPr>
         <p:spPr bwMode="auto">
           <a:xfrm>
-            <a:off x="971600" y="2132856"/>
-            <a:ext cx="6480000" cy="4320000"/>
+            <a:off x="0" y="0"/>
+            <a:ext cx="9144000" cy="457200"/>
           </a:xfrm>
           <a:prstGeom prst="rect">
             <a:avLst/>
@@ -6529,6 +6661,7 @@
           <a:ln>
             <a:noFill/>
           </a:ln>
+          <a:effectLst/>
           <a:extLst>
             <a:ext uri="{909E8E84-426E-40DD-AFC4-6F175D3DCCD1}">
               <a14:hiddenFill xmlns:a14="http://schemas.microsoft.com/office/drawing/2010/main">
@@ -6546,6 +6679,68 @@
                 <a:headEnd/>
                 <a:tailEnd/>
               </a14:hiddenLine>
+            </a:ext>
+            <a:ext uri="{AF507438-7753-43E0-B8FC-AC1667EBCBE1}">
+              <a14:hiddenEffects xmlns:a14="http://schemas.microsoft.com/office/drawing/2010/main">
+                <a:effectLst>
+                  <a:outerShdw dist="35921" dir="2700000" algn="ctr" rotWithShape="0">
+                    <a:schemeClr val="bg2"/>
+                  </a:outerShdw>
+                </a:effectLst>
+              </a14:hiddenEffects>
+            </a:ext>
+          </a:extLst>
+        </p:spPr>
+        <p:txBody>
+          <a:bodyPr vert="horz" wrap="none" lIns="91440" tIns="45720" rIns="91440" bIns="45720" numCol="1" anchor="ctr" anchorCtr="0" compatLnSpc="1">
+            <a:prstTxWarp prst="textNoShape">
+              <a:avLst/>
+            </a:prstTxWarp>
+            <a:spAutoFit/>
+          </a:bodyPr>
+          <a:lstStyle/>
+          <a:p>
+            <a:endParaRPr lang="ko-KR" altLang="en-US"/>
+          </a:p>
+        </p:txBody>
+      </p:sp>
+      <p:pic>
+        <p:nvPicPr>
+          <p:cNvPr id="5121" name="_x133781952" descr="EMB0000120468d0"/>
+          <p:cNvPicPr>
+            <a:picLocks noChangeAspect="1" noChangeArrowheads="1"/>
+          </p:cNvPicPr>
+          <p:nvPr/>
+        </p:nvPicPr>
+        <p:blipFill>
+          <a:blip r:embed="rId2">
+            <a:extLst>
+              <a:ext uri="{28A0092B-C50C-407E-A947-70E740481C1C}">
+                <a14:useLocalDpi xmlns:a14="http://schemas.microsoft.com/office/drawing/2010/main" val="0"/>
+              </a:ext>
+            </a:extLst>
+          </a:blip>
+          <a:srcRect/>
+          <a:stretch>
+            <a:fillRect/>
+          </a:stretch>
+        </p:blipFill>
+        <p:spPr bwMode="auto">
+          <a:xfrm>
+            <a:off x="683568" y="2132856"/>
+            <a:ext cx="7300467" cy="3888432"/>
+          </a:xfrm>
+          <a:prstGeom prst="rect">
+            <a:avLst/>
+          </a:prstGeom>
+          <a:noFill/>
+          <a:extLst>
+            <a:ext uri="{909E8E84-426E-40DD-AFC4-6F175D3DCCD1}">
+              <a14:hiddenFill xmlns:a14="http://schemas.microsoft.com/office/drawing/2010/main">
+                <a:solidFill>
+                  <a:srgbClr val="FFFFFF"/>
+                </a:solidFill>
+              </a14:hiddenFill>
             </a:ext>
           </a:extLst>
         </p:spPr>
@@ -6758,143 +6953,13 @@
               <a:rPr lang="ko-KR" altLang="en-US" dirty="0" smtClean="0"/>
               <a:t>영화목록</a:t>
             </a:r>
-            <a:endParaRPr lang="ko-KR" altLang="en-US" dirty="0"/>
-          </a:p>
-        </p:txBody>
-      </p:sp>
-      <p:pic>
-        <p:nvPicPr>
-          <p:cNvPr id="14338" name="Picture 2"/>
-          <p:cNvPicPr>
-            <a:picLocks noChangeArrowheads="1"/>
-          </p:cNvPicPr>
-          <p:nvPr/>
-        </p:nvPicPr>
-        <p:blipFill>
-          <a:blip r:embed="rId2" cstate="print">
-            <a:extLst>
-              <a:ext uri="{28A0092B-C50C-407E-A947-70E740481C1C}">
-                <a14:useLocalDpi xmlns:a14="http://schemas.microsoft.com/office/drawing/2010/main" val="0"/>
-              </a:ext>
-            </a:extLst>
-          </a:blip>
-          <a:srcRect/>
-          <a:stretch>
-            <a:fillRect/>
-          </a:stretch>
-        </p:blipFill>
-        <p:spPr bwMode="auto">
-          <a:xfrm>
-            <a:off x="971600" y="2160000"/>
-            <a:ext cx="6480000" cy="4320000"/>
-          </a:xfrm>
-          <a:prstGeom prst="rect">
-            <a:avLst/>
-          </a:prstGeom>
-          <a:noFill/>
-          <a:ln>
-            <a:noFill/>
-          </a:ln>
-          <a:extLst>
-            <a:ext uri="{909E8E84-426E-40DD-AFC4-6F175D3DCCD1}">
-              <a14:hiddenFill xmlns:a14="http://schemas.microsoft.com/office/drawing/2010/main">
-                <a:solidFill>
-                  <a:schemeClr val="accent1"/>
-                </a:solidFill>
-              </a14:hiddenFill>
-            </a:ext>
-            <a:ext uri="{91240B29-F687-4F45-9708-019B960494DF}">
-              <a14:hiddenLine xmlns:a14="http://schemas.microsoft.com/office/drawing/2010/main" w="9525">
-                <a:solidFill>
-                  <a:schemeClr val="tx1"/>
-                </a:solidFill>
-                <a:miter lim="800000"/>
-                <a:headEnd/>
-                <a:tailEnd/>
-              </a14:hiddenLine>
-            </a:ext>
-          </a:extLst>
-        </p:spPr>
-      </p:pic>
-    </p:spTree>
-    <p:extLst>
-      <p:ext uri="{BB962C8B-B14F-4D97-AF65-F5344CB8AC3E}">
-        <p14:creationId xmlns:p14="http://schemas.microsoft.com/office/powerpoint/2010/main" val="1804919878"/>
-      </p:ext>
-    </p:extLst>
-  </p:cSld>
-  <p:clrMapOvr>
-    <a:masterClrMapping/>
-  </p:clrMapOvr>
-</p:sld>
-</file>
-
-<file path=ppt/slides/slide21.xml><?xml version="1.0" encoding="utf-8"?>
-<p:sld xmlns:a="http://schemas.openxmlformats.org/drawingml/2006/main" xmlns:r="http://schemas.openxmlformats.org/officeDocument/2006/relationships" xmlns:p="http://schemas.openxmlformats.org/presentationml/2006/main">
-  <p:cSld>
-    <p:spTree>
-      <p:nvGrpSpPr>
-        <p:cNvPr id="1" name=""/>
-        <p:cNvGrpSpPr/>
-        <p:nvPr/>
-      </p:nvGrpSpPr>
-      <p:grpSpPr>
-        <a:xfrm>
-          <a:off x="0" y="0"/>
-          <a:ext cx="0" cy="0"/>
-          <a:chOff x="0" y="0"/>
-          <a:chExt cx="0" cy="0"/>
-        </a:xfrm>
-      </p:grpSpPr>
-      <p:sp>
-        <p:nvSpPr>
-          <p:cNvPr id="2" name="제목 1"/>
-          <p:cNvSpPr>
-            <a:spLocks noGrp="1"/>
-          </p:cNvSpPr>
-          <p:nvPr>
-            <p:ph type="title"/>
-          </p:nvPr>
-        </p:nvSpPr>
-        <p:spPr/>
-        <p:txBody>
-          <a:bodyPr/>
-          <a:lstStyle/>
-          <a:p>
-            <a:r>
-              <a:rPr lang="ko-KR" altLang="en-US" dirty="0" smtClean="0"/>
-              <a:t>결과화면</a:t>
-            </a:r>
-            <a:endParaRPr lang="ko-KR" altLang="en-US" dirty="0"/>
-          </a:p>
-        </p:txBody>
-      </p:sp>
-      <p:sp>
-        <p:nvSpPr>
-          <p:cNvPr id="3" name="내용 개체 틀 2"/>
-          <p:cNvSpPr>
-            <a:spLocks noGrp="1"/>
-          </p:cNvSpPr>
-          <p:nvPr>
-            <p:ph sz="quarter" idx="1"/>
-          </p:nvPr>
-        </p:nvSpPr>
-        <p:spPr/>
-        <p:txBody>
-          <a:bodyPr/>
-          <a:lstStyle/>
-          <a:p>
-            <a:r>
-              <a:rPr lang="ko-KR" altLang="en-US" dirty="0" smtClean="0"/>
-              <a:t>영화목록</a:t>
-            </a:r>
             <a:r>
               <a:rPr lang="en-US" altLang="ko-KR" dirty="0" smtClean="0"/>
               <a:t>(</a:t>
             </a:r>
             <a:r>
-              <a:rPr lang="ko-KR" altLang="en-US" dirty="0" smtClean="0"/>
-              <a:t>상세정보 및 리뷰목록</a:t>
+              <a:rPr lang="ko-KR" altLang="en-US" dirty="0" err="1" smtClean="0"/>
+              <a:t>평점순</a:t>
             </a:r>
             <a:r>
               <a:rPr lang="en-US" altLang="ko-KR" dirty="0" smtClean="0"/>
@@ -6904,445 +6969,18 @@
           </a:p>
         </p:txBody>
       </p:sp>
-      <p:pic>
-        <p:nvPicPr>
-          <p:cNvPr id="15362" name="Picture 2"/>
-          <p:cNvPicPr>
-            <a:picLocks noChangeArrowheads="1"/>
-          </p:cNvPicPr>
+      <p:sp>
+        <p:nvSpPr>
+          <p:cNvPr id="4" name="Rectangle 2"/>
+          <p:cNvSpPr>
+            <a:spLocks noChangeArrowheads="1"/>
+          </p:cNvSpPr>
           <p:nvPr/>
-        </p:nvPicPr>
-        <p:blipFill>
-          <a:blip r:embed="rId2" cstate="print">
-            <a:extLst>
-              <a:ext uri="{28A0092B-C50C-407E-A947-70E740481C1C}">
-                <a14:useLocalDpi xmlns:a14="http://schemas.microsoft.com/office/drawing/2010/main" val="0"/>
-              </a:ext>
-            </a:extLst>
-          </a:blip>
-          <a:srcRect/>
-          <a:stretch>
-            <a:fillRect/>
-          </a:stretch>
-        </p:blipFill>
+        </p:nvSpPr>
         <p:spPr bwMode="auto">
           <a:xfrm>
-            <a:off x="827584" y="2164584"/>
-            <a:ext cx="6480000" cy="4320000"/>
-          </a:xfrm>
-          <a:prstGeom prst="rect">
-            <a:avLst/>
-          </a:prstGeom>
-          <a:noFill/>
-          <a:ln>
-            <a:noFill/>
-          </a:ln>
-          <a:extLst>
-            <a:ext uri="{909E8E84-426E-40DD-AFC4-6F175D3DCCD1}">
-              <a14:hiddenFill xmlns:a14="http://schemas.microsoft.com/office/drawing/2010/main">
-                <a:solidFill>
-                  <a:schemeClr val="accent1"/>
-                </a:solidFill>
-              </a14:hiddenFill>
-            </a:ext>
-            <a:ext uri="{91240B29-F687-4F45-9708-019B960494DF}">
-              <a14:hiddenLine xmlns:a14="http://schemas.microsoft.com/office/drawing/2010/main" w="9525">
-                <a:solidFill>
-                  <a:schemeClr val="tx1"/>
-                </a:solidFill>
-                <a:miter lim="800000"/>
-                <a:headEnd/>
-                <a:tailEnd/>
-              </a14:hiddenLine>
-            </a:ext>
-          </a:extLst>
-        </p:spPr>
-      </p:pic>
-    </p:spTree>
-    <p:extLst>
-      <p:ext uri="{BB962C8B-B14F-4D97-AF65-F5344CB8AC3E}">
-        <p14:creationId xmlns:p14="http://schemas.microsoft.com/office/powerpoint/2010/main" val="1804919878"/>
-      </p:ext>
-    </p:extLst>
-  </p:cSld>
-  <p:clrMapOvr>
-    <a:masterClrMapping/>
-  </p:clrMapOvr>
-</p:sld>
-</file>
-
-<file path=ppt/slides/slide22.xml><?xml version="1.0" encoding="utf-8"?>
-<p:sld xmlns:a="http://schemas.openxmlformats.org/drawingml/2006/main" xmlns:r="http://schemas.openxmlformats.org/officeDocument/2006/relationships" xmlns:p="http://schemas.openxmlformats.org/presentationml/2006/main">
-  <p:cSld>
-    <p:spTree>
-      <p:nvGrpSpPr>
-        <p:cNvPr id="1" name=""/>
-        <p:cNvGrpSpPr/>
-        <p:nvPr/>
-      </p:nvGrpSpPr>
-      <p:grpSpPr>
-        <a:xfrm>
-          <a:off x="0" y="0"/>
-          <a:ext cx="0" cy="0"/>
-          <a:chOff x="0" y="0"/>
-          <a:chExt cx="0" cy="0"/>
-        </a:xfrm>
-      </p:grpSpPr>
-      <p:sp>
-        <p:nvSpPr>
-          <p:cNvPr id="2" name="제목 1"/>
-          <p:cNvSpPr>
-            <a:spLocks noGrp="1"/>
-          </p:cNvSpPr>
-          <p:nvPr>
-            <p:ph type="title"/>
-          </p:nvPr>
-        </p:nvSpPr>
-        <p:spPr/>
-        <p:txBody>
-          <a:bodyPr/>
-          <a:lstStyle/>
-          <a:p>
-            <a:r>
-              <a:rPr lang="ko-KR" altLang="en-US" dirty="0" smtClean="0"/>
-              <a:t>결과화면</a:t>
-            </a:r>
-            <a:endParaRPr lang="ko-KR" altLang="en-US" dirty="0"/>
-          </a:p>
-        </p:txBody>
-      </p:sp>
-      <p:sp>
-        <p:nvSpPr>
-          <p:cNvPr id="3" name="내용 개체 틀 2"/>
-          <p:cNvSpPr>
-            <a:spLocks noGrp="1"/>
-          </p:cNvSpPr>
-          <p:nvPr>
-            <p:ph sz="quarter" idx="1"/>
-          </p:nvPr>
-        </p:nvSpPr>
-        <p:spPr/>
-        <p:txBody>
-          <a:bodyPr/>
-          <a:lstStyle/>
-          <a:p>
-            <a:r>
-              <a:rPr lang="ko-KR" altLang="en-US" dirty="0" smtClean="0"/>
-              <a:t>영화검색</a:t>
-            </a:r>
-            <a:r>
-              <a:rPr lang="en-US" altLang="ko-KR" dirty="0" smtClean="0"/>
-              <a:t>(</a:t>
-            </a:r>
-            <a:r>
-              <a:rPr lang="ko-KR" altLang="en-US" dirty="0" smtClean="0"/>
-              <a:t>입력</a:t>
-            </a:r>
-            <a:r>
-              <a:rPr lang="en-US" altLang="ko-KR" dirty="0" smtClean="0"/>
-              <a:t>)</a:t>
-            </a:r>
-            <a:endParaRPr lang="ko-KR" altLang="en-US" dirty="0"/>
-          </a:p>
-        </p:txBody>
-      </p:sp>
-      <p:pic>
-        <p:nvPicPr>
-          <p:cNvPr id="16386" name="Picture 2"/>
-          <p:cNvPicPr>
-            <a:picLocks noChangeArrowheads="1"/>
-          </p:cNvPicPr>
-          <p:nvPr/>
-        </p:nvPicPr>
-        <p:blipFill>
-          <a:blip r:embed="rId2" cstate="print">
-            <a:extLst>
-              <a:ext uri="{28A0092B-C50C-407E-A947-70E740481C1C}">
-                <a14:useLocalDpi xmlns:a14="http://schemas.microsoft.com/office/drawing/2010/main" val="0"/>
-              </a:ext>
-            </a:extLst>
-          </a:blip>
-          <a:srcRect/>
-          <a:stretch>
-            <a:fillRect/>
-          </a:stretch>
-        </p:blipFill>
-        <p:spPr bwMode="auto">
-          <a:xfrm>
-            <a:off x="899592" y="2171054"/>
-            <a:ext cx="6480000" cy="4320000"/>
-          </a:xfrm>
-          <a:prstGeom prst="rect">
-            <a:avLst/>
-          </a:prstGeom>
-          <a:noFill/>
-          <a:ln>
-            <a:noFill/>
-          </a:ln>
-          <a:extLst>
-            <a:ext uri="{909E8E84-426E-40DD-AFC4-6F175D3DCCD1}">
-              <a14:hiddenFill xmlns:a14="http://schemas.microsoft.com/office/drawing/2010/main">
-                <a:solidFill>
-                  <a:schemeClr val="accent1"/>
-                </a:solidFill>
-              </a14:hiddenFill>
-            </a:ext>
-            <a:ext uri="{91240B29-F687-4F45-9708-019B960494DF}">
-              <a14:hiddenLine xmlns:a14="http://schemas.microsoft.com/office/drawing/2010/main" w="9525">
-                <a:solidFill>
-                  <a:schemeClr val="tx1"/>
-                </a:solidFill>
-                <a:miter lim="800000"/>
-                <a:headEnd/>
-                <a:tailEnd/>
-              </a14:hiddenLine>
-            </a:ext>
-          </a:extLst>
-        </p:spPr>
-      </p:pic>
-    </p:spTree>
-    <p:extLst>
-      <p:ext uri="{BB962C8B-B14F-4D97-AF65-F5344CB8AC3E}">
-        <p14:creationId xmlns:p14="http://schemas.microsoft.com/office/powerpoint/2010/main" val="1804919878"/>
-      </p:ext>
-    </p:extLst>
-  </p:cSld>
-  <p:clrMapOvr>
-    <a:masterClrMapping/>
-  </p:clrMapOvr>
-</p:sld>
-</file>
-
-<file path=ppt/slides/slide23.xml><?xml version="1.0" encoding="utf-8"?>
-<p:sld xmlns:a="http://schemas.openxmlformats.org/drawingml/2006/main" xmlns:r="http://schemas.openxmlformats.org/officeDocument/2006/relationships" xmlns:p="http://schemas.openxmlformats.org/presentationml/2006/main">
-  <p:cSld>
-    <p:spTree>
-      <p:nvGrpSpPr>
-        <p:cNvPr id="1" name=""/>
-        <p:cNvGrpSpPr/>
-        <p:nvPr/>
-      </p:nvGrpSpPr>
-      <p:grpSpPr>
-        <a:xfrm>
-          <a:off x="0" y="0"/>
-          <a:ext cx="0" cy="0"/>
-          <a:chOff x="0" y="0"/>
-          <a:chExt cx="0" cy="0"/>
-        </a:xfrm>
-      </p:grpSpPr>
-      <p:sp>
-        <p:nvSpPr>
-          <p:cNvPr id="2" name="제목 1"/>
-          <p:cNvSpPr>
-            <a:spLocks noGrp="1"/>
-          </p:cNvSpPr>
-          <p:nvPr>
-            <p:ph type="title"/>
-          </p:nvPr>
-        </p:nvSpPr>
-        <p:spPr/>
-        <p:txBody>
-          <a:bodyPr/>
-          <a:lstStyle/>
-          <a:p>
-            <a:r>
-              <a:rPr lang="ko-KR" altLang="en-US" dirty="0" smtClean="0"/>
-              <a:t>결과화면</a:t>
-            </a:r>
-            <a:endParaRPr lang="ko-KR" altLang="en-US" dirty="0"/>
-          </a:p>
-        </p:txBody>
-      </p:sp>
-      <p:sp>
-        <p:nvSpPr>
-          <p:cNvPr id="3" name="내용 개체 틀 2"/>
-          <p:cNvSpPr>
-            <a:spLocks noGrp="1"/>
-          </p:cNvSpPr>
-          <p:nvPr>
-            <p:ph sz="quarter" idx="1"/>
-          </p:nvPr>
-        </p:nvSpPr>
-        <p:spPr/>
-        <p:txBody>
-          <a:bodyPr/>
-          <a:lstStyle/>
-          <a:p>
-            <a:r>
-              <a:rPr lang="ko-KR" altLang="en-US" dirty="0" smtClean="0"/>
-              <a:t>영화검색</a:t>
-            </a:r>
-            <a:r>
-              <a:rPr lang="en-US" altLang="ko-KR" dirty="0" smtClean="0"/>
-              <a:t>(</a:t>
-            </a:r>
-            <a:r>
-              <a:rPr lang="ko-KR" altLang="en-US" dirty="0" smtClean="0"/>
-              <a:t>결과</a:t>
-            </a:r>
-            <a:r>
-              <a:rPr lang="en-US" altLang="ko-KR" dirty="0" smtClean="0"/>
-              <a:t>)</a:t>
-            </a:r>
-            <a:endParaRPr lang="ko-KR" altLang="en-US" dirty="0"/>
-          </a:p>
-        </p:txBody>
-      </p:sp>
-      <p:pic>
-        <p:nvPicPr>
-          <p:cNvPr id="17410" name="Picture 2"/>
-          <p:cNvPicPr>
-            <a:picLocks noChangeArrowheads="1"/>
-          </p:cNvPicPr>
-          <p:nvPr/>
-        </p:nvPicPr>
-        <p:blipFill>
-          <a:blip r:embed="rId2" cstate="print">
-            <a:extLst>
-              <a:ext uri="{28A0092B-C50C-407E-A947-70E740481C1C}">
-                <a14:useLocalDpi xmlns:a14="http://schemas.microsoft.com/office/drawing/2010/main" val="0"/>
-              </a:ext>
-            </a:extLst>
-          </a:blip>
-          <a:srcRect/>
-          <a:stretch>
-            <a:fillRect/>
-          </a:stretch>
-        </p:blipFill>
-        <p:spPr bwMode="auto">
-          <a:xfrm>
-            <a:off x="1043608" y="2132856"/>
-            <a:ext cx="6480000" cy="4320000"/>
-          </a:xfrm>
-          <a:prstGeom prst="rect">
-            <a:avLst/>
-          </a:prstGeom>
-          <a:noFill/>
-          <a:ln>
-            <a:noFill/>
-          </a:ln>
-          <a:extLst>
-            <a:ext uri="{909E8E84-426E-40DD-AFC4-6F175D3DCCD1}">
-              <a14:hiddenFill xmlns:a14="http://schemas.microsoft.com/office/drawing/2010/main">
-                <a:solidFill>
-                  <a:schemeClr val="accent1"/>
-                </a:solidFill>
-              </a14:hiddenFill>
-            </a:ext>
-            <a:ext uri="{91240B29-F687-4F45-9708-019B960494DF}">
-              <a14:hiddenLine xmlns:a14="http://schemas.microsoft.com/office/drawing/2010/main" w="9525">
-                <a:solidFill>
-                  <a:schemeClr val="tx1"/>
-                </a:solidFill>
-                <a:miter lim="800000"/>
-                <a:headEnd/>
-                <a:tailEnd/>
-              </a14:hiddenLine>
-            </a:ext>
-          </a:extLst>
-        </p:spPr>
-      </p:pic>
-    </p:spTree>
-    <p:extLst>
-      <p:ext uri="{BB962C8B-B14F-4D97-AF65-F5344CB8AC3E}">
-        <p14:creationId xmlns:p14="http://schemas.microsoft.com/office/powerpoint/2010/main" val="1804919878"/>
-      </p:ext>
-    </p:extLst>
-  </p:cSld>
-  <p:clrMapOvr>
-    <a:masterClrMapping/>
-  </p:clrMapOvr>
-</p:sld>
-</file>
-
-<file path=ppt/slides/slide24.xml><?xml version="1.0" encoding="utf-8"?>
-<p:sld xmlns:a="http://schemas.openxmlformats.org/drawingml/2006/main" xmlns:r="http://schemas.openxmlformats.org/officeDocument/2006/relationships" xmlns:p="http://schemas.openxmlformats.org/presentationml/2006/main">
-  <p:cSld>
-    <p:spTree>
-      <p:nvGrpSpPr>
-        <p:cNvPr id="1" name=""/>
-        <p:cNvGrpSpPr/>
-        <p:nvPr/>
-      </p:nvGrpSpPr>
-      <p:grpSpPr>
-        <a:xfrm>
-          <a:off x="0" y="0"/>
-          <a:ext cx="0" cy="0"/>
-          <a:chOff x="0" y="0"/>
-          <a:chExt cx="0" cy="0"/>
-        </a:xfrm>
-      </p:grpSpPr>
-      <p:sp>
-        <p:nvSpPr>
-          <p:cNvPr id="2" name="제목 1"/>
-          <p:cNvSpPr>
-            <a:spLocks noGrp="1"/>
-          </p:cNvSpPr>
-          <p:nvPr>
-            <p:ph type="title"/>
-          </p:nvPr>
-        </p:nvSpPr>
-        <p:spPr/>
-        <p:txBody>
-          <a:bodyPr/>
-          <a:lstStyle/>
-          <a:p>
-            <a:r>
-              <a:rPr lang="ko-KR" altLang="en-US" dirty="0" smtClean="0"/>
-              <a:t>결과화면</a:t>
-            </a:r>
-            <a:endParaRPr lang="ko-KR" altLang="en-US" dirty="0"/>
-          </a:p>
-        </p:txBody>
-      </p:sp>
-      <p:sp>
-        <p:nvSpPr>
-          <p:cNvPr id="3" name="내용 개체 틀 2"/>
-          <p:cNvSpPr>
-            <a:spLocks noGrp="1"/>
-          </p:cNvSpPr>
-          <p:nvPr>
-            <p:ph sz="quarter" idx="1"/>
-          </p:nvPr>
-        </p:nvSpPr>
-        <p:spPr/>
-        <p:txBody>
-          <a:bodyPr/>
-          <a:lstStyle/>
-          <a:p>
-            <a:r>
-              <a:rPr lang="ko-KR" altLang="en-US" dirty="0" smtClean="0"/>
-              <a:t>랭킹목록</a:t>
-            </a:r>
-            <a:endParaRPr lang="ko-KR" altLang="en-US" dirty="0"/>
-          </a:p>
-        </p:txBody>
-      </p:sp>
-      <p:pic>
-        <p:nvPicPr>
-          <p:cNvPr id="6146" name="Picture 2"/>
-          <p:cNvPicPr>
-            <a:picLocks noChangeArrowheads="1"/>
-          </p:cNvPicPr>
-          <p:nvPr/>
-        </p:nvPicPr>
-        <p:blipFill>
-          <a:blip r:embed="rId2">
-            <a:extLst>
-              <a:ext uri="{28A0092B-C50C-407E-A947-70E740481C1C}">
-                <a14:useLocalDpi xmlns:a14="http://schemas.microsoft.com/office/drawing/2010/main" val="0"/>
-              </a:ext>
-            </a:extLst>
-          </a:blip>
-          <a:srcRect/>
-          <a:stretch>
-            <a:fillRect/>
-          </a:stretch>
-        </p:blipFill>
-        <p:spPr bwMode="auto">
-          <a:xfrm>
-            <a:off x="1043608" y="2130101"/>
-            <a:ext cx="6480000" cy="4320000"/>
+            <a:off x="0" y="0"/>
+            <a:ext cx="9144000" cy="457200"/>
           </a:xfrm>
           <a:prstGeom prst="rect">
             <a:avLst/>
@@ -7381,11 +7019,735 @@
             </a:ext>
           </a:extLst>
         </p:spPr>
+        <p:txBody>
+          <a:bodyPr vert="horz" wrap="none" lIns="91440" tIns="45720" rIns="91440" bIns="45720" numCol="1" anchor="ctr" anchorCtr="0" compatLnSpc="1">
+            <a:prstTxWarp prst="textNoShape">
+              <a:avLst/>
+            </a:prstTxWarp>
+            <a:spAutoFit/>
+          </a:bodyPr>
+          <a:lstStyle/>
+          <a:p>
+            <a:endParaRPr lang="ko-KR" altLang="en-US"/>
+          </a:p>
+        </p:txBody>
+      </p:sp>
+      <p:pic>
+        <p:nvPicPr>
+          <p:cNvPr id="6145" name="_x191237928" descr="EMB0000120468d4"/>
+          <p:cNvPicPr>
+            <a:picLocks noChangeAspect="1" noChangeArrowheads="1"/>
+          </p:cNvPicPr>
+          <p:nvPr/>
+        </p:nvPicPr>
+        <p:blipFill>
+          <a:blip r:embed="rId2">
+            <a:extLst>
+              <a:ext uri="{28A0092B-C50C-407E-A947-70E740481C1C}">
+                <a14:useLocalDpi xmlns:a14="http://schemas.microsoft.com/office/drawing/2010/main" val="0"/>
+              </a:ext>
+            </a:extLst>
+          </a:blip>
+          <a:srcRect/>
+          <a:stretch>
+            <a:fillRect/>
+          </a:stretch>
+        </p:blipFill>
+        <p:spPr bwMode="auto">
+          <a:xfrm>
+            <a:off x="755576" y="2204864"/>
+            <a:ext cx="7165273" cy="3816424"/>
+          </a:xfrm>
+          <a:prstGeom prst="rect">
+            <a:avLst/>
+          </a:prstGeom>
+          <a:noFill/>
+          <a:extLst>
+            <a:ext uri="{909E8E84-426E-40DD-AFC4-6F175D3DCCD1}">
+              <a14:hiddenFill xmlns:a14="http://schemas.microsoft.com/office/drawing/2010/main">
+                <a:solidFill>
+                  <a:srgbClr val="FFFFFF"/>
+                </a:solidFill>
+              </a14:hiddenFill>
+            </a:ext>
+          </a:extLst>
+        </p:spPr>
       </p:pic>
     </p:spTree>
     <p:extLst>
       <p:ext uri="{BB962C8B-B14F-4D97-AF65-F5344CB8AC3E}">
         <p14:creationId xmlns:p14="http://schemas.microsoft.com/office/powerpoint/2010/main" val="1804919878"/>
+      </p:ext>
+    </p:extLst>
+  </p:cSld>
+  <p:clrMapOvr>
+    <a:masterClrMapping/>
+  </p:clrMapOvr>
+</p:sld>
+</file>
+
+<file path=ppt/slides/slide21.xml><?xml version="1.0" encoding="utf-8"?>
+<p:sld xmlns:a="http://schemas.openxmlformats.org/drawingml/2006/main" xmlns:r="http://schemas.openxmlformats.org/officeDocument/2006/relationships" xmlns:p="http://schemas.openxmlformats.org/presentationml/2006/main">
+  <p:cSld>
+    <p:spTree>
+      <p:nvGrpSpPr>
+        <p:cNvPr id="1" name=""/>
+        <p:cNvGrpSpPr/>
+        <p:nvPr/>
+      </p:nvGrpSpPr>
+      <p:grpSpPr>
+        <a:xfrm>
+          <a:off x="0" y="0"/>
+          <a:ext cx="0" cy="0"/>
+          <a:chOff x="0" y="0"/>
+          <a:chExt cx="0" cy="0"/>
+        </a:xfrm>
+      </p:grpSpPr>
+      <p:sp>
+        <p:nvSpPr>
+          <p:cNvPr id="2" name="제목 1"/>
+          <p:cNvSpPr>
+            <a:spLocks noGrp="1"/>
+          </p:cNvSpPr>
+          <p:nvPr>
+            <p:ph type="title"/>
+          </p:nvPr>
+        </p:nvSpPr>
+        <p:spPr/>
+        <p:txBody>
+          <a:bodyPr/>
+          <a:lstStyle/>
+          <a:p>
+            <a:r>
+              <a:rPr lang="ko-KR" altLang="en-US" dirty="0" smtClean="0"/>
+              <a:t>결과화면</a:t>
+            </a:r>
+            <a:endParaRPr lang="ko-KR" altLang="en-US" dirty="0"/>
+          </a:p>
+        </p:txBody>
+      </p:sp>
+      <p:sp>
+        <p:nvSpPr>
+          <p:cNvPr id="3" name="내용 개체 틀 2"/>
+          <p:cNvSpPr>
+            <a:spLocks noGrp="1"/>
+          </p:cNvSpPr>
+          <p:nvPr>
+            <p:ph sz="quarter" idx="1"/>
+          </p:nvPr>
+        </p:nvSpPr>
+        <p:spPr/>
+        <p:txBody>
+          <a:bodyPr/>
+          <a:lstStyle/>
+          <a:p>
+            <a:r>
+              <a:rPr lang="ko-KR" altLang="en-US" dirty="0" smtClean="0"/>
+              <a:t>영화목록</a:t>
+            </a:r>
+            <a:r>
+              <a:rPr lang="en-US" altLang="ko-KR" dirty="0" smtClean="0"/>
+              <a:t>(</a:t>
+            </a:r>
+            <a:r>
+              <a:rPr lang="ko-KR" altLang="en-US" dirty="0" smtClean="0"/>
+              <a:t>상세정보</a:t>
+            </a:r>
+            <a:r>
+              <a:rPr lang="en-US" altLang="ko-KR" dirty="0" smtClean="0"/>
+              <a:t>)</a:t>
+            </a:r>
+            <a:endParaRPr lang="ko-KR" altLang="en-US" dirty="0"/>
+          </a:p>
+        </p:txBody>
+      </p:sp>
+      <p:sp>
+        <p:nvSpPr>
+          <p:cNvPr id="4" name="Rectangle 2"/>
+          <p:cNvSpPr>
+            <a:spLocks noChangeArrowheads="1"/>
+          </p:cNvSpPr>
+          <p:nvPr/>
+        </p:nvSpPr>
+        <p:spPr bwMode="auto">
+          <a:xfrm>
+            <a:off x="0" y="0"/>
+            <a:ext cx="9144000" cy="457200"/>
+          </a:xfrm>
+          <a:prstGeom prst="rect">
+            <a:avLst/>
+          </a:prstGeom>
+          <a:noFill/>
+          <a:ln>
+            <a:noFill/>
+          </a:ln>
+          <a:effectLst/>
+          <a:extLst>
+            <a:ext uri="{909E8E84-426E-40DD-AFC4-6F175D3DCCD1}">
+              <a14:hiddenFill xmlns:a14="http://schemas.microsoft.com/office/drawing/2010/main">
+                <a:solidFill>
+                  <a:schemeClr val="accent1"/>
+                </a:solidFill>
+              </a14:hiddenFill>
+            </a:ext>
+            <a:ext uri="{91240B29-F687-4F45-9708-019B960494DF}">
+              <a14:hiddenLine xmlns:a14="http://schemas.microsoft.com/office/drawing/2010/main" w="9525">
+                <a:solidFill>
+                  <a:schemeClr val="tx1"/>
+                </a:solidFill>
+                <a:miter lim="800000"/>
+                <a:headEnd/>
+                <a:tailEnd/>
+              </a14:hiddenLine>
+            </a:ext>
+            <a:ext uri="{AF507438-7753-43E0-B8FC-AC1667EBCBE1}">
+              <a14:hiddenEffects xmlns:a14="http://schemas.microsoft.com/office/drawing/2010/main">
+                <a:effectLst>
+                  <a:outerShdw dist="35921" dir="2700000" algn="ctr" rotWithShape="0">
+                    <a:schemeClr val="bg2"/>
+                  </a:outerShdw>
+                </a:effectLst>
+              </a14:hiddenEffects>
+            </a:ext>
+          </a:extLst>
+        </p:spPr>
+        <p:txBody>
+          <a:bodyPr vert="horz" wrap="none" lIns="91440" tIns="45720" rIns="91440" bIns="45720" numCol="1" anchor="ctr" anchorCtr="0" compatLnSpc="1">
+            <a:prstTxWarp prst="textNoShape">
+              <a:avLst/>
+            </a:prstTxWarp>
+            <a:spAutoFit/>
+          </a:bodyPr>
+          <a:lstStyle/>
+          <a:p>
+            <a:endParaRPr lang="ko-KR" altLang="en-US"/>
+          </a:p>
+        </p:txBody>
+      </p:sp>
+      <p:pic>
+        <p:nvPicPr>
+          <p:cNvPr id="7169" name="_x191404352" descr="EMB0000120468d7"/>
+          <p:cNvPicPr>
+            <a:picLocks noChangeAspect="1" noChangeArrowheads="1"/>
+          </p:cNvPicPr>
+          <p:nvPr/>
+        </p:nvPicPr>
+        <p:blipFill>
+          <a:blip r:embed="rId2">
+            <a:extLst>
+              <a:ext uri="{28A0092B-C50C-407E-A947-70E740481C1C}">
+                <a14:useLocalDpi xmlns:a14="http://schemas.microsoft.com/office/drawing/2010/main" val="0"/>
+              </a:ext>
+            </a:extLst>
+          </a:blip>
+          <a:srcRect/>
+          <a:stretch>
+            <a:fillRect/>
+          </a:stretch>
+        </p:blipFill>
+        <p:spPr bwMode="auto">
+          <a:xfrm>
+            <a:off x="924882" y="2204864"/>
+            <a:ext cx="6984776" cy="3720286"/>
+          </a:xfrm>
+          <a:prstGeom prst="rect">
+            <a:avLst/>
+          </a:prstGeom>
+          <a:noFill/>
+          <a:extLst>
+            <a:ext uri="{909E8E84-426E-40DD-AFC4-6F175D3DCCD1}">
+              <a14:hiddenFill xmlns:a14="http://schemas.microsoft.com/office/drawing/2010/main">
+                <a:solidFill>
+                  <a:srgbClr val="FFFFFF"/>
+                </a:solidFill>
+              </a14:hiddenFill>
+            </a:ext>
+          </a:extLst>
+        </p:spPr>
+      </p:pic>
+    </p:spTree>
+    <p:extLst>
+      <p:ext uri="{BB962C8B-B14F-4D97-AF65-F5344CB8AC3E}">
+        <p14:creationId xmlns:p14="http://schemas.microsoft.com/office/powerpoint/2010/main" val="1804919878"/>
+      </p:ext>
+    </p:extLst>
+  </p:cSld>
+  <p:clrMapOvr>
+    <a:masterClrMapping/>
+  </p:clrMapOvr>
+</p:sld>
+</file>
+
+<file path=ppt/slides/slide22.xml><?xml version="1.0" encoding="utf-8"?>
+<p:sld xmlns:a="http://schemas.openxmlformats.org/drawingml/2006/main" xmlns:r="http://schemas.openxmlformats.org/officeDocument/2006/relationships" xmlns:p="http://schemas.openxmlformats.org/presentationml/2006/main">
+  <p:cSld>
+    <p:spTree>
+      <p:nvGrpSpPr>
+        <p:cNvPr id="1" name=""/>
+        <p:cNvGrpSpPr/>
+        <p:nvPr/>
+      </p:nvGrpSpPr>
+      <p:grpSpPr>
+        <a:xfrm>
+          <a:off x="0" y="0"/>
+          <a:ext cx="0" cy="0"/>
+          <a:chOff x="0" y="0"/>
+          <a:chExt cx="0" cy="0"/>
+        </a:xfrm>
+      </p:grpSpPr>
+      <p:sp>
+        <p:nvSpPr>
+          <p:cNvPr id="2" name="제목 1"/>
+          <p:cNvSpPr>
+            <a:spLocks noGrp="1"/>
+          </p:cNvSpPr>
+          <p:nvPr>
+            <p:ph type="title"/>
+          </p:nvPr>
+        </p:nvSpPr>
+        <p:spPr/>
+        <p:txBody>
+          <a:bodyPr/>
+          <a:lstStyle/>
+          <a:p>
+            <a:r>
+              <a:rPr lang="ko-KR" altLang="en-US" dirty="0" smtClean="0"/>
+              <a:t>결과화면</a:t>
+            </a:r>
+            <a:endParaRPr lang="ko-KR" altLang="en-US" dirty="0"/>
+          </a:p>
+        </p:txBody>
+      </p:sp>
+      <p:sp>
+        <p:nvSpPr>
+          <p:cNvPr id="3" name="내용 개체 틀 2"/>
+          <p:cNvSpPr>
+            <a:spLocks noGrp="1"/>
+          </p:cNvSpPr>
+          <p:nvPr>
+            <p:ph sz="quarter" idx="1"/>
+          </p:nvPr>
+        </p:nvSpPr>
+        <p:spPr/>
+        <p:txBody>
+          <a:bodyPr/>
+          <a:lstStyle/>
+          <a:p>
+            <a:r>
+              <a:rPr lang="ko-KR" altLang="en-US" dirty="0" smtClean="0"/>
+              <a:t>영화검색</a:t>
+            </a:r>
+            <a:r>
+              <a:rPr lang="en-US" altLang="ko-KR" dirty="0" smtClean="0"/>
+              <a:t>(</a:t>
+            </a:r>
+            <a:r>
+              <a:rPr lang="ko-KR" altLang="en-US" dirty="0" smtClean="0"/>
+              <a:t>결과</a:t>
+            </a:r>
+            <a:r>
+              <a:rPr lang="en-US" altLang="ko-KR" dirty="0" smtClean="0"/>
+              <a:t>)</a:t>
+            </a:r>
+            <a:endParaRPr lang="ko-KR" altLang="en-US" dirty="0"/>
+          </a:p>
+        </p:txBody>
+      </p:sp>
+      <p:sp>
+        <p:nvSpPr>
+          <p:cNvPr id="4" name="Rectangle 2"/>
+          <p:cNvSpPr>
+            <a:spLocks noChangeArrowheads="1"/>
+          </p:cNvSpPr>
+          <p:nvPr/>
+        </p:nvSpPr>
+        <p:spPr bwMode="auto">
+          <a:xfrm>
+            <a:off x="0" y="0"/>
+            <a:ext cx="9144000" cy="457200"/>
+          </a:xfrm>
+          <a:prstGeom prst="rect">
+            <a:avLst/>
+          </a:prstGeom>
+          <a:noFill/>
+          <a:ln>
+            <a:noFill/>
+          </a:ln>
+          <a:effectLst/>
+          <a:extLst>
+            <a:ext uri="{909E8E84-426E-40DD-AFC4-6F175D3DCCD1}">
+              <a14:hiddenFill xmlns:a14="http://schemas.microsoft.com/office/drawing/2010/main">
+                <a:solidFill>
+                  <a:schemeClr val="accent1"/>
+                </a:solidFill>
+              </a14:hiddenFill>
+            </a:ext>
+            <a:ext uri="{91240B29-F687-4F45-9708-019B960494DF}">
+              <a14:hiddenLine xmlns:a14="http://schemas.microsoft.com/office/drawing/2010/main" w="9525">
+                <a:solidFill>
+                  <a:schemeClr val="tx1"/>
+                </a:solidFill>
+                <a:miter lim="800000"/>
+                <a:headEnd/>
+                <a:tailEnd/>
+              </a14:hiddenLine>
+            </a:ext>
+            <a:ext uri="{AF507438-7753-43E0-B8FC-AC1667EBCBE1}">
+              <a14:hiddenEffects xmlns:a14="http://schemas.microsoft.com/office/drawing/2010/main">
+                <a:effectLst>
+                  <a:outerShdw dist="35921" dir="2700000" algn="ctr" rotWithShape="0">
+                    <a:schemeClr val="bg2"/>
+                  </a:outerShdw>
+                </a:effectLst>
+              </a14:hiddenEffects>
+            </a:ext>
+          </a:extLst>
+        </p:spPr>
+        <p:txBody>
+          <a:bodyPr vert="horz" wrap="none" lIns="91440" tIns="45720" rIns="91440" bIns="45720" numCol="1" anchor="ctr" anchorCtr="0" compatLnSpc="1">
+            <a:prstTxWarp prst="textNoShape">
+              <a:avLst/>
+            </a:prstTxWarp>
+            <a:spAutoFit/>
+          </a:bodyPr>
+          <a:lstStyle/>
+          <a:p>
+            <a:endParaRPr lang="ko-KR" altLang="en-US"/>
+          </a:p>
+        </p:txBody>
+      </p:sp>
+      <p:pic>
+        <p:nvPicPr>
+          <p:cNvPr id="8193" name="_x191574432" descr="EMB0000120468e4"/>
+          <p:cNvPicPr>
+            <a:picLocks noChangeAspect="1" noChangeArrowheads="1"/>
+          </p:cNvPicPr>
+          <p:nvPr/>
+        </p:nvPicPr>
+        <p:blipFill>
+          <a:blip r:embed="rId2">
+            <a:extLst>
+              <a:ext uri="{28A0092B-C50C-407E-A947-70E740481C1C}">
+                <a14:useLocalDpi xmlns:a14="http://schemas.microsoft.com/office/drawing/2010/main" val="0"/>
+              </a:ext>
+            </a:extLst>
+          </a:blip>
+          <a:srcRect/>
+          <a:stretch>
+            <a:fillRect/>
+          </a:stretch>
+        </p:blipFill>
+        <p:spPr bwMode="auto">
+          <a:xfrm>
+            <a:off x="611560" y="2204863"/>
+            <a:ext cx="7128792" cy="3796993"/>
+          </a:xfrm>
+          <a:prstGeom prst="rect">
+            <a:avLst/>
+          </a:prstGeom>
+          <a:noFill/>
+          <a:extLst>
+            <a:ext uri="{909E8E84-426E-40DD-AFC4-6F175D3DCCD1}">
+              <a14:hiddenFill xmlns:a14="http://schemas.microsoft.com/office/drawing/2010/main">
+                <a:solidFill>
+                  <a:srgbClr val="FFFFFF"/>
+                </a:solidFill>
+              </a14:hiddenFill>
+            </a:ext>
+          </a:extLst>
+        </p:spPr>
+      </p:pic>
+    </p:spTree>
+    <p:extLst>
+      <p:ext uri="{BB962C8B-B14F-4D97-AF65-F5344CB8AC3E}">
+        <p14:creationId xmlns:p14="http://schemas.microsoft.com/office/powerpoint/2010/main" val="1804919878"/>
+      </p:ext>
+    </p:extLst>
+  </p:cSld>
+  <p:clrMapOvr>
+    <a:masterClrMapping/>
+  </p:clrMapOvr>
+</p:sld>
+</file>
+
+<file path=ppt/slides/slide23.xml><?xml version="1.0" encoding="utf-8"?>
+<p:sld xmlns:a="http://schemas.openxmlformats.org/drawingml/2006/main" xmlns:r="http://schemas.openxmlformats.org/officeDocument/2006/relationships" xmlns:p="http://schemas.openxmlformats.org/presentationml/2006/main">
+  <p:cSld>
+    <p:spTree>
+      <p:nvGrpSpPr>
+        <p:cNvPr id="1" name=""/>
+        <p:cNvGrpSpPr/>
+        <p:nvPr/>
+      </p:nvGrpSpPr>
+      <p:grpSpPr>
+        <a:xfrm>
+          <a:off x="0" y="0"/>
+          <a:ext cx="0" cy="0"/>
+          <a:chOff x="0" y="0"/>
+          <a:chExt cx="0" cy="0"/>
+        </a:xfrm>
+      </p:grpSpPr>
+      <p:sp>
+        <p:nvSpPr>
+          <p:cNvPr id="2" name="제목 1"/>
+          <p:cNvSpPr>
+            <a:spLocks noGrp="1"/>
+          </p:cNvSpPr>
+          <p:nvPr>
+            <p:ph type="title"/>
+          </p:nvPr>
+        </p:nvSpPr>
+        <p:spPr/>
+        <p:txBody>
+          <a:bodyPr/>
+          <a:lstStyle/>
+          <a:p>
+            <a:r>
+              <a:rPr lang="ko-KR" altLang="en-US" dirty="0" smtClean="0"/>
+              <a:t>결과화면</a:t>
+            </a:r>
+            <a:endParaRPr lang="ko-KR" altLang="en-US" dirty="0"/>
+          </a:p>
+        </p:txBody>
+      </p:sp>
+      <p:sp>
+        <p:nvSpPr>
+          <p:cNvPr id="3" name="내용 개체 틀 2"/>
+          <p:cNvSpPr>
+            <a:spLocks noGrp="1"/>
+          </p:cNvSpPr>
+          <p:nvPr>
+            <p:ph sz="quarter" idx="1"/>
+          </p:nvPr>
+        </p:nvSpPr>
+        <p:spPr/>
+        <p:txBody>
+          <a:bodyPr/>
+          <a:lstStyle/>
+          <a:p>
+            <a:r>
+              <a:rPr lang="ko-KR" altLang="en-US" dirty="0" smtClean="0"/>
+              <a:t>랭킹목록</a:t>
+            </a:r>
+            <a:endParaRPr lang="ko-KR" altLang="en-US" dirty="0"/>
+          </a:p>
+        </p:txBody>
+      </p:sp>
+      <p:pic>
+        <p:nvPicPr>
+          <p:cNvPr id="6146" name="Picture 2"/>
+          <p:cNvPicPr>
+            <a:picLocks noChangeArrowheads="1"/>
+          </p:cNvPicPr>
+          <p:nvPr/>
+        </p:nvPicPr>
+        <p:blipFill>
+          <a:blip r:embed="rId2">
+            <a:extLst>
+              <a:ext uri="{28A0092B-C50C-407E-A947-70E740481C1C}">
+                <a14:useLocalDpi xmlns:a14="http://schemas.microsoft.com/office/drawing/2010/main" val="0"/>
+              </a:ext>
+            </a:extLst>
+          </a:blip>
+          <a:srcRect/>
+          <a:stretch>
+            <a:fillRect/>
+          </a:stretch>
+        </p:blipFill>
+        <p:spPr bwMode="auto">
+          <a:xfrm>
+            <a:off x="1043608" y="2130101"/>
+            <a:ext cx="6480000" cy="4320000"/>
+          </a:xfrm>
+          <a:prstGeom prst="rect">
+            <a:avLst/>
+          </a:prstGeom>
+          <a:noFill/>
+          <a:ln>
+            <a:noFill/>
+          </a:ln>
+          <a:effectLst/>
+          <a:extLst>
+            <a:ext uri="{909E8E84-426E-40DD-AFC4-6F175D3DCCD1}">
+              <a14:hiddenFill xmlns:a14="http://schemas.microsoft.com/office/drawing/2010/main">
+                <a:solidFill>
+                  <a:schemeClr val="accent1"/>
+                </a:solidFill>
+              </a14:hiddenFill>
+            </a:ext>
+            <a:ext uri="{91240B29-F687-4F45-9708-019B960494DF}">
+              <a14:hiddenLine xmlns:a14="http://schemas.microsoft.com/office/drawing/2010/main" w="9525">
+                <a:solidFill>
+                  <a:schemeClr val="tx1"/>
+                </a:solidFill>
+                <a:miter lim="800000"/>
+                <a:headEnd/>
+                <a:tailEnd/>
+              </a14:hiddenLine>
+            </a:ext>
+            <a:ext uri="{AF507438-7753-43E0-B8FC-AC1667EBCBE1}">
+              <a14:hiddenEffects xmlns:a14="http://schemas.microsoft.com/office/drawing/2010/main">
+                <a:effectLst>
+                  <a:outerShdw dist="35921" dir="2700000" algn="ctr" rotWithShape="0">
+                    <a:schemeClr val="bg2"/>
+                  </a:outerShdw>
+                </a:effectLst>
+              </a14:hiddenEffects>
+            </a:ext>
+          </a:extLst>
+        </p:spPr>
+      </p:pic>
+    </p:spTree>
+    <p:extLst>
+      <p:ext uri="{BB962C8B-B14F-4D97-AF65-F5344CB8AC3E}">
+        <p14:creationId xmlns:p14="http://schemas.microsoft.com/office/powerpoint/2010/main" val="1804919878"/>
+      </p:ext>
+    </p:extLst>
+  </p:cSld>
+  <p:clrMapOvr>
+    <a:masterClrMapping/>
+  </p:clrMapOvr>
+  <p:timing>
+    <p:tnLst>
+      <p:par>
+        <p:cTn id="1" dur="indefinite" restart="never" nodeType="tmRoot"/>
+      </p:par>
+    </p:tnLst>
+  </p:timing>
+</p:sld>
+</file>
+
+<file path=ppt/slides/slide24.xml><?xml version="1.0" encoding="utf-8"?>
+<p:sld xmlns:a="http://schemas.openxmlformats.org/drawingml/2006/main" xmlns:r="http://schemas.openxmlformats.org/officeDocument/2006/relationships" xmlns:p="http://schemas.openxmlformats.org/presentationml/2006/main">
+  <p:cSld>
+    <p:spTree>
+      <p:nvGrpSpPr>
+        <p:cNvPr id="1" name=""/>
+        <p:cNvGrpSpPr/>
+        <p:nvPr/>
+      </p:nvGrpSpPr>
+      <p:grpSpPr>
+        <a:xfrm>
+          <a:off x="0" y="0"/>
+          <a:ext cx="0" cy="0"/>
+          <a:chOff x="0" y="0"/>
+          <a:chExt cx="0" cy="0"/>
+        </a:xfrm>
+      </p:grpSpPr>
+      <p:sp>
+        <p:nvSpPr>
+          <p:cNvPr id="2" name="제목 1"/>
+          <p:cNvSpPr>
+            <a:spLocks noGrp="1"/>
+          </p:cNvSpPr>
+          <p:nvPr>
+            <p:ph type="title"/>
+          </p:nvPr>
+        </p:nvSpPr>
+        <p:spPr/>
+        <p:txBody>
+          <a:bodyPr/>
+          <a:lstStyle/>
+          <a:p>
+            <a:r>
+              <a:rPr lang="ko-KR" altLang="en-US" dirty="0" smtClean="0"/>
+              <a:t>결과화면</a:t>
+            </a:r>
+            <a:endParaRPr lang="ko-KR" altLang="en-US" dirty="0"/>
+          </a:p>
+        </p:txBody>
+      </p:sp>
+      <p:sp>
+        <p:nvSpPr>
+          <p:cNvPr id="3" name="내용 개체 틀 2"/>
+          <p:cNvSpPr>
+            <a:spLocks noGrp="1"/>
+          </p:cNvSpPr>
+          <p:nvPr>
+            <p:ph sz="quarter" idx="1"/>
+          </p:nvPr>
+        </p:nvSpPr>
+        <p:spPr/>
+        <p:txBody>
+          <a:bodyPr/>
+          <a:lstStyle/>
+          <a:p>
+            <a:r>
+              <a:rPr lang="ko-KR" altLang="en-US" dirty="0" smtClean="0"/>
+              <a:t>랭킹목록</a:t>
+            </a:r>
+            <a:endParaRPr lang="ko-KR" altLang="en-US" dirty="0"/>
+          </a:p>
+        </p:txBody>
+      </p:sp>
+      <p:pic>
+        <p:nvPicPr>
+          <p:cNvPr id="7170" name="Picture 2"/>
+          <p:cNvPicPr>
+            <a:picLocks noChangeArrowheads="1"/>
+          </p:cNvPicPr>
+          <p:nvPr/>
+        </p:nvPicPr>
+        <p:blipFill>
+          <a:blip r:embed="rId2">
+            <a:extLst>
+              <a:ext uri="{28A0092B-C50C-407E-A947-70E740481C1C}">
+                <a14:useLocalDpi xmlns:a14="http://schemas.microsoft.com/office/drawing/2010/main" val="0"/>
+              </a:ext>
+            </a:extLst>
+          </a:blip>
+          <a:srcRect/>
+          <a:stretch>
+            <a:fillRect/>
+          </a:stretch>
+        </p:blipFill>
+        <p:spPr bwMode="auto">
+          <a:xfrm>
+            <a:off x="971600" y="2114560"/>
+            <a:ext cx="6480000" cy="4320000"/>
+          </a:xfrm>
+          <a:prstGeom prst="rect">
+            <a:avLst/>
+          </a:prstGeom>
+          <a:noFill/>
+          <a:ln>
+            <a:noFill/>
+          </a:ln>
+          <a:effectLst/>
+          <a:extLst>
+            <a:ext uri="{909E8E84-426E-40DD-AFC4-6F175D3DCCD1}">
+              <a14:hiddenFill xmlns:a14="http://schemas.microsoft.com/office/drawing/2010/main">
+                <a:solidFill>
+                  <a:schemeClr val="accent1"/>
+                </a:solidFill>
+              </a14:hiddenFill>
+            </a:ext>
+            <a:ext uri="{91240B29-F687-4F45-9708-019B960494DF}">
+              <a14:hiddenLine xmlns:a14="http://schemas.microsoft.com/office/drawing/2010/main" w="9525">
+                <a:solidFill>
+                  <a:schemeClr val="tx1"/>
+                </a:solidFill>
+                <a:miter lim="800000"/>
+                <a:headEnd/>
+                <a:tailEnd/>
+              </a14:hiddenLine>
+            </a:ext>
+            <a:ext uri="{AF507438-7753-43E0-B8FC-AC1667EBCBE1}">
+              <a14:hiddenEffects xmlns:a14="http://schemas.microsoft.com/office/drawing/2010/main">
+                <a:effectLst>
+                  <a:outerShdw dist="35921" dir="2700000" algn="ctr" rotWithShape="0">
+                    <a:schemeClr val="bg2"/>
+                  </a:outerShdw>
+                </a:effectLst>
+              </a14:hiddenEffects>
+            </a:ext>
+          </a:extLst>
+        </p:spPr>
+      </p:pic>
+    </p:spTree>
+    <p:extLst>
+      <p:ext uri="{BB962C8B-B14F-4D97-AF65-F5344CB8AC3E}">
+        <p14:creationId xmlns:p14="http://schemas.microsoft.com/office/powerpoint/2010/main" val="620469604"/>
       </p:ext>
     </p:extLst>
   </p:cSld>
@@ -7436,153 +7798,6 @@
           <a:p>
             <a:r>
               <a:rPr lang="ko-KR" altLang="en-US" dirty="0" smtClean="0"/>
-              <a:t>결과화면</a:t>
-            </a:r>
-            <a:endParaRPr lang="ko-KR" altLang="en-US" dirty="0"/>
-          </a:p>
-        </p:txBody>
-      </p:sp>
-      <p:sp>
-        <p:nvSpPr>
-          <p:cNvPr id="3" name="내용 개체 틀 2"/>
-          <p:cNvSpPr>
-            <a:spLocks noGrp="1"/>
-          </p:cNvSpPr>
-          <p:nvPr>
-            <p:ph sz="quarter" idx="1"/>
-          </p:nvPr>
-        </p:nvSpPr>
-        <p:spPr/>
-        <p:txBody>
-          <a:bodyPr/>
-          <a:lstStyle/>
-          <a:p>
-            <a:r>
-              <a:rPr lang="ko-KR" altLang="en-US" dirty="0" smtClean="0"/>
-              <a:t>랭킹목록</a:t>
-            </a:r>
-            <a:endParaRPr lang="ko-KR" altLang="en-US" dirty="0"/>
-          </a:p>
-        </p:txBody>
-      </p:sp>
-      <p:pic>
-        <p:nvPicPr>
-          <p:cNvPr id="7170" name="Picture 2"/>
-          <p:cNvPicPr>
-            <a:picLocks noChangeArrowheads="1"/>
-          </p:cNvPicPr>
-          <p:nvPr/>
-        </p:nvPicPr>
-        <p:blipFill>
-          <a:blip r:embed="rId2">
-            <a:extLst>
-              <a:ext uri="{28A0092B-C50C-407E-A947-70E740481C1C}">
-                <a14:useLocalDpi xmlns:a14="http://schemas.microsoft.com/office/drawing/2010/main" val="0"/>
-              </a:ext>
-            </a:extLst>
-          </a:blip>
-          <a:srcRect/>
-          <a:stretch>
-            <a:fillRect/>
-          </a:stretch>
-        </p:blipFill>
-        <p:spPr bwMode="auto">
-          <a:xfrm>
-            <a:off x="971600" y="2114560"/>
-            <a:ext cx="6480000" cy="4320000"/>
-          </a:xfrm>
-          <a:prstGeom prst="rect">
-            <a:avLst/>
-          </a:prstGeom>
-          <a:noFill/>
-          <a:ln>
-            <a:noFill/>
-          </a:ln>
-          <a:effectLst/>
-          <a:extLst>
-            <a:ext uri="{909E8E84-426E-40DD-AFC4-6F175D3DCCD1}">
-              <a14:hiddenFill xmlns:a14="http://schemas.microsoft.com/office/drawing/2010/main">
-                <a:solidFill>
-                  <a:schemeClr val="accent1"/>
-                </a:solidFill>
-              </a14:hiddenFill>
-            </a:ext>
-            <a:ext uri="{91240B29-F687-4F45-9708-019B960494DF}">
-              <a14:hiddenLine xmlns:a14="http://schemas.microsoft.com/office/drawing/2010/main" w="9525">
-                <a:solidFill>
-                  <a:schemeClr val="tx1"/>
-                </a:solidFill>
-                <a:miter lim="800000"/>
-                <a:headEnd/>
-                <a:tailEnd/>
-              </a14:hiddenLine>
-            </a:ext>
-            <a:ext uri="{AF507438-7753-43E0-B8FC-AC1667EBCBE1}">
-              <a14:hiddenEffects xmlns:a14="http://schemas.microsoft.com/office/drawing/2010/main">
-                <a:effectLst>
-                  <a:outerShdw dist="35921" dir="2700000" algn="ctr" rotWithShape="0">
-                    <a:schemeClr val="bg2"/>
-                  </a:outerShdw>
-                </a:effectLst>
-              </a14:hiddenEffects>
-            </a:ext>
-          </a:extLst>
-        </p:spPr>
-      </p:pic>
-    </p:spTree>
-    <p:extLst>
-      <p:ext uri="{BB962C8B-B14F-4D97-AF65-F5344CB8AC3E}">
-        <p14:creationId xmlns:p14="http://schemas.microsoft.com/office/powerpoint/2010/main" val="620469604"/>
-      </p:ext>
-    </p:extLst>
-  </p:cSld>
-  <p:clrMapOvr>
-    <a:masterClrMapping/>
-  </p:clrMapOvr>
-  <p:timing>
-    <p:tnLst>
-      <p:par>
-        <p:cTn id="1" dur="indefinite" restart="never" nodeType="tmRoot"/>
-      </p:par>
-    </p:tnLst>
-  </p:timing>
-</p:sld>
-</file>
-
-<file path=ppt/slides/slide26.xml><?xml version="1.0" encoding="utf-8"?>
-<p:sld xmlns:a="http://schemas.openxmlformats.org/drawingml/2006/main" xmlns:r="http://schemas.openxmlformats.org/officeDocument/2006/relationships" xmlns:p="http://schemas.openxmlformats.org/presentationml/2006/main">
-  <p:cSld>
-    <p:spTree>
-      <p:nvGrpSpPr>
-        <p:cNvPr id="1" name=""/>
-        <p:cNvGrpSpPr/>
-        <p:nvPr/>
-      </p:nvGrpSpPr>
-      <p:grpSpPr>
-        <a:xfrm>
-          <a:off x="0" y="0"/>
-          <a:ext cx="0" cy="0"/>
-          <a:chOff x="0" y="0"/>
-          <a:chExt cx="0" cy="0"/>
-        </a:xfrm>
-      </p:grpSpPr>
-      <p:sp>
-        <p:nvSpPr>
-          <p:cNvPr id="2" name="제목 1"/>
-          <p:cNvSpPr>
-            <a:spLocks noGrp="1"/>
-          </p:cNvSpPr>
-          <p:nvPr>
-            <p:ph type="title"/>
-          </p:nvPr>
-        </p:nvSpPr>
-        <p:spPr/>
-        <p:txBody>
-          <a:bodyPr/>
-          <a:lstStyle/>
-          <a:p>
-            <a:r>
-              <a:rPr lang="ko-KR" altLang="en-US" dirty="0" smtClean="0"/>
               <a:t>결론</a:t>
             </a:r>
             <a:endParaRPr lang="ko-KR" altLang="en-US" dirty="0"/>
@@ -7697,7 +7912,7 @@
 </p:sld>
 </file>
 
-<file path=ppt/slides/slide27.xml><?xml version="1.0" encoding="utf-8"?>
+<file path=ppt/slides/slide26.xml><?xml version="1.0" encoding="utf-8"?>
 <p:sld xmlns:a="http://schemas.openxmlformats.org/drawingml/2006/main" xmlns:r="http://schemas.openxmlformats.org/officeDocument/2006/relationships" xmlns:p="http://schemas.openxmlformats.org/presentationml/2006/main">
   <p:cSld>
     <p:spTree>
